--- a/Docs/Präsentation_Kochbuch.pptx
+++ b/Docs/Präsentation_Kochbuch.pptx
@@ -2,19 +2,35 @@
 <file path=ppt/presentation.xml><?xml version="1.0" encoding="utf-8"?>
 <p:presentation xmlns:a="http://schemas.openxmlformats.org/drawingml/2006/main" xmlns:r="http://schemas.openxmlformats.org/officeDocument/2006/relationships" xmlns:p="http://schemas.openxmlformats.org/presentationml/2006/main" saveSubsetFonts="1">
   <p:sldMasterIdLst>
-    <p:sldMasterId id="2147483648" r:id="rId1"/>
+    <p:sldMasterId id="2147483660" r:id="rId1"/>
   </p:sldMasterIdLst>
+  <p:notesMasterIdLst>
+    <p:notesMasterId r:id="rId17"/>
+  </p:notesMasterIdLst>
   <p:sldIdLst>
     <p:sldId id="256" r:id="rId2"/>
     <p:sldId id="257" r:id="rId3"/>
+    <p:sldId id="258" r:id="rId4"/>
+    <p:sldId id="259" r:id="rId5"/>
+    <p:sldId id="264" r:id="rId6"/>
+    <p:sldId id="265" r:id="rId7"/>
+    <p:sldId id="260" r:id="rId8"/>
+    <p:sldId id="261" r:id="rId9"/>
+    <p:sldId id="266" r:id="rId10"/>
+    <p:sldId id="268" r:id="rId11"/>
+    <p:sldId id="269" r:id="rId12"/>
+    <p:sldId id="270" r:id="rId13"/>
+    <p:sldId id="271" r:id="rId14"/>
+    <p:sldId id="272" r:id="rId15"/>
+    <p:sldId id="273" r:id="rId16"/>
   </p:sldIdLst>
   <p:sldSz cx="12192000" cy="6858000"/>
   <p:notesSz cx="6858000" cy="9144000"/>
   <p:defaultTextStyle>
     <a:defPPr>
-      <a:defRPr lang="de-DE"/>
+      <a:defRPr lang="en-US"/>
     </a:defPPr>
-    <a:lvl1pPr marL="0" algn="l" defTabSz="914400" rtl="0" eaLnBrk="1" latinLnBrk="0" hangingPunct="1">
+    <a:lvl1pPr marL="0" algn="l" defTabSz="457200" rtl="0" eaLnBrk="1" latinLnBrk="0" hangingPunct="1">
       <a:defRPr sz="1800" kern="1200">
         <a:solidFill>
           <a:schemeClr val="tx1"/>
@@ -24,7 +40,7 @@
         <a:cs typeface="+mn-cs"/>
       </a:defRPr>
     </a:lvl1pPr>
-    <a:lvl2pPr marL="457200" algn="l" defTabSz="914400" rtl="0" eaLnBrk="1" latinLnBrk="0" hangingPunct="1">
+    <a:lvl2pPr marL="457200" algn="l" defTabSz="457200" rtl="0" eaLnBrk="1" latinLnBrk="0" hangingPunct="1">
       <a:defRPr sz="1800" kern="1200">
         <a:solidFill>
           <a:schemeClr val="tx1"/>
@@ -34,7 +50,7 @@
         <a:cs typeface="+mn-cs"/>
       </a:defRPr>
     </a:lvl2pPr>
-    <a:lvl3pPr marL="914400" algn="l" defTabSz="914400" rtl="0" eaLnBrk="1" latinLnBrk="0" hangingPunct="1">
+    <a:lvl3pPr marL="914400" algn="l" defTabSz="457200" rtl="0" eaLnBrk="1" latinLnBrk="0" hangingPunct="1">
       <a:defRPr sz="1800" kern="1200">
         <a:solidFill>
           <a:schemeClr val="tx1"/>
@@ -44,7 +60,7 @@
         <a:cs typeface="+mn-cs"/>
       </a:defRPr>
     </a:lvl3pPr>
-    <a:lvl4pPr marL="1371600" algn="l" defTabSz="914400" rtl="0" eaLnBrk="1" latinLnBrk="0" hangingPunct="1">
+    <a:lvl4pPr marL="1371600" algn="l" defTabSz="457200" rtl="0" eaLnBrk="1" latinLnBrk="0" hangingPunct="1">
       <a:defRPr sz="1800" kern="1200">
         <a:solidFill>
           <a:schemeClr val="tx1"/>
@@ -54,7 +70,7 @@
         <a:cs typeface="+mn-cs"/>
       </a:defRPr>
     </a:lvl4pPr>
-    <a:lvl5pPr marL="1828800" algn="l" defTabSz="914400" rtl="0" eaLnBrk="1" latinLnBrk="0" hangingPunct="1">
+    <a:lvl5pPr marL="1828800" algn="l" defTabSz="457200" rtl="0" eaLnBrk="1" latinLnBrk="0" hangingPunct="1">
       <a:defRPr sz="1800" kern="1200">
         <a:solidFill>
           <a:schemeClr val="tx1"/>
@@ -64,7 +80,7 @@
         <a:cs typeface="+mn-cs"/>
       </a:defRPr>
     </a:lvl5pPr>
-    <a:lvl6pPr marL="2286000" algn="l" defTabSz="914400" rtl="0" eaLnBrk="1" latinLnBrk="0" hangingPunct="1">
+    <a:lvl6pPr marL="2286000" algn="l" defTabSz="457200" rtl="0" eaLnBrk="1" latinLnBrk="0" hangingPunct="1">
       <a:defRPr sz="1800" kern="1200">
         <a:solidFill>
           <a:schemeClr val="tx1"/>
@@ -74,7 +90,7 @@
         <a:cs typeface="+mn-cs"/>
       </a:defRPr>
     </a:lvl6pPr>
-    <a:lvl7pPr marL="2743200" algn="l" defTabSz="914400" rtl="0" eaLnBrk="1" latinLnBrk="0" hangingPunct="1">
+    <a:lvl7pPr marL="2743200" algn="l" defTabSz="457200" rtl="0" eaLnBrk="1" latinLnBrk="0" hangingPunct="1">
       <a:defRPr sz="1800" kern="1200">
         <a:solidFill>
           <a:schemeClr val="tx1"/>
@@ -84,7 +100,7 @@
         <a:cs typeface="+mn-cs"/>
       </a:defRPr>
     </a:lvl7pPr>
-    <a:lvl8pPr marL="3200400" algn="l" defTabSz="914400" rtl="0" eaLnBrk="1" latinLnBrk="0" hangingPunct="1">
+    <a:lvl8pPr marL="3200400" algn="l" defTabSz="457200" rtl="0" eaLnBrk="1" latinLnBrk="0" hangingPunct="1">
       <a:defRPr sz="1800" kern="1200">
         <a:solidFill>
           <a:schemeClr val="tx1"/>
@@ -94,7 +110,7 @@
         <a:cs typeface="+mn-cs"/>
       </a:defRPr>
     </a:lvl8pPr>
-    <a:lvl9pPr marL="3657600" algn="l" defTabSz="914400" rtl="0" eaLnBrk="1" latinLnBrk="0" hangingPunct="1">
+    <a:lvl9pPr marL="3657600" algn="l" defTabSz="457200" rtl="0" eaLnBrk="1" latinLnBrk="0" hangingPunct="1">
       <a:defRPr sz="1800" kern="1200">
         <a:solidFill>
           <a:schemeClr val="tx1"/>
@@ -105,11 +121,1366 @@
       </a:defRPr>
     </a:lvl9pPr>
   </p:defaultTextStyle>
+  <p:extLst>
+    <p:ext uri="{EFAFB233-063F-42B5-8137-9DF3F51BA10A}">
+      <p15:sldGuideLst xmlns:p15="http://schemas.microsoft.com/office/powerpoint/2012/main"/>
+    </p:ext>
+  </p:extLst>
 </p:presentation>
 </file>
 
+<file path=ppt/notesMasters/notesMaster1.xml><?xml version="1.0" encoding="utf-8"?>
+<p:notesMaster xmlns:a="http://schemas.openxmlformats.org/drawingml/2006/main" xmlns:r="http://schemas.openxmlformats.org/officeDocument/2006/relationships" xmlns:p="http://schemas.openxmlformats.org/presentationml/2006/main">
+  <p:cSld>
+    <p:bg>
+      <p:bgRef idx="1001">
+        <a:schemeClr val="bg1"/>
+      </p:bgRef>
+    </p:bg>
+    <p:spTree>
+      <p:nvGrpSpPr>
+        <p:cNvPr id="1" name=""/>
+        <p:cNvGrpSpPr/>
+        <p:nvPr/>
+      </p:nvGrpSpPr>
+      <p:grpSpPr>
+        <a:xfrm>
+          <a:off x="0" y="0"/>
+          <a:ext cx="0" cy="0"/>
+          <a:chOff x="0" y="0"/>
+          <a:chExt cx="0" cy="0"/>
+        </a:xfrm>
+      </p:grpSpPr>
+      <p:sp>
+        <p:nvSpPr>
+          <p:cNvPr id="2" name="Kopfzeilenplatzhalter 1"/>
+          <p:cNvSpPr>
+            <a:spLocks noGrp="1"/>
+          </p:cNvSpPr>
+          <p:nvPr>
+            <p:ph type="hdr" sz="quarter"/>
+          </p:nvPr>
+        </p:nvSpPr>
+        <p:spPr>
+          <a:xfrm>
+            <a:off x="0" y="0"/>
+            <a:ext cx="2971800" cy="458788"/>
+          </a:xfrm>
+          <a:prstGeom prst="rect">
+            <a:avLst/>
+          </a:prstGeom>
+        </p:spPr>
+        <p:txBody>
+          <a:bodyPr vert="horz" lIns="91440" tIns="45720" rIns="91440" bIns="45720" rtlCol="0"/>
+          <a:lstStyle>
+            <a:lvl1pPr algn="l">
+              <a:defRPr sz="1200"/>
+            </a:lvl1pPr>
+          </a:lstStyle>
+          <a:p>
+            <a:endParaRPr lang="de-CH"/>
+          </a:p>
+        </p:txBody>
+      </p:sp>
+      <p:sp>
+        <p:nvSpPr>
+          <p:cNvPr id="3" name="Datumsplatzhalter 2"/>
+          <p:cNvSpPr>
+            <a:spLocks noGrp="1"/>
+          </p:cNvSpPr>
+          <p:nvPr>
+            <p:ph type="dt" idx="1"/>
+          </p:nvPr>
+        </p:nvSpPr>
+        <p:spPr>
+          <a:xfrm>
+            <a:off x="3884613" y="0"/>
+            <a:ext cx="2971800" cy="458788"/>
+          </a:xfrm>
+          <a:prstGeom prst="rect">
+            <a:avLst/>
+          </a:prstGeom>
+        </p:spPr>
+        <p:txBody>
+          <a:bodyPr vert="horz" lIns="91440" tIns="45720" rIns="91440" bIns="45720" rtlCol="0"/>
+          <a:lstStyle>
+            <a:lvl1pPr algn="r">
+              <a:defRPr sz="1200"/>
+            </a:lvl1pPr>
+          </a:lstStyle>
+          <a:p>
+            <a:fld id="{D4D9BF5D-8F6E-4990-B8DF-66E92D1AC67B}" type="datetimeFigureOut">
+              <a:rPr lang="de-CH" smtClean="0"/>
+              <a:t>31.01.2017</a:t>
+            </a:fld>
+            <a:endParaRPr lang="de-CH"/>
+          </a:p>
+        </p:txBody>
+      </p:sp>
+      <p:sp>
+        <p:nvSpPr>
+          <p:cNvPr id="4" name="Folienbildplatzhalter 3"/>
+          <p:cNvSpPr>
+            <a:spLocks noGrp="1" noRot="1" noChangeAspect="1"/>
+          </p:cNvSpPr>
+          <p:nvPr>
+            <p:ph type="sldImg" idx="2"/>
+          </p:nvPr>
+        </p:nvSpPr>
+        <p:spPr>
+          <a:xfrm>
+            <a:off x="685800" y="1143000"/>
+            <a:ext cx="5486400" cy="3086100"/>
+          </a:xfrm>
+          <a:prstGeom prst="rect">
+            <a:avLst/>
+          </a:prstGeom>
+          <a:noFill/>
+          <a:ln w="12700">
+            <a:solidFill>
+              <a:prstClr val="black"/>
+            </a:solidFill>
+          </a:ln>
+        </p:spPr>
+        <p:txBody>
+          <a:bodyPr vert="horz" lIns="91440" tIns="45720" rIns="91440" bIns="45720" rtlCol="0" anchor="ctr"/>
+          <a:lstStyle/>
+          <a:p>
+            <a:endParaRPr lang="de-CH"/>
+          </a:p>
+        </p:txBody>
+      </p:sp>
+      <p:sp>
+        <p:nvSpPr>
+          <p:cNvPr id="5" name="Notizenplatzhalter 4"/>
+          <p:cNvSpPr>
+            <a:spLocks noGrp="1"/>
+          </p:cNvSpPr>
+          <p:nvPr>
+            <p:ph type="body" sz="quarter" idx="3"/>
+          </p:nvPr>
+        </p:nvSpPr>
+        <p:spPr>
+          <a:xfrm>
+            <a:off x="685800" y="4400550"/>
+            <a:ext cx="5486400" cy="3600450"/>
+          </a:xfrm>
+          <a:prstGeom prst="rect">
+            <a:avLst/>
+          </a:prstGeom>
+        </p:spPr>
+        <p:txBody>
+          <a:bodyPr vert="horz" lIns="91440" tIns="45720" rIns="91440" bIns="45720" rtlCol="0"/>
+          <a:lstStyle/>
+          <a:p>
+            <a:pPr lvl="0"/>
+            <a:r>
+              <a:rPr lang="de-DE"/>
+              <a:t>Formatvorlagen des Textmasters bearbeiten</a:t>
+            </a:r>
+          </a:p>
+          <a:p>
+            <a:pPr lvl="1"/>
+            <a:r>
+              <a:rPr lang="de-DE"/>
+              <a:t>Zweite Ebene</a:t>
+            </a:r>
+          </a:p>
+          <a:p>
+            <a:pPr lvl="2"/>
+            <a:r>
+              <a:rPr lang="de-DE"/>
+              <a:t>Dritte Ebene</a:t>
+            </a:r>
+          </a:p>
+          <a:p>
+            <a:pPr lvl="3"/>
+            <a:r>
+              <a:rPr lang="de-DE"/>
+              <a:t>Vierte Ebene</a:t>
+            </a:r>
+          </a:p>
+          <a:p>
+            <a:pPr lvl="4"/>
+            <a:r>
+              <a:rPr lang="de-DE"/>
+              <a:t>Fünfte Ebene</a:t>
+            </a:r>
+            <a:endParaRPr lang="de-CH"/>
+          </a:p>
+        </p:txBody>
+      </p:sp>
+      <p:sp>
+        <p:nvSpPr>
+          <p:cNvPr id="6" name="Fußzeilenplatzhalter 5"/>
+          <p:cNvSpPr>
+            <a:spLocks noGrp="1"/>
+          </p:cNvSpPr>
+          <p:nvPr>
+            <p:ph type="ftr" sz="quarter" idx="4"/>
+          </p:nvPr>
+        </p:nvSpPr>
+        <p:spPr>
+          <a:xfrm>
+            <a:off x="0" y="8685213"/>
+            <a:ext cx="2971800" cy="458787"/>
+          </a:xfrm>
+          <a:prstGeom prst="rect">
+            <a:avLst/>
+          </a:prstGeom>
+        </p:spPr>
+        <p:txBody>
+          <a:bodyPr vert="horz" lIns="91440" tIns="45720" rIns="91440" bIns="45720" rtlCol="0" anchor="b"/>
+          <a:lstStyle>
+            <a:lvl1pPr algn="l">
+              <a:defRPr sz="1200"/>
+            </a:lvl1pPr>
+          </a:lstStyle>
+          <a:p>
+            <a:endParaRPr lang="de-CH"/>
+          </a:p>
+        </p:txBody>
+      </p:sp>
+      <p:sp>
+        <p:nvSpPr>
+          <p:cNvPr id="7" name="Foliennummernplatzhalter 6"/>
+          <p:cNvSpPr>
+            <a:spLocks noGrp="1"/>
+          </p:cNvSpPr>
+          <p:nvPr>
+            <p:ph type="sldNum" sz="quarter" idx="5"/>
+          </p:nvPr>
+        </p:nvSpPr>
+        <p:spPr>
+          <a:xfrm>
+            <a:off x="3884613" y="8685213"/>
+            <a:ext cx="2971800" cy="458787"/>
+          </a:xfrm>
+          <a:prstGeom prst="rect">
+            <a:avLst/>
+          </a:prstGeom>
+        </p:spPr>
+        <p:txBody>
+          <a:bodyPr vert="horz" lIns="91440" tIns="45720" rIns="91440" bIns="45720" rtlCol="0" anchor="b"/>
+          <a:lstStyle>
+            <a:lvl1pPr algn="r">
+              <a:defRPr sz="1200"/>
+            </a:lvl1pPr>
+          </a:lstStyle>
+          <a:p>
+            <a:fld id="{C2E70478-8B1B-41E7-96C6-064E91E3539D}" type="slidenum">
+              <a:rPr lang="de-CH" smtClean="0"/>
+              <a:t>‹Nr.›</a:t>
+            </a:fld>
+            <a:endParaRPr lang="de-CH"/>
+          </a:p>
+        </p:txBody>
+      </p:sp>
+    </p:spTree>
+    <p:extLst>
+      <p:ext uri="{BB962C8B-B14F-4D97-AF65-F5344CB8AC3E}">
+        <p14:creationId xmlns:p14="http://schemas.microsoft.com/office/powerpoint/2010/main" val="4075465132"/>
+      </p:ext>
+    </p:extLst>
+  </p:cSld>
+  <p:clrMap bg1="lt1" tx1="dk1" bg2="lt2" tx2="dk2" accent1="accent1" accent2="accent2" accent3="accent3" accent4="accent4" accent5="accent5" accent6="accent6" hlink="hlink" folHlink="folHlink"/>
+  <p:notesStyle>
+    <a:lvl1pPr marL="0" algn="l" defTabSz="914400" rtl="0" eaLnBrk="1" latinLnBrk="0" hangingPunct="1">
+      <a:defRPr sz="1200" kern="1200">
+        <a:solidFill>
+          <a:schemeClr val="tx1"/>
+        </a:solidFill>
+        <a:latin typeface="+mn-lt"/>
+        <a:ea typeface="+mn-ea"/>
+        <a:cs typeface="+mn-cs"/>
+      </a:defRPr>
+    </a:lvl1pPr>
+    <a:lvl2pPr marL="457200" algn="l" defTabSz="914400" rtl="0" eaLnBrk="1" latinLnBrk="0" hangingPunct="1">
+      <a:defRPr sz="1200" kern="1200">
+        <a:solidFill>
+          <a:schemeClr val="tx1"/>
+        </a:solidFill>
+        <a:latin typeface="+mn-lt"/>
+        <a:ea typeface="+mn-ea"/>
+        <a:cs typeface="+mn-cs"/>
+      </a:defRPr>
+    </a:lvl2pPr>
+    <a:lvl3pPr marL="914400" algn="l" defTabSz="914400" rtl="0" eaLnBrk="1" latinLnBrk="0" hangingPunct="1">
+      <a:defRPr sz="1200" kern="1200">
+        <a:solidFill>
+          <a:schemeClr val="tx1"/>
+        </a:solidFill>
+        <a:latin typeface="+mn-lt"/>
+        <a:ea typeface="+mn-ea"/>
+        <a:cs typeface="+mn-cs"/>
+      </a:defRPr>
+    </a:lvl3pPr>
+    <a:lvl4pPr marL="1371600" algn="l" defTabSz="914400" rtl="0" eaLnBrk="1" latinLnBrk="0" hangingPunct="1">
+      <a:defRPr sz="1200" kern="1200">
+        <a:solidFill>
+          <a:schemeClr val="tx1"/>
+        </a:solidFill>
+        <a:latin typeface="+mn-lt"/>
+        <a:ea typeface="+mn-ea"/>
+        <a:cs typeface="+mn-cs"/>
+      </a:defRPr>
+    </a:lvl4pPr>
+    <a:lvl5pPr marL="1828800" algn="l" defTabSz="914400" rtl="0" eaLnBrk="1" latinLnBrk="0" hangingPunct="1">
+      <a:defRPr sz="1200" kern="1200">
+        <a:solidFill>
+          <a:schemeClr val="tx1"/>
+        </a:solidFill>
+        <a:latin typeface="+mn-lt"/>
+        <a:ea typeface="+mn-ea"/>
+        <a:cs typeface="+mn-cs"/>
+      </a:defRPr>
+    </a:lvl5pPr>
+    <a:lvl6pPr marL="2286000" algn="l" defTabSz="914400" rtl="0" eaLnBrk="1" latinLnBrk="0" hangingPunct="1">
+      <a:defRPr sz="1200" kern="1200">
+        <a:solidFill>
+          <a:schemeClr val="tx1"/>
+        </a:solidFill>
+        <a:latin typeface="+mn-lt"/>
+        <a:ea typeface="+mn-ea"/>
+        <a:cs typeface="+mn-cs"/>
+      </a:defRPr>
+    </a:lvl6pPr>
+    <a:lvl7pPr marL="2743200" algn="l" defTabSz="914400" rtl="0" eaLnBrk="1" latinLnBrk="0" hangingPunct="1">
+      <a:defRPr sz="1200" kern="1200">
+        <a:solidFill>
+          <a:schemeClr val="tx1"/>
+        </a:solidFill>
+        <a:latin typeface="+mn-lt"/>
+        <a:ea typeface="+mn-ea"/>
+        <a:cs typeface="+mn-cs"/>
+      </a:defRPr>
+    </a:lvl7pPr>
+    <a:lvl8pPr marL="3200400" algn="l" defTabSz="914400" rtl="0" eaLnBrk="1" latinLnBrk="0" hangingPunct="1">
+      <a:defRPr sz="1200" kern="1200">
+        <a:solidFill>
+          <a:schemeClr val="tx1"/>
+        </a:solidFill>
+        <a:latin typeface="+mn-lt"/>
+        <a:ea typeface="+mn-ea"/>
+        <a:cs typeface="+mn-cs"/>
+      </a:defRPr>
+    </a:lvl8pPr>
+    <a:lvl9pPr marL="3657600" algn="l" defTabSz="914400" rtl="0" eaLnBrk="1" latinLnBrk="0" hangingPunct="1">
+      <a:defRPr sz="1200" kern="1200">
+        <a:solidFill>
+          <a:schemeClr val="tx1"/>
+        </a:solidFill>
+        <a:latin typeface="+mn-lt"/>
+        <a:ea typeface="+mn-ea"/>
+        <a:cs typeface="+mn-cs"/>
+      </a:defRPr>
+    </a:lvl9pPr>
+  </p:notesStyle>
+</p:notesMaster>
+</file>
+
+<file path=ppt/notesSlides/notesSlide1.xml><?xml version="1.0" encoding="utf-8"?>
+<p:notes xmlns:a="http://schemas.openxmlformats.org/drawingml/2006/main" xmlns:r="http://schemas.openxmlformats.org/officeDocument/2006/relationships" xmlns:p="http://schemas.openxmlformats.org/presentationml/2006/main">
+  <p:cSld>
+    <p:spTree>
+      <p:nvGrpSpPr>
+        <p:cNvPr id="1" name=""/>
+        <p:cNvGrpSpPr/>
+        <p:nvPr/>
+      </p:nvGrpSpPr>
+      <p:grpSpPr>
+        <a:xfrm>
+          <a:off x="0" y="0"/>
+          <a:ext cx="0" cy="0"/>
+          <a:chOff x="0" y="0"/>
+          <a:chExt cx="0" cy="0"/>
+        </a:xfrm>
+      </p:grpSpPr>
+      <p:sp>
+        <p:nvSpPr>
+          <p:cNvPr id="2" name="Folienbildplatzhalter 1"/>
+          <p:cNvSpPr>
+            <a:spLocks noGrp="1" noRot="1" noChangeAspect="1"/>
+          </p:cNvSpPr>
+          <p:nvPr>
+            <p:ph type="sldImg"/>
+          </p:nvPr>
+        </p:nvSpPr>
+        <p:spPr/>
+      </p:sp>
+      <p:sp>
+        <p:nvSpPr>
+          <p:cNvPr id="3" name="Notizenplatzhalter 2"/>
+          <p:cNvSpPr>
+            <a:spLocks noGrp="1"/>
+          </p:cNvSpPr>
+          <p:nvPr>
+            <p:ph type="body" idx="1"/>
+          </p:nvPr>
+        </p:nvSpPr>
+        <p:spPr/>
+        <p:txBody>
+          <a:bodyPr/>
+          <a:lstStyle/>
+          <a:p>
+            <a:endParaRPr lang="de-CH" dirty="0"/>
+          </a:p>
+        </p:txBody>
+      </p:sp>
+      <p:sp>
+        <p:nvSpPr>
+          <p:cNvPr id="4" name="Foliennummernplatzhalter 3"/>
+          <p:cNvSpPr>
+            <a:spLocks noGrp="1"/>
+          </p:cNvSpPr>
+          <p:nvPr>
+            <p:ph type="sldNum" sz="quarter" idx="10"/>
+          </p:nvPr>
+        </p:nvSpPr>
+        <p:spPr/>
+        <p:txBody>
+          <a:bodyPr/>
+          <a:lstStyle/>
+          <a:p>
+            <a:fld id="{C2E70478-8B1B-41E7-96C6-064E91E3539D}" type="slidenum">
+              <a:rPr lang="de-CH" smtClean="0"/>
+              <a:t>4</a:t>
+            </a:fld>
+            <a:endParaRPr lang="de-CH"/>
+          </a:p>
+        </p:txBody>
+      </p:sp>
+    </p:spTree>
+    <p:extLst>
+      <p:ext uri="{BB962C8B-B14F-4D97-AF65-F5344CB8AC3E}">
+        <p14:creationId xmlns:p14="http://schemas.microsoft.com/office/powerpoint/2010/main" val="3187987584"/>
+      </p:ext>
+    </p:extLst>
+  </p:cSld>
+  <p:clrMapOvr>
+    <a:masterClrMapping/>
+  </p:clrMapOvr>
+</p:notes>
+</file>
+
+<file path=ppt/notesSlides/notesSlide10.xml><?xml version="1.0" encoding="utf-8"?>
+<p:notes xmlns:a="http://schemas.openxmlformats.org/drawingml/2006/main" xmlns:r="http://schemas.openxmlformats.org/officeDocument/2006/relationships" xmlns:p="http://schemas.openxmlformats.org/presentationml/2006/main">
+  <p:cSld>
+    <p:spTree>
+      <p:nvGrpSpPr>
+        <p:cNvPr id="1" name=""/>
+        <p:cNvGrpSpPr/>
+        <p:nvPr/>
+      </p:nvGrpSpPr>
+      <p:grpSpPr>
+        <a:xfrm>
+          <a:off x="0" y="0"/>
+          <a:ext cx="0" cy="0"/>
+          <a:chOff x="0" y="0"/>
+          <a:chExt cx="0" cy="0"/>
+        </a:xfrm>
+      </p:grpSpPr>
+      <p:sp>
+        <p:nvSpPr>
+          <p:cNvPr id="2" name="Folienbildplatzhalter 1"/>
+          <p:cNvSpPr>
+            <a:spLocks noGrp="1" noRot="1" noChangeAspect="1"/>
+          </p:cNvSpPr>
+          <p:nvPr>
+            <p:ph type="sldImg"/>
+          </p:nvPr>
+        </p:nvSpPr>
+        <p:spPr/>
+      </p:sp>
+      <p:sp>
+        <p:nvSpPr>
+          <p:cNvPr id="3" name="Notizenplatzhalter 2"/>
+          <p:cNvSpPr>
+            <a:spLocks noGrp="1"/>
+          </p:cNvSpPr>
+          <p:nvPr>
+            <p:ph type="body" idx="1"/>
+          </p:nvPr>
+        </p:nvSpPr>
+        <p:spPr/>
+        <p:txBody>
+          <a:bodyPr/>
+          <a:lstStyle/>
+          <a:p>
+            <a:r>
+              <a:rPr lang="de-CH" dirty="0"/>
+              <a:t>Erste Schritte: GUI Elemente wie Layout, </a:t>
+            </a:r>
+          </a:p>
+        </p:txBody>
+      </p:sp>
+      <p:sp>
+        <p:nvSpPr>
+          <p:cNvPr id="4" name="Foliennummernplatzhalter 3"/>
+          <p:cNvSpPr>
+            <a:spLocks noGrp="1"/>
+          </p:cNvSpPr>
+          <p:nvPr>
+            <p:ph type="sldNum" sz="quarter" idx="10"/>
+          </p:nvPr>
+        </p:nvSpPr>
+        <p:spPr/>
+        <p:txBody>
+          <a:bodyPr/>
+          <a:lstStyle/>
+          <a:p>
+            <a:fld id="{C2E70478-8B1B-41E7-96C6-064E91E3539D}" type="slidenum">
+              <a:rPr lang="de-CH" smtClean="0"/>
+              <a:t>14</a:t>
+            </a:fld>
+            <a:endParaRPr lang="de-CH"/>
+          </a:p>
+        </p:txBody>
+      </p:sp>
+    </p:spTree>
+    <p:extLst>
+      <p:ext uri="{BB962C8B-B14F-4D97-AF65-F5344CB8AC3E}">
+        <p14:creationId xmlns:p14="http://schemas.microsoft.com/office/powerpoint/2010/main" val="3249829210"/>
+      </p:ext>
+    </p:extLst>
+  </p:cSld>
+  <p:clrMapOvr>
+    <a:masterClrMapping/>
+  </p:clrMapOvr>
+</p:notes>
+</file>
+
+<file path=ppt/notesSlides/notesSlide11.xml><?xml version="1.0" encoding="utf-8"?>
+<p:notes xmlns:a="http://schemas.openxmlformats.org/drawingml/2006/main" xmlns:r="http://schemas.openxmlformats.org/officeDocument/2006/relationships" xmlns:p="http://schemas.openxmlformats.org/presentationml/2006/main">
+  <p:cSld>
+    <p:spTree>
+      <p:nvGrpSpPr>
+        <p:cNvPr id="1" name=""/>
+        <p:cNvGrpSpPr/>
+        <p:nvPr/>
+      </p:nvGrpSpPr>
+      <p:grpSpPr>
+        <a:xfrm>
+          <a:off x="0" y="0"/>
+          <a:ext cx="0" cy="0"/>
+          <a:chOff x="0" y="0"/>
+          <a:chExt cx="0" cy="0"/>
+        </a:xfrm>
+      </p:grpSpPr>
+      <p:sp>
+        <p:nvSpPr>
+          <p:cNvPr id="2" name="Folienbildplatzhalter 1"/>
+          <p:cNvSpPr>
+            <a:spLocks noGrp="1" noRot="1" noChangeAspect="1"/>
+          </p:cNvSpPr>
+          <p:nvPr>
+            <p:ph type="sldImg"/>
+          </p:nvPr>
+        </p:nvSpPr>
+        <p:spPr/>
+      </p:sp>
+      <p:sp>
+        <p:nvSpPr>
+          <p:cNvPr id="3" name="Notizenplatzhalter 2"/>
+          <p:cNvSpPr>
+            <a:spLocks noGrp="1"/>
+          </p:cNvSpPr>
+          <p:nvPr>
+            <p:ph type="body" idx="1"/>
+          </p:nvPr>
+        </p:nvSpPr>
+        <p:spPr/>
+        <p:txBody>
+          <a:bodyPr/>
+          <a:lstStyle/>
+          <a:p>
+            <a:r>
+              <a:rPr lang="de-CH" dirty="0"/>
+              <a:t>Erste Schritte: GUI Elemente wie Layout, </a:t>
+            </a:r>
+          </a:p>
+        </p:txBody>
+      </p:sp>
+      <p:sp>
+        <p:nvSpPr>
+          <p:cNvPr id="4" name="Foliennummernplatzhalter 3"/>
+          <p:cNvSpPr>
+            <a:spLocks noGrp="1"/>
+          </p:cNvSpPr>
+          <p:nvPr>
+            <p:ph type="sldNum" sz="quarter" idx="10"/>
+          </p:nvPr>
+        </p:nvSpPr>
+        <p:spPr/>
+        <p:txBody>
+          <a:bodyPr/>
+          <a:lstStyle/>
+          <a:p>
+            <a:fld id="{C2E70478-8B1B-41E7-96C6-064E91E3539D}" type="slidenum">
+              <a:rPr lang="de-CH" smtClean="0"/>
+              <a:t>15</a:t>
+            </a:fld>
+            <a:endParaRPr lang="de-CH"/>
+          </a:p>
+        </p:txBody>
+      </p:sp>
+    </p:spTree>
+    <p:extLst>
+      <p:ext uri="{BB962C8B-B14F-4D97-AF65-F5344CB8AC3E}">
+        <p14:creationId xmlns:p14="http://schemas.microsoft.com/office/powerpoint/2010/main" val="2921045440"/>
+      </p:ext>
+    </p:extLst>
+  </p:cSld>
+  <p:clrMapOvr>
+    <a:masterClrMapping/>
+  </p:clrMapOvr>
+</p:notes>
+</file>
+
+<file path=ppt/notesSlides/notesSlide2.xml><?xml version="1.0" encoding="utf-8"?>
+<p:notes xmlns:a="http://schemas.openxmlformats.org/drawingml/2006/main" xmlns:r="http://schemas.openxmlformats.org/officeDocument/2006/relationships" xmlns:p="http://schemas.openxmlformats.org/presentationml/2006/main">
+  <p:cSld>
+    <p:spTree>
+      <p:nvGrpSpPr>
+        <p:cNvPr id="1" name=""/>
+        <p:cNvGrpSpPr/>
+        <p:nvPr/>
+      </p:nvGrpSpPr>
+      <p:grpSpPr>
+        <a:xfrm>
+          <a:off x="0" y="0"/>
+          <a:ext cx="0" cy="0"/>
+          <a:chOff x="0" y="0"/>
+          <a:chExt cx="0" cy="0"/>
+        </a:xfrm>
+      </p:grpSpPr>
+      <p:sp>
+        <p:nvSpPr>
+          <p:cNvPr id="2" name="Folienbildplatzhalter 1"/>
+          <p:cNvSpPr>
+            <a:spLocks noGrp="1" noRot="1" noChangeAspect="1"/>
+          </p:cNvSpPr>
+          <p:nvPr>
+            <p:ph type="sldImg"/>
+          </p:nvPr>
+        </p:nvSpPr>
+        <p:spPr/>
+      </p:sp>
+      <p:sp>
+        <p:nvSpPr>
+          <p:cNvPr id="3" name="Notizenplatzhalter 2"/>
+          <p:cNvSpPr>
+            <a:spLocks noGrp="1"/>
+          </p:cNvSpPr>
+          <p:nvPr>
+            <p:ph type="body" idx="1"/>
+          </p:nvPr>
+        </p:nvSpPr>
+        <p:spPr/>
+        <p:txBody>
+          <a:bodyPr/>
+          <a:lstStyle/>
+          <a:p>
+            <a:r>
+              <a:rPr lang="de-CH" dirty="0"/>
+              <a:t>DB </a:t>
+            </a:r>
+            <a:r>
+              <a:rPr lang="de-CH" dirty="0" err="1"/>
+              <a:t>Know</a:t>
+            </a:r>
+            <a:r>
+              <a:rPr lang="de-CH" dirty="0"/>
+              <a:t> </a:t>
+            </a:r>
+            <a:r>
+              <a:rPr lang="de-CH" dirty="0" err="1"/>
+              <a:t>How</a:t>
+            </a:r>
+            <a:r>
+              <a:rPr lang="de-CH" dirty="0"/>
+              <a:t> auch erwähnen</a:t>
+            </a:r>
+          </a:p>
+        </p:txBody>
+      </p:sp>
+      <p:sp>
+        <p:nvSpPr>
+          <p:cNvPr id="4" name="Foliennummernplatzhalter 3"/>
+          <p:cNvSpPr>
+            <a:spLocks noGrp="1"/>
+          </p:cNvSpPr>
+          <p:nvPr>
+            <p:ph type="sldNum" sz="quarter" idx="10"/>
+          </p:nvPr>
+        </p:nvSpPr>
+        <p:spPr/>
+        <p:txBody>
+          <a:bodyPr/>
+          <a:lstStyle/>
+          <a:p>
+            <a:fld id="{C2E70478-8B1B-41E7-96C6-064E91E3539D}" type="slidenum">
+              <a:rPr lang="de-CH" smtClean="0"/>
+              <a:t>5</a:t>
+            </a:fld>
+            <a:endParaRPr lang="de-CH"/>
+          </a:p>
+        </p:txBody>
+      </p:sp>
+    </p:spTree>
+    <p:extLst>
+      <p:ext uri="{BB962C8B-B14F-4D97-AF65-F5344CB8AC3E}">
+        <p14:creationId xmlns:p14="http://schemas.microsoft.com/office/powerpoint/2010/main" val="3150460737"/>
+      </p:ext>
+    </p:extLst>
+  </p:cSld>
+  <p:clrMapOvr>
+    <a:masterClrMapping/>
+  </p:clrMapOvr>
+</p:notes>
+</file>
+
+<file path=ppt/notesSlides/notesSlide3.xml><?xml version="1.0" encoding="utf-8"?>
+<p:notes xmlns:a="http://schemas.openxmlformats.org/drawingml/2006/main" xmlns:r="http://schemas.openxmlformats.org/officeDocument/2006/relationships" xmlns:p="http://schemas.openxmlformats.org/presentationml/2006/main">
+  <p:cSld>
+    <p:spTree>
+      <p:nvGrpSpPr>
+        <p:cNvPr id="1" name=""/>
+        <p:cNvGrpSpPr/>
+        <p:nvPr/>
+      </p:nvGrpSpPr>
+      <p:grpSpPr>
+        <a:xfrm>
+          <a:off x="0" y="0"/>
+          <a:ext cx="0" cy="0"/>
+          <a:chOff x="0" y="0"/>
+          <a:chExt cx="0" cy="0"/>
+        </a:xfrm>
+      </p:grpSpPr>
+      <p:sp>
+        <p:nvSpPr>
+          <p:cNvPr id="2" name="Folienbildplatzhalter 1"/>
+          <p:cNvSpPr>
+            <a:spLocks noGrp="1" noRot="1" noChangeAspect="1"/>
+          </p:cNvSpPr>
+          <p:nvPr>
+            <p:ph type="sldImg"/>
+          </p:nvPr>
+        </p:nvSpPr>
+        <p:spPr/>
+      </p:sp>
+      <p:sp>
+        <p:nvSpPr>
+          <p:cNvPr id="3" name="Notizenplatzhalter 2"/>
+          <p:cNvSpPr>
+            <a:spLocks noGrp="1"/>
+          </p:cNvSpPr>
+          <p:nvPr>
+            <p:ph type="body" idx="1"/>
+          </p:nvPr>
+        </p:nvSpPr>
+        <p:spPr/>
+        <p:txBody>
+          <a:bodyPr/>
+          <a:lstStyle/>
+          <a:p>
+            <a:r>
+              <a:rPr lang="de-CH" dirty="0"/>
+              <a:t>Verbindung DB (</a:t>
+            </a:r>
+            <a:r>
+              <a:rPr lang="de-CH" dirty="0" err="1"/>
+              <a:t>Win</a:t>
+            </a:r>
+            <a:r>
+              <a:rPr lang="de-CH" dirty="0"/>
+              <a:t> Server) mit einer mobile App. Einlesen und Wiedergeben von Daten auf </a:t>
+            </a:r>
+            <a:r>
+              <a:rPr lang="de-CH" dirty="0" err="1"/>
+              <a:t>Xamarin</a:t>
+            </a:r>
+            <a:r>
+              <a:rPr lang="de-CH" dirty="0"/>
+              <a:t>.</a:t>
+            </a:r>
+          </a:p>
+          <a:p>
+            <a:r>
+              <a:rPr lang="de-CH" dirty="0"/>
+              <a:t>Warum </a:t>
+            </a:r>
+            <a:r>
+              <a:rPr lang="de-CH" dirty="0" err="1"/>
+              <a:t>Xamarim</a:t>
+            </a:r>
+            <a:r>
+              <a:rPr lang="de-CH" dirty="0"/>
+              <a:t>? -&gt; Android und C# unterstützt</a:t>
+            </a:r>
+          </a:p>
+        </p:txBody>
+      </p:sp>
+      <p:sp>
+        <p:nvSpPr>
+          <p:cNvPr id="4" name="Foliennummernplatzhalter 3"/>
+          <p:cNvSpPr>
+            <a:spLocks noGrp="1"/>
+          </p:cNvSpPr>
+          <p:nvPr>
+            <p:ph type="sldNum" sz="quarter" idx="10"/>
+          </p:nvPr>
+        </p:nvSpPr>
+        <p:spPr/>
+        <p:txBody>
+          <a:bodyPr/>
+          <a:lstStyle/>
+          <a:p>
+            <a:fld id="{C2E70478-8B1B-41E7-96C6-064E91E3539D}" type="slidenum">
+              <a:rPr lang="de-CH" smtClean="0"/>
+              <a:t>6</a:t>
+            </a:fld>
+            <a:endParaRPr lang="de-CH"/>
+          </a:p>
+        </p:txBody>
+      </p:sp>
+    </p:spTree>
+    <p:extLst>
+      <p:ext uri="{BB962C8B-B14F-4D97-AF65-F5344CB8AC3E}">
+        <p14:creationId xmlns:p14="http://schemas.microsoft.com/office/powerpoint/2010/main" val="1502907652"/>
+      </p:ext>
+    </p:extLst>
+  </p:cSld>
+  <p:clrMapOvr>
+    <a:masterClrMapping/>
+  </p:clrMapOvr>
+</p:notes>
+</file>
+
+<file path=ppt/notesSlides/notesSlide4.xml><?xml version="1.0" encoding="utf-8"?>
+<p:notes xmlns:a="http://schemas.openxmlformats.org/drawingml/2006/main" xmlns:r="http://schemas.openxmlformats.org/officeDocument/2006/relationships" xmlns:p="http://schemas.openxmlformats.org/presentationml/2006/main">
+  <p:cSld>
+    <p:spTree>
+      <p:nvGrpSpPr>
+        <p:cNvPr id="1" name=""/>
+        <p:cNvGrpSpPr/>
+        <p:nvPr/>
+      </p:nvGrpSpPr>
+      <p:grpSpPr>
+        <a:xfrm>
+          <a:off x="0" y="0"/>
+          <a:ext cx="0" cy="0"/>
+          <a:chOff x="0" y="0"/>
+          <a:chExt cx="0" cy="0"/>
+        </a:xfrm>
+      </p:grpSpPr>
+      <p:sp>
+        <p:nvSpPr>
+          <p:cNvPr id="2" name="Folienbildplatzhalter 1"/>
+          <p:cNvSpPr>
+            <a:spLocks noGrp="1" noRot="1" noChangeAspect="1"/>
+          </p:cNvSpPr>
+          <p:nvPr>
+            <p:ph type="sldImg"/>
+          </p:nvPr>
+        </p:nvSpPr>
+        <p:spPr/>
+      </p:sp>
+      <p:sp>
+        <p:nvSpPr>
+          <p:cNvPr id="3" name="Notizenplatzhalter 2"/>
+          <p:cNvSpPr>
+            <a:spLocks noGrp="1"/>
+          </p:cNvSpPr>
+          <p:nvPr>
+            <p:ph type="body" idx="1"/>
+          </p:nvPr>
+        </p:nvSpPr>
+        <p:spPr/>
+        <p:txBody>
+          <a:bodyPr/>
+          <a:lstStyle/>
+          <a:p>
+            <a:r>
+              <a:rPr lang="de-CH" dirty="0"/>
+              <a:t>Erste Schritte: GUI Elemente wie Layout, </a:t>
+            </a:r>
+          </a:p>
+        </p:txBody>
+      </p:sp>
+      <p:sp>
+        <p:nvSpPr>
+          <p:cNvPr id="4" name="Foliennummernplatzhalter 3"/>
+          <p:cNvSpPr>
+            <a:spLocks noGrp="1"/>
+          </p:cNvSpPr>
+          <p:nvPr>
+            <p:ph type="sldNum" sz="quarter" idx="10"/>
+          </p:nvPr>
+        </p:nvSpPr>
+        <p:spPr/>
+        <p:txBody>
+          <a:bodyPr/>
+          <a:lstStyle/>
+          <a:p>
+            <a:fld id="{C2E70478-8B1B-41E7-96C6-064E91E3539D}" type="slidenum">
+              <a:rPr lang="de-CH" smtClean="0"/>
+              <a:t>8</a:t>
+            </a:fld>
+            <a:endParaRPr lang="de-CH"/>
+          </a:p>
+        </p:txBody>
+      </p:sp>
+    </p:spTree>
+    <p:extLst>
+      <p:ext uri="{BB962C8B-B14F-4D97-AF65-F5344CB8AC3E}">
+        <p14:creationId xmlns:p14="http://schemas.microsoft.com/office/powerpoint/2010/main" val="3236046504"/>
+      </p:ext>
+    </p:extLst>
+  </p:cSld>
+  <p:clrMapOvr>
+    <a:masterClrMapping/>
+  </p:clrMapOvr>
+</p:notes>
+</file>
+
+<file path=ppt/notesSlides/notesSlide5.xml><?xml version="1.0" encoding="utf-8"?>
+<p:notes xmlns:a="http://schemas.openxmlformats.org/drawingml/2006/main" xmlns:r="http://schemas.openxmlformats.org/officeDocument/2006/relationships" xmlns:p="http://schemas.openxmlformats.org/presentationml/2006/main">
+  <p:cSld>
+    <p:spTree>
+      <p:nvGrpSpPr>
+        <p:cNvPr id="1" name=""/>
+        <p:cNvGrpSpPr/>
+        <p:nvPr/>
+      </p:nvGrpSpPr>
+      <p:grpSpPr>
+        <a:xfrm>
+          <a:off x="0" y="0"/>
+          <a:ext cx="0" cy="0"/>
+          <a:chOff x="0" y="0"/>
+          <a:chExt cx="0" cy="0"/>
+        </a:xfrm>
+      </p:grpSpPr>
+      <p:sp>
+        <p:nvSpPr>
+          <p:cNvPr id="2" name="Folienbildplatzhalter 1"/>
+          <p:cNvSpPr>
+            <a:spLocks noGrp="1" noRot="1" noChangeAspect="1"/>
+          </p:cNvSpPr>
+          <p:nvPr>
+            <p:ph type="sldImg"/>
+          </p:nvPr>
+        </p:nvSpPr>
+        <p:spPr/>
+      </p:sp>
+      <p:sp>
+        <p:nvSpPr>
+          <p:cNvPr id="3" name="Notizenplatzhalter 2"/>
+          <p:cNvSpPr>
+            <a:spLocks noGrp="1"/>
+          </p:cNvSpPr>
+          <p:nvPr>
+            <p:ph type="body" idx="1"/>
+          </p:nvPr>
+        </p:nvSpPr>
+        <p:spPr/>
+        <p:txBody>
+          <a:bodyPr/>
+          <a:lstStyle/>
+          <a:p>
+            <a:r>
+              <a:rPr lang="de-CH" dirty="0"/>
+              <a:t>Erste Schritte: GUI Elemente wie Layout, </a:t>
+            </a:r>
+          </a:p>
+        </p:txBody>
+      </p:sp>
+      <p:sp>
+        <p:nvSpPr>
+          <p:cNvPr id="4" name="Foliennummernplatzhalter 3"/>
+          <p:cNvSpPr>
+            <a:spLocks noGrp="1"/>
+          </p:cNvSpPr>
+          <p:nvPr>
+            <p:ph type="sldNum" sz="quarter" idx="10"/>
+          </p:nvPr>
+        </p:nvSpPr>
+        <p:spPr/>
+        <p:txBody>
+          <a:bodyPr/>
+          <a:lstStyle/>
+          <a:p>
+            <a:fld id="{C2E70478-8B1B-41E7-96C6-064E91E3539D}" type="slidenum">
+              <a:rPr lang="de-CH" smtClean="0"/>
+              <a:t>9</a:t>
+            </a:fld>
+            <a:endParaRPr lang="de-CH"/>
+          </a:p>
+        </p:txBody>
+      </p:sp>
+    </p:spTree>
+    <p:extLst>
+      <p:ext uri="{BB962C8B-B14F-4D97-AF65-F5344CB8AC3E}">
+        <p14:creationId xmlns:p14="http://schemas.microsoft.com/office/powerpoint/2010/main" val="3672304105"/>
+      </p:ext>
+    </p:extLst>
+  </p:cSld>
+  <p:clrMapOvr>
+    <a:masterClrMapping/>
+  </p:clrMapOvr>
+</p:notes>
+</file>
+
+<file path=ppt/notesSlides/notesSlide6.xml><?xml version="1.0" encoding="utf-8"?>
+<p:notes xmlns:a="http://schemas.openxmlformats.org/drawingml/2006/main" xmlns:r="http://schemas.openxmlformats.org/officeDocument/2006/relationships" xmlns:p="http://schemas.openxmlformats.org/presentationml/2006/main">
+  <p:cSld>
+    <p:spTree>
+      <p:nvGrpSpPr>
+        <p:cNvPr id="1" name=""/>
+        <p:cNvGrpSpPr/>
+        <p:nvPr/>
+      </p:nvGrpSpPr>
+      <p:grpSpPr>
+        <a:xfrm>
+          <a:off x="0" y="0"/>
+          <a:ext cx="0" cy="0"/>
+          <a:chOff x="0" y="0"/>
+          <a:chExt cx="0" cy="0"/>
+        </a:xfrm>
+      </p:grpSpPr>
+      <p:sp>
+        <p:nvSpPr>
+          <p:cNvPr id="2" name="Folienbildplatzhalter 1"/>
+          <p:cNvSpPr>
+            <a:spLocks noGrp="1" noRot="1" noChangeAspect="1"/>
+          </p:cNvSpPr>
+          <p:nvPr>
+            <p:ph type="sldImg"/>
+          </p:nvPr>
+        </p:nvSpPr>
+        <p:spPr/>
+      </p:sp>
+      <p:sp>
+        <p:nvSpPr>
+          <p:cNvPr id="3" name="Notizenplatzhalter 2"/>
+          <p:cNvSpPr>
+            <a:spLocks noGrp="1"/>
+          </p:cNvSpPr>
+          <p:nvPr>
+            <p:ph type="body" idx="1"/>
+          </p:nvPr>
+        </p:nvSpPr>
+        <p:spPr/>
+        <p:txBody>
+          <a:bodyPr/>
+          <a:lstStyle/>
+          <a:p>
+            <a:r>
+              <a:rPr lang="de-CH" dirty="0"/>
+              <a:t>Erste Schritte: GUI Elemente wie Layout, </a:t>
+            </a:r>
+          </a:p>
+        </p:txBody>
+      </p:sp>
+      <p:sp>
+        <p:nvSpPr>
+          <p:cNvPr id="4" name="Foliennummernplatzhalter 3"/>
+          <p:cNvSpPr>
+            <a:spLocks noGrp="1"/>
+          </p:cNvSpPr>
+          <p:nvPr>
+            <p:ph type="sldNum" sz="quarter" idx="10"/>
+          </p:nvPr>
+        </p:nvSpPr>
+        <p:spPr/>
+        <p:txBody>
+          <a:bodyPr/>
+          <a:lstStyle/>
+          <a:p>
+            <a:fld id="{C2E70478-8B1B-41E7-96C6-064E91E3539D}" type="slidenum">
+              <a:rPr lang="de-CH" smtClean="0"/>
+              <a:t>10</a:t>
+            </a:fld>
+            <a:endParaRPr lang="de-CH"/>
+          </a:p>
+        </p:txBody>
+      </p:sp>
+    </p:spTree>
+    <p:extLst>
+      <p:ext uri="{BB962C8B-B14F-4D97-AF65-F5344CB8AC3E}">
+        <p14:creationId xmlns:p14="http://schemas.microsoft.com/office/powerpoint/2010/main" val="757691452"/>
+      </p:ext>
+    </p:extLst>
+  </p:cSld>
+  <p:clrMapOvr>
+    <a:masterClrMapping/>
+  </p:clrMapOvr>
+</p:notes>
+</file>
+
+<file path=ppt/notesSlides/notesSlide7.xml><?xml version="1.0" encoding="utf-8"?>
+<p:notes xmlns:a="http://schemas.openxmlformats.org/drawingml/2006/main" xmlns:r="http://schemas.openxmlformats.org/officeDocument/2006/relationships" xmlns:p="http://schemas.openxmlformats.org/presentationml/2006/main">
+  <p:cSld>
+    <p:spTree>
+      <p:nvGrpSpPr>
+        <p:cNvPr id="1" name=""/>
+        <p:cNvGrpSpPr/>
+        <p:nvPr/>
+      </p:nvGrpSpPr>
+      <p:grpSpPr>
+        <a:xfrm>
+          <a:off x="0" y="0"/>
+          <a:ext cx="0" cy="0"/>
+          <a:chOff x="0" y="0"/>
+          <a:chExt cx="0" cy="0"/>
+        </a:xfrm>
+      </p:grpSpPr>
+      <p:sp>
+        <p:nvSpPr>
+          <p:cNvPr id="2" name="Folienbildplatzhalter 1"/>
+          <p:cNvSpPr>
+            <a:spLocks noGrp="1" noRot="1" noChangeAspect="1"/>
+          </p:cNvSpPr>
+          <p:nvPr>
+            <p:ph type="sldImg"/>
+          </p:nvPr>
+        </p:nvSpPr>
+        <p:spPr/>
+      </p:sp>
+      <p:sp>
+        <p:nvSpPr>
+          <p:cNvPr id="3" name="Notizenplatzhalter 2"/>
+          <p:cNvSpPr>
+            <a:spLocks noGrp="1"/>
+          </p:cNvSpPr>
+          <p:nvPr>
+            <p:ph type="body" idx="1"/>
+          </p:nvPr>
+        </p:nvSpPr>
+        <p:spPr/>
+        <p:txBody>
+          <a:bodyPr/>
+          <a:lstStyle/>
+          <a:p>
+            <a:r>
+              <a:rPr lang="de-CH" dirty="0"/>
+              <a:t>Erste Schritte: GUI Elemente wie Layout, </a:t>
+            </a:r>
+          </a:p>
+        </p:txBody>
+      </p:sp>
+      <p:sp>
+        <p:nvSpPr>
+          <p:cNvPr id="4" name="Foliennummernplatzhalter 3"/>
+          <p:cNvSpPr>
+            <a:spLocks noGrp="1"/>
+          </p:cNvSpPr>
+          <p:nvPr>
+            <p:ph type="sldNum" sz="quarter" idx="10"/>
+          </p:nvPr>
+        </p:nvSpPr>
+        <p:spPr/>
+        <p:txBody>
+          <a:bodyPr/>
+          <a:lstStyle/>
+          <a:p>
+            <a:fld id="{C2E70478-8B1B-41E7-96C6-064E91E3539D}" type="slidenum">
+              <a:rPr lang="de-CH" smtClean="0"/>
+              <a:t>11</a:t>
+            </a:fld>
+            <a:endParaRPr lang="de-CH"/>
+          </a:p>
+        </p:txBody>
+      </p:sp>
+    </p:spTree>
+    <p:extLst>
+      <p:ext uri="{BB962C8B-B14F-4D97-AF65-F5344CB8AC3E}">
+        <p14:creationId xmlns:p14="http://schemas.microsoft.com/office/powerpoint/2010/main" val="659691376"/>
+      </p:ext>
+    </p:extLst>
+  </p:cSld>
+  <p:clrMapOvr>
+    <a:masterClrMapping/>
+  </p:clrMapOvr>
+</p:notes>
+</file>
+
+<file path=ppt/notesSlides/notesSlide8.xml><?xml version="1.0" encoding="utf-8"?>
+<p:notes xmlns:a="http://schemas.openxmlformats.org/drawingml/2006/main" xmlns:r="http://schemas.openxmlformats.org/officeDocument/2006/relationships" xmlns:p="http://schemas.openxmlformats.org/presentationml/2006/main">
+  <p:cSld>
+    <p:spTree>
+      <p:nvGrpSpPr>
+        <p:cNvPr id="1" name=""/>
+        <p:cNvGrpSpPr/>
+        <p:nvPr/>
+      </p:nvGrpSpPr>
+      <p:grpSpPr>
+        <a:xfrm>
+          <a:off x="0" y="0"/>
+          <a:ext cx="0" cy="0"/>
+          <a:chOff x="0" y="0"/>
+          <a:chExt cx="0" cy="0"/>
+        </a:xfrm>
+      </p:grpSpPr>
+      <p:sp>
+        <p:nvSpPr>
+          <p:cNvPr id="2" name="Folienbildplatzhalter 1"/>
+          <p:cNvSpPr>
+            <a:spLocks noGrp="1" noRot="1" noChangeAspect="1"/>
+          </p:cNvSpPr>
+          <p:nvPr>
+            <p:ph type="sldImg"/>
+          </p:nvPr>
+        </p:nvSpPr>
+        <p:spPr/>
+      </p:sp>
+      <p:sp>
+        <p:nvSpPr>
+          <p:cNvPr id="3" name="Notizenplatzhalter 2"/>
+          <p:cNvSpPr>
+            <a:spLocks noGrp="1"/>
+          </p:cNvSpPr>
+          <p:nvPr>
+            <p:ph type="body" idx="1"/>
+          </p:nvPr>
+        </p:nvSpPr>
+        <p:spPr/>
+        <p:txBody>
+          <a:bodyPr/>
+          <a:lstStyle/>
+          <a:p>
+            <a:r>
+              <a:rPr lang="de-CH" dirty="0"/>
+              <a:t>Erste Schritte: GUI Elemente wie Layout, </a:t>
+            </a:r>
+          </a:p>
+        </p:txBody>
+      </p:sp>
+      <p:sp>
+        <p:nvSpPr>
+          <p:cNvPr id="4" name="Foliennummernplatzhalter 3"/>
+          <p:cNvSpPr>
+            <a:spLocks noGrp="1"/>
+          </p:cNvSpPr>
+          <p:nvPr>
+            <p:ph type="sldNum" sz="quarter" idx="10"/>
+          </p:nvPr>
+        </p:nvSpPr>
+        <p:spPr/>
+        <p:txBody>
+          <a:bodyPr/>
+          <a:lstStyle/>
+          <a:p>
+            <a:fld id="{C2E70478-8B1B-41E7-96C6-064E91E3539D}" type="slidenum">
+              <a:rPr lang="de-CH" smtClean="0"/>
+              <a:t>12</a:t>
+            </a:fld>
+            <a:endParaRPr lang="de-CH"/>
+          </a:p>
+        </p:txBody>
+      </p:sp>
+    </p:spTree>
+    <p:extLst>
+      <p:ext uri="{BB962C8B-B14F-4D97-AF65-F5344CB8AC3E}">
+        <p14:creationId xmlns:p14="http://schemas.microsoft.com/office/powerpoint/2010/main" val="777957648"/>
+      </p:ext>
+    </p:extLst>
+  </p:cSld>
+  <p:clrMapOvr>
+    <a:masterClrMapping/>
+  </p:clrMapOvr>
+</p:notes>
+</file>
+
+<file path=ppt/notesSlides/notesSlide9.xml><?xml version="1.0" encoding="utf-8"?>
+<p:notes xmlns:a="http://schemas.openxmlformats.org/drawingml/2006/main" xmlns:r="http://schemas.openxmlformats.org/officeDocument/2006/relationships" xmlns:p="http://schemas.openxmlformats.org/presentationml/2006/main">
+  <p:cSld>
+    <p:spTree>
+      <p:nvGrpSpPr>
+        <p:cNvPr id="1" name=""/>
+        <p:cNvGrpSpPr/>
+        <p:nvPr/>
+      </p:nvGrpSpPr>
+      <p:grpSpPr>
+        <a:xfrm>
+          <a:off x="0" y="0"/>
+          <a:ext cx="0" cy="0"/>
+          <a:chOff x="0" y="0"/>
+          <a:chExt cx="0" cy="0"/>
+        </a:xfrm>
+      </p:grpSpPr>
+      <p:sp>
+        <p:nvSpPr>
+          <p:cNvPr id="2" name="Folienbildplatzhalter 1"/>
+          <p:cNvSpPr>
+            <a:spLocks noGrp="1" noRot="1" noChangeAspect="1"/>
+          </p:cNvSpPr>
+          <p:nvPr>
+            <p:ph type="sldImg"/>
+          </p:nvPr>
+        </p:nvSpPr>
+        <p:spPr/>
+      </p:sp>
+      <p:sp>
+        <p:nvSpPr>
+          <p:cNvPr id="3" name="Notizenplatzhalter 2"/>
+          <p:cNvSpPr>
+            <a:spLocks noGrp="1"/>
+          </p:cNvSpPr>
+          <p:nvPr>
+            <p:ph type="body" idx="1"/>
+          </p:nvPr>
+        </p:nvSpPr>
+        <p:spPr/>
+        <p:txBody>
+          <a:bodyPr/>
+          <a:lstStyle/>
+          <a:p>
+            <a:r>
+              <a:rPr lang="de-CH" dirty="0"/>
+              <a:t>Erste Schritte: GUI Elemente wie Layout, </a:t>
+            </a:r>
+          </a:p>
+        </p:txBody>
+      </p:sp>
+      <p:sp>
+        <p:nvSpPr>
+          <p:cNvPr id="4" name="Foliennummernplatzhalter 3"/>
+          <p:cNvSpPr>
+            <a:spLocks noGrp="1"/>
+          </p:cNvSpPr>
+          <p:nvPr>
+            <p:ph type="sldNum" sz="quarter" idx="10"/>
+          </p:nvPr>
+        </p:nvSpPr>
+        <p:spPr/>
+        <p:txBody>
+          <a:bodyPr/>
+          <a:lstStyle/>
+          <a:p>
+            <a:fld id="{C2E70478-8B1B-41E7-96C6-064E91E3539D}" type="slidenum">
+              <a:rPr lang="de-CH" smtClean="0"/>
+              <a:t>13</a:t>
+            </a:fld>
+            <a:endParaRPr lang="de-CH"/>
+          </a:p>
+        </p:txBody>
+      </p:sp>
+    </p:spTree>
+    <p:extLst>
+      <p:ext uri="{BB962C8B-B14F-4D97-AF65-F5344CB8AC3E}">
+        <p14:creationId xmlns:p14="http://schemas.microsoft.com/office/powerpoint/2010/main" val="790359931"/>
+      </p:ext>
+    </p:extLst>
+  </p:cSld>
+  <p:clrMapOvr>
+    <a:masterClrMapping/>
+  </p:clrMapOvr>
+</p:notes>
+</file>
+
 <file path=ppt/slideLayouts/slideLayout1.xml><?xml version="1.0" encoding="utf-8"?>
-<p:sldLayout xmlns:a="http://schemas.openxmlformats.org/drawingml/2006/main" xmlns:r="http://schemas.openxmlformats.org/officeDocument/2006/relationships" xmlns:p="http://schemas.openxmlformats.org/presentationml/2006/main" type="title" preserve="1">
+<p:sldLayout xmlns:a="http://schemas.openxmlformats.org/drawingml/2006/main" xmlns:r="http://schemas.openxmlformats.org/officeDocument/2006/relationships" xmlns:p="http://schemas.openxmlformats.org/presentationml/2006/main" showMasterSp="0" type="title" preserve="1">
   <p:cSld name="Titelfolie">
     <p:spTree>
       <p:nvGrpSpPr>
@@ -127,25 +1498,113 @@
       </p:grpSpPr>
       <p:sp>
         <p:nvSpPr>
-          <p:cNvPr id="2" name="Titel 1"/>
-          <p:cNvSpPr>
-            <a:spLocks noGrp="1"/>
-          </p:cNvSpPr>
-          <p:nvPr>
-            <p:ph type="ctrTitle"/>
-          </p:nvPr>
+          <p:cNvPr id="7" name="Rectangle 6"/>
+          <p:cNvSpPr/>
+          <p:nvPr/>
         </p:nvSpPr>
         <p:spPr>
           <a:xfrm>
-            <a:off x="1524000" y="1122363"/>
-            <a:ext cx="9144000" cy="2387600"/>
+            <a:off x="3175" y="6400800"/>
+            <a:ext cx="12188825" cy="457200"/>
+          </a:xfrm>
+          <a:prstGeom prst="rect">
+            <a:avLst/>
+          </a:prstGeom>
+          <a:solidFill>
+            <a:schemeClr val="accent2"/>
+          </a:solidFill>
+          <a:ln>
+            <a:noFill/>
+          </a:ln>
+        </p:spPr>
+        <p:style>
+          <a:lnRef idx="2">
+            <a:schemeClr val="accent1">
+              <a:shade val="50000"/>
+            </a:schemeClr>
+          </a:lnRef>
+          <a:fillRef idx="1">
+            <a:schemeClr val="accent1"/>
+          </a:fillRef>
+          <a:effectRef idx="0">
+            <a:schemeClr val="accent1"/>
+          </a:effectRef>
+          <a:fontRef idx="minor">
+            <a:schemeClr val="lt1"/>
+          </a:fontRef>
+        </p:style>
+      </p:sp>
+      <p:sp>
+        <p:nvSpPr>
+          <p:cNvPr id="8" name="Rectangle 7"/>
+          <p:cNvSpPr/>
+          <p:nvPr/>
+        </p:nvSpPr>
+        <p:spPr>
+          <a:xfrm>
+            <a:off x="15" y="6334316"/>
+            <a:ext cx="12188825" cy="64008"/>
+          </a:xfrm>
+          <a:prstGeom prst="rect">
+            <a:avLst/>
+          </a:prstGeom>
+          <a:solidFill>
+            <a:schemeClr val="accent1"/>
+          </a:solidFill>
+          <a:ln>
+            <a:noFill/>
+          </a:ln>
+        </p:spPr>
+        <p:style>
+          <a:lnRef idx="2">
+            <a:schemeClr val="accent1">
+              <a:shade val="50000"/>
+            </a:schemeClr>
+          </a:lnRef>
+          <a:fillRef idx="1">
+            <a:schemeClr val="accent1"/>
+          </a:fillRef>
+          <a:effectRef idx="0">
+            <a:schemeClr val="accent1"/>
+          </a:effectRef>
+          <a:fontRef idx="minor">
+            <a:schemeClr val="lt1"/>
+          </a:fontRef>
+        </p:style>
+      </p:sp>
+      <p:sp>
+        <p:nvSpPr>
+          <p:cNvPr id="2" name="Title 1"/>
+          <p:cNvSpPr>
+            <a:spLocks noGrp="1"/>
+          </p:cNvSpPr>
+          <p:nvPr>
+            <p:ph type="ctrTitle"/>
+          </p:nvPr>
+        </p:nvSpPr>
+        <p:spPr>
+          <a:xfrm>
+            <a:off x="1097280" y="758952"/>
+            <a:ext cx="10058400" cy="3566160"/>
           </a:xfrm>
         </p:spPr>
         <p:txBody>
-          <a:bodyPr anchor="b"/>
+          <a:bodyPr anchor="b">
+            <a:normAutofit/>
+          </a:bodyPr>
           <a:lstStyle>
-            <a:lvl1pPr algn="ctr">
-              <a:defRPr sz="6000"/>
+            <a:lvl1pPr algn="l">
+              <a:lnSpc>
+                <a:spcPct val="85000"/>
+              </a:lnSpc>
+              <a:defRPr sz="8000" spc="-50" baseline="0">
+                <a:solidFill>
+                  <a:schemeClr val="tx1">
+                    <a:lumMod val="85000"/>
+                    <a:lumOff val="15000"/>
+                  </a:schemeClr>
+                </a:solidFill>
+              </a:defRPr>
             </a:lvl1pPr>
           </a:lstStyle>
           <a:p>
@@ -153,13 +1612,13 @@
               <a:rPr lang="de-DE"/>
               <a:t>Titelmasterformat durch Klicken bearbeiten</a:t>
             </a:r>
-            <a:endParaRPr lang="de-CH"/>
-          </a:p>
-        </p:txBody>
-      </p:sp>
-      <p:sp>
-        <p:nvSpPr>
-          <p:cNvPr id="3" name="Untertitel 2"/>
+            <a:endParaRPr lang="en-US" dirty="0"/>
+          </a:p>
+        </p:txBody>
+      </p:sp>
+      <p:sp>
+        <p:nvSpPr>
+          <p:cNvPr id="3" name="Subtitle 2"/>
           <p:cNvSpPr>
             <a:spLocks noGrp="1"/>
           </p:cNvSpPr>
@@ -169,48 +1628,55 @@
         </p:nvSpPr>
         <p:spPr>
           <a:xfrm>
-            <a:off x="1524000" y="3602038"/>
-            <a:ext cx="9144000" cy="1655762"/>
+            <a:off x="1100051" y="4455620"/>
+            <a:ext cx="10058400" cy="1143000"/>
           </a:xfrm>
         </p:spPr>
         <p:txBody>
-          <a:bodyPr/>
+          <a:bodyPr lIns="91440" rIns="91440">
+            <a:normAutofit/>
+          </a:bodyPr>
           <a:lstStyle>
-            <a:lvl1pPr marL="0" indent="0" algn="ctr">
+            <a:lvl1pPr marL="0" indent="0" algn="l">
               <a:buNone/>
-              <a:defRPr sz="2400"/>
+              <a:defRPr sz="2400" cap="all" spc="200" baseline="0">
+                <a:solidFill>
+                  <a:schemeClr val="tx2"/>
+                </a:solidFill>
+                <a:latin typeface="+mj-lt"/>
+              </a:defRPr>
             </a:lvl1pPr>
             <a:lvl2pPr marL="457200" indent="0" algn="ctr">
               <a:buNone/>
-              <a:defRPr sz="2000"/>
+              <a:defRPr sz="2400"/>
             </a:lvl2pPr>
             <a:lvl3pPr marL="914400" indent="0" algn="ctr">
               <a:buNone/>
-              <a:defRPr sz="1800"/>
+              <a:defRPr sz="2400"/>
             </a:lvl3pPr>
             <a:lvl4pPr marL="1371600" indent="0" algn="ctr">
               <a:buNone/>
-              <a:defRPr sz="1600"/>
+              <a:defRPr sz="2000"/>
             </a:lvl4pPr>
             <a:lvl5pPr marL="1828800" indent="0" algn="ctr">
               <a:buNone/>
-              <a:defRPr sz="1600"/>
+              <a:defRPr sz="2000"/>
             </a:lvl5pPr>
             <a:lvl6pPr marL="2286000" indent="0" algn="ctr">
               <a:buNone/>
-              <a:defRPr sz="1600"/>
+              <a:defRPr sz="2000"/>
             </a:lvl6pPr>
             <a:lvl7pPr marL="2743200" indent="0" algn="ctr">
               <a:buNone/>
-              <a:defRPr sz="1600"/>
+              <a:defRPr sz="2000"/>
             </a:lvl7pPr>
             <a:lvl8pPr marL="3200400" indent="0" algn="ctr">
               <a:buNone/>
-              <a:defRPr sz="1600"/>
+              <a:defRPr sz="2000"/>
             </a:lvl8pPr>
             <a:lvl9pPr marL="3657600" indent="0" algn="ctr">
               <a:buNone/>
-              <a:defRPr sz="1600"/>
+              <a:defRPr sz="2000"/>
             </a:lvl9pPr>
           </a:lstStyle>
           <a:p>
@@ -218,13 +1684,13 @@
               <a:rPr lang="de-DE"/>
               <a:t>Formatvorlage des Untertitelmasters durch Klicken bearbeiten</a:t>
             </a:r>
-            <a:endParaRPr lang="de-CH"/>
-          </a:p>
-        </p:txBody>
-      </p:sp>
-      <p:sp>
-        <p:nvSpPr>
-          <p:cNvPr id="4" name="Datumsplatzhalter 3"/>
+            <a:endParaRPr lang="en-US" dirty="0"/>
+          </a:p>
+        </p:txBody>
+      </p:sp>
+      <p:sp>
+        <p:nvSpPr>
+          <p:cNvPr id="4" name="Date Placeholder 3"/>
           <p:cNvSpPr>
             <a:spLocks noGrp="1"/>
           </p:cNvSpPr>
@@ -247,7 +1713,7 @@
       </p:sp>
       <p:sp>
         <p:nvSpPr>
-          <p:cNvPr id="5" name="Fußzeilenplatzhalter 4"/>
+          <p:cNvPr id="5" name="Footer Placeholder 4"/>
           <p:cNvSpPr>
             <a:spLocks noGrp="1"/>
           </p:cNvSpPr>
@@ -266,7 +1732,7 @@
       </p:sp>
       <p:sp>
         <p:nvSpPr>
-          <p:cNvPr id="6" name="Foliennummernplatzhalter 5"/>
+          <p:cNvPr id="6" name="Slide Number Placeholder 5"/>
           <p:cNvSpPr>
             <a:spLocks noGrp="1"/>
           </p:cNvSpPr>
@@ -287,10 +1753,48 @@
           </a:p>
         </p:txBody>
       </p:sp>
+      <p:cxnSp>
+        <p:nvCxnSpPr>
+          <p:cNvPr id="9" name="Straight Connector 8"/>
+          <p:cNvCxnSpPr/>
+          <p:nvPr/>
+        </p:nvCxnSpPr>
+        <p:spPr>
+          <a:xfrm>
+            <a:off x="1207658" y="4343400"/>
+            <a:ext cx="9875520" cy="0"/>
+          </a:xfrm>
+          <a:prstGeom prst="line">
+            <a:avLst/>
+          </a:prstGeom>
+          <a:ln w="6350">
+            <a:solidFill>
+              <a:schemeClr val="tx1">
+                <a:lumMod val="50000"/>
+                <a:lumOff val="50000"/>
+              </a:schemeClr>
+            </a:solidFill>
+          </a:ln>
+        </p:spPr>
+        <p:style>
+          <a:lnRef idx="1">
+            <a:schemeClr val="accent1"/>
+          </a:lnRef>
+          <a:fillRef idx="0">
+            <a:schemeClr val="accent1"/>
+          </a:fillRef>
+          <a:effectRef idx="0">
+            <a:schemeClr val="accent1"/>
+          </a:effectRef>
+          <a:fontRef idx="minor">
+            <a:schemeClr val="tx1"/>
+          </a:fontRef>
+        </p:style>
+      </p:cxnSp>
     </p:spTree>
     <p:extLst>
       <p:ext uri="{BB962C8B-B14F-4D97-AF65-F5344CB8AC3E}">
-        <p14:creationId xmlns:p14="http://schemas.microsoft.com/office/powerpoint/2010/main" val="1109077690"/>
+        <p14:creationId xmlns:p14="http://schemas.microsoft.com/office/powerpoint/2010/main" val="2293369169"/>
       </p:ext>
     </p:extLst>
   </p:cSld>
@@ -319,7 +1823,7 @@
       </p:grpSpPr>
       <p:sp>
         <p:nvSpPr>
-          <p:cNvPr id="2" name="Titel 1"/>
+          <p:cNvPr id="2" name="Title 1"/>
           <p:cNvSpPr>
             <a:spLocks noGrp="1"/>
           </p:cNvSpPr>
@@ -336,13 +1840,13 @@
               <a:rPr lang="de-DE"/>
               <a:t>Titelmasterformat durch Klicken bearbeiten</a:t>
             </a:r>
-            <a:endParaRPr lang="de-CH"/>
-          </a:p>
-        </p:txBody>
-      </p:sp>
-      <p:sp>
-        <p:nvSpPr>
-          <p:cNvPr id="3" name="Vertikaler Textplatzhalter 2"/>
+            <a:endParaRPr lang="en-US" dirty="0"/>
+          </a:p>
+        </p:txBody>
+      </p:sp>
+      <p:sp>
+        <p:nvSpPr>
+          <p:cNvPr id="3" name="Vertical Text Placeholder 2"/>
           <p:cNvSpPr>
             <a:spLocks noGrp="1"/>
           </p:cNvSpPr>
@@ -352,7 +1856,7 @@
         </p:nvSpPr>
         <p:spPr/>
         <p:txBody>
-          <a:bodyPr vert="eaVert"/>
+          <a:bodyPr vert="eaVert" lIns="45720" tIns="0" rIns="45720" bIns="0"/>
           <a:lstStyle/>
           <a:p>
             <a:pPr lvl="0"/>
@@ -388,13 +1892,13 @@
               <a:rPr lang="de-DE"/>
               <a:t>Fünfte Ebene</a:t>
             </a:r>
-            <a:endParaRPr lang="de-CH"/>
-          </a:p>
-        </p:txBody>
-      </p:sp>
-      <p:sp>
-        <p:nvSpPr>
-          <p:cNvPr id="4" name="Datumsplatzhalter 3"/>
+            <a:endParaRPr lang="en-US" dirty="0"/>
+          </a:p>
+        </p:txBody>
+      </p:sp>
+      <p:sp>
+        <p:nvSpPr>
+          <p:cNvPr id="4" name="Date Placeholder 3"/>
           <p:cNvSpPr>
             <a:spLocks noGrp="1"/>
           </p:cNvSpPr>
@@ -417,7 +1921,7 @@
       </p:sp>
       <p:sp>
         <p:nvSpPr>
-          <p:cNvPr id="5" name="Fußzeilenplatzhalter 4"/>
+          <p:cNvPr id="5" name="Footer Placeholder 4"/>
           <p:cNvSpPr>
             <a:spLocks noGrp="1"/>
           </p:cNvSpPr>
@@ -436,7 +1940,7 @@
       </p:sp>
       <p:sp>
         <p:nvSpPr>
-          <p:cNvPr id="6" name="Foliennummernplatzhalter 5"/>
+          <p:cNvPr id="6" name="Slide Number Placeholder 5"/>
           <p:cNvSpPr>
             <a:spLocks noGrp="1"/>
           </p:cNvSpPr>
@@ -460,7 +1964,7 @@
     </p:spTree>
     <p:extLst>
       <p:ext uri="{BB962C8B-B14F-4D97-AF65-F5344CB8AC3E}">
-        <p14:creationId xmlns:p14="http://schemas.microsoft.com/office/powerpoint/2010/main" val="3055945250"/>
+        <p14:creationId xmlns:p14="http://schemas.microsoft.com/office/powerpoint/2010/main" val="3876933930"/>
       </p:ext>
     </p:extLst>
   </p:cSld>
@@ -471,7 +1975,7 @@
 </file>
 
 <file path=ppt/slideLayouts/slideLayout11.xml><?xml version="1.0" encoding="utf-8"?>
-<p:sldLayout xmlns:a="http://schemas.openxmlformats.org/drawingml/2006/main" xmlns:r="http://schemas.openxmlformats.org/officeDocument/2006/relationships" xmlns:p="http://schemas.openxmlformats.org/presentationml/2006/main" type="vertTitleAndTx" preserve="1">
+<p:sldLayout xmlns:a="http://schemas.openxmlformats.org/drawingml/2006/main" xmlns:r="http://schemas.openxmlformats.org/officeDocument/2006/relationships" xmlns:p="http://schemas.openxmlformats.org/presentationml/2006/main" showMasterSp="0" type="vertTitleAndTx" preserve="1">
   <p:cSld name="Vertikaler Titel und Text">
     <p:spTree>
       <p:nvGrpSpPr>
@@ -489,18 +1993,94 @@
       </p:grpSpPr>
       <p:sp>
         <p:nvSpPr>
-          <p:cNvPr id="2" name="Vertikaler Titel 1"/>
-          <p:cNvSpPr>
-            <a:spLocks noGrp="1"/>
-          </p:cNvSpPr>
-          <p:nvPr>
-            <p:ph type="title" orient="vert"/>
-          </p:nvPr>
+          <p:cNvPr id="7" name="Rectangle 6"/>
+          <p:cNvSpPr/>
+          <p:nvPr/>
         </p:nvSpPr>
         <p:spPr>
           <a:xfrm>
-            <a:off x="8724900" y="365125"/>
-            <a:ext cx="2628900" cy="5811838"/>
+            <a:off x="3175" y="6400800"/>
+            <a:ext cx="12188825" cy="457200"/>
+          </a:xfrm>
+          <a:prstGeom prst="rect">
+            <a:avLst/>
+          </a:prstGeom>
+          <a:solidFill>
+            <a:schemeClr val="accent2"/>
+          </a:solidFill>
+          <a:ln>
+            <a:noFill/>
+          </a:ln>
+        </p:spPr>
+        <p:style>
+          <a:lnRef idx="2">
+            <a:schemeClr val="accent1">
+              <a:shade val="50000"/>
+            </a:schemeClr>
+          </a:lnRef>
+          <a:fillRef idx="1">
+            <a:schemeClr val="accent1"/>
+          </a:fillRef>
+          <a:effectRef idx="0">
+            <a:schemeClr val="accent1"/>
+          </a:effectRef>
+          <a:fontRef idx="minor">
+            <a:schemeClr val="lt1"/>
+          </a:fontRef>
+        </p:style>
+      </p:sp>
+      <p:sp>
+        <p:nvSpPr>
+          <p:cNvPr id="8" name="Rectangle 7"/>
+          <p:cNvSpPr/>
+          <p:nvPr/>
+        </p:nvSpPr>
+        <p:spPr>
+          <a:xfrm>
+            <a:off x="15" y="6334316"/>
+            <a:ext cx="12188825" cy="64008"/>
+          </a:xfrm>
+          <a:prstGeom prst="rect">
+            <a:avLst/>
+          </a:prstGeom>
+          <a:solidFill>
+            <a:schemeClr val="accent1"/>
+          </a:solidFill>
+          <a:ln>
+            <a:noFill/>
+          </a:ln>
+        </p:spPr>
+        <p:style>
+          <a:lnRef idx="2">
+            <a:schemeClr val="accent1">
+              <a:shade val="50000"/>
+            </a:schemeClr>
+          </a:lnRef>
+          <a:fillRef idx="1">
+            <a:schemeClr val="accent1"/>
+          </a:fillRef>
+          <a:effectRef idx="0">
+            <a:schemeClr val="accent1"/>
+          </a:effectRef>
+          <a:fontRef idx="minor">
+            <a:schemeClr val="lt1"/>
+          </a:fontRef>
+        </p:style>
+      </p:sp>
+      <p:sp>
+        <p:nvSpPr>
+          <p:cNvPr id="2" name="Vertical Title 1"/>
+          <p:cNvSpPr>
+            <a:spLocks noGrp="1"/>
+          </p:cNvSpPr>
+          <p:nvPr>
+            <p:ph type="title" orient="vert"/>
+          </p:nvPr>
+        </p:nvSpPr>
+        <p:spPr>
+          <a:xfrm>
+            <a:off x="8724900" y="414778"/>
+            <a:ext cx="2628900" cy="5757421"/>
           </a:xfrm>
         </p:spPr>
         <p:txBody>
@@ -511,13 +2091,13 @@
               <a:rPr lang="de-DE"/>
               <a:t>Titelmasterformat durch Klicken bearbeiten</a:t>
             </a:r>
-            <a:endParaRPr lang="de-CH"/>
-          </a:p>
-        </p:txBody>
-      </p:sp>
-      <p:sp>
-        <p:nvSpPr>
-          <p:cNvPr id="3" name="Vertikaler Textplatzhalter 2"/>
+            <a:endParaRPr lang="en-US" dirty="0"/>
+          </a:p>
+        </p:txBody>
+      </p:sp>
+      <p:sp>
+        <p:nvSpPr>
+          <p:cNvPr id="3" name="Vertical Text Placeholder 2"/>
           <p:cNvSpPr>
             <a:spLocks noGrp="1"/>
           </p:cNvSpPr>
@@ -527,12 +2107,12 @@
         </p:nvSpPr>
         <p:spPr>
           <a:xfrm>
-            <a:off x="838200" y="365125"/>
-            <a:ext cx="7734300" cy="5811838"/>
+            <a:off x="838200" y="414778"/>
+            <a:ext cx="7734300" cy="5757422"/>
           </a:xfrm>
         </p:spPr>
         <p:txBody>
-          <a:bodyPr vert="eaVert"/>
+          <a:bodyPr vert="eaVert" lIns="45720" tIns="0" rIns="45720" bIns="0"/>
           <a:lstStyle/>
           <a:p>
             <a:pPr lvl="0"/>
@@ -568,13 +2148,13 @@
               <a:rPr lang="de-DE"/>
               <a:t>Fünfte Ebene</a:t>
             </a:r>
-            <a:endParaRPr lang="de-CH"/>
-          </a:p>
-        </p:txBody>
-      </p:sp>
-      <p:sp>
-        <p:nvSpPr>
-          <p:cNvPr id="4" name="Datumsplatzhalter 3"/>
+            <a:endParaRPr lang="en-US" dirty="0"/>
+          </a:p>
+        </p:txBody>
+      </p:sp>
+      <p:sp>
+        <p:nvSpPr>
+          <p:cNvPr id="4" name="Date Placeholder 3"/>
           <p:cNvSpPr>
             <a:spLocks noGrp="1"/>
           </p:cNvSpPr>
@@ -597,7 +2177,7 @@
       </p:sp>
       <p:sp>
         <p:nvSpPr>
-          <p:cNvPr id="5" name="Fußzeilenplatzhalter 4"/>
+          <p:cNvPr id="5" name="Footer Placeholder 4"/>
           <p:cNvSpPr>
             <a:spLocks noGrp="1"/>
           </p:cNvSpPr>
@@ -616,7 +2196,7 @@
       </p:sp>
       <p:sp>
         <p:nvSpPr>
-          <p:cNvPr id="6" name="Foliennummernplatzhalter 5"/>
+          <p:cNvPr id="6" name="Slide Number Placeholder 5"/>
           <p:cNvSpPr>
             <a:spLocks noGrp="1"/>
           </p:cNvSpPr>
@@ -640,7 +2220,7 @@
     </p:spTree>
     <p:extLst>
       <p:ext uri="{BB962C8B-B14F-4D97-AF65-F5344CB8AC3E}">
-        <p14:creationId xmlns:p14="http://schemas.microsoft.com/office/powerpoint/2010/main" val="3352235012"/>
+        <p14:creationId xmlns:p14="http://schemas.microsoft.com/office/powerpoint/2010/main" val="3902136246"/>
       </p:ext>
     </p:extLst>
   </p:cSld>
@@ -669,7 +2249,7 @@
       </p:grpSpPr>
       <p:sp>
         <p:nvSpPr>
-          <p:cNvPr id="2" name="Titel 1"/>
+          <p:cNvPr id="2" name="Title 1"/>
           <p:cNvSpPr>
             <a:spLocks noGrp="1"/>
           </p:cNvSpPr>
@@ -680,19 +2260,23 @@
         <p:spPr/>
         <p:txBody>
           <a:bodyPr/>
-          <a:lstStyle/>
+          <a:lstStyle>
+            <a:lvl1pPr marL="0">
+              <a:defRPr/>
+            </a:lvl1pPr>
+          </a:lstStyle>
           <a:p>
             <a:r>
               <a:rPr lang="de-DE"/>
               <a:t>Titelmasterformat durch Klicken bearbeiten</a:t>
             </a:r>
-            <a:endParaRPr lang="de-CH"/>
-          </a:p>
-        </p:txBody>
-      </p:sp>
-      <p:sp>
-        <p:nvSpPr>
-          <p:cNvPr id="3" name="Inhaltsplatzhalter 2"/>
+            <a:endParaRPr lang="en-US" dirty="0"/>
+          </a:p>
+        </p:txBody>
+      </p:sp>
+      <p:sp>
+        <p:nvSpPr>
+          <p:cNvPr id="3" name="Content Placeholder 2"/>
           <p:cNvSpPr>
             <a:spLocks noGrp="1"/>
           </p:cNvSpPr>
@@ -738,13 +2322,13 @@
               <a:rPr lang="de-DE"/>
               <a:t>Fünfte Ebene</a:t>
             </a:r>
-            <a:endParaRPr lang="de-CH"/>
-          </a:p>
-        </p:txBody>
-      </p:sp>
-      <p:sp>
-        <p:nvSpPr>
-          <p:cNvPr id="4" name="Datumsplatzhalter 3"/>
+            <a:endParaRPr lang="en-US" dirty="0"/>
+          </a:p>
+        </p:txBody>
+      </p:sp>
+      <p:sp>
+        <p:nvSpPr>
+          <p:cNvPr id="4" name="Date Placeholder 3"/>
           <p:cNvSpPr>
             <a:spLocks noGrp="1"/>
           </p:cNvSpPr>
@@ -767,7 +2351,7 @@
       </p:sp>
       <p:sp>
         <p:nvSpPr>
-          <p:cNvPr id="5" name="Fußzeilenplatzhalter 4"/>
+          <p:cNvPr id="5" name="Footer Placeholder 4"/>
           <p:cNvSpPr>
             <a:spLocks noGrp="1"/>
           </p:cNvSpPr>
@@ -786,7 +2370,7 @@
       </p:sp>
       <p:sp>
         <p:nvSpPr>
-          <p:cNvPr id="6" name="Foliennummernplatzhalter 5"/>
+          <p:cNvPr id="6" name="Slide Number Placeholder 5"/>
           <p:cNvSpPr>
             <a:spLocks noGrp="1"/>
           </p:cNvSpPr>
@@ -810,7 +2394,7 @@
     </p:spTree>
     <p:extLst>
       <p:ext uri="{BB962C8B-B14F-4D97-AF65-F5344CB8AC3E}">
-        <p14:creationId xmlns:p14="http://schemas.microsoft.com/office/powerpoint/2010/main" val="2027977095"/>
+        <p14:creationId xmlns:p14="http://schemas.microsoft.com/office/powerpoint/2010/main" val="3609046786"/>
       </p:ext>
     </p:extLst>
   </p:cSld>
@@ -821,8 +2405,16 @@
 </file>
 
 <file path=ppt/slideLayouts/slideLayout3.xml><?xml version="1.0" encoding="utf-8"?>
-<p:sldLayout xmlns:a="http://schemas.openxmlformats.org/drawingml/2006/main" xmlns:r="http://schemas.openxmlformats.org/officeDocument/2006/relationships" xmlns:p="http://schemas.openxmlformats.org/presentationml/2006/main" type="secHead" preserve="1">
+<p:sldLayout xmlns:a="http://schemas.openxmlformats.org/drawingml/2006/main" xmlns:r="http://schemas.openxmlformats.org/officeDocument/2006/relationships" xmlns:p="http://schemas.openxmlformats.org/presentationml/2006/main" showMasterSp="0" type="secHead" preserve="1">
   <p:cSld name="Abschnitts-&#10;überschrift">
+    <p:bg>
+      <p:bgPr>
+        <a:solidFill>
+          <a:schemeClr val="bg1"/>
+        </a:solidFill>
+        <a:effectLst/>
+      </p:bgPr>
+    </p:bg>
     <p:spTree>
       <p:nvGrpSpPr>
         <p:cNvPr id="1" name=""/>
@@ -839,68 +2431,157 @@
       </p:grpSpPr>
       <p:sp>
         <p:nvSpPr>
-          <p:cNvPr id="2" name="Titel 1"/>
-          <p:cNvSpPr>
-            <a:spLocks noGrp="1"/>
-          </p:cNvSpPr>
-          <p:nvPr>
-            <p:ph type="title"/>
-          </p:nvPr>
+          <p:cNvPr id="7" name="Rectangle 6"/>
+          <p:cNvSpPr/>
+          <p:nvPr/>
         </p:nvSpPr>
         <p:spPr>
           <a:xfrm>
-            <a:off x="831850" y="1709738"/>
-            <a:ext cx="10515600" cy="2852737"/>
+            <a:off x="3175" y="6400800"/>
+            <a:ext cx="12188825" cy="457200"/>
+          </a:xfrm>
+          <a:prstGeom prst="rect">
+            <a:avLst/>
+          </a:prstGeom>
+          <a:solidFill>
+            <a:schemeClr val="accent2"/>
+          </a:solidFill>
+          <a:ln>
+            <a:noFill/>
+          </a:ln>
+        </p:spPr>
+        <p:style>
+          <a:lnRef idx="2">
+            <a:schemeClr val="accent1">
+              <a:shade val="50000"/>
+            </a:schemeClr>
+          </a:lnRef>
+          <a:fillRef idx="1">
+            <a:schemeClr val="accent1"/>
+          </a:fillRef>
+          <a:effectRef idx="0">
+            <a:schemeClr val="accent1"/>
+          </a:effectRef>
+          <a:fontRef idx="minor">
+            <a:schemeClr val="lt1"/>
+          </a:fontRef>
+        </p:style>
+      </p:sp>
+      <p:sp>
+        <p:nvSpPr>
+          <p:cNvPr id="8" name="Rectangle 7"/>
+          <p:cNvSpPr/>
+          <p:nvPr/>
+        </p:nvSpPr>
+        <p:spPr>
+          <a:xfrm>
+            <a:off x="15" y="6334316"/>
+            <a:ext cx="12188825" cy="64008"/>
+          </a:xfrm>
+          <a:prstGeom prst="rect">
+            <a:avLst/>
+          </a:prstGeom>
+          <a:solidFill>
+            <a:schemeClr val="accent1"/>
+          </a:solidFill>
+          <a:ln>
+            <a:noFill/>
+          </a:ln>
+        </p:spPr>
+        <p:style>
+          <a:lnRef idx="2">
+            <a:schemeClr val="accent1">
+              <a:shade val="50000"/>
+            </a:schemeClr>
+          </a:lnRef>
+          <a:fillRef idx="1">
+            <a:schemeClr val="accent1"/>
+          </a:fillRef>
+          <a:effectRef idx="0">
+            <a:schemeClr val="accent1"/>
+          </a:effectRef>
+          <a:fontRef idx="minor">
+            <a:schemeClr val="lt1"/>
+          </a:fontRef>
+        </p:style>
+      </p:sp>
+      <p:sp>
+        <p:nvSpPr>
+          <p:cNvPr id="2" name="Title 1"/>
+          <p:cNvSpPr>
+            <a:spLocks noGrp="1"/>
+          </p:cNvSpPr>
+          <p:nvPr>
+            <p:ph type="title"/>
+          </p:nvPr>
+        </p:nvSpPr>
+        <p:spPr>
+          <a:xfrm>
+            <a:off x="1097280" y="758952"/>
+            <a:ext cx="10058400" cy="3566160"/>
           </a:xfrm>
         </p:spPr>
         <p:txBody>
-          <a:bodyPr anchor="b"/>
+          <a:bodyPr anchor="b" anchorCtr="0">
+            <a:normAutofit/>
+          </a:bodyPr>
           <a:lstStyle>
             <a:lvl1pPr>
-              <a:defRPr sz="6000"/>
-            </a:lvl1pPr>
-          </a:lstStyle>
-          <a:p>
-            <a:r>
-              <a:rPr lang="de-DE"/>
-              <a:t>Titelmasterformat durch Klicken bearbeiten</a:t>
-            </a:r>
-            <a:endParaRPr lang="de-CH"/>
-          </a:p>
-        </p:txBody>
-      </p:sp>
-      <p:sp>
-        <p:nvSpPr>
-          <p:cNvPr id="3" name="Textplatzhalter 2"/>
-          <p:cNvSpPr>
-            <a:spLocks noGrp="1"/>
-          </p:cNvSpPr>
-          <p:nvPr>
-            <p:ph type="body" idx="1"/>
-          </p:nvPr>
-        </p:nvSpPr>
-        <p:spPr>
-          <a:xfrm>
-            <a:off x="831850" y="4589463"/>
-            <a:ext cx="10515600" cy="1500187"/>
-          </a:xfrm>
-        </p:spPr>
-        <p:txBody>
-          <a:bodyPr/>
-          <a:lstStyle>
-            <a:lvl1pPr marL="0" indent="0">
-              <a:buNone/>
-              <a:defRPr sz="2400">
+              <a:lnSpc>
+                <a:spcPct val="85000"/>
+              </a:lnSpc>
+              <a:defRPr sz="8000" b="0">
                 <a:solidFill>
                   <a:schemeClr val="tx1">
-                    <a:tint val="75000"/>
+                    <a:lumMod val="85000"/>
+                    <a:lumOff val="15000"/>
                   </a:schemeClr>
                 </a:solidFill>
               </a:defRPr>
             </a:lvl1pPr>
+          </a:lstStyle>
+          <a:p>
+            <a:r>
+              <a:rPr lang="de-DE"/>
+              <a:t>Titelmasterformat durch Klicken bearbeiten</a:t>
+            </a:r>
+            <a:endParaRPr lang="en-US" dirty="0"/>
+          </a:p>
+        </p:txBody>
+      </p:sp>
+      <p:sp>
+        <p:nvSpPr>
+          <p:cNvPr id="3" name="Text Placeholder 2"/>
+          <p:cNvSpPr>
+            <a:spLocks noGrp="1"/>
+          </p:cNvSpPr>
+          <p:nvPr>
+            <p:ph type="body" idx="1"/>
+          </p:nvPr>
+        </p:nvSpPr>
+        <p:spPr>
+          <a:xfrm>
+            <a:off x="1097280" y="4453128"/>
+            <a:ext cx="10058400" cy="1143000"/>
+          </a:xfrm>
+        </p:spPr>
+        <p:txBody>
+          <a:bodyPr lIns="91440" rIns="91440" anchor="t" anchorCtr="0">
+            <a:normAutofit/>
+          </a:bodyPr>
+          <a:lstStyle>
+            <a:lvl1pPr marL="0" indent="0">
+              <a:buNone/>
+              <a:defRPr sz="2400" cap="all" spc="200" baseline="0">
+                <a:solidFill>
+                  <a:schemeClr val="tx2"/>
+                </a:solidFill>
+                <a:latin typeface="+mj-lt"/>
+              </a:defRPr>
+            </a:lvl1pPr>
             <a:lvl2pPr marL="457200" indent="0">
               <a:buNone/>
-              <a:defRPr sz="2000">
+              <a:defRPr sz="1800">
                 <a:solidFill>
                   <a:schemeClr val="tx1">
                     <a:tint val="75000"/>
@@ -910,7 +2591,7 @@
             </a:lvl2pPr>
             <a:lvl3pPr marL="914400" indent="0">
               <a:buNone/>
-              <a:defRPr sz="1800">
+              <a:defRPr sz="1600">
                 <a:solidFill>
                   <a:schemeClr val="tx1">
                     <a:tint val="75000"/>
@@ -920,7 +2601,7 @@
             </a:lvl3pPr>
             <a:lvl4pPr marL="1371600" indent="0">
               <a:buNone/>
-              <a:defRPr sz="1600">
+              <a:defRPr sz="1400">
                 <a:solidFill>
                   <a:schemeClr val="tx1">
                     <a:tint val="75000"/>
@@ -930,7 +2611,7 @@
             </a:lvl4pPr>
             <a:lvl5pPr marL="1828800" indent="0">
               <a:buNone/>
-              <a:defRPr sz="1600">
+              <a:defRPr sz="1400">
                 <a:solidFill>
                   <a:schemeClr val="tx1">
                     <a:tint val="75000"/>
@@ -940,7 +2621,7 @@
             </a:lvl5pPr>
             <a:lvl6pPr marL="2286000" indent="0">
               <a:buNone/>
-              <a:defRPr sz="1600">
+              <a:defRPr sz="1400">
                 <a:solidFill>
                   <a:schemeClr val="tx1">
                     <a:tint val="75000"/>
@@ -950,7 +2631,7 @@
             </a:lvl6pPr>
             <a:lvl7pPr marL="2743200" indent="0">
               <a:buNone/>
-              <a:defRPr sz="1600">
+              <a:defRPr sz="1400">
                 <a:solidFill>
                   <a:schemeClr val="tx1">
                     <a:tint val="75000"/>
@@ -960,7 +2641,7 @@
             </a:lvl7pPr>
             <a:lvl8pPr marL="3200400" indent="0">
               <a:buNone/>
-              <a:defRPr sz="1600">
+              <a:defRPr sz="1400">
                 <a:solidFill>
                   <a:schemeClr val="tx1">
                     <a:tint val="75000"/>
@@ -970,7 +2651,7 @@
             </a:lvl8pPr>
             <a:lvl9pPr marL="3657600" indent="0">
               <a:buNone/>
-              <a:defRPr sz="1600">
+              <a:defRPr sz="1400">
                 <a:solidFill>
                   <a:schemeClr val="tx1">
                     <a:tint val="75000"/>
@@ -990,7 +2671,7 @@
       </p:sp>
       <p:sp>
         <p:nvSpPr>
-          <p:cNvPr id="4" name="Datumsplatzhalter 3"/>
+          <p:cNvPr id="4" name="Date Placeholder 3"/>
           <p:cNvSpPr>
             <a:spLocks noGrp="1"/>
           </p:cNvSpPr>
@@ -1013,7 +2694,7 @@
       </p:sp>
       <p:sp>
         <p:nvSpPr>
-          <p:cNvPr id="5" name="Fußzeilenplatzhalter 4"/>
+          <p:cNvPr id="5" name="Footer Placeholder 4"/>
           <p:cNvSpPr>
             <a:spLocks noGrp="1"/>
           </p:cNvSpPr>
@@ -1032,7 +2713,7 @@
       </p:sp>
       <p:sp>
         <p:nvSpPr>
-          <p:cNvPr id="6" name="Foliennummernplatzhalter 5"/>
+          <p:cNvPr id="6" name="Slide Number Placeholder 5"/>
           <p:cNvSpPr>
             <a:spLocks noGrp="1"/>
           </p:cNvSpPr>
@@ -1053,10 +2734,48 @@
           </a:p>
         </p:txBody>
       </p:sp>
+      <p:cxnSp>
+        <p:nvCxnSpPr>
+          <p:cNvPr id="9" name="Straight Connector 8"/>
+          <p:cNvCxnSpPr/>
+          <p:nvPr/>
+        </p:nvCxnSpPr>
+        <p:spPr>
+          <a:xfrm>
+            <a:off x="1207658" y="4343400"/>
+            <a:ext cx="9875520" cy="0"/>
+          </a:xfrm>
+          <a:prstGeom prst="line">
+            <a:avLst/>
+          </a:prstGeom>
+          <a:ln w="6350">
+            <a:solidFill>
+              <a:schemeClr val="tx1">
+                <a:lumMod val="50000"/>
+                <a:lumOff val="50000"/>
+              </a:schemeClr>
+            </a:solidFill>
+          </a:ln>
+        </p:spPr>
+        <p:style>
+          <a:lnRef idx="1">
+            <a:schemeClr val="accent1"/>
+          </a:lnRef>
+          <a:fillRef idx="0">
+            <a:schemeClr val="accent1"/>
+          </a:fillRef>
+          <a:effectRef idx="0">
+            <a:schemeClr val="accent1"/>
+          </a:effectRef>
+          <a:fontRef idx="minor">
+            <a:schemeClr val="tx1"/>
+          </a:fontRef>
+        </p:style>
+      </p:cxnSp>
     </p:spTree>
     <p:extLst>
       <p:ext uri="{BB962C8B-B14F-4D97-AF65-F5344CB8AC3E}">
-        <p14:creationId xmlns:p14="http://schemas.microsoft.com/office/powerpoint/2010/main" val="77088166"/>
+        <p14:creationId xmlns:p14="http://schemas.microsoft.com/office/powerpoint/2010/main" val="3563369023"/>
       </p:ext>
     </p:extLst>
   </p:cSld>
@@ -1085,7 +2804,7 @@
       </p:grpSpPr>
       <p:sp>
         <p:nvSpPr>
-          <p:cNvPr id="2" name="Titel 1"/>
+          <p:cNvPr id="8" name="Title 7"/>
           <p:cNvSpPr>
             <a:spLocks noGrp="1"/>
           </p:cNvSpPr>
@@ -1093,7 +2812,12 @@
             <p:ph type="title"/>
           </p:nvPr>
         </p:nvSpPr>
-        <p:spPr/>
+        <p:spPr>
+          <a:xfrm>
+            <a:off x="1097280" y="286603"/>
+            <a:ext cx="10058400" cy="1450757"/>
+          </a:xfrm>
+        </p:spPr>
         <p:txBody>
           <a:bodyPr/>
           <a:lstStyle/>
@@ -1102,13 +2826,13 @@
               <a:rPr lang="de-DE"/>
               <a:t>Titelmasterformat durch Klicken bearbeiten</a:t>
             </a:r>
-            <a:endParaRPr lang="de-CH"/>
-          </a:p>
-        </p:txBody>
-      </p:sp>
-      <p:sp>
-        <p:nvSpPr>
-          <p:cNvPr id="3" name="Inhaltsplatzhalter 2"/>
+            <a:endParaRPr lang="en-US" dirty="0"/>
+          </a:p>
+        </p:txBody>
+      </p:sp>
+      <p:sp>
+        <p:nvSpPr>
+          <p:cNvPr id="3" name="Content Placeholder 2"/>
           <p:cNvSpPr>
             <a:spLocks noGrp="1"/>
           </p:cNvSpPr>
@@ -1118,8 +2842,8 @@
         </p:nvSpPr>
         <p:spPr>
           <a:xfrm>
-            <a:off x="838200" y="1825625"/>
-            <a:ext cx="5181600" cy="4351338"/>
+            <a:off x="1097279" y="1845734"/>
+            <a:ext cx="4937760" cy="4023360"/>
           </a:xfrm>
         </p:spPr>
         <p:txBody>
@@ -1159,13 +2883,13 @@
               <a:rPr lang="de-DE"/>
               <a:t>Fünfte Ebene</a:t>
             </a:r>
-            <a:endParaRPr lang="de-CH"/>
-          </a:p>
-        </p:txBody>
-      </p:sp>
-      <p:sp>
-        <p:nvSpPr>
-          <p:cNvPr id="4" name="Inhaltsplatzhalter 3"/>
+            <a:endParaRPr lang="en-US" dirty="0"/>
+          </a:p>
+        </p:txBody>
+      </p:sp>
+      <p:sp>
+        <p:nvSpPr>
+          <p:cNvPr id="4" name="Content Placeholder 3"/>
           <p:cNvSpPr>
             <a:spLocks noGrp="1"/>
           </p:cNvSpPr>
@@ -1175,8 +2899,8 @@
         </p:nvSpPr>
         <p:spPr>
           <a:xfrm>
-            <a:off x="6172200" y="1825625"/>
-            <a:ext cx="5181600" cy="4351338"/>
+            <a:off x="6217920" y="1845735"/>
+            <a:ext cx="4937760" cy="4023360"/>
           </a:xfrm>
         </p:spPr>
         <p:txBody>
@@ -1216,13 +2940,13 @@
               <a:rPr lang="de-DE"/>
               <a:t>Fünfte Ebene</a:t>
             </a:r>
-            <a:endParaRPr lang="de-CH"/>
-          </a:p>
-        </p:txBody>
-      </p:sp>
-      <p:sp>
-        <p:nvSpPr>
-          <p:cNvPr id="5" name="Datumsplatzhalter 4"/>
+            <a:endParaRPr lang="en-US" dirty="0"/>
+          </a:p>
+        </p:txBody>
+      </p:sp>
+      <p:sp>
+        <p:nvSpPr>
+          <p:cNvPr id="5" name="Date Placeholder 4"/>
           <p:cNvSpPr>
             <a:spLocks noGrp="1"/>
           </p:cNvSpPr>
@@ -1245,7 +2969,7 @@
       </p:sp>
       <p:sp>
         <p:nvSpPr>
-          <p:cNvPr id="6" name="Fußzeilenplatzhalter 5"/>
+          <p:cNvPr id="6" name="Footer Placeholder 5"/>
           <p:cNvSpPr>
             <a:spLocks noGrp="1"/>
           </p:cNvSpPr>
@@ -1264,7 +2988,7 @@
       </p:sp>
       <p:sp>
         <p:nvSpPr>
-          <p:cNvPr id="7" name="Foliennummernplatzhalter 6"/>
+          <p:cNvPr id="7" name="Slide Number Placeholder 6"/>
           <p:cNvSpPr>
             <a:spLocks noGrp="1"/>
           </p:cNvSpPr>
@@ -1288,7 +3012,7 @@
     </p:spTree>
     <p:extLst>
       <p:ext uri="{BB962C8B-B14F-4D97-AF65-F5344CB8AC3E}">
-        <p14:creationId xmlns:p14="http://schemas.microsoft.com/office/powerpoint/2010/main" val="349114123"/>
+        <p14:creationId xmlns:p14="http://schemas.microsoft.com/office/powerpoint/2010/main" val="1418319836"/>
       </p:ext>
     </p:extLst>
   </p:cSld>
@@ -1317,7 +3041,7 @@
       </p:grpSpPr>
       <p:sp>
         <p:nvSpPr>
-          <p:cNvPr id="2" name="Titel 1"/>
+          <p:cNvPr id="10" name="Title 9"/>
           <p:cNvSpPr>
             <a:spLocks noGrp="1"/>
           </p:cNvSpPr>
@@ -1327,8 +3051,8 @@
         </p:nvSpPr>
         <p:spPr>
           <a:xfrm>
-            <a:off x="839788" y="365125"/>
-            <a:ext cx="10515600" cy="1325563"/>
+            <a:off x="1097280" y="286603"/>
+            <a:ext cx="10058400" cy="1450757"/>
           </a:xfrm>
         </p:spPr>
         <p:txBody>
@@ -1339,13 +3063,13 @@
               <a:rPr lang="de-DE"/>
               <a:t>Titelmasterformat durch Klicken bearbeiten</a:t>
             </a:r>
-            <a:endParaRPr lang="de-CH"/>
-          </a:p>
-        </p:txBody>
-      </p:sp>
-      <p:sp>
-        <p:nvSpPr>
-          <p:cNvPr id="3" name="Textplatzhalter 2"/>
+            <a:endParaRPr lang="en-US" dirty="0"/>
+          </a:p>
+        </p:txBody>
+      </p:sp>
+      <p:sp>
+        <p:nvSpPr>
+          <p:cNvPr id="3" name="Text Placeholder 2"/>
           <p:cNvSpPr>
             <a:spLocks noGrp="1"/>
           </p:cNvSpPr>
@@ -1355,16 +3079,22 @@
         </p:nvSpPr>
         <p:spPr>
           <a:xfrm>
-            <a:off x="839788" y="1681163"/>
-            <a:ext cx="5157787" cy="823912"/>
+            <a:off x="1097280" y="1846052"/>
+            <a:ext cx="4937760" cy="736282"/>
           </a:xfrm>
         </p:spPr>
         <p:txBody>
-          <a:bodyPr anchor="b"/>
+          <a:bodyPr lIns="91440" rIns="91440" anchor="ctr">
+            <a:normAutofit/>
+          </a:bodyPr>
           <a:lstStyle>
             <a:lvl1pPr marL="0" indent="0">
               <a:buNone/>
-              <a:defRPr sz="2400" b="1"/>
+              <a:defRPr sz="2000" b="0" cap="all" baseline="0">
+                <a:solidFill>
+                  <a:schemeClr val="tx2"/>
+                </a:solidFill>
+              </a:defRPr>
             </a:lvl1pPr>
             <a:lvl2pPr marL="457200" indent="0">
               <a:buNone/>
@@ -1410,7 +3140,7 @@
       </p:sp>
       <p:sp>
         <p:nvSpPr>
-          <p:cNvPr id="4" name="Inhaltsplatzhalter 3"/>
+          <p:cNvPr id="4" name="Content Placeholder 3"/>
           <p:cNvSpPr>
             <a:spLocks noGrp="1"/>
           </p:cNvSpPr>
@@ -1420,8 +3150,8 @@
         </p:nvSpPr>
         <p:spPr>
           <a:xfrm>
-            <a:off x="839788" y="2505075"/>
-            <a:ext cx="5157787" cy="3684588"/>
+            <a:off x="1097280" y="2582334"/>
+            <a:ext cx="4937760" cy="3378200"/>
           </a:xfrm>
         </p:spPr>
         <p:txBody>
@@ -1461,13 +3191,13 @@
               <a:rPr lang="de-DE"/>
               <a:t>Fünfte Ebene</a:t>
             </a:r>
-            <a:endParaRPr lang="de-CH"/>
-          </a:p>
-        </p:txBody>
-      </p:sp>
-      <p:sp>
-        <p:nvSpPr>
-          <p:cNvPr id="5" name="Textplatzhalter 4"/>
+            <a:endParaRPr lang="en-US" dirty="0"/>
+          </a:p>
+        </p:txBody>
+      </p:sp>
+      <p:sp>
+        <p:nvSpPr>
+          <p:cNvPr id="5" name="Text Placeholder 4"/>
           <p:cNvSpPr>
             <a:spLocks noGrp="1"/>
           </p:cNvSpPr>
@@ -1477,16 +3207,22 @@
         </p:nvSpPr>
         <p:spPr>
           <a:xfrm>
-            <a:off x="6172200" y="1681163"/>
-            <a:ext cx="5183188" cy="823912"/>
+            <a:off x="6217920" y="1846052"/>
+            <a:ext cx="4937760" cy="736282"/>
           </a:xfrm>
         </p:spPr>
         <p:txBody>
-          <a:bodyPr anchor="b"/>
+          <a:bodyPr lIns="91440" rIns="91440" anchor="ctr">
+            <a:normAutofit/>
+          </a:bodyPr>
           <a:lstStyle>
             <a:lvl1pPr marL="0" indent="0">
               <a:buNone/>
-              <a:defRPr sz="2400" b="1"/>
+              <a:defRPr sz="2000" b="0" cap="all" baseline="0">
+                <a:solidFill>
+                  <a:schemeClr val="tx2"/>
+                </a:solidFill>
+              </a:defRPr>
             </a:lvl1pPr>
             <a:lvl2pPr marL="457200" indent="0">
               <a:buNone/>
@@ -1532,7 +3268,7 @@
       </p:sp>
       <p:sp>
         <p:nvSpPr>
-          <p:cNvPr id="6" name="Inhaltsplatzhalter 5"/>
+          <p:cNvPr id="6" name="Content Placeholder 5"/>
           <p:cNvSpPr>
             <a:spLocks noGrp="1"/>
           </p:cNvSpPr>
@@ -1542,8 +3278,8 @@
         </p:nvSpPr>
         <p:spPr>
           <a:xfrm>
-            <a:off x="6172200" y="2505075"/>
-            <a:ext cx="5183188" cy="3684588"/>
+            <a:off x="6217920" y="2582334"/>
+            <a:ext cx="4937760" cy="3378200"/>
           </a:xfrm>
         </p:spPr>
         <p:txBody>
@@ -1583,13 +3319,13 @@
               <a:rPr lang="de-DE"/>
               <a:t>Fünfte Ebene</a:t>
             </a:r>
-            <a:endParaRPr lang="de-CH"/>
-          </a:p>
-        </p:txBody>
-      </p:sp>
-      <p:sp>
-        <p:nvSpPr>
-          <p:cNvPr id="7" name="Datumsplatzhalter 6"/>
+            <a:endParaRPr lang="en-US" dirty="0"/>
+          </a:p>
+        </p:txBody>
+      </p:sp>
+      <p:sp>
+        <p:nvSpPr>
+          <p:cNvPr id="7" name="Date Placeholder 6"/>
           <p:cNvSpPr>
             <a:spLocks noGrp="1"/>
           </p:cNvSpPr>
@@ -1612,7 +3348,7 @@
       </p:sp>
       <p:sp>
         <p:nvSpPr>
-          <p:cNvPr id="8" name="Fußzeilenplatzhalter 7"/>
+          <p:cNvPr id="8" name="Footer Placeholder 7"/>
           <p:cNvSpPr>
             <a:spLocks noGrp="1"/>
           </p:cNvSpPr>
@@ -1631,7 +3367,7 @@
       </p:sp>
       <p:sp>
         <p:nvSpPr>
-          <p:cNvPr id="9" name="Foliennummernplatzhalter 8"/>
+          <p:cNvPr id="9" name="Slide Number Placeholder 8"/>
           <p:cNvSpPr>
             <a:spLocks noGrp="1"/>
           </p:cNvSpPr>
@@ -1655,7 +3391,7 @@
     </p:spTree>
     <p:extLst>
       <p:ext uri="{BB962C8B-B14F-4D97-AF65-F5344CB8AC3E}">
-        <p14:creationId xmlns:p14="http://schemas.microsoft.com/office/powerpoint/2010/main" val="2766072838"/>
+        <p14:creationId xmlns:p14="http://schemas.microsoft.com/office/powerpoint/2010/main" val="2751481788"/>
       </p:ext>
     </p:extLst>
   </p:cSld>
@@ -1684,7 +3420,7 @@
       </p:grpSpPr>
       <p:sp>
         <p:nvSpPr>
-          <p:cNvPr id="2" name="Titel 1"/>
+          <p:cNvPr id="2" name="Title 1"/>
           <p:cNvSpPr>
             <a:spLocks noGrp="1"/>
           </p:cNvSpPr>
@@ -1701,13 +3437,13 @@
               <a:rPr lang="de-DE"/>
               <a:t>Titelmasterformat durch Klicken bearbeiten</a:t>
             </a:r>
-            <a:endParaRPr lang="de-CH"/>
-          </a:p>
-        </p:txBody>
-      </p:sp>
-      <p:sp>
-        <p:nvSpPr>
-          <p:cNvPr id="3" name="Datumsplatzhalter 2"/>
+            <a:endParaRPr lang="en-US" dirty="0"/>
+          </a:p>
+        </p:txBody>
+      </p:sp>
+      <p:sp>
+        <p:nvSpPr>
+          <p:cNvPr id="3" name="Date Placeholder 2"/>
           <p:cNvSpPr>
             <a:spLocks noGrp="1"/>
           </p:cNvSpPr>
@@ -1730,7 +3466,7 @@
       </p:sp>
       <p:sp>
         <p:nvSpPr>
-          <p:cNvPr id="4" name="Fußzeilenplatzhalter 3"/>
+          <p:cNvPr id="4" name="Footer Placeholder 3"/>
           <p:cNvSpPr>
             <a:spLocks noGrp="1"/>
           </p:cNvSpPr>
@@ -1749,7 +3485,7 @@
       </p:sp>
       <p:sp>
         <p:nvSpPr>
-          <p:cNvPr id="5" name="Foliennummernplatzhalter 4"/>
+          <p:cNvPr id="5" name="Slide Number Placeholder 4"/>
           <p:cNvSpPr>
             <a:spLocks noGrp="1"/>
           </p:cNvSpPr>
@@ -1773,7 +3509,7 @@
     </p:spTree>
     <p:extLst>
       <p:ext uri="{BB962C8B-B14F-4D97-AF65-F5344CB8AC3E}">
-        <p14:creationId xmlns:p14="http://schemas.microsoft.com/office/powerpoint/2010/main" val="452240168"/>
+        <p14:creationId xmlns:p14="http://schemas.microsoft.com/office/powerpoint/2010/main" val="97325206"/>
       </p:ext>
     </p:extLst>
   </p:cSld>
@@ -1784,7 +3520,7 @@
 </file>
 
 <file path=ppt/slideLayouts/slideLayout7.xml><?xml version="1.0" encoding="utf-8"?>
-<p:sldLayout xmlns:a="http://schemas.openxmlformats.org/drawingml/2006/main" xmlns:r="http://schemas.openxmlformats.org/officeDocument/2006/relationships" xmlns:p="http://schemas.openxmlformats.org/presentationml/2006/main" type="blank" preserve="1">
+<p:sldLayout xmlns:a="http://schemas.openxmlformats.org/drawingml/2006/main" xmlns:r="http://schemas.openxmlformats.org/officeDocument/2006/relationships" xmlns:p="http://schemas.openxmlformats.org/presentationml/2006/main" showMasterSp="0" type="blank" preserve="1">
   <p:cSld name="Leer">
     <p:spTree>
       <p:nvGrpSpPr>
@@ -1802,7 +3538,83 @@
       </p:grpSpPr>
       <p:sp>
         <p:nvSpPr>
-          <p:cNvPr id="2" name="Datumsplatzhalter 1"/>
+          <p:cNvPr id="5" name="Rectangle 4"/>
+          <p:cNvSpPr/>
+          <p:nvPr/>
+        </p:nvSpPr>
+        <p:spPr>
+          <a:xfrm>
+            <a:off x="3175" y="6400800"/>
+            <a:ext cx="12188825" cy="457200"/>
+          </a:xfrm>
+          <a:prstGeom prst="rect">
+            <a:avLst/>
+          </a:prstGeom>
+          <a:solidFill>
+            <a:schemeClr val="accent2"/>
+          </a:solidFill>
+          <a:ln>
+            <a:noFill/>
+          </a:ln>
+        </p:spPr>
+        <p:style>
+          <a:lnRef idx="2">
+            <a:schemeClr val="accent1">
+              <a:shade val="50000"/>
+            </a:schemeClr>
+          </a:lnRef>
+          <a:fillRef idx="1">
+            <a:schemeClr val="accent1"/>
+          </a:fillRef>
+          <a:effectRef idx="0">
+            <a:schemeClr val="accent1"/>
+          </a:effectRef>
+          <a:fontRef idx="minor">
+            <a:schemeClr val="lt1"/>
+          </a:fontRef>
+        </p:style>
+      </p:sp>
+      <p:sp>
+        <p:nvSpPr>
+          <p:cNvPr id="6" name="Rectangle 5"/>
+          <p:cNvSpPr/>
+          <p:nvPr/>
+        </p:nvSpPr>
+        <p:spPr>
+          <a:xfrm>
+            <a:off x="15" y="6334316"/>
+            <a:ext cx="12188825" cy="64008"/>
+          </a:xfrm>
+          <a:prstGeom prst="rect">
+            <a:avLst/>
+          </a:prstGeom>
+          <a:solidFill>
+            <a:schemeClr val="accent1"/>
+          </a:solidFill>
+          <a:ln>
+            <a:noFill/>
+          </a:ln>
+        </p:spPr>
+        <p:style>
+          <a:lnRef idx="2">
+            <a:schemeClr val="accent1">
+              <a:shade val="50000"/>
+            </a:schemeClr>
+          </a:lnRef>
+          <a:fillRef idx="1">
+            <a:schemeClr val="accent1"/>
+          </a:fillRef>
+          <a:effectRef idx="0">
+            <a:schemeClr val="accent1"/>
+          </a:effectRef>
+          <a:fontRef idx="minor">
+            <a:schemeClr val="lt1"/>
+          </a:fontRef>
+        </p:style>
+      </p:sp>
+      <p:sp>
+        <p:nvSpPr>
+          <p:cNvPr id="7" name="Date Placeholder 6"/>
           <p:cNvSpPr>
             <a:spLocks noGrp="1"/>
           </p:cNvSpPr>
@@ -1825,7 +3637,7 @@
       </p:sp>
       <p:sp>
         <p:nvSpPr>
-          <p:cNvPr id="3" name="Fußzeilenplatzhalter 2"/>
+          <p:cNvPr id="8" name="Footer Placeholder 7"/>
           <p:cNvSpPr>
             <a:spLocks noGrp="1"/>
           </p:cNvSpPr>
@@ -1836,7 +3648,15 @@
         <p:spPr/>
         <p:txBody>
           <a:bodyPr/>
-          <a:lstStyle/>
+          <a:lstStyle>
+            <a:lvl1pPr>
+              <a:defRPr>
+                <a:solidFill>
+                  <a:srgbClr val="FFFFFF"/>
+                </a:solidFill>
+              </a:defRPr>
+            </a:lvl1pPr>
+          </a:lstStyle>
           <a:p>
             <a:endParaRPr lang="de-CH"/>
           </a:p>
@@ -1844,7 +3664,7 @@
       </p:sp>
       <p:sp>
         <p:nvSpPr>
-          <p:cNvPr id="4" name="Foliennummernplatzhalter 3"/>
+          <p:cNvPr id="9" name="Slide Number Placeholder 8"/>
           <p:cNvSpPr>
             <a:spLocks noGrp="1"/>
           </p:cNvSpPr>
@@ -1868,7 +3688,7 @@
     </p:spTree>
     <p:extLst>
       <p:ext uri="{BB962C8B-B14F-4D97-AF65-F5344CB8AC3E}">
-        <p14:creationId xmlns:p14="http://schemas.microsoft.com/office/powerpoint/2010/main" val="4066666388"/>
+        <p14:creationId xmlns:p14="http://schemas.microsoft.com/office/powerpoint/2010/main" val="73169055"/>
       </p:ext>
     </p:extLst>
   </p:cSld>
@@ -1879,7 +3699,7 @@
 </file>
 
 <file path=ppt/slideLayouts/slideLayout8.xml><?xml version="1.0" encoding="utf-8"?>
-<p:sldLayout xmlns:a="http://schemas.openxmlformats.org/drawingml/2006/main" xmlns:r="http://schemas.openxmlformats.org/officeDocument/2006/relationships" xmlns:p="http://schemas.openxmlformats.org/presentationml/2006/main" type="objTx" preserve="1">
+<p:sldLayout xmlns:a="http://schemas.openxmlformats.org/drawingml/2006/main" xmlns:r="http://schemas.openxmlformats.org/officeDocument/2006/relationships" xmlns:p="http://schemas.openxmlformats.org/presentationml/2006/main" showMasterSp="0" type="objTx" preserve="1">
   <p:cSld name="Inhalt mit Überschrift">
     <p:spTree>
       <p:nvGrpSpPr>
@@ -1897,25 +3717,107 @@
       </p:grpSpPr>
       <p:sp>
         <p:nvSpPr>
-          <p:cNvPr id="2" name="Titel 1"/>
-          <p:cNvSpPr>
-            <a:spLocks noGrp="1"/>
-          </p:cNvSpPr>
-          <p:nvPr>
-            <p:ph type="title"/>
-          </p:nvPr>
+          <p:cNvPr id="8" name="Rectangle 7"/>
+          <p:cNvSpPr/>
+          <p:nvPr/>
         </p:nvSpPr>
         <p:spPr>
           <a:xfrm>
-            <a:off x="839788" y="457200"/>
-            <a:ext cx="3932237" cy="1600200"/>
+            <a:off x="16" y="0"/>
+            <a:ext cx="4050791" cy="6858000"/>
+          </a:xfrm>
+          <a:prstGeom prst="rect">
+            <a:avLst/>
+          </a:prstGeom>
+          <a:solidFill>
+            <a:schemeClr val="accent2"/>
+          </a:solidFill>
+          <a:ln>
+            <a:noFill/>
+          </a:ln>
+        </p:spPr>
+        <p:style>
+          <a:lnRef idx="2">
+            <a:schemeClr val="accent1">
+              <a:shade val="50000"/>
+            </a:schemeClr>
+          </a:lnRef>
+          <a:fillRef idx="1">
+            <a:schemeClr val="accent1"/>
+          </a:fillRef>
+          <a:effectRef idx="0">
+            <a:schemeClr val="accent1"/>
+          </a:effectRef>
+          <a:fontRef idx="minor">
+            <a:schemeClr val="lt1"/>
+          </a:fontRef>
+        </p:style>
+      </p:sp>
+      <p:sp>
+        <p:nvSpPr>
+          <p:cNvPr id="9" name="Rectangle 8"/>
+          <p:cNvSpPr/>
+          <p:nvPr/>
+        </p:nvSpPr>
+        <p:spPr>
+          <a:xfrm>
+            <a:off x="4040071" y="0"/>
+            <a:ext cx="64008" cy="6858000"/>
+          </a:xfrm>
+          <a:prstGeom prst="rect">
+            <a:avLst/>
+          </a:prstGeom>
+          <a:solidFill>
+            <a:schemeClr val="accent1"/>
+          </a:solidFill>
+          <a:ln>
+            <a:noFill/>
+          </a:ln>
+        </p:spPr>
+        <p:style>
+          <a:lnRef idx="2">
+            <a:schemeClr val="accent1">
+              <a:shade val="50000"/>
+            </a:schemeClr>
+          </a:lnRef>
+          <a:fillRef idx="1">
+            <a:schemeClr val="accent1"/>
+          </a:fillRef>
+          <a:effectRef idx="0">
+            <a:schemeClr val="accent1"/>
+          </a:effectRef>
+          <a:fontRef idx="minor">
+            <a:schemeClr val="lt1"/>
+          </a:fontRef>
+        </p:style>
+      </p:sp>
+      <p:sp>
+        <p:nvSpPr>
+          <p:cNvPr id="2" name="Title 1"/>
+          <p:cNvSpPr>
+            <a:spLocks noGrp="1"/>
+          </p:cNvSpPr>
+          <p:nvPr>
+            <p:ph type="title"/>
+          </p:nvPr>
+        </p:nvSpPr>
+        <p:spPr>
+          <a:xfrm>
+            <a:off x="457200" y="594359"/>
+            <a:ext cx="3200400" cy="2286000"/>
           </a:xfrm>
         </p:spPr>
         <p:txBody>
-          <a:bodyPr anchor="b"/>
+          <a:bodyPr anchor="b">
+            <a:normAutofit/>
+          </a:bodyPr>
           <a:lstStyle>
             <a:lvl1pPr>
-              <a:defRPr sz="3200"/>
+              <a:defRPr sz="3600" b="0">
+                <a:solidFill>
+                  <a:srgbClr val="FFFFFF"/>
+                </a:solidFill>
+              </a:defRPr>
             </a:lvl1pPr>
           </a:lstStyle>
           <a:p>
@@ -1923,13 +3825,13 @@
               <a:rPr lang="de-DE"/>
               <a:t>Titelmasterformat durch Klicken bearbeiten</a:t>
             </a:r>
-            <a:endParaRPr lang="de-CH"/>
-          </a:p>
-        </p:txBody>
-      </p:sp>
-      <p:sp>
-        <p:nvSpPr>
-          <p:cNvPr id="3" name="Inhaltsplatzhalter 2"/>
+            <a:endParaRPr lang="en-US" dirty="0"/>
+          </a:p>
+        </p:txBody>
+      </p:sp>
+      <p:sp>
+        <p:nvSpPr>
+          <p:cNvPr id="3" name="Content Placeholder 2"/>
           <p:cNvSpPr>
             <a:spLocks noGrp="1"/>
           </p:cNvSpPr>
@@ -1939,41 +3841,13 @@
         </p:nvSpPr>
         <p:spPr>
           <a:xfrm>
-            <a:off x="5183188" y="987425"/>
-            <a:ext cx="6172200" cy="4873625"/>
+            <a:off x="4800600" y="731520"/>
+            <a:ext cx="6492240" cy="5257800"/>
           </a:xfrm>
         </p:spPr>
         <p:txBody>
           <a:bodyPr/>
-          <a:lstStyle>
-            <a:lvl1pPr>
-              <a:defRPr sz="3200"/>
-            </a:lvl1pPr>
-            <a:lvl2pPr>
-              <a:defRPr sz="2800"/>
-            </a:lvl2pPr>
-            <a:lvl3pPr>
-              <a:defRPr sz="2400"/>
-            </a:lvl3pPr>
-            <a:lvl4pPr>
-              <a:defRPr sz="2000"/>
-            </a:lvl4pPr>
-            <a:lvl5pPr>
-              <a:defRPr sz="2000"/>
-            </a:lvl5pPr>
-            <a:lvl6pPr>
-              <a:defRPr sz="2000"/>
-            </a:lvl6pPr>
-            <a:lvl7pPr>
-              <a:defRPr sz="2000"/>
-            </a:lvl7pPr>
-            <a:lvl8pPr>
-              <a:defRPr sz="2000"/>
-            </a:lvl8pPr>
-            <a:lvl9pPr>
-              <a:defRPr sz="2000"/>
-            </a:lvl9pPr>
-          </a:lstStyle>
+          <a:lstStyle/>
           <a:p>
             <a:pPr lvl="0"/>
             <a:r>
@@ -2008,13 +3882,13 @@
               <a:rPr lang="de-DE"/>
               <a:t>Fünfte Ebene</a:t>
             </a:r>
-            <a:endParaRPr lang="de-CH"/>
-          </a:p>
-        </p:txBody>
-      </p:sp>
-      <p:sp>
-        <p:nvSpPr>
-          <p:cNvPr id="4" name="Textplatzhalter 3"/>
+            <a:endParaRPr lang="en-US" dirty="0"/>
+          </a:p>
+        </p:txBody>
+      </p:sp>
+      <p:sp>
+        <p:nvSpPr>
+          <p:cNvPr id="4" name="Text Placeholder 3"/>
           <p:cNvSpPr>
             <a:spLocks noGrp="1"/>
           </p:cNvSpPr>
@@ -2024,48 +3898,54 @@
         </p:nvSpPr>
         <p:spPr>
           <a:xfrm>
-            <a:off x="839788" y="2057400"/>
-            <a:ext cx="3932237" cy="3811588"/>
+            <a:off x="457200" y="2926080"/>
+            <a:ext cx="3200400" cy="3379124"/>
           </a:xfrm>
         </p:spPr>
         <p:txBody>
-          <a:bodyPr/>
+          <a:bodyPr lIns="91440" rIns="91440">
+            <a:normAutofit/>
+          </a:bodyPr>
           <a:lstStyle>
             <a:lvl1pPr marL="0" indent="0">
               <a:buNone/>
-              <a:defRPr sz="1600"/>
+              <a:defRPr sz="1500">
+                <a:solidFill>
+                  <a:srgbClr val="FFFFFF"/>
+                </a:solidFill>
+              </a:defRPr>
             </a:lvl1pPr>
             <a:lvl2pPr marL="457200" indent="0">
               <a:buNone/>
-              <a:defRPr sz="1400"/>
+              <a:defRPr sz="1200"/>
             </a:lvl2pPr>
             <a:lvl3pPr marL="914400" indent="0">
               <a:buNone/>
-              <a:defRPr sz="1200"/>
+              <a:defRPr sz="1000"/>
             </a:lvl3pPr>
             <a:lvl4pPr marL="1371600" indent="0">
               <a:buNone/>
-              <a:defRPr sz="1000"/>
+              <a:defRPr sz="900"/>
             </a:lvl4pPr>
             <a:lvl5pPr marL="1828800" indent="0">
               <a:buNone/>
-              <a:defRPr sz="1000"/>
+              <a:defRPr sz="900"/>
             </a:lvl5pPr>
             <a:lvl6pPr marL="2286000" indent="0">
               <a:buNone/>
-              <a:defRPr sz="1000"/>
+              <a:defRPr sz="900"/>
             </a:lvl6pPr>
             <a:lvl7pPr marL="2743200" indent="0">
               <a:buNone/>
-              <a:defRPr sz="1000"/>
+              <a:defRPr sz="900"/>
             </a:lvl7pPr>
             <a:lvl8pPr marL="3200400" indent="0">
               <a:buNone/>
-              <a:defRPr sz="1000"/>
+              <a:defRPr sz="900"/>
             </a:lvl8pPr>
             <a:lvl9pPr marL="3657600" indent="0">
               <a:buNone/>
-              <a:defRPr sz="1000"/>
+              <a:defRPr sz="900"/>
             </a:lvl9pPr>
           </a:lstStyle>
           <a:p>
@@ -2079,7 +3959,7 @@
       </p:sp>
       <p:sp>
         <p:nvSpPr>
-          <p:cNvPr id="5" name="Datumsplatzhalter 4"/>
+          <p:cNvPr id="5" name="Date Placeholder 4"/>
           <p:cNvSpPr>
             <a:spLocks noGrp="1"/>
           </p:cNvSpPr>
@@ -2087,10 +3967,19 @@
             <p:ph type="dt" sz="half" idx="10"/>
           </p:nvPr>
         </p:nvSpPr>
-        <p:spPr/>
-        <p:txBody>
-          <a:bodyPr/>
-          <a:lstStyle/>
+        <p:spPr>
+          <a:xfrm>
+            <a:off x="465512" y="6459785"/>
+            <a:ext cx="2618510" cy="365125"/>
+          </a:xfrm>
+        </p:spPr>
+        <p:txBody>
+          <a:bodyPr/>
+          <a:lstStyle>
+            <a:lvl1pPr algn="l">
+              <a:defRPr/>
+            </a:lvl1pPr>
+          </a:lstStyle>
           <a:p>
             <a:fld id="{6799DEA1-B85C-449D-9548-A6B79A35F35F}" type="datetimeFigureOut">
               <a:rPr lang="de-CH" smtClean="0"/>
@@ -2102,7 +3991,7 @@
       </p:sp>
       <p:sp>
         <p:nvSpPr>
-          <p:cNvPr id="6" name="Fußzeilenplatzhalter 5"/>
+          <p:cNvPr id="6" name="Footer Placeholder 5"/>
           <p:cNvSpPr>
             <a:spLocks noGrp="1"/>
           </p:cNvSpPr>
@@ -2110,10 +3999,23 @@
             <p:ph type="ftr" sz="quarter" idx="11"/>
           </p:nvPr>
         </p:nvSpPr>
-        <p:spPr/>
-        <p:txBody>
-          <a:bodyPr/>
-          <a:lstStyle/>
+        <p:spPr>
+          <a:xfrm>
+            <a:off x="4800600" y="6459785"/>
+            <a:ext cx="4648200" cy="365125"/>
+          </a:xfrm>
+        </p:spPr>
+        <p:txBody>
+          <a:bodyPr/>
+          <a:lstStyle>
+            <a:lvl1pPr algn="l">
+              <a:defRPr>
+                <a:solidFill>
+                  <a:schemeClr val="tx2"/>
+                </a:solidFill>
+              </a:defRPr>
+            </a:lvl1pPr>
+          </a:lstStyle>
           <a:p>
             <a:endParaRPr lang="de-CH"/>
           </a:p>
@@ -2121,7 +4023,7 @@
       </p:sp>
       <p:sp>
         <p:nvSpPr>
-          <p:cNvPr id="7" name="Foliennummernplatzhalter 6"/>
+          <p:cNvPr id="7" name="Slide Number Placeholder 6"/>
           <p:cNvSpPr>
             <a:spLocks noGrp="1"/>
           </p:cNvSpPr>
@@ -2132,7 +4034,15 @@
         <p:spPr/>
         <p:txBody>
           <a:bodyPr/>
-          <a:lstStyle/>
+          <a:lstStyle>
+            <a:lvl1pPr>
+              <a:defRPr>
+                <a:solidFill>
+                  <a:schemeClr val="tx2"/>
+                </a:solidFill>
+              </a:defRPr>
+            </a:lvl1pPr>
+          </a:lstStyle>
           <a:p>
             <a:fld id="{2F9FB9E8-A6ED-4E63-8658-AD3E2A56DD54}" type="slidenum">
               <a:rPr lang="de-CH" smtClean="0"/>
@@ -2145,7 +4055,7 @@
     </p:spTree>
     <p:extLst>
       <p:ext uri="{BB962C8B-B14F-4D97-AF65-F5344CB8AC3E}">
-        <p14:creationId xmlns:p14="http://schemas.microsoft.com/office/powerpoint/2010/main" val="3180132537"/>
+        <p14:creationId xmlns:p14="http://schemas.microsoft.com/office/powerpoint/2010/main" val="890471606"/>
       </p:ext>
     </p:extLst>
   </p:cSld>
@@ -2156,7 +4066,7 @@
 </file>
 
 <file path=ppt/slideLayouts/slideLayout9.xml><?xml version="1.0" encoding="utf-8"?>
-<p:sldLayout xmlns:a="http://schemas.openxmlformats.org/drawingml/2006/main" xmlns:r="http://schemas.openxmlformats.org/officeDocument/2006/relationships" xmlns:p="http://schemas.openxmlformats.org/presentationml/2006/main" type="picTx" preserve="1">
+<p:sldLayout xmlns:a="http://schemas.openxmlformats.org/drawingml/2006/main" xmlns:r="http://schemas.openxmlformats.org/officeDocument/2006/relationships" xmlns:p="http://schemas.openxmlformats.org/presentationml/2006/main" showMasterSp="0" type="picTx" preserve="1">
   <p:cSld name="Bild mit Überschrift">
     <p:spTree>
       <p:nvGrpSpPr>
@@ -2174,25 +4084,107 @@
       </p:grpSpPr>
       <p:sp>
         <p:nvSpPr>
-          <p:cNvPr id="2" name="Titel 1"/>
-          <p:cNvSpPr>
-            <a:spLocks noGrp="1"/>
-          </p:cNvSpPr>
-          <p:nvPr>
-            <p:ph type="title"/>
-          </p:nvPr>
+          <p:cNvPr id="8" name="Rectangle 7"/>
+          <p:cNvSpPr/>
+          <p:nvPr/>
         </p:nvSpPr>
         <p:spPr>
           <a:xfrm>
-            <a:off x="839788" y="457200"/>
-            <a:ext cx="3932237" cy="1600200"/>
+            <a:off x="0" y="4953000"/>
+            <a:ext cx="12188825" cy="1905000"/>
+          </a:xfrm>
+          <a:prstGeom prst="rect">
+            <a:avLst/>
+          </a:prstGeom>
+          <a:solidFill>
+            <a:schemeClr val="accent2"/>
+          </a:solidFill>
+          <a:ln>
+            <a:noFill/>
+          </a:ln>
+        </p:spPr>
+        <p:style>
+          <a:lnRef idx="2">
+            <a:schemeClr val="accent1">
+              <a:shade val="50000"/>
+            </a:schemeClr>
+          </a:lnRef>
+          <a:fillRef idx="1">
+            <a:schemeClr val="accent1"/>
+          </a:fillRef>
+          <a:effectRef idx="0">
+            <a:schemeClr val="accent1"/>
+          </a:effectRef>
+          <a:fontRef idx="minor">
+            <a:schemeClr val="lt1"/>
+          </a:fontRef>
+        </p:style>
+      </p:sp>
+      <p:sp>
+        <p:nvSpPr>
+          <p:cNvPr id="9" name="Rectangle 8"/>
+          <p:cNvSpPr/>
+          <p:nvPr/>
+        </p:nvSpPr>
+        <p:spPr>
+          <a:xfrm>
+            <a:off x="15" y="4915076"/>
+            <a:ext cx="12188825" cy="64008"/>
+          </a:xfrm>
+          <a:prstGeom prst="rect">
+            <a:avLst/>
+          </a:prstGeom>
+          <a:solidFill>
+            <a:schemeClr val="accent1"/>
+          </a:solidFill>
+          <a:ln>
+            <a:noFill/>
+          </a:ln>
+        </p:spPr>
+        <p:style>
+          <a:lnRef idx="2">
+            <a:schemeClr val="accent1">
+              <a:shade val="50000"/>
+            </a:schemeClr>
+          </a:lnRef>
+          <a:fillRef idx="1">
+            <a:schemeClr val="accent1"/>
+          </a:fillRef>
+          <a:effectRef idx="0">
+            <a:schemeClr val="accent1"/>
+          </a:effectRef>
+          <a:fontRef idx="minor">
+            <a:schemeClr val="lt1"/>
+          </a:fontRef>
+        </p:style>
+      </p:sp>
+      <p:sp>
+        <p:nvSpPr>
+          <p:cNvPr id="2" name="Title 1"/>
+          <p:cNvSpPr>
+            <a:spLocks noGrp="1"/>
+          </p:cNvSpPr>
+          <p:nvPr>
+            <p:ph type="title"/>
+          </p:nvPr>
+        </p:nvSpPr>
+        <p:spPr>
+          <a:xfrm>
+            <a:off x="1097280" y="5074920"/>
+            <a:ext cx="10113264" cy="822960"/>
           </a:xfrm>
         </p:spPr>
         <p:txBody>
-          <a:bodyPr anchor="b"/>
+          <a:bodyPr lIns="91440" tIns="0" rIns="91440" bIns="0" anchor="b">
+            <a:noAutofit/>
+          </a:bodyPr>
           <a:lstStyle>
             <a:lvl1pPr>
-              <a:defRPr sz="3200"/>
+              <a:defRPr sz="3600" b="0">
+                <a:solidFill>
+                  <a:srgbClr val="FFFFFF"/>
+                </a:solidFill>
+              </a:defRPr>
             </a:lvl1pPr>
           </a:lstStyle>
           <a:p>
@@ -2200,15 +4192,15 @@
               <a:rPr lang="de-DE"/>
               <a:t>Titelmasterformat durch Klicken bearbeiten</a:t>
             </a:r>
-            <a:endParaRPr lang="de-CH"/>
-          </a:p>
-        </p:txBody>
-      </p:sp>
-      <p:sp>
-        <p:nvSpPr>
-          <p:cNvPr id="3" name="Bildplatzhalter 2"/>
-          <p:cNvSpPr>
-            <a:spLocks noGrp="1"/>
+            <a:endParaRPr lang="en-US" dirty="0"/>
+          </a:p>
+        </p:txBody>
+      </p:sp>
+      <p:sp>
+        <p:nvSpPr>
+          <p:cNvPr id="3" name="Picture Placeholder 2"/>
+          <p:cNvSpPr>
+            <a:spLocks noGrp="1" noChangeAspect="1"/>
           </p:cNvSpPr>
           <p:nvPr>
             <p:ph type="pic" idx="1"/>
@@ -2216,16 +4208,26 @@
         </p:nvSpPr>
         <p:spPr>
           <a:xfrm>
-            <a:off x="5183188" y="987425"/>
-            <a:ext cx="6172200" cy="4873625"/>
+            <a:off x="15" y="0"/>
+            <a:ext cx="12191985" cy="4915076"/>
           </a:xfrm>
+          <a:blipFill>
+            <a:blip r:embed="rId2"/>
+            <a:stretch>
+              <a:fillRect/>
+            </a:stretch>
+          </a:blipFill>
         </p:spPr>
         <p:txBody>
-          <a:bodyPr/>
+          <a:bodyPr lIns="457200" tIns="457200" anchor="t"/>
           <a:lstStyle>
             <a:lvl1pPr marL="0" indent="0">
               <a:buNone/>
-              <a:defRPr sz="3200"/>
+              <a:defRPr sz="3200">
+                <a:solidFill>
+                  <a:schemeClr val="bg1"/>
+                </a:solidFill>
+              </a:defRPr>
             </a:lvl1pPr>
             <a:lvl2pPr marL="457200" indent="0">
               <a:buNone/>
@@ -2261,13 +4263,17 @@
             </a:lvl9pPr>
           </a:lstStyle>
           <a:p>
-            <a:endParaRPr lang="de-CH"/>
-          </a:p>
-        </p:txBody>
-      </p:sp>
-      <p:sp>
-        <p:nvSpPr>
-          <p:cNvPr id="4" name="Textplatzhalter 3"/>
+            <a:r>
+              <a:rPr lang="de-DE"/>
+              <a:t>Bild durch Klicken auf Symbol hinzufügen</a:t>
+            </a:r>
+            <a:endParaRPr lang="en-US" dirty="0"/>
+          </a:p>
+        </p:txBody>
+      </p:sp>
+      <p:sp>
+        <p:nvSpPr>
+          <p:cNvPr id="4" name="Text Placeholder 3"/>
           <p:cNvSpPr>
             <a:spLocks noGrp="1"/>
           </p:cNvSpPr>
@@ -2277,48 +4283,60 @@
         </p:nvSpPr>
         <p:spPr>
           <a:xfrm>
-            <a:off x="839788" y="2057400"/>
-            <a:ext cx="3932237" cy="3811588"/>
+            <a:off x="1097280" y="5907023"/>
+            <a:ext cx="10113264" cy="594360"/>
           </a:xfrm>
         </p:spPr>
         <p:txBody>
-          <a:bodyPr/>
+          <a:bodyPr lIns="91440" tIns="0" rIns="91440" bIns="0">
+            <a:normAutofit/>
+          </a:bodyPr>
           <a:lstStyle>
             <a:lvl1pPr marL="0" indent="0">
+              <a:spcBef>
+                <a:spcPts val="0"/>
+              </a:spcBef>
+              <a:spcAft>
+                <a:spcPts val="600"/>
+              </a:spcAft>
               <a:buNone/>
-              <a:defRPr sz="1600"/>
+              <a:defRPr sz="1500">
+                <a:solidFill>
+                  <a:srgbClr val="FFFFFF"/>
+                </a:solidFill>
+              </a:defRPr>
             </a:lvl1pPr>
             <a:lvl2pPr marL="457200" indent="0">
               <a:buNone/>
-              <a:defRPr sz="1400"/>
+              <a:defRPr sz="1200"/>
             </a:lvl2pPr>
             <a:lvl3pPr marL="914400" indent="0">
               <a:buNone/>
-              <a:defRPr sz="1200"/>
+              <a:defRPr sz="1000"/>
             </a:lvl3pPr>
             <a:lvl4pPr marL="1371600" indent="0">
               <a:buNone/>
-              <a:defRPr sz="1000"/>
+              <a:defRPr sz="900"/>
             </a:lvl4pPr>
             <a:lvl5pPr marL="1828800" indent="0">
               <a:buNone/>
-              <a:defRPr sz="1000"/>
+              <a:defRPr sz="900"/>
             </a:lvl5pPr>
             <a:lvl6pPr marL="2286000" indent="0">
               <a:buNone/>
-              <a:defRPr sz="1000"/>
+              <a:defRPr sz="900"/>
             </a:lvl6pPr>
             <a:lvl7pPr marL="2743200" indent="0">
               <a:buNone/>
-              <a:defRPr sz="1000"/>
+              <a:defRPr sz="900"/>
             </a:lvl7pPr>
             <a:lvl8pPr marL="3200400" indent="0">
               <a:buNone/>
-              <a:defRPr sz="1000"/>
+              <a:defRPr sz="900"/>
             </a:lvl8pPr>
             <a:lvl9pPr marL="3657600" indent="0">
               <a:buNone/>
-              <a:defRPr sz="1000"/>
+              <a:defRPr sz="900"/>
             </a:lvl9pPr>
           </a:lstStyle>
           <a:p>
@@ -2332,7 +4350,7 @@
       </p:sp>
       <p:sp>
         <p:nvSpPr>
-          <p:cNvPr id="5" name="Datumsplatzhalter 4"/>
+          <p:cNvPr id="5" name="Date Placeholder 4"/>
           <p:cNvSpPr>
             <a:spLocks noGrp="1"/>
           </p:cNvSpPr>
@@ -2355,7 +4373,7 @@
       </p:sp>
       <p:sp>
         <p:nvSpPr>
-          <p:cNvPr id="6" name="Fußzeilenplatzhalter 5"/>
+          <p:cNvPr id="6" name="Footer Placeholder 5"/>
           <p:cNvSpPr>
             <a:spLocks noGrp="1"/>
           </p:cNvSpPr>
@@ -2374,7 +4392,7 @@
       </p:sp>
       <p:sp>
         <p:nvSpPr>
-          <p:cNvPr id="7" name="Foliennummernplatzhalter 6"/>
+          <p:cNvPr id="7" name="Slide Number Placeholder 6"/>
           <p:cNvSpPr>
             <a:spLocks noGrp="1"/>
           </p:cNvSpPr>
@@ -2398,7 +4416,7 @@
     </p:spTree>
     <p:extLst>
       <p:ext uri="{BB962C8B-B14F-4D97-AF65-F5344CB8AC3E}">
-        <p14:creationId xmlns:p14="http://schemas.microsoft.com/office/powerpoint/2010/main" val="513194621"/>
+        <p14:creationId xmlns:p14="http://schemas.microsoft.com/office/powerpoint/2010/main" val="3272033362"/>
       </p:ext>
     </p:extLst>
   </p:cSld>
@@ -2432,25 +4450,101 @@
       </p:grpSpPr>
       <p:sp>
         <p:nvSpPr>
-          <p:cNvPr id="2" name="Titelplatzhalter 1"/>
-          <p:cNvSpPr>
-            <a:spLocks noGrp="1"/>
-          </p:cNvSpPr>
-          <p:nvPr>
-            <p:ph type="title"/>
-          </p:nvPr>
+          <p:cNvPr id="7" name="Rectangle 6"/>
+          <p:cNvSpPr/>
+          <p:nvPr/>
         </p:nvSpPr>
         <p:spPr>
           <a:xfrm>
-            <a:off x="838200" y="365125"/>
-            <a:ext cx="10515600" cy="1325563"/>
+            <a:off x="1" y="6400800"/>
+            <a:ext cx="12192000" cy="457200"/>
+          </a:xfrm>
+          <a:prstGeom prst="rect">
+            <a:avLst/>
+          </a:prstGeom>
+          <a:solidFill>
+            <a:schemeClr val="accent2"/>
+          </a:solidFill>
+          <a:ln>
+            <a:noFill/>
+          </a:ln>
+        </p:spPr>
+        <p:style>
+          <a:lnRef idx="2">
+            <a:schemeClr val="accent1">
+              <a:shade val="50000"/>
+            </a:schemeClr>
+          </a:lnRef>
+          <a:fillRef idx="1">
+            <a:schemeClr val="accent1"/>
+          </a:fillRef>
+          <a:effectRef idx="0">
+            <a:schemeClr val="accent1"/>
+          </a:effectRef>
+          <a:fontRef idx="minor">
+            <a:schemeClr val="lt1"/>
+          </a:fontRef>
+        </p:style>
+      </p:sp>
+      <p:sp>
+        <p:nvSpPr>
+          <p:cNvPr id="9" name="Rectangle 8"/>
+          <p:cNvSpPr/>
+          <p:nvPr/>
+        </p:nvSpPr>
+        <p:spPr>
+          <a:xfrm>
+            <a:off x="0" y="6334316"/>
+            <a:ext cx="12192001" cy="65998"/>
+          </a:xfrm>
+          <a:prstGeom prst="rect">
+            <a:avLst/>
+          </a:prstGeom>
+          <a:solidFill>
+            <a:schemeClr val="accent1"/>
+          </a:solidFill>
+          <a:ln>
+            <a:noFill/>
+          </a:ln>
+        </p:spPr>
+        <p:style>
+          <a:lnRef idx="2">
+            <a:schemeClr val="accent1">
+              <a:shade val="50000"/>
+            </a:schemeClr>
+          </a:lnRef>
+          <a:fillRef idx="1">
+            <a:schemeClr val="accent1"/>
+          </a:fillRef>
+          <a:effectRef idx="0">
+            <a:schemeClr val="accent1"/>
+          </a:effectRef>
+          <a:fontRef idx="minor">
+            <a:schemeClr val="lt1"/>
+          </a:fontRef>
+        </p:style>
+      </p:sp>
+      <p:sp>
+        <p:nvSpPr>
+          <p:cNvPr id="2" name="Title Placeholder 1"/>
+          <p:cNvSpPr>
+            <a:spLocks noGrp="1"/>
+          </p:cNvSpPr>
+          <p:nvPr>
+            <p:ph type="title"/>
+          </p:nvPr>
+        </p:nvSpPr>
+        <p:spPr>
+          <a:xfrm>
+            <a:off x="1097280" y="286603"/>
+            <a:ext cx="10058400" cy="1450757"/>
           </a:xfrm>
           <a:prstGeom prst="rect">
             <a:avLst/>
           </a:prstGeom>
         </p:spPr>
         <p:txBody>
-          <a:bodyPr vert="horz" lIns="91440" tIns="45720" rIns="91440" bIns="45720" rtlCol="0" anchor="ctr">
+          <a:bodyPr vert="horz" lIns="91440" tIns="45720" rIns="91440" bIns="45720" rtlCol="0" anchor="b">
             <a:normAutofit/>
           </a:bodyPr>
           <a:lstStyle/>
@@ -2459,13 +4553,13 @@
               <a:rPr lang="de-DE"/>
               <a:t>Titelmasterformat durch Klicken bearbeiten</a:t>
             </a:r>
-            <a:endParaRPr lang="de-CH"/>
-          </a:p>
-        </p:txBody>
-      </p:sp>
-      <p:sp>
-        <p:nvSpPr>
-          <p:cNvPr id="3" name="Textplatzhalter 2"/>
+            <a:endParaRPr lang="en-US" dirty="0"/>
+          </a:p>
+        </p:txBody>
+      </p:sp>
+      <p:sp>
+        <p:nvSpPr>
+          <p:cNvPr id="3" name="Text Placeholder 2"/>
           <p:cNvSpPr>
             <a:spLocks noGrp="1"/>
           </p:cNvSpPr>
@@ -2475,15 +4569,15 @@
         </p:nvSpPr>
         <p:spPr>
           <a:xfrm>
-            <a:off x="838200" y="1825625"/>
-            <a:ext cx="10515600" cy="4351338"/>
+            <a:off x="1097280" y="1845734"/>
+            <a:ext cx="10058400" cy="4023360"/>
           </a:xfrm>
           <a:prstGeom prst="rect">
             <a:avLst/>
           </a:prstGeom>
         </p:spPr>
         <p:txBody>
-          <a:bodyPr vert="horz" lIns="91440" tIns="45720" rIns="91440" bIns="45720" rtlCol="0">
+          <a:bodyPr vert="horz" lIns="0" tIns="45720" rIns="0" bIns="45720" rtlCol="0">
             <a:normAutofit/>
           </a:bodyPr>
           <a:lstStyle/>
@@ -2521,13 +4615,13 @@
               <a:rPr lang="de-DE"/>
               <a:t>Fünfte Ebene</a:t>
             </a:r>
-            <a:endParaRPr lang="de-CH"/>
-          </a:p>
-        </p:txBody>
-      </p:sp>
-      <p:sp>
-        <p:nvSpPr>
-          <p:cNvPr id="4" name="Datumsplatzhalter 3"/>
+            <a:endParaRPr lang="en-US" dirty="0"/>
+          </a:p>
+        </p:txBody>
+      </p:sp>
+      <p:sp>
+        <p:nvSpPr>
+          <p:cNvPr id="4" name="Date Placeholder 3"/>
           <p:cNvSpPr>
             <a:spLocks noGrp="1"/>
           </p:cNvSpPr>
@@ -2537,8 +4631,8 @@
         </p:nvSpPr>
         <p:spPr>
           <a:xfrm>
-            <a:off x="838200" y="6356350"/>
-            <a:ext cx="2743200" cy="365125"/>
+            <a:off x="1097280" y="6459785"/>
+            <a:ext cx="2472271" cy="365125"/>
           </a:xfrm>
           <a:prstGeom prst="rect">
             <a:avLst/>
@@ -2548,11 +4642,9 @@
           <a:bodyPr vert="horz" lIns="91440" tIns="45720" rIns="91440" bIns="45720" rtlCol="0" anchor="ctr"/>
           <a:lstStyle>
             <a:lvl1pPr algn="l">
-              <a:defRPr sz="1200">
+              <a:defRPr sz="900">
                 <a:solidFill>
-                  <a:schemeClr val="tx1">
-                    <a:tint val="75000"/>
-                  </a:schemeClr>
+                  <a:srgbClr val="FFFFFF"/>
                 </a:solidFill>
               </a:defRPr>
             </a:lvl1pPr>
@@ -2568,7 +4660,7 @@
       </p:sp>
       <p:sp>
         <p:nvSpPr>
-          <p:cNvPr id="5" name="Fußzeilenplatzhalter 4"/>
+          <p:cNvPr id="5" name="Footer Placeholder 4"/>
           <p:cNvSpPr>
             <a:spLocks noGrp="1"/>
           </p:cNvSpPr>
@@ -2578,8 +4670,8 @@
         </p:nvSpPr>
         <p:spPr>
           <a:xfrm>
-            <a:off x="4038600" y="6356350"/>
-            <a:ext cx="4114800" cy="365125"/>
+            <a:off x="3686185" y="6459785"/>
+            <a:ext cx="4822804" cy="365125"/>
           </a:xfrm>
           <a:prstGeom prst="rect">
             <a:avLst/>
@@ -2589,11 +4681,9 @@
           <a:bodyPr vert="horz" lIns="91440" tIns="45720" rIns="91440" bIns="45720" rtlCol="0" anchor="ctr"/>
           <a:lstStyle>
             <a:lvl1pPr algn="ctr">
-              <a:defRPr sz="1200">
+              <a:defRPr sz="900" cap="all" baseline="0">
                 <a:solidFill>
-                  <a:schemeClr val="tx1">
-                    <a:tint val="75000"/>
-                  </a:schemeClr>
+                  <a:srgbClr val="FFFFFF"/>
                 </a:solidFill>
               </a:defRPr>
             </a:lvl1pPr>
@@ -2605,7 +4695,7 @@
       </p:sp>
       <p:sp>
         <p:nvSpPr>
-          <p:cNvPr id="6" name="Foliennummernplatzhalter 5"/>
+          <p:cNvPr id="6" name="Slide Number Placeholder 5"/>
           <p:cNvSpPr>
             <a:spLocks noGrp="1"/>
           </p:cNvSpPr>
@@ -2615,8 +4705,8 @@
         </p:nvSpPr>
         <p:spPr>
           <a:xfrm>
-            <a:off x="8610600" y="6356350"/>
-            <a:ext cx="2743200" cy="365125"/>
+            <a:off x="9900458" y="6459785"/>
+            <a:ext cx="1312025" cy="365125"/>
           </a:xfrm>
           <a:prstGeom prst="rect">
             <a:avLst/>
@@ -2626,11 +4716,9 @@
           <a:bodyPr vert="horz" lIns="91440" tIns="45720" rIns="91440" bIns="45720" rtlCol="0" anchor="ctr"/>
           <a:lstStyle>
             <a:lvl1pPr algn="r">
-              <a:defRPr sz="1200">
+              <a:defRPr sz="1050">
                 <a:solidFill>
-                  <a:schemeClr val="tx1">
-                    <a:tint val="75000"/>
-                  </a:schemeClr>
+                  <a:srgbClr val="FFFFFF"/>
                 </a:solidFill>
               </a:defRPr>
             </a:lvl1pPr>
@@ -2644,40 +4732,81 @@
           </a:p>
         </p:txBody>
       </p:sp>
+      <p:cxnSp>
+        <p:nvCxnSpPr>
+          <p:cNvPr id="10" name="Straight Connector 9"/>
+          <p:cNvCxnSpPr/>
+          <p:nvPr/>
+        </p:nvCxnSpPr>
+        <p:spPr>
+          <a:xfrm>
+            <a:off x="1193532" y="1737845"/>
+            <a:ext cx="9966960" cy="0"/>
+          </a:xfrm>
+          <a:prstGeom prst="line">
+            <a:avLst/>
+          </a:prstGeom>
+          <a:ln w="6350">
+            <a:solidFill>
+              <a:schemeClr val="tx1">
+                <a:lumMod val="50000"/>
+                <a:lumOff val="50000"/>
+              </a:schemeClr>
+            </a:solidFill>
+          </a:ln>
+        </p:spPr>
+        <p:style>
+          <a:lnRef idx="1">
+            <a:schemeClr val="accent1"/>
+          </a:lnRef>
+          <a:fillRef idx="0">
+            <a:schemeClr val="accent1"/>
+          </a:fillRef>
+          <a:effectRef idx="0">
+            <a:schemeClr val="accent1"/>
+          </a:effectRef>
+          <a:fontRef idx="minor">
+            <a:schemeClr val="tx1"/>
+          </a:fontRef>
+        </p:style>
+      </p:cxnSp>
     </p:spTree>
     <p:extLst>
       <p:ext uri="{BB962C8B-B14F-4D97-AF65-F5344CB8AC3E}">
-        <p14:creationId xmlns:p14="http://schemas.microsoft.com/office/powerpoint/2010/main" val="1519682373"/>
+        <p14:creationId xmlns:p14="http://schemas.microsoft.com/office/powerpoint/2010/main" val="707565220"/>
       </p:ext>
     </p:extLst>
   </p:cSld>
   <p:clrMap bg1="lt1" tx1="dk1" bg2="lt2" tx2="dk2" accent1="accent1" accent2="accent2" accent3="accent3" accent4="accent4" accent5="accent5" accent6="accent6" hlink="hlink" folHlink="folHlink"/>
   <p:sldLayoutIdLst>
-    <p:sldLayoutId id="2147483649" r:id="rId1"/>
-    <p:sldLayoutId id="2147483650" r:id="rId2"/>
-    <p:sldLayoutId id="2147483651" r:id="rId3"/>
-    <p:sldLayoutId id="2147483652" r:id="rId4"/>
-    <p:sldLayoutId id="2147483653" r:id="rId5"/>
-    <p:sldLayoutId id="2147483654" r:id="rId6"/>
-    <p:sldLayoutId id="2147483655" r:id="rId7"/>
-    <p:sldLayoutId id="2147483656" r:id="rId8"/>
-    <p:sldLayoutId id="2147483657" r:id="rId9"/>
-    <p:sldLayoutId id="2147483658" r:id="rId10"/>
-    <p:sldLayoutId id="2147483659" r:id="rId11"/>
+    <p:sldLayoutId id="2147483661" r:id="rId1"/>
+    <p:sldLayoutId id="2147483662" r:id="rId2"/>
+    <p:sldLayoutId id="2147483663" r:id="rId3"/>
+    <p:sldLayoutId id="2147483664" r:id="rId4"/>
+    <p:sldLayoutId id="2147483665" r:id="rId5"/>
+    <p:sldLayoutId id="2147483666" r:id="rId6"/>
+    <p:sldLayoutId id="2147483667" r:id="rId7"/>
+    <p:sldLayoutId id="2147483668" r:id="rId8"/>
+    <p:sldLayoutId id="2147483669" r:id="rId9"/>
+    <p:sldLayoutId id="2147483670" r:id="rId10"/>
+    <p:sldLayoutId id="2147483671" r:id="rId11"/>
   </p:sldLayoutIdLst>
   <p:txStyles>
     <p:titleStyle>
       <a:lvl1pPr algn="l" defTabSz="914400" rtl="0" eaLnBrk="1" latinLnBrk="0" hangingPunct="1">
         <a:lnSpc>
-          <a:spcPct val="90000"/>
+          <a:spcPct val="85000"/>
         </a:lnSpc>
         <a:spcBef>
           <a:spcPct val="0"/>
         </a:spcBef>
         <a:buNone/>
-        <a:defRPr sz="4400" kern="1200">
+        <a:defRPr sz="4800" kern="1200" spc="-50" baseline="0">
           <a:solidFill>
-            <a:schemeClr val="tx1"/>
+            <a:schemeClr val="tx1">
+              <a:lumMod val="75000"/>
+              <a:lumOff val="25000"/>
+            </a:schemeClr>
           </a:solidFill>
           <a:latin typeface="+mj-lt"/>
           <a:ea typeface="+mj-ea"/>
@@ -2686,162 +4815,244 @@
       </a:lvl1pPr>
     </p:titleStyle>
     <p:bodyStyle>
-      <a:lvl1pPr marL="228600" indent="-228600" algn="l" defTabSz="914400" rtl="0" eaLnBrk="1" latinLnBrk="0" hangingPunct="1">
+      <a:lvl1pPr marL="91440" indent="-91440" algn="l" defTabSz="914400" rtl="0" eaLnBrk="1" latinLnBrk="0" hangingPunct="1">
         <a:lnSpc>
           <a:spcPct val="90000"/>
         </a:lnSpc>
         <a:spcBef>
-          <a:spcPts val="1000"/>
+          <a:spcPts val="1200"/>
         </a:spcBef>
-        <a:buFont typeface="Arial" panose="020B0604020202020204" pitchFamily="34" charset="0"/>
-        <a:buChar char="•"/>
-        <a:defRPr sz="2800" kern="1200">
+        <a:spcAft>
+          <a:spcPts val="200"/>
+        </a:spcAft>
+        <a:buClr>
+          <a:schemeClr val="accent1"/>
+        </a:buClr>
+        <a:buSzPct val="100000"/>
+        <a:buFont typeface="Calibri" panose="020F0502020204030204" pitchFamily="34" charset="0"/>
+        <a:buChar char=" "/>
+        <a:defRPr sz="2000" kern="1200">
           <a:solidFill>
-            <a:schemeClr val="tx1"/>
+            <a:schemeClr val="tx1">
+              <a:lumMod val="75000"/>
+              <a:lumOff val="25000"/>
+            </a:schemeClr>
           </a:solidFill>
           <a:latin typeface="+mn-lt"/>
           <a:ea typeface="+mn-ea"/>
           <a:cs typeface="+mn-cs"/>
         </a:defRPr>
       </a:lvl1pPr>
-      <a:lvl2pPr marL="685800" indent="-228600" algn="l" defTabSz="914400" rtl="0" eaLnBrk="1" latinLnBrk="0" hangingPunct="1">
+      <a:lvl2pPr marL="384048" indent="-182880" algn="l" defTabSz="914400" rtl="0" eaLnBrk="1" latinLnBrk="0" hangingPunct="1">
         <a:lnSpc>
           <a:spcPct val="90000"/>
         </a:lnSpc>
         <a:spcBef>
-          <a:spcPts val="500"/>
+          <a:spcPts val="200"/>
         </a:spcBef>
-        <a:buFont typeface="Arial" panose="020B0604020202020204" pitchFamily="34" charset="0"/>
-        <a:buChar char="•"/>
-        <a:defRPr sz="2400" kern="1200">
+        <a:spcAft>
+          <a:spcPts val="400"/>
+        </a:spcAft>
+        <a:buClr>
+          <a:schemeClr val="accent1"/>
+        </a:buClr>
+        <a:buFont typeface="Calibri" pitchFamily="34" charset="0"/>
+        <a:buChar char="◦"/>
+        <a:defRPr sz="1800" kern="1200">
           <a:solidFill>
-            <a:schemeClr val="tx1"/>
+            <a:schemeClr val="tx1">
+              <a:lumMod val="75000"/>
+              <a:lumOff val="25000"/>
+            </a:schemeClr>
           </a:solidFill>
           <a:latin typeface="+mn-lt"/>
           <a:ea typeface="+mn-ea"/>
           <a:cs typeface="+mn-cs"/>
         </a:defRPr>
       </a:lvl2pPr>
-      <a:lvl3pPr marL="1143000" indent="-228600" algn="l" defTabSz="914400" rtl="0" eaLnBrk="1" latinLnBrk="0" hangingPunct="1">
+      <a:lvl3pPr marL="566928" indent="-182880" algn="l" defTabSz="914400" rtl="0" eaLnBrk="1" latinLnBrk="0" hangingPunct="1">
         <a:lnSpc>
           <a:spcPct val="90000"/>
         </a:lnSpc>
         <a:spcBef>
-          <a:spcPts val="500"/>
+          <a:spcPts val="200"/>
         </a:spcBef>
-        <a:buFont typeface="Arial" panose="020B0604020202020204" pitchFamily="34" charset="0"/>
-        <a:buChar char="•"/>
-        <a:defRPr sz="2000" kern="1200">
+        <a:spcAft>
+          <a:spcPts val="400"/>
+        </a:spcAft>
+        <a:buClr>
+          <a:schemeClr val="accent1"/>
+        </a:buClr>
+        <a:buFont typeface="Calibri" pitchFamily="34" charset="0"/>
+        <a:buChar char="◦"/>
+        <a:defRPr sz="1400" kern="1200">
           <a:solidFill>
-            <a:schemeClr val="tx1"/>
+            <a:schemeClr val="tx1">
+              <a:lumMod val="75000"/>
+              <a:lumOff val="25000"/>
+            </a:schemeClr>
           </a:solidFill>
           <a:latin typeface="+mn-lt"/>
           <a:ea typeface="+mn-ea"/>
           <a:cs typeface="+mn-cs"/>
         </a:defRPr>
       </a:lvl3pPr>
-      <a:lvl4pPr marL="1600200" indent="-228600" algn="l" defTabSz="914400" rtl="0" eaLnBrk="1" latinLnBrk="0" hangingPunct="1">
+      <a:lvl4pPr marL="749808" indent="-182880" algn="l" defTabSz="914400" rtl="0" eaLnBrk="1" latinLnBrk="0" hangingPunct="1">
         <a:lnSpc>
           <a:spcPct val="90000"/>
         </a:lnSpc>
         <a:spcBef>
-          <a:spcPts val="500"/>
+          <a:spcPts val="200"/>
         </a:spcBef>
-        <a:buFont typeface="Arial" panose="020B0604020202020204" pitchFamily="34" charset="0"/>
-        <a:buChar char="•"/>
-        <a:defRPr sz="1800" kern="1200">
+        <a:spcAft>
+          <a:spcPts val="400"/>
+        </a:spcAft>
+        <a:buClr>
+          <a:schemeClr val="accent1"/>
+        </a:buClr>
+        <a:buFont typeface="Calibri" pitchFamily="34" charset="0"/>
+        <a:buChar char="◦"/>
+        <a:defRPr sz="1400" kern="1200">
           <a:solidFill>
-            <a:schemeClr val="tx1"/>
+            <a:schemeClr val="tx1">
+              <a:lumMod val="75000"/>
+              <a:lumOff val="25000"/>
+            </a:schemeClr>
           </a:solidFill>
           <a:latin typeface="+mn-lt"/>
           <a:ea typeface="+mn-ea"/>
           <a:cs typeface="+mn-cs"/>
         </a:defRPr>
       </a:lvl4pPr>
-      <a:lvl5pPr marL="2057400" indent="-228600" algn="l" defTabSz="914400" rtl="0" eaLnBrk="1" latinLnBrk="0" hangingPunct="1">
+      <a:lvl5pPr marL="932688" indent="-182880" algn="l" defTabSz="914400" rtl="0" eaLnBrk="1" latinLnBrk="0" hangingPunct="1">
         <a:lnSpc>
           <a:spcPct val="90000"/>
         </a:lnSpc>
         <a:spcBef>
-          <a:spcPts val="500"/>
+          <a:spcPts val="200"/>
         </a:spcBef>
-        <a:buFont typeface="Arial" panose="020B0604020202020204" pitchFamily="34" charset="0"/>
-        <a:buChar char="•"/>
-        <a:defRPr sz="1800" kern="1200">
+        <a:spcAft>
+          <a:spcPts val="400"/>
+        </a:spcAft>
+        <a:buClr>
+          <a:schemeClr val="accent1"/>
+        </a:buClr>
+        <a:buFont typeface="Calibri" pitchFamily="34" charset="0"/>
+        <a:buChar char="◦"/>
+        <a:defRPr sz="1400" kern="1200">
           <a:solidFill>
-            <a:schemeClr val="tx1"/>
+            <a:schemeClr val="tx1">
+              <a:lumMod val="75000"/>
+              <a:lumOff val="25000"/>
+            </a:schemeClr>
           </a:solidFill>
           <a:latin typeface="+mn-lt"/>
           <a:ea typeface="+mn-ea"/>
           <a:cs typeface="+mn-cs"/>
         </a:defRPr>
       </a:lvl5pPr>
-      <a:lvl6pPr marL="2514600" indent="-228600" algn="l" defTabSz="914400" rtl="0" eaLnBrk="1" latinLnBrk="0" hangingPunct="1">
+      <a:lvl6pPr marL="1100000" indent="-228600" algn="l" defTabSz="914400" rtl="0" eaLnBrk="1" latinLnBrk="0" hangingPunct="1">
         <a:lnSpc>
           <a:spcPct val="90000"/>
         </a:lnSpc>
         <a:spcBef>
-          <a:spcPts val="500"/>
+          <a:spcPts val="200"/>
         </a:spcBef>
-        <a:buFont typeface="Arial" panose="020B0604020202020204" pitchFamily="34" charset="0"/>
-        <a:buChar char="•"/>
-        <a:defRPr sz="1800" kern="1200">
+        <a:spcAft>
+          <a:spcPts val="400"/>
+        </a:spcAft>
+        <a:buClr>
+          <a:schemeClr val="accent1"/>
+        </a:buClr>
+        <a:buFont typeface="Calibri" pitchFamily="34" charset="0"/>
+        <a:buChar char="◦"/>
+        <a:defRPr sz="1400" kern="1200">
           <a:solidFill>
-            <a:schemeClr val="tx1"/>
+            <a:schemeClr val="tx1">
+              <a:lumMod val="75000"/>
+              <a:lumOff val="25000"/>
+            </a:schemeClr>
           </a:solidFill>
           <a:latin typeface="+mn-lt"/>
           <a:ea typeface="+mn-ea"/>
           <a:cs typeface="+mn-cs"/>
         </a:defRPr>
       </a:lvl6pPr>
-      <a:lvl7pPr marL="2971800" indent="-228600" algn="l" defTabSz="914400" rtl="0" eaLnBrk="1" latinLnBrk="0" hangingPunct="1">
+      <a:lvl7pPr marL="1300000" indent="-228600" algn="l" defTabSz="914400" rtl="0" eaLnBrk="1" latinLnBrk="0" hangingPunct="1">
         <a:lnSpc>
           <a:spcPct val="90000"/>
         </a:lnSpc>
         <a:spcBef>
-          <a:spcPts val="500"/>
+          <a:spcPts val="200"/>
         </a:spcBef>
-        <a:buFont typeface="Arial" panose="020B0604020202020204" pitchFamily="34" charset="0"/>
-        <a:buChar char="•"/>
-        <a:defRPr sz="1800" kern="1200">
+        <a:spcAft>
+          <a:spcPts val="400"/>
+        </a:spcAft>
+        <a:buClr>
+          <a:schemeClr val="accent1"/>
+        </a:buClr>
+        <a:buFont typeface="Calibri" pitchFamily="34" charset="0"/>
+        <a:buChar char="◦"/>
+        <a:defRPr sz="1400" kern="1200">
           <a:solidFill>
-            <a:schemeClr val="tx1"/>
+            <a:schemeClr val="tx1">
+              <a:lumMod val="75000"/>
+              <a:lumOff val="25000"/>
+            </a:schemeClr>
           </a:solidFill>
           <a:latin typeface="+mn-lt"/>
           <a:ea typeface="+mn-ea"/>
           <a:cs typeface="+mn-cs"/>
         </a:defRPr>
       </a:lvl7pPr>
-      <a:lvl8pPr marL="3429000" indent="-228600" algn="l" defTabSz="914400" rtl="0" eaLnBrk="1" latinLnBrk="0" hangingPunct="1">
+      <a:lvl8pPr marL="1500000" indent="-228600" algn="l" defTabSz="914400" rtl="0" eaLnBrk="1" latinLnBrk="0" hangingPunct="1">
         <a:lnSpc>
           <a:spcPct val="90000"/>
         </a:lnSpc>
         <a:spcBef>
-          <a:spcPts val="500"/>
+          <a:spcPts val="200"/>
         </a:spcBef>
-        <a:buFont typeface="Arial" panose="020B0604020202020204" pitchFamily="34" charset="0"/>
-        <a:buChar char="•"/>
-        <a:defRPr sz="1800" kern="1200">
+        <a:spcAft>
+          <a:spcPts val="400"/>
+        </a:spcAft>
+        <a:buClr>
+          <a:schemeClr val="accent1"/>
+        </a:buClr>
+        <a:buFont typeface="Calibri" pitchFamily="34" charset="0"/>
+        <a:buChar char="◦"/>
+        <a:defRPr sz="1400" kern="1200">
           <a:solidFill>
-            <a:schemeClr val="tx1"/>
+            <a:schemeClr val="tx1">
+              <a:lumMod val="75000"/>
+              <a:lumOff val="25000"/>
+            </a:schemeClr>
           </a:solidFill>
           <a:latin typeface="+mn-lt"/>
           <a:ea typeface="+mn-ea"/>
           <a:cs typeface="+mn-cs"/>
         </a:defRPr>
       </a:lvl8pPr>
-      <a:lvl9pPr marL="3886200" indent="-228600" algn="l" defTabSz="914400" rtl="0" eaLnBrk="1" latinLnBrk="0" hangingPunct="1">
+      <a:lvl9pPr marL="1700000" indent="-228600" algn="l" defTabSz="914400" rtl="0" eaLnBrk="1" latinLnBrk="0" hangingPunct="1">
         <a:lnSpc>
           <a:spcPct val="90000"/>
         </a:lnSpc>
         <a:spcBef>
-          <a:spcPts val="500"/>
+          <a:spcPts val="200"/>
         </a:spcBef>
-        <a:buFont typeface="Arial" panose="020B0604020202020204" pitchFamily="34" charset="0"/>
-        <a:buChar char="•"/>
-        <a:defRPr sz="1800" kern="1200">
+        <a:spcAft>
+          <a:spcPts val="400"/>
+        </a:spcAft>
+        <a:buClr>
+          <a:schemeClr val="accent1"/>
+        </a:buClr>
+        <a:buFont typeface="Calibri" pitchFamily="34" charset="0"/>
+        <a:buChar char="◦"/>
+        <a:defRPr sz="1400" kern="1200">
           <a:solidFill>
-            <a:schemeClr val="tx1"/>
+            <a:schemeClr val="tx1">
+              <a:lumMod val="75000"/>
+              <a:lumOff val="25000"/>
+            </a:schemeClr>
           </a:solidFill>
           <a:latin typeface="+mn-lt"/>
           <a:ea typeface="+mn-ea"/>
@@ -2851,7 +5062,7 @@
     </p:bodyStyle>
     <p:otherStyle>
       <a:defPPr>
-        <a:defRPr lang="de-DE"/>
+        <a:defRPr lang="en-US"/>
       </a:defPPr>
       <a:lvl1pPr marL="0" algn="l" defTabSz="914400" rtl="0" eaLnBrk="1" latinLnBrk="0" hangingPunct="1">
         <a:defRPr sz="1800" kern="1200">
@@ -3018,13 +5229,6 @@
               </a:rPr>
               <a:t>Roman Martinello, Felipe Blanco</a:t>
             </a:r>
-            <a:endParaRPr lang="de-CH" dirty="0">
-              <a:solidFill>
-                <a:schemeClr val="bg1">
-                  <a:lumMod val="50000"/>
-                </a:schemeClr>
-              </a:solidFill>
-            </a:endParaRPr>
           </a:p>
         </p:txBody>
       </p:sp>
@@ -3032,6 +5236,935 @@
     <p:extLst>
       <p:ext uri="{BB962C8B-B14F-4D97-AF65-F5344CB8AC3E}">
         <p14:creationId xmlns:p14="http://schemas.microsoft.com/office/powerpoint/2010/main" val="3571507052"/>
+      </p:ext>
+    </p:extLst>
+  </p:cSld>
+  <p:clrMapOvr>
+    <a:masterClrMapping/>
+  </p:clrMapOvr>
+</p:sld>
+</file>
+
+<file path=ppt/slides/slide10.xml><?xml version="1.0" encoding="utf-8"?>
+<p:sld xmlns:a="http://schemas.openxmlformats.org/drawingml/2006/main" xmlns:r="http://schemas.openxmlformats.org/officeDocument/2006/relationships" xmlns:p="http://schemas.openxmlformats.org/presentationml/2006/main">
+  <p:cSld>
+    <p:spTree>
+      <p:nvGrpSpPr>
+        <p:cNvPr id="1" name=""/>
+        <p:cNvGrpSpPr/>
+        <p:nvPr/>
+      </p:nvGrpSpPr>
+      <p:grpSpPr>
+        <a:xfrm>
+          <a:off x="0" y="0"/>
+          <a:ext cx="0" cy="0"/>
+          <a:chOff x="0" y="0"/>
+          <a:chExt cx="0" cy="0"/>
+        </a:xfrm>
+      </p:grpSpPr>
+      <p:pic>
+        <p:nvPicPr>
+          <p:cNvPr id="8" name="Grafik 7"/>
+          <p:cNvPicPr>
+            <a:picLocks noChangeAspect="1"/>
+          </p:cNvPicPr>
+          <p:nvPr/>
+        </p:nvPicPr>
+        <p:blipFill>
+          <a:blip r:embed="rId3">
+            <a:extLst>
+              <a:ext uri="{28A0092B-C50C-407E-A947-70E740481C1C}">
+                <a14:useLocalDpi xmlns:a14="http://schemas.microsoft.com/office/drawing/2010/main" val="0"/>
+              </a:ext>
+            </a:extLst>
+          </a:blip>
+          <a:stretch>
+            <a:fillRect/>
+          </a:stretch>
+        </p:blipFill>
+        <p:spPr>
+          <a:xfrm>
+            <a:off x="8518284" y="1987565"/>
+            <a:ext cx="3181918" cy="3989903"/>
+          </a:xfrm>
+          <a:prstGeom prst="rect">
+            <a:avLst/>
+          </a:prstGeom>
+        </p:spPr>
+      </p:pic>
+      <p:sp>
+        <p:nvSpPr>
+          <p:cNvPr id="2" name="Titel 1"/>
+          <p:cNvSpPr>
+            <a:spLocks noGrp="1"/>
+          </p:cNvSpPr>
+          <p:nvPr>
+            <p:ph type="title"/>
+          </p:nvPr>
+        </p:nvSpPr>
+        <p:spPr/>
+        <p:txBody>
+          <a:bodyPr/>
+          <a:lstStyle/>
+          <a:p>
+            <a:r>
+              <a:rPr lang="de-CH" dirty="0"/>
+              <a:t>Stolpersteine (Frontend)</a:t>
+            </a:r>
+          </a:p>
+        </p:txBody>
+      </p:sp>
+      <p:sp>
+        <p:nvSpPr>
+          <p:cNvPr id="3" name="Inhaltsplatzhalter 2"/>
+          <p:cNvSpPr>
+            <a:spLocks noGrp="1"/>
+          </p:cNvSpPr>
+          <p:nvPr>
+            <p:ph idx="1"/>
+          </p:nvPr>
+        </p:nvSpPr>
+        <p:spPr/>
+        <p:txBody>
+          <a:bodyPr/>
+          <a:lstStyle/>
+          <a:p>
+            <a:pPr marL="0" indent="0">
+              <a:buNone/>
+            </a:pPr>
+            <a:r>
+              <a:rPr lang="de-CH" sz="2400" b="1" dirty="0"/>
+              <a:t>Lösung</a:t>
+            </a:r>
+            <a:br>
+              <a:rPr lang="de-CH" dirty="0"/>
+            </a:br>
+            <a:endParaRPr lang="de-CH" dirty="0"/>
+          </a:p>
+          <a:p>
+            <a:pPr>
+              <a:buFont typeface="Arial" panose="020B0604020202020204" pitchFamily="34" charset="0"/>
+              <a:buChar char="•"/>
+            </a:pPr>
+            <a:r>
+              <a:rPr lang="de-CH" dirty="0"/>
+              <a:t> </a:t>
+            </a:r>
+            <a:r>
+              <a:rPr lang="de-CH" dirty="0" err="1"/>
+              <a:t>Xamarin</a:t>
+            </a:r>
+            <a:r>
+              <a:rPr lang="de-CH" dirty="0"/>
+              <a:t> Forum</a:t>
+            </a:r>
+            <a:br>
+              <a:rPr lang="de-CH" dirty="0"/>
+            </a:br>
+            <a:r>
+              <a:rPr lang="de-CH" dirty="0"/>
+              <a:t> </a:t>
+            </a:r>
+            <a:r>
+              <a:rPr lang="de-CH" sz="1200" dirty="0"/>
+              <a:t>https://developer.xamarin.com/guides/xamarin-forms/controls/layouts/</a:t>
+            </a:r>
+            <a:endParaRPr lang="de-CH" sz="1200" dirty="0"/>
+          </a:p>
+          <a:p>
+            <a:pPr>
+              <a:buFont typeface="Arial" panose="020B0604020202020204" pitchFamily="34" charset="0"/>
+              <a:buChar char="•"/>
+            </a:pPr>
+            <a:r>
+              <a:rPr lang="de-CH" dirty="0"/>
+              <a:t> Meist Kombinationen aus diversen Layouts</a:t>
+            </a:r>
+            <a:br>
+              <a:rPr lang="de-CH" dirty="0"/>
+            </a:br>
+            <a:r>
+              <a:rPr lang="de-CH" dirty="0"/>
+              <a:t> um ein gewünschtes Verhalten zu erzielen</a:t>
+            </a:r>
+          </a:p>
+        </p:txBody>
+      </p:sp>
+      <p:pic>
+        <p:nvPicPr>
+          <p:cNvPr id="5" name="Grafik 4"/>
+          <p:cNvPicPr>
+            <a:picLocks noChangeAspect="1"/>
+          </p:cNvPicPr>
+          <p:nvPr/>
+        </p:nvPicPr>
+        <p:blipFill>
+          <a:blip r:embed="rId4">
+            <a:extLst>
+              <a:ext uri="{28A0092B-C50C-407E-A947-70E740481C1C}">
+                <a14:useLocalDpi xmlns:a14="http://schemas.microsoft.com/office/drawing/2010/main" val="0"/>
+              </a:ext>
+            </a:extLst>
+          </a:blip>
+          <a:stretch>
+            <a:fillRect/>
+          </a:stretch>
+        </p:blipFill>
+        <p:spPr>
+          <a:xfrm>
+            <a:off x="5933050" y="2111892"/>
+            <a:ext cx="2240460" cy="3491044"/>
+          </a:xfrm>
+          <a:prstGeom prst="rect">
+            <a:avLst/>
+          </a:prstGeom>
+        </p:spPr>
+      </p:pic>
+      <p:sp>
+        <p:nvSpPr>
+          <p:cNvPr id="7" name="Textfeld 6"/>
+          <p:cNvSpPr txBox="1"/>
+          <p:nvPr/>
+        </p:nvSpPr>
+        <p:spPr>
+          <a:xfrm>
+            <a:off x="5835107" y="5684428"/>
+            <a:ext cx="2436346" cy="369332"/>
+          </a:xfrm>
+          <a:prstGeom prst="rect">
+            <a:avLst/>
+          </a:prstGeom>
+          <a:noFill/>
+        </p:spPr>
+        <p:txBody>
+          <a:bodyPr wrap="square" rtlCol="0">
+            <a:spAutoFit/>
+          </a:bodyPr>
+          <a:lstStyle/>
+          <a:p>
+            <a:r>
+              <a:rPr lang="de-CH" dirty="0"/>
+              <a:t>Beispiel: Relative Layout</a:t>
+            </a:r>
+          </a:p>
+        </p:txBody>
+      </p:sp>
+    </p:spTree>
+    <p:extLst>
+      <p:ext uri="{BB962C8B-B14F-4D97-AF65-F5344CB8AC3E}">
+        <p14:creationId xmlns:p14="http://schemas.microsoft.com/office/powerpoint/2010/main" val="3329584204"/>
+      </p:ext>
+    </p:extLst>
+  </p:cSld>
+  <p:clrMapOvr>
+    <a:masterClrMapping/>
+  </p:clrMapOvr>
+</p:sld>
+</file>
+
+<file path=ppt/slides/slide11.xml><?xml version="1.0" encoding="utf-8"?>
+<p:sld xmlns:a="http://schemas.openxmlformats.org/drawingml/2006/main" xmlns:r="http://schemas.openxmlformats.org/officeDocument/2006/relationships" xmlns:p="http://schemas.openxmlformats.org/presentationml/2006/main">
+  <p:cSld>
+    <p:spTree>
+      <p:nvGrpSpPr>
+        <p:cNvPr id="1" name=""/>
+        <p:cNvGrpSpPr/>
+        <p:nvPr/>
+      </p:nvGrpSpPr>
+      <p:grpSpPr>
+        <a:xfrm>
+          <a:off x="0" y="0"/>
+          <a:ext cx="0" cy="0"/>
+          <a:chOff x="0" y="0"/>
+          <a:chExt cx="0" cy="0"/>
+        </a:xfrm>
+      </p:grpSpPr>
+      <p:sp>
+        <p:nvSpPr>
+          <p:cNvPr id="2" name="Titel 1"/>
+          <p:cNvSpPr>
+            <a:spLocks noGrp="1"/>
+          </p:cNvSpPr>
+          <p:nvPr>
+            <p:ph type="title"/>
+          </p:nvPr>
+        </p:nvSpPr>
+        <p:spPr/>
+        <p:txBody>
+          <a:bodyPr/>
+          <a:lstStyle/>
+          <a:p>
+            <a:r>
+              <a:rPr lang="de-CH" dirty="0"/>
+              <a:t>Stolpersteine (Frontend)</a:t>
+            </a:r>
+          </a:p>
+        </p:txBody>
+      </p:sp>
+      <p:sp>
+        <p:nvSpPr>
+          <p:cNvPr id="3" name="Inhaltsplatzhalter 2"/>
+          <p:cNvSpPr>
+            <a:spLocks noGrp="1"/>
+          </p:cNvSpPr>
+          <p:nvPr>
+            <p:ph idx="1"/>
+          </p:nvPr>
+        </p:nvSpPr>
+        <p:spPr/>
+        <p:txBody>
+          <a:bodyPr>
+            <a:normAutofit/>
+          </a:bodyPr>
+          <a:lstStyle/>
+          <a:p>
+            <a:pPr marL="0" indent="0">
+              <a:buNone/>
+            </a:pPr>
+            <a:r>
+              <a:rPr lang="de-CH" sz="2400" b="1" dirty="0"/>
+              <a:t>GUI Elemente ansprechen</a:t>
+            </a:r>
+          </a:p>
+          <a:p>
+            <a:pPr marL="0" indent="0">
+              <a:buNone/>
+            </a:pPr>
+            <a:r>
+              <a:rPr lang="de-CH" dirty="0"/>
+              <a:t>Wie gebe ich einem Button eine gewünschte Funktionalität?</a:t>
+            </a:r>
+            <a:br>
+              <a:rPr lang="de-CH" dirty="0"/>
+            </a:br>
+            <a:endParaRPr lang="de-CH" dirty="0"/>
+          </a:p>
+          <a:p>
+            <a:pPr>
+              <a:buFont typeface="Arial" panose="020B0604020202020204" pitchFamily="34" charset="0"/>
+              <a:buChar char="•"/>
+            </a:pPr>
+            <a:r>
+              <a:rPr lang="de-CH" dirty="0"/>
+              <a:t> </a:t>
+            </a:r>
+            <a:r>
+              <a:rPr lang="de-CH" dirty="0" err="1"/>
+              <a:t>Xamarin</a:t>
+            </a:r>
+            <a:r>
+              <a:rPr lang="de-CH" dirty="0"/>
+              <a:t> nimmt dem Entwickler einen Teil der Arbeit durch Automation ab.</a:t>
+            </a:r>
+            <a:br>
+              <a:rPr lang="de-CH" dirty="0"/>
+            </a:br>
+            <a:r>
+              <a:rPr lang="de-CH" dirty="0"/>
+              <a:t> Wird ein GUI Element auf einem Layout platziert, wird automatisch Code im AXML-File für das </a:t>
+            </a:r>
+            <a:br>
+              <a:rPr lang="de-CH" dirty="0"/>
+            </a:br>
+            <a:r>
+              <a:rPr lang="de-CH" dirty="0"/>
+              <a:t> Element generiert. Will man jedoch ein GUI Element ansprechen, wird das in einem .</a:t>
+            </a:r>
+            <a:r>
+              <a:rPr lang="de-CH" dirty="0" err="1"/>
+              <a:t>cs</a:t>
+            </a:r>
+            <a:r>
+              <a:rPr lang="de-CH" dirty="0"/>
+              <a:t>-File </a:t>
+            </a:r>
+            <a:br>
+              <a:rPr lang="de-CH" dirty="0"/>
+            </a:br>
+            <a:r>
+              <a:rPr lang="de-CH" dirty="0"/>
+              <a:t> definiert. Das entsprechende Element muss dann erst gefunden und zugewiesen werden.</a:t>
+            </a:r>
+            <a:br>
+              <a:rPr lang="de-CH" dirty="0"/>
+            </a:br>
+            <a:r>
+              <a:rPr lang="de-CH" dirty="0"/>
+              <a:t> Erst anschliessend kann eine Funktion mitgegeben werden.</a:t>
+            </a:r>
+          </a:p>
+          <a:p>
+            <a:pPr>
+              <a:buFont typeface="Arial" panose="020B0604020202020204" pitchFamily="34" charset="0"/>
+              <a:buChar char="•"/>
+            </a:pPr>
+            <a:r>
+              <a:rPr lang="de-CH" dirty="0"/>
+              <a:t>Wie stelle ich eine Verbindung vom .</a:t>
+            </a:r>
+            <a:r>
+              <a:rPr lang="de-CH" dirty="0" err="1"/>
+              <a:t>cs</a:t>
+            </a:r>
+            <a:r>
+              <a:rPr lang="de-CH" dirty="0"/>
+              <a:t>-File zum GUI Element her?</a:t>
+            </a:r>
+          </a:p>
+          <a:p>
+            <a:pPr>
+              <a:buFont typeface="Arial" panose="020B0604020202020204" pitchFamily="34" charset="0"/>
+              <a:buChar char="•"/>
+            </a:pPr>
+            <a:r>
+              <a:rPr lang="de-CH" dirty="0"/>
+              <a:t> Wie weise ich dem GUI Element eine bestimmte Funktion zu?</a:t>
+            </a:r>
+          </a:p>
+        </p:txBody>
+      </p:sp>
+      <p:pic>
+        <p:nvPicPr>
+          <p:cNvPr id="5" name="Grafik 4"/>
+          <p:cNvPicPr>
+            <a:picLocks noChangeAspect="1"/>
+          </p:cNvPicPr>
+          <p:nvPr/>
+        </p:nvPicPr>
+        <p:blipFill>
+          <a:blip r:embed="rId3">
+            <a:extLst>
+              <a:ext uri="{28A0092B-C50C-407E-A947-70E740481C1C}">
+                <a14:useLocalDpi xmlns:a14="http://schemas.microsoft.com/office/drawing/2010/main" val="0"/>
+              </a:ext>
+            </a:extLst>
+          </a:blip>
+          <a:stretch>
+            <a:fillRect/>
+          </a:stretch>
+        </p:blipFill>
+        <p:spPr>
+          <a:xfrm>
+            <a:off x="8599689" y="4420922"/>
+            <a:ext cx="2076465" cy="1619262"/>
+          </a:xfrm>
+          <a:prstGeom prst="rect">
+            <a:avLst/>
+          </a:prstGeom>
+        </p:spPr>
+      </p:pic>
+    </p:spTree>
+    <p:extLst>
+      <p:ext uri="{BB962C8B-B14F-4D97-AF65-F5344CB8AC3E}">
+        <p14:creationId xmlns:p14="http://schemas.microsoft.com/office/powerpoint/2010/main" val="358378850"/>
+      </p:ext>
+    </p:extLst>
+  </p:cSld>
+  <p:clrMapOvr>
+    <a:masterClrMapping/>
+  </p:clrMapOvr>
+</p:sld>
+</file>
+
+<file path=ppt/slides/slide12.xml><?xml version="1.0" encoding="utf-8"?>
+<p:sld xmlns:a="http://schemas.openxmlformats.org/drawingml/2006/main" xmlns:r="http://schemas.openxmlformats.org/officeDocument/2006/relationships" xmlns:p="http://schemas.openxmlformats.org/presentationml/2006/main">
+  <p:cSld>
+    <p:spTree>
+      <p:nvGrpSpPr>
+        <p:cNvPr id="1" name=""/>
+        <p:cNvGrpSpPr/>
+        <p:nvPr/>
+      </p:nvGrpSpPr>
+      <p:grpSpPr>
+        <a:xfrm>
+          <a:off x="0" y="0"/>
+          <a:ext cx="0" cy="0"/>
+          <a:chOff x="0" y="0"/>
+          <a:chExt cx="0" cy="0"/>
+        </a:xfrm>
+      </p:grpSpPr>
+      <p:sp>
+        <p:nvSpPr>
+          <p:cNvPr id="2" name="Titel 1"/>
+          <p:cNvSpPr>
+            <a:spLocks noGrp="1"/>
+          </p:cNvSpPr>
+          <p:nvPr>
+            <p:ph type="title"/>
+          </p:nvPr>
+        </p:nvSpPr>
+        <p:spPr/>
+        <p:txBody>
+          <a:bodyPr/>
+          <a:lstStyle/>
+          <a:p>
+            <a:r>
+              <a:rPr lang="de-CH" dirty="0"/>
+              <a:t>Stolpersteine (Frontend)</a:t>
+            </a:r>
+          </a:p>
+        </p:txBody>
+      </p:sp>
+      <p:sp>
+        <p:nvSpPr>
+          <p:cNvPr id="3" name="Inhaltsplatzhalter 2"/>
+          <p:cNvSpPr>
+            <a:spLocks noGrp="1"/>
+          </p:cNvSpPr>
+          <p:nvPr>
+            <p:ph idx="1"/>
+          </p:nvPr>
+        </p:nvSpPr>
+        <p:spPr/>
+        <p:txBody>
+          <a:bodyPr/>
+          <a:lstStyle/>
+          <a:p>
+            <a:pPr marL="0" indent="0">
+              <a:buNone/>
+            </a:pPr>
+            <a:r>
+              <a:rPr lang="de-CH" sz="2400" b="1" dirty="0"/>
+              <a:t>Lösung</a:t>
+            </a:r>
+            <a:br>
+              <a:rPr lang="de-CH" dirty="0"/>
+            </a:br>
+            <a:endParaRPr lang="de-CH" dirty="0"/>
+          </a:p>
+          <a:p>
+            <a:pPr>
+              <a:buFont typeface="Arial" panose="020B0604020202020204" pitchFamily="34" charset="0"/>
+              <a:buChar char="•"/>
+            </a:pPr>
+            <a:r>
+              <a:rPr lang="de-CH" dirty="0"/>
+              <a:t> Youtube Tutorials </a:t>
+            </a:r>
+            <a:br>
+              <a:rPr lang="de-CH" dirty="0"/>
+            </a:br>
+            <a:r>
+              <a:rPr lang="de-CH" dirty="0"/>
+              <a:t> (Button &amp; Event Handlers)</a:t>
+            </a:r>
+            <a:endParaRPr lang="de-CH" sz="1200" dirty="0"/>
+          </a:p>
+          <a:p>
+            <a:pPr>
+              <a:buFont typeface="Arial" panose="020B0604020202020204" pitchFamily="34" charset="0"/>
+              <a:buChar char="•"/>
+            </a:pPr>
+            <a:r>
+              <a:rPr lang="de-CH" dirty="0"/>
+              <a:t> Button muss immer erst im Layout gefunden und zugewiesen werden </a:t>
+            </a:r>
+            <a:br>
+              <a:rPr lang="de-CH" dirty="0"/>
+            </a:br>
+            <a:br>
+              <a:rPr lang="de-CH" dirty="0"/>
+            </a:br>
+            <a:endParaRPr lang="de-CH" dirty="0"/>
+          </a:p>
+          <a:p>
+            <a:pPr>
+              <a:buFont typeface="Arial" panose="020B0604020202020204" pitchFamily="34" charset="0"/>
+              <a:buChar char="•"/>
+            </a:pPr>
+            <a:r>
+              <a:rPr lang="de-CH" dirty="0"/>
+              <a:t> Extreme Vereinfachung von Funktionen durch Lambda-Expression &amp; </a:t>
+            </a:r>
+            <a:r>
+              <a:rPr lang="de-CH" dirty="0" err="1"/>
+              <a:t>Delegates</a:t>
+            </a:r>
+            <a:endParaRPr lang="de-CH" dirty="0"/>
+          </a:p>
+        </p:txBody>
+      </p:sp>
+      <p:pic>
+        <p:nvPicPr>
+          <p:cNvPr id="4" name="Grafik 3"/>
+          <p:cNvPicPr>
+            <a:picLocks noChangeAspect="1"/>
+          </p:cNvPicPr>
+          <p:nvPr/>
+        </p:nvPicPr>
+        <p:blipFill>
+          <a:blip r:embed="rId3">
+            <a:extLst>
+              <a:ext uri="{28A0092B-C50C-407E-A947-70E740481C1C}">
+                <a14:useLocalDpi xmlns:a14="http://schemas.microsoft.com/office/drawing/2010/main" val="0"/>
+              </a:ext>
+            </a:extLst>
+          </a:blip>
+          <a:stretch>
+            <a:fillRect/>
+          </a:stretch>
+        </p:blipFill>
+        <p:spPr>
+          <a:xfrm>
+            <a:off x="1254745" y="3727850"/>
+            <a:ext cx="7016898" cy="259127"/>
+          </a:xfrm>
+          <a:prstGeom prst="rect">
+            <a:avLst/>
+          </a:prstGeom>
+        </p:spPr>
+      </p:pic>
+      <p:pic>
+        <p:nvPicPr>
+          <p:cNvPr id="6" name="Grafik 5"/>
+          <p:cNvPicPr>
+            <a:picLocks noChangeAspect="1"/>
+          </p:cNvPicPr>
+          <p:nvPr/>
+        </p:nvPicPr>
+        <p:blipFill>
+          <a:blip r:embed="rId4">
+            <a:extLst>
+              <a:ext uri="{28A0092B-C50C-407E-A947-70E740481C1C}">
+                <a14:useLocalDpi xmlns:a14="http://schemas.microsoft.com/office/drawing/2010/main" val="0"/>
+              </a:ext>
+            </a:extLst>
+          </a:blip>
+          <a:stretch>
+            <a:fillRect/>
+          </a:stretch>
+        </p:blipFill>
+        <p:spPr>
+          <a:xfrm>
+            <a:off x="1254745" y="4791009"/>
+            <a:ext cx="5477243" cy="1078084"/>
+          </a:xfrm>
+          <a:prstGeom prst="rect">
+            <a:avLst/>
+          </a:prstGeom>
+        </p:spPr>
+      </p:pic>
+    </p:spTree>
+    <p:extLst>
+      <p:ext uri="{BB962C8B-B14F-4D97-AF65-F5344CB8AC3E}">
+        <p14:creationId xmlns:p14="http://schemas.microsoft.com/office/powerpoint/2010/main" val="1496443968"/>
+      </p:ext>
+    </p:extLst>
+  </p:cSld>
+  <p:clrMapOvr>
+    <a:masterClrMapping/>
+  </p:clrMapOvr>
+</p:sld>
+</file>
+
+<file path=ppt/slides/slide13.xml><?xml version="1.0" encoding="utf-8"?>
+<p:sld xmlns:a="http://schemas.openxmlformats.org/drawingml/2006/main" xmlns:r="http://schemas.openxmlformats.org/officeDocument/2006/relationships" xmlns:p="http://schemas.openxmlformats.org/presentationml/2006/main">
+  <p:cSld>
+    <p:spTree>
+      <p:nvGrpSpPr>
+        <p:cNvPr id="1" name=""/>
+        <p:cNvGrpSpPr/>
+        <p:nvPr/>
+      </p:nvGrpSpPr>
+      <p:grpSpPr>
+        <a:xfrm>
+          <a:off x="0" y="0"/>
+          <a:ext cx="0" cy="0"/>
+          <a:chOff x="0" y="0"/>
+          <a:chExt cx="0" cy="0"/>
+        </a:xfrm>
+      </p:grpSpPr>
+      <p:sp>
+        <p:nvSpPr>
+          <p:cNvPr id="2" name="Titel 1"/>
+          <p:cNvSpPr>
+            <a:spLocks noGrp="1"/>
+          </p:cNvSpPr>
+          <p:nvPr>
+            <p:ph type="title"/>
+          </p:nvPr>
+        </p:nvSpPr>
+        <p:spPr/>
+        <p:txBody>
+          <a:bodyPr/>
+          <a:lstStyle/>
+          <a:p>
+            <a:r>
+              <a:rPr lang="de-CH" dirty="0"/>
+              <a:t>Schwierigkeiten Allgemein</a:t>
+            </a:r>
+          </a:p>
+        </p:txBody>
+      </p:sp>
+      <p:sp>
+        <p:nvSpPr>
+          <p:cNvPr id="3" name="Inhaltsplatzhalter 2"/>
+          <p:cNvSpPr>
+            <a:spLocks noGrp="1"/>
+          </p:cNvSpPr>
+          <p:nvPr>
+            <p:ph idx="1"/>
+          </p:nvPr>
+        </p:nvSpPr>
+        <p:spPr/>
+        <p:txBody>
+          <a:bodyPr>
+            <a:normAutofit lnSpcReduction="10000"/>
+          </a:bodyPr>
+          <a:lstStyle/>
+          <a:p>
+            <a:pPr marL="0" indent="0">
+              <a:buNone/>
+            </a:pPr>
+            <a:r>
+              <a:rPr lang="de-CH" sz="2400" b="1" dirty="0" err="1"/>
+              <a:t>Xamarin</a:t>
+            </a:r>
+            <a:endParaRPr lang="de-CH" sz="2400" b="1" dirty="0"/>
+          </a:p>
+          <a:p>
+            <a:pPr>
+              <a:buFont typeface="Arial" panose="020B0604020202020204" pitchFamily="34" charset="0"/>
+              <a:buChar char="•"/>
+            </a:pPr>
+            <a:r>
+              <a:rPr lang="de-CH" dirty="0"/>
+              <a:t> Sehr viele Abstürze (Wechsel zwischen GUI- &amp; Codeansicht)</a:t>
+            </a:r>
+          </a:p>
+          <a:p>
+            <a:pPr>
+              <a:buFont typeface="Arial" panose="020B0604020202020204" pitchFamily="34" charset="0"/>
+              <a:buChar char="•"/>
+            </a:pPr>
+            <a:r>
+              <a:rPr lang="de-CH" dirty="0"/>
+              <a:t> Relativ junge Umgebung, daher noch wenig Backend Automation (stimmt das so </a:t>
+            </a:r>
+            <a:r>
+              <a:rPr lang="de-CH" dirty="0" err="1"/>
+              <a:t>pedro</a:t>
+            </a:r>
+            <a:r>
+              <a:rPr lang="de-CH" dirty="0"/>
+              <a:t>?)</a:t>
+            </a:r>
+          </a:p>
+          <a:p>
+            <a:pPr>
+              <a:buFont typeface="Arial" panose="020B0604020202020204" pitchFamily="34" charset="0"/>
+              <a:buChar char="•"/>
+            </a:pPr>
+            <a:r>
+              <a:rPr lang="de-CH" dirty="0"/>
+              <a:t> Es muss zwingend ein Emulator aufgesetzt werden, damit man überhaupt testen kann</a:t>
+            </a:r>
+          </a:p>
+          <a:p>
+            <a:pPr marL="0" indent="0">
+              <a:buNone/>
+            </a:pPr>
+            <a:endParaRPr lang="de-CH" dirty="0"/>
+          </a:p>
+          <a:p>
+            <a:pPr marL="0" indent="0">
+              <a:buNone/>
+            </a:pPr>
+            <a:r>
+              <a:rPr lang="de-CH" sz="2400" b="1" dirty="0"/>
+              <a:t>Android Emulator</a:t>
+            </a:r>
+          </a:p>
+          <a:p>
+            <a:pPr>
+              <a:buFont typeface="Arial" panose="020B0604020202020204" pitchFamily="34" charset="0"/>
+              <a:buChar char="•"/>
+            </a:pPr>
+            <a:r>
+              <a:rPr lang="de-CH" dirty="0"/>
+              <a:t> Sehr mühsam aufzusetzen</a:t>
+            </a:r>
+          </a:p>
+          <a:p>
+            <a:pPr>
+              <a:buFont typeface="Arial" panose="020B0604020202020204" pitchFamily="34" charset="0"/>
+              <a:buChar char="•"/>
+            </a:pPr>
+            <a:r>
+              <a:rPr lang="de-CH" dirty="0"/>
+              <a:t> Kein Best Practice von </a:t>
+            </a:r>
+            <a:r>
+              <a:rPr lang="de-CH" dirty="0" err="1"/>
+              <a:t>Xamarin</a:t>
+            </a:r>
+            <a:r>
+              <a:rPr lang="de-CH" dirty="0"/>
+              <a:t> oder Hilfe fürs Aufsetzen</a:t>
+            </a:r>
+          </a:p>
+          <a:p>
+            <a:pPr>
+              <a:buFont typeface="Arial" panose="020B0604020202020204" pitchFamily="34" charset="0"/>
+              <a:buChar char="•"/>
+            </a:pPr>
+            <a:r>
+              <a:rPr lang="de-CH" dirty="0"/>
+              <a:t> ???? Was </a:t>
+            </a:r>
+            <a:r>
+              <a:rPr lang="de-CH" dirty="0" err="1"/>
+              <a:t>no</a:t>
+            </a:r>
+            <a:r>
+              <a:rPr lang="de-CH"/>
+              <a:t> ????</a:t>
+            </a:r>
+            <a:endParaRPr lang="de-CH" dirty="0"/>
+          </a:p>
+        </p:txBody>
+      </p:sp>
+    </p:spTree>
+    <p:extLst>
+      <p:ext uri="{BB962C8B-B14F-4D97-AF65-F5344CB8AC3E}">
+        <p14:creationId xmlns:p14="http://schemas.microsoft.com/office/powerpoint/2010/main" val="1179877320"/>
+      </p:ext>
+    </p:extLst>
+  </p:cSld>
+  <p:clrMapOvr>
+    <a:masterClrMapping/>
+  </p:clrMapOvr>
+</p:sld>
+</file>
+
+<file path=ppt/slides/slide14.xml><?xml version="1.0" encoding="utf-8"?>
+<p:sld xmlns:a="http://schemas.openxmlformats.org/drawingml/2006/main" xmlns:r="http://schemas.openxmlformats.org/officeDocument/2006/relationships" xmlns:p="http://schemas.openxmlformats.org/presentationml/2006/main">
+  <p:cSld>
+    <p:spTree>
+      <p:nvGrpSpPr>
+        <p:cNvPr id="1" name=""/>
+        <p:cNvGrpSpPr/>
+        <p:nvPr/>
+      </p:nvGrpSpPr>
+      <p:grpSpPr>
+        <a:xfrm>
+          <a:off x="0" y="0"/>
+          <a:ext cx="0" cy="0"/>
+          <a:chOff x="0" y="0"/>
+          <a:chExt cx="0" cy="0"/>
+        </a:xfrm>
+      </p:grpSpPr>
+      <p:pic>
+        <p:nvPicPr>
+          <p:cNvPr id="6" name="Grafik 5"/>
+          <p:cNvPicPr>
+            <a:picLocks noChangeAspect="1"/>
+          </p:cNvPicPr>
+          <p:nvPr/>
+        </p:nvPicPr>
+        <p:blipFill>
+          <a:blip r:embed="rId3">
+            <a:extLst>
+              <a:ext uri="{28A0092B-C50C-407E-A947-70E740481C1C}">
+                <a14:useLocalDpi xmlns:a14="http://schemas.microsoft.com/office/drawing/2010/main" val="0"/>
+              </a:ext>
+            </a:extLst>
+          </a:blip>
+          <a:stretch>
+            <a:fillRect/>
+          </a:stretch>
+        </p:blipFill>
+        <p:spPr>
+          <a:xfrm>
+            <a:off x="3843006" y="1795000"/>
+            <a:ext cx="4306081" cy="4306081"/>
+          </a:xfrm>
+          <a:prstGeom prst="rect">
+            <a:avLst/>
+          </a:prstGeom>
+        </p:spPr>
+      </p:pic>
+    </p:spTree>
+    <p:extLst>
+      <p:ext uri="{BB962C8B-B14F-4D97-AF65-F5344CB8AC3E}">
+        <p14:creationId xmlns:p14="http://schemas.microsoft.com/office/powerpoint/2010/main" val="1084868179"/>
+      </p:ext>
+    </p:extLst>
+  </p:cSld>
+  <p:clrMapOvr>
+    <a:masterClrMapping/>
+  </p:clrMapOvr>
+</p:sld>
+</file>
+
+<file path=ppt/slides/slide15.xml><?xml version="1.0" encoding="utf-8"?>
+<p:sld xmlns:a="http://schemas.openxmlformats.org/drawingml/2006/main" xmlns:r="http://schemas.openxmlformats.org/officeDocument/2006/relationships" xmlns:p="http://schemas.openxmlformats.org/presentationml/2006/main">
+  <p:cSld>
+    <p:spTree>
+      <p:nvGrpSpPr>
+        <p:cNvPr id="1" name=""/>
+        <p:cNvGrpSpPr/>
+        <p:nvPr/>
+      </p:nvGrpSpPr>
+      <p:grpSpPr>
+        <a:xfrm>
+          <a:off x="0" y="0"/>
+          <a:ext cx="0" cy="0"/>
+          <a:chOff x="0" y="0"/>
+          <a:chExt cx="0" cy="0"/>
+        </a:xfrm>
+      </p:grpSpPr>
+      <p:sp>
+        <p:nvSpPr>
+          <p:cNvPr id="2" name="Titel 1"/>
+          <p:cNvSpPr>
+            <a:spLocks noGrp="1"/>
+          </p:cNvSpPr>
+          <p:nvPr>
+            <p:ph type="title"/>
+          </p:nvPr>
+        </p:nvSpPr>
+        <p:spPr/>
+        <p:txBody>
+          <a:bodyPr/>
+          <a:lstStyle/>
+          <a:p>
+            <a:r>
+              <a:rPr lang="de-CH" dirty="0"/>
+              <a:t>Fazit</a:t>
+            </a:r>
+          </a:p>
+        </p:txBody>
+      </p:sp>
+      <p:sp>
+        <p:nvSpPr>
+          <p:cNvPr id="3" name="Inhaltsplatzhalter 2"/>
+          <p:cNvSpPr>
+            <a:spLocks noGrp="1"/>
+          </p:cNvSpPr>
+          <p:nvPr>
+            <p:ph idx="1"/>
+          </p:nvPr>
+        </p:nvSpPr>
+        <p:spPr/>
+        <p:txBody>
+          <a:bodyPr/>
+          <a:lstStyle/>
+          <a:p>
+            <a:pPr marL="0" indent="0">
+              <a:buNone/>
+            </a:pPr>
+            <a:r>
+              <a:rPr lang="de-CH" dirty="0"/>
+              <a:t>Text</a:t>
+            </a:r>
+          </a:p>
+        </p:txBody>
+      </p:sp>
+    </p:spTree>
+    <p:extLst>
+      <p:ext uri="{BB962C8B-B14F-4D97-AF65-F5344CB8AC3E}">
+        <p14:creationId xmlns:p14="http://schemas.microsoft.com/office/powerpoint/2010/main" val="3236198836"/>
       </p:ext>
     </p:extLst>
   </p:cSld>
@@ -3092,54 +6225,71 @@
         </p:nvSpPr>
         <p:spPr/>
         <p:txBody>
-          <a:bodyPr/>
-          <a:lstStyle/>
-          <a:p>
-            <a:r>
-              <a:rPr lang="de-CH" dirty="0"/>
-              <a:t>Vision</a:t>
-            </a:r>
-          </a:p>
-          <a:p>
-            <a:r>
-              <a:rPr lang="de-CH" dirty="0"/>
-              <a:t>Ausgangslage</a:t>
-            </a:r>
-          </a:p>
-          <a:p>
-            <a:r>
-              <a:rPr lang="de-CH" dirty="0"/>
-              <a:t>Ziele</a:t>
-            </a:r>
-          </a:p>
-          <a:p>
-            <a:r>
-              <a:rPr lang="de-CH" dirty="0"/>
-              <a:t>Umsetzung</a:t>
-            </a:r>
-          </a:p>
-          <a:p>
-            <a:r>
-              <a:rPr lang="de-CH" dirty="0"/>
-              <a:t>Schwierigkeiten</a:t>
-            </a:r>
-          </a:p>
-          <a:p>
-            <a:r>
-              <a:rPr lang="de-CH" dirty="0"/>
-              <a:t>Demo</a:t>
-            </a:r>
-          </a:p>
-          <a:p>
-            <a:r>
-              <a:rPr lang="de-CH"/>
-              <a:t>Fazi</a:t>
-            </a:r>
-            <a:r>
-              <a:rPr lang="de-CH"/>
-              <a:t>t</a:t>
-            </a:r>
-            <a:endParaRPr lang="de-CH" dirty="0"/>
+          <a:bodyPr>
+            <a:normAutofit lnSpcReduction="10000"/>
+          </a:bodyPr>
+          <a:lstStyle/>
+          <a:p>
+            <a:r>
+              <a:rPr lang="de-CH" dirty="0"/>
+              <a:t>Vision (Pedro)</a:t>
+            </a:r>
+          </a:p>
+          <a:p>
+            <a:r>
+              <a:rPr lang="de-CH" dirty="0"/>
+              <a:t>Ausgangslage (Roman)</a:t>
+            </a:r>
+          </a:p>
+          <a:p>
+            <a:r>
+              <a:rPr lang="de-CH" dirty="0"/>
+              <a:t>Ziele (Pedro)</a:t>
+            </a:r>
+          </a:p>
+          <a:p>
+            <a:r>
+              <a:rPr lang="de-CH" dirty="0"/>
+              <a:t>Umsetzung (Roman)</a:t>
+            </a:r>
+          </a:p>
+          <a:p>
+            <a:r>
+              <a:rPr lang="de-CH" dirty="0"/>
+              <a:t>Stolpersteine (Roman &amp; Pedro)</a:t>
+            </a:r>
+          </a:p>
+          <a:p>
+            <a:pPr lvl="1"/>
+            <a:r>
+              <a:rPr lang="de-CH" dirty="0"/>
+              <a:t>Frontend</a:t>
+            </a:r>
+          </a:p>
+          <a:p>
+            <a:pPr lvl="1"/>
+            <a:r>
+              <a:rPr lang="de-CH" dirty="0"/>
+              <a:t>Backend</a:t>
+            </a:r>
+          </a:p>
+          <a:p>
+            <a:r>
+              <a:rPr lang="de-CH" dirty="0"/>
+              <a:t>Schwierigkeiten Allgemein (Roman)</a:t>
+            </a:r>
+          </a:p>
+          <a:p>
+            <a:r>
+              <a:rPr lang="de-CH" dirty="0"/>
+              <a:t>Demo (Roman)</a:t>
+            </a:r>
+          </a:p>
+          <a:p>
+            <a:r>
+              <a:rPr lang="de-CH" dirty="0"/>
+              <a:t>Fazit (Pedro)</a:t>
+            </a:r>
           </a:p>
         </p:txBody>
       </p:sp>
@@ -3156,7 +6306,1340 @@
 </p:sld>
 </file>
 
+<file path=ppt/slides/slide3.xml><?xml version="1.0" encoding="utf-8"?>
+<p:sld xmlns:a="http://schemas.openxmlformats.org/drawingml/2006/main" xmlns:r="http://schemas.openxmlformats.org/officeDocument/2006/relationships" xmlns:p="http://schemas.openxmlformats.org/presentationml/2006/main">
+  <p:cSld>
+    <p:spTree>
+      <p:nvGrpSpPr>
+        <p:cNvPr id="1" name=""/>
+        <p:cNvGrpSpPr/>
+        <p:nvPr/>
+      </p:nvGrpSpPr>
+      <p:grpSpPr>
+        <a:xfrm>
+          <a:off x="0" y="0"/>
+          <a:ext cx="0" cy="0"/>
+          <a:chOff x="0" y="0"/>
+          <a:chExt cx="0" cy="0"/>
+        </a:xfrm>
+      </p:grpSpPr>
+      <p:sp>
+        <p:nvSpPr>
+          <p:cNvPr id="2" name="Titel 1"/>
+          <p:cNvSpPr>
+            <a:spLocks noGrp="1"/>
+          </p:cNvSpPr>
+          <p:nvPr>
+            <p:ph type="title"/>
+          </p:nvPr>
+        </p:nvSpPr>
+        <p:spPr/>
+        <p:txBody>
+          <a:bodyPr/>
+          <a:lstStyle/>
+          <a:p>
+            <a:r>
+              <a:rPr lang="de-CH" dirty="0"/>
+              <a:t>Vision</a:t>
+            </a:r>
+          </a:p>
+        </p:txBody>
+      </p:sp>
+      <p:sp>
+        <p:nvSpPr>
+          <p:cNvPr id="3" name="Inhaltsplatzhalter 2"/>
+          <p:cNvSpPr>
+            <a:spLocks noGrp="1"/>
+          </p:cNvSpPr>
+          <p:nvPr>
+            <p:ph idx="1"/>
+          </p:nvPr>
+        </p:nvSpPr>
+        <p:spPr/>
+        <p:txBody>
+          <a:bodyPr>
+            <a:normAutofit/>
+          </a:bodyPr>
+          <a:lstStyle/>
+          <a:p>
+            <a:r>
+              <a:rPr lang="de-CH" sz="3600" dirty="0"/>
+              <a:t>«</a:t>
+            </a:r>
+            <a:r>
+              <a:rPr lang="de-CH" sz="3600" dirty="0" err="1"/>
+              <a:t>I’ve</a:t>
+            </a:r>
+            <a:r>
+              <a:rPr lang="de-CH" sz="3600" dirty="0"/>
+              <a:t> </a:t>
+            </a:r>
+            <a:r>
+              <a:rPr lang="de-CH" sz="3600" dirty="0" err="1"/>
+              <a:t>come</a:t>
+            </a:r>
+            <a:r>
+              <a:rPr lang="de-CH" sz="3600" dirty="0"/>
+              <a:t> </a:t>
+            </a:r>
+            <a:r>
+              <a:rPr lang="de-CH" sz="3600" dirty="0" err="1"/>
+              <a:t>up</a:t>
+            </a:r>
+            <a:r>
+              <a:rPr lang="de-CH" sz="3600" dirty="0"/>
+              <a:t> </a:t>
+            </a:r>
+            <a:r>
+              <a:rPr lang="de-CH" sz="3600" dirty="0" err="1"/>
+              <a:t>with</a:t>
+            </a:r>
+            <a:r>
+              <a:rPr lang="de-CH" sz="3600" dirty="0"/>
+              <a:t> a </a:t>
+            </a:r>
+            <a:r>
+              <a:rPr lang="de-CH" sz="3600" dirty="0" err="1"/>
+              <a:t>new</a:t>
+            </a:r>
+            <a:r>
+              <a:rPr lang="de-CH" sz="3600" dirty="0"/>
+              <a:t> </a:t>
+            </a:r>
+            <a:r>
+              <a:rPr lang="de-CH" sz="3600" dirty="0" err="1"/>
+              <a:t>recipe</a:t>
+            </a:r>
+            <a:r>
+              <a:rPr lang="de-CH" sz="3600" dirty="0"/>
+              <a:t>»</a:t>
+            </a:r>
+            <a:br>
+              <a:rPr lang="de-CH" sz="3600" dirty="0"/>
+            </a:br>
+            <a:r>
+              <a:rPr lang="de-CH" sz="3600" dirty="0"/>
+              <a:t>						</a:t>
+            </a:r>
+            <a:r>
+              <a:rPr lang="de-CH" sz="2400" dirty="0"/>
+              <a:t>- </a:t>
+            </a:r>
+            <a:r>
+              <a:rPr lang="de-CH" sz="2400" dirty="0" err="1"/>
+              <a:t>Ignis</a:t>
+            </a:r>
+            <a:r>
+              <a:rPr lang="de-CH" sz="2400" dirty="0"/>
+              <a:t> 2016</a:t>
+            </a:r>
+          </a:p>
+          <a:p>
+            <a:endParaRPr lang="de-CH" sz="2400" dirty="0"/>
+          </a:p>
+          <a:p>
+            <a:endParaRPr lang="de-CH" sz="2400" dirty="0"/>
+          </a:p>
+        </p:txBody>
+      </p:sp>
+    </p:spTree>
+    <p:extLst>
+      <p:ext uri="{BB962C8B-B14F-4D97-AF65-F5344CB8AC3E}">
+        <p14:creationId xmlns:p14="http://schemas.microsoft.com/office/powerpoint/2010/main" val="3705596168"/>
+      </p:ext>
+    </p:extLst>
+  </p:cSld>
+  <p:clrMapOvr>
+    <a:masterClrMapping/>
+  </p:clrMapOvr>
+</p:sld>
+</file>
+
+<file path=ppt/slides/slide4.xml><?xml version="1.0" encoding="utf-8"?>
+<p:sld xmlns:a="http://schemas.openxmlformats.org/drawingml/2006/main" xmlns:r="http://schemas.openxmlformats.org/officeDocument/2006/relationships" xmlns:p="http://schemas.openxmlformats.org/presentationml/2006/main">
+  <p:cSld>
+    <p:spTree>
+      <p:nvGrpSpPr>
+        <p:cNvPr id="1" name=""/>
+        <p:cNvGrpSpPr/>
+        <p:nvPr/>
+      </p:nvGrpSpPr>
+      <p:grpSpPr>
+        <a:xfrm>
+          <a:off x="0" y="0"/>
+          <a:ext cx="0" cy="0"/>
+          <a:chOff x="0" y="0"/>
+          <a:chExt cx="0" cy="0"/>
+        </a:xfrm>
+      </p:grpSpPr>
+      <p:sp>
+        <p:nvSpPr>
+          <p:cNvPr id="2" name="Titel 1"/>
+          <p:cNvSpPr>
+            <a:spLocks noGrp="1"/>
+          </p:cNvSpPr>
+          <p:nvPr>
+            <p:ph type="title"/>
+          </p:nvPr>
+        </p:nvSpPr>
+        <p:spPr/>
+        <p:txBody>
+          <a:bodyPr/>
+          <a:lstStyle/>
+          <a:p>
+            <a:r>
+              <a:rPr lang="de-CH" dirty="0"/>
+              <a:t>Ausgangslage</a:t>
+            </a:r>
+          </a:p>
+        </p:txBody>
+      </p:sp>
+      <p:sp>
+        <p:nvSpPr>
+          <p:cNvPr id="3" name="Inhaltsplatzhalter 2"/>
+          <p:cNvSpPr>
+            <a:spLocks noGrp="1"/>
+          </p:cNvSpPr>
+          <p:nvPr>
+            <p:ph idx="1"/>
+          </p:nvPr>
+        </p:nvSpPr>
+        <p:spPr/>
+        <p:txBody>
+          <a:bodyPr/>
+          <a:lstStyle/>
+          <a:p>
+            <a:r>
+              <a:rPr lang="de-CH" sz="2400" dirty="0"/>
+              <a:t>Im Rahmen des Moduls «Programmiersprachen – Fallbeispiel» entwickeln die Studierenden eine etwas komplexere Software, um den zuvor gelernten Stoff durch die Implementierung einer lauffähigen Applikation zu vertiefen. </a:t>
+            </a:r>
+            <a:br>
+              <a:rPr lang="de-CH" sz="2400" dirty="0"/>
+            </a:br>
+            <a:r>
+              <a:rPr lang="de-CH" sz="2400" dirty="0"/>
+              <a:t>Dabei wird die Komplexität der Applikation abgestimmt auf die individuellen Vorkenntnisse der Studierenden.</a:t>
+            </a:r>
+          </a:p>
+          <a:p>
+            <a:pPr marL="0" indent="0">
+              <a:buNone/>
+            </a:pPr>
+            <a:endParaRPr lang="de-CH" dirty="0"/>
+          </a:p>
+          <a:p>
+            <a:endParaRPr lang="de-CH" dirty="0"/>
+          </a:p>
+        </p:txBody>
+      </p:sp>
+    </p:spTree>
+    <p:extLst>
+      <p:ext uri="{BB962C8B-B14F-4D97-AF65-F5344CB8AC3E}">
+        <p14:creationId xmlns:p14="http://schemas.microsoft.com/office/powerpoint/2010/main" val="3345530213"/>
+      </p:ext>
+    </p:extLst>
+  </p:cSld>
+  <p:clrMapOvr>
+    <a:masterClrMapping/>
+  </p:clrMapOvr>
+</p:sld>
+</file>
+
+<file path=ppt/slides/slide5.xml><?xml version="1.0" encoding="utf-8"?>
+<p:sld xmlns:a="http://schemas.openxmlformats.org/drawingml/2006/main" xmlns:r="http://schemas.openxmlformats.org/officeDocument/2006/relationships" xmlns:p="http://schemas.openxmlformats.org/presentationml/2006/main">
+  <p:cSld>
+    <p:spTree>
+      <p:nvGrpSpPr>
+        <p:cNvPr id="1" name=""/>
+        <p:cNvGrpSpPr/>
+        <p:nvPr/>
+      </p:nvGrpSpPr>
+      <p:grpSpPr>
+        <a:xfrm>
+          <a:off x="0" y="0"/>
+          <a:ext cx="0" cy="0"/>
+          <a:chOff x="0" y="0"/>
+          <a:chExt cx="0" cy="0"/>
+        </a:xfrm>
+      </p:grpSpPr>
+      <p:sp>
+        <p:nvSpPr>
+          <p:cNvPr id="2" name="Titel 1"/>
+          <p:cNvSpPr>
+            <a:spLocks noGrp="1"/>
+          </p:cNvSpPr>
+          <p:nvPr>
+            <p:ph type="title"/>
+          </p:nvPr>
+        </p:nvSpPr>
+        <p:spPr/>
+        <p:txBody>
+          <a:bodyPr/>
+          <a:lstStyle/>
+          <a:p>
+            <a:r>
+              <a:rPr lang="de-CH" dirty="0"/>
+              <a:t>Ausgangslage</a:t>
+            </a:r>
+          </a:p>
+        </p:txBody>
+      </p:sp>
+      <p:sp>
+        <p:nvSpPr>
+          <p:cNvPr id="3" name="Inhaltsplatzhalter 2"/>
+          <p:cNvSpPr>
+            <a:spLocks noGrp="1"/>
+          </p:cNvSpPr>
+          <p:nvPr>
+            <p:ph idx="1"/>
+          </p:nvPr>
+        </p:nvSpPr>
+        <p:spPr/>
+        <p:txBody>
+          <a:bodyPr/>
+          <a:lstStyle/>
+          <a:p>
+            <a:pPr marL="0" indent="0">
+              <a:buNone/>
+            </a:pPr>
+            <a:r>
+              <a:rPr lang="de-CH" dirty="0"/>
+              <a:t>Was bringen wir mit:</a:t>
+            </a:r>
+          </a:p>
+          <a:p>
+            <a:pPr>
+              <a:buFont typeface="Arial" panose="020B0604020202020204" pitchFamily="34" charset="0"/>
+              <a:buChar char="•"/>
+            </a:pPr>
+            <a:r>
+              <a:rPr lang="de-CH" dirty="0"/>
+              <a:t> Informatiker EFZ (Roman) – Cloud </a:t>
+            </a:r>
+            <a:r>
+              <a:rPr lang="de-CH" dirty="0" err="1"/>
+              <a:t>Presales</a:t>
+            </a:r>
+            <a:r>
+              <a:rPr lang="de-CH" dirty="0"/>
+              <a:t> &amp; Project Support</a:t>
+            </a:r>
+          </a:p>
+          <a:p>
+            <a:pPr>
+              <a:buFont typeface="Arial" panose="020B0604020202020204" pitchFamily="34" charset="0"/>
+              <a:buChar char="•"/>
+            </a:pPr>
+            <a:r>
+              <a:rPr lang="de-CH" dirty="0"/>
+              <a:t> IT Service Engineer FH (Felipe) – Junior Software Engineer Security</a:t>
+            </a:r>
+            <a:endParaRPr lang="de-CH" dirty="0"/>
+          </a:p>
+          <a:p>
+            <a:pPr>
+              <a:buFont typeface="Arial" panose="020B0604020202020204" pitchFamily="34" charset="0"/>
+              <a:buChar char="•"/>
+            </a:pPr>
+            <a:r>
+              <a:rPr lang="de-CH" dirty="0"/>
+              <a:t> Kenntnisse auf </a:t>
+            </a:r>
+            <a:r>
+              <a:rPr lang="de-CH" dirty="0" err="1"/>
+              <a:t>Unity</a:t>
+            </a:r>
+            <a:r>
+              <a:rPr lang="de-CH" dirty="0"/>
+              <a:t> (Learning </a:t>
+            </a:r>
+            <a:r>
+              <a:rPr lang="de-CH" dirty="0" err="1"/>
+              <a:t>by</a:t>
+            </a:r>
+            <a:r>
+              <a:rPr lang="de-CH" dirty="0"/>
+              <a:t> </a:t>
+            </a:r>
+            <a:r>
+              <a:rPr lang="de-CH" dirty="0" err="1"/>
+              <a:t>youtubing</a:t>
+            </a:r>
+            <a:r>
+              <a:rPr lang="de-CH" dirty="0"/>
+              <a:t>) mit C#</a:t>
+            </a:r>
+          </a:p>
+          <a:p>
+            <a:pPr>
+              <a:buFont typeface="Arial" panose="020B0604020202020204" pitchFamily="34" charset="0"/>
+              <a:buChar char="•"/>
+            </a:pPr>
+            <a:r>
+              <a:rPr lang="de-CH" dirty="0"/>
+              <a:t> Und eine so entstandene selbst entworfene App «</a:t>
+            </a:r>
+            <a:r>
+              <a:rPr lang="de-CH" dirty="0" err="1"/>
+              <a:t>Squared</a:t>
+            </a:r>
+            <a:r>
+              <a:rPr lang="de-CH" dirty="0"/>
+              <a:t>»    </a:t>
+            </a:r>
+            <a:r>
+              <a:rPr lang="de-CH" dirty="0">
+                <a:solidFill>
+                  <a:schemeClr val="accent6">
+                    <a:lumMod val="20000"/>
+                    <a:lumOff val="80000"/>
+                  </a:schemeClr>
+                </a:solidFill>
+              </a:rPr>
+              <a:t>Bitte </a:t>
+            </a:r>
+            <a:r>
+              <a:rPr lang="de-CH" dirty="0" err="1">
+                <a:solidFill>
+                  <a:schemeClr val="accent6">
+                    <a:lumMod val="20000"/>
+                    <a:lumOff val="80000"/>
+                  </a:schemeClr>
+                </a:solidFill>
+              </a:rPr>
+              <a:t>alli</a:t>
+            </a:r>
+            <a:r>
+              <a:rPr lang="de-CH" dirty="0">
+                <a:solidFill>
+                  <a:schemeClr val="accent6">
+                    <a:lumMod val="20000"/>
+                    <a:lumOff val="80000"/>
+                  </a:schemeClr>
+                </a:solidFill>
+              </a:rPr>
+              <a:t> </a:t>
+            </a:r>
+            <a:r>
+              <a:rPr lang="de-CH" dirty="0" err="1">
+                <a:solidFill>
+                  <a:schemeClr val="accent6">
+                    <a:lumMod val="20000"/>
+                    <a:lumOff val="80000"/>
+                  </a:schemeClr>
+                </a:solidFill>
+              </a:rPr>
+              <a:t>abelade</a:t>
+            </a:r>
+            <a:r>
+              <a:rPr lang="de-CH" dirty="0">
+                <a:solidFill>
+                  <a:schemeClr val="accent6">
+                    <a:lumMod val="20000"/>
+                    <a:lumOff val="80000"/>
+                  </a:schemeClr>
+                </a:solidFill>
+              </a:rPr>
+              <a:t>!!</a:t>
+            </a:r>
+            <a:br>
+              <a:rPr lang="de-CH" dirty="0"/>
+            </a:br>
+            <a:endParaRPr lang="de-CH" dirty="0"/>
+          </a:p>
+          <a:p>
+            <a:endParaRPr lang="de-CH" dirty="0"/>
+          </a:p>
+        </p:txBody>
+      </p:sp>
+    </p:spTree>
+    <p:extLst>
+      <p:ext uri="{BB962C8B-B14F-4D97-AF65-F5344CB8AC3E}">
+        <p14:creationId xmlns:p14="http://schemas.microsoft.com/office/powerpoint/2010/main" val="368165889"/>
+      </p:ext>
+    </p:extLst>
+  </p:cSld>
+  <p:clrMapOvr>
+    <a:masterClrMapping/>
+  </p:clrMapOvr>
+</p:sld>
+</file>
+
+<file path=ppt/slides/slide6.xml><?xml version="1.0" encoding="utf-8"?>
+<p:sld xmlns:a="http://schemas.openxmlformats.org/drawingml/2006/main" xmlns:r="http://schemas.openxmlformats.org/officeDocument/2006/relationships" xmlns:p="http://schemas.openxmlformats.org/presentationml/2006/main">
+  <p:cSld>
+    <p:spTree>
+      <p:nvGrpSpPr>
+        <p:cNvPr id="1" name=""/>
+        <p:cNvGrpSpPr/>
+        <p:nvPr/>
+      </p:nvGrpSpPr>
+      <p:grpSpPr>
+        <a:xfrm>
+          <a:off x="0" y="0"/>
+          <a:ext cx="0" cy="0"/>
+          <a:chOff x="0" y="0"/>
+          <a:chExt cx="0" cy="0"/>
+        </a:xfrm>
+      </p:grpSpPr>
+      <p:sp>
+        <p:nvSpPr>
+          <p:cNvPr id="2" name="Titel 1"/>
+          <p:cNvSpPr>
+            <a:spLocks noGrp="1"/>
+          </p:cNvSpPr>
+          <p:nvPr>
+            <p:ph type="title"/>
+          </p:nvPr>
+        </p:nvSpPr>
+        <p:spPr/>
+        <p:txBody>
+          <a:bodyPr/>
+          <a:lstStyle/>
+          <a:p>
+            <a:r>
+              <a:rPr lang="de-CH" dirty="0"/>
+              <a:t>Ausgangslage</a:t>
+            </a:r>
+          </a:p>
+        </p:txBody>
+      </p:sp>
+      <p:sp>
+        <p:nvSpPr>
+          <p:cNvPr id="3" name="Inhaltsplatzhalter 2"/>
+          <p:cNvSpPr>
+            <a:spLocks noGrp="1"/>
+          </p:cNvSpPr>
+          <p:nvPr>
+            <p:ph idx="1"/>
+          </p:nvPr>
+        </p:nvSpPr>
+        <p:spPr/>
+        <p:txBody>
+          <a:bodyPr/>
+          <a:lstStyle/>
+          <a:p>
+            <a:pPr marL="0" indent="0">
+              <a:buNone/>
+            </a:pPr>
+            <a:r>
+              <a:rPr lang="de-CH" dirty="0"/>
+              <a:t>Was war neu für uns:</a:t>
+            </a:r>
+          </a:p>
+          <a:p>
+            <a:pPr>
+              <a:buFont typeface="Arial" panose="020B0604020202020204" pitchFamily="34" charset="0"/>
+              <a:buChar char="•"/>
+            </a:pPr>
+            <a:r>
+              <a:rPr lang="de-CH" dirty="0"/>
+              <a:t> </a:t>
+            </a:r>
+            <a:r>
+              <a:rPr lang="de-CH" dirty="0" err="1"/>
+              <a:t>Xamarin</a:t>
+            </a:r>
+            <a:endParaRPr lang="de-CH" dirty="0"/>
+          </a:p>
+          <a:p>
+            <a:pPr>
+              <a:buFont typeface="Arial" panose="020B0604020202020204" pitchFamily="34" charset="0"/>
+              <a:buChar char="•"/>
+            </a:pPr>
+            <a:r>
+              <a:rPr lang="de-CH" dirty="0"/>
+              <a:t> Android Emulator</a:t>
+            </a:r>
+            <a:endParaRPr lang="de-CH" dirty="0"/>
+          </a:p>
+          <a:p>
+            <a:pPr>
+              <a:buFont typeface="Arial" panose="020B0604020202020204" pitchFamily="34" charset="0"/>
+              <a:buChar char="•"/>
+            </a:pPr>
+            <a:r>
+              <a:rPr lang="de-CH" dirty="0"/>
+              <a:t> Klarer Projektauftrag mit Abgabetermin (Applikationsentwicklung)</a:t>
+            </a:r>
+          </a:p>
+          <a:p>
+            <a:pPr>
+              <a:buFont typeface="Arial" panose="020B0604020202020204" pitchFamily="34" charset="0"/>
+              <a:buChar char="•"/>
+            </a:pPr>
+            <a:r>
+              <a:rPr lang="de-CH" dirty="0"/>
+              <a:t> Zeitmanagement für einen definierten Auftrag</a:t>
+            </a:r>
+          </a:p>
+          <a:p>
+            <a:pPr>
+              <a:buFont typeface="Arial" panose="020B0604020202020204" pitchFamily="34" charset="0"/>
+              <a:buChar char="•"/>
+            </a:pPr>
+            <a:r>
+              <a:rPr lang="de-CH" dirty="0"/>
+              <a:t> Grössere und komplexere Programmstruktur</a:t>
+            </a:r>
+            <a:br>
+              <a:rPr lang="de-CH" dirty="0"/>
+            </a:br>
+            <a:endParaRPr lang="de-CH" dirty="0"/>
+          </a:p>
+          <a:p>
+            <a:endParaRPr lang="de-CH" dirty="0"/>
+          </a:p>
+        </p:txBody>
+      </p:sp>
+      <p:pic>
+        <p:nvPicPr>
+          <p:cNvPr id="4" name="Grafik 3"/>
+          <p:cNvPicPr>
+            <a:picLocks noChangeAspect="1"/>
+          </p:cNvPicPr>
+          <p:nvPr/>
+        </p:nvPicPr>
+        <p:blipFill>
+          <a:blip r:embed="rId3">
+            <a:extLst>
+              <a:ext uri="{28A0092B-C50C-407E-A947-70E740481C1C}">
+                <a14:useLocalDpi xmlns:a14="http://schemas.microsoft.com/office/drawing/2010/main" val="0"/>
+              </a:ext>
+            </a:extLst>
+          </a:blip>
+          <a:stretch>
+            <a:fillRect/>
+          </a:stretch>
+        </p:blipFill>
+        <p:spPr>
+          <a:xfrm>
+            <a:off x="5943600" y="3382823"/>
+            <a:ext cx="5703757" cy="2392278"/>
+          </a:xfrm>
+          <a:prstGeom prst="rect">
+            <a:avLst/>
+          </a:prstGeom>
+        </p:spPr>
+      </p:pic>
+    </p:spTree>
+    <p:extLst>
+      <p:ext uri="{BB962C8B-B14F-4D97-AF65-F5344CB8AC3E}">
+        <p14:creationId xmlns:p14="http://schemas.microsoft.com/office/powerpoint/2010/main" val="2386880328"/>
+      </p:ext>
+    </p:extLst>
+  </p:cSld>
+  <p:clrMapOvr>
+    <a:masterClrMapping/>
+  </p:clrMapOvr>
+</p:sld>
+</file>
+
+<file path=ppt/slides/slide7.xml><?xml version="1.0" encoding="utf-8"?>
+<p:sld xmlns:a="http://schemas.openxmlformats.org/drawingml/2006/main" xmlns:r="http://schemas.openxmlformats.org/officeDocument/2006/relationships" xmlns:p="http://schemas.openxmlformats.org/presentationml/2006/main">
+  <p:cSld>
+    <p:spTree>
+      <p:nvGrpSpPr>
+        <p:cNvPr id="1" name=""/>
+        <p:cNvGrpSpPr/>
+        <p:nvPr/>
+      </p:nvGrpSpPr>
+      <p:grpSpPr>
+        <a:xfrm>
+          <a:off x="0" y="0"/>
+          <a:ext cx="0" cy="0"/>
+          <a:chOff x="0" y="0"/>
+          <a:chExt cx="0" cy="0"/>
+        </a:xfrm>
+      </p:grpSpPr>
+      <p:sp>
+        <p:nvSpPr>
+          <p:cNvPr id="2" name="Titel 1"/>
+          <p:cNvSpPr>
+            <a:spLocks noGrp="1"/>
+          </p:cNvSpPr>
+          <p:nvPr>
+            <p:ph type="title"/>
+          </p:nvPr>
+        </p:nvSpPr>
+        <p:spPr/>
+        <p:txBody>
+          <a:bodyPr/>
+          <a:lstStyle/>
+          <a:p>
+            <a:r>
+              <a:rPr lang="de-CH" dirty="0"/>
+              <a:t>Ziele</a:t>
+            </a:r>
+          </a:p>
+        </p:txBody>
+      </p:sp>
+      <p:sp>
+        <p:nvSpPr>
+          <p:cNvPr id="3" name="Inhaltsplatzhalter 2"/>
+          <p:cNvSpPr>
+            <a:spLocks noGrp="1"/>
+          </p:cNvSpPr>
+          <p:nvPr>
+            <p:ph idx="1"/>
+          </p:nvPr>
+        </p:nvSpPr>
+        <p:spPr/>
+        <p:txBody>
+          <a:bodyPr/>
+          <a:lstStyle/>
+          <a:p>
+            <a:endParaRPr lang="de-CH" dirty="0"/>
+          </a:p>
+        </p:txBody>
+      </p:sp>
+    </p:spTree>
+    <p:extLst>
+      <p:ext uri="{BB962C8B-B14F-4D97-AF65-F5344CB8AC3E}">
+        <p14:creationId xmlns:p14="http://schemas.microsoft.com/office/powerpoint/2010/main" val="2776798712"/>
+      </p:ext>
+    </p:extLst>
+  </p:cSld>
+  <p:clrMapOvr>
+    <a:masterClrMapping/>
+  </p:clrMapOvr>
+</p:sld>
+</file>
+
+<file path=ppt/slides/slide8.xml><?xml version="1.0" encoding="utf-8"?>
+<p:sld xmlns:a="http://schemas.openxmlformats.org/drawingml/2006/main" xmlns:r="http://schemas.openxmlformats.org/officeDocument/2006/relationships" xmlns:p="http://schemas.openxmlformats.org/presentationml/2006/main">
+  <p:cSld>
+    <p:spTree>
+      <p:nvGrpSpPr>
+        <p:cNvPr id="1" name=""/>
+        <p:cNvGrpSpPr/>
+        <p:nvPr/>
+      </p:nvGrpSpPr>
+      <p:grpSpPr>
+        <a:xfrm>
+          <a:off x="0" y="0"/>
+          <a:ext cx="0" cy="0"/>
+          <a:chOff x="0" y="0"/>
+          <a:chExt cx="0" cy="0"/>
+        </a:xfrm>
+      </p:grpSpPr>
+      <p:sp>
+        <p:nvSpPr>
+          <p:cNvPr id="2" name="Titel 1"/>
+          <p:cNvSpPr>
+            <a:spLocks noGrp="1"/>
+          </p:cNvSpPr>
+          <p:nvPr>
+            <p:ph type="title"/>
+          </p:nvPr>
+        </p:nvSpPr>
+        <p:spPr/>
+        <p:txBody>
+          <a:bodyPr/>
+          <a:lstStyle/>
+          <a:p>
+            <a:r>
+              <a:rPr lang="de-CH" dirty="0"/>
+              <a:t>Umsetzung</a:t>
+            </a:r>
+          </a:p>
+        </p:txBody>
+      </p:sp>
+      <p:sp>
+        <p:nvSpPr>
+          <p:cNvPr id="3" name="Inhaltsplatzhalter 2"/>
+          <p:cNvSpPr>
+            <a:spLocks noGrp="1"/>
+          </p:cNvSpPr>
+          <p:nvPr>
+            <p:ph idx="1"/>
+          </p:nvPr>
+        </p:nvSpPr>
+        <p:spPr/>
+        <p:txBody>
+          <a:bodyPr/>
+          <a:lstStyle/>
+          <a:p>
+            <a:pPr>
+              <a:buFont typeface="Arial" panose="020B0604020202020204" pitchFamily="34" charset="0"/>
+              <a:buChar char="•"/>
+            </a:pPr>
+            <a:r>
+              <a:rPr lang="de-CH" dirty="0"/>
+              <a:t> Installation </a:t>
+            </a:r>
+            <a:r>
+              <a:rPr lang="de-CH" dirty="0" err="1"/>
+              <a:t>Xamarin</a:t>
+            </a:r>
+            <a:r>
+              <a:rPr lang="de-CH" dirty="0"/>
+              <a:t> für Visual Studio</a:t>
+            </a:r>
+          </a:p>
+          <a:p>
+            <a:pPr>
+              <a:buFont typeface="Arial" panose="020B0604020202020204" pitchFamily="34" charset="0"/>
+              <a:buChar char="•"/>
+            </a:pPr>
+            <a:r>
+              <a:rPr lang="de-CH" dirty="0"/>
+              <a:t> Setup Git für </a:t>
+            </a:r>
+            <a:r>
+              <a:rPr lang="de-CH" dirty="0" err="1"/>
+              <a:t>Versionierung</a:t>
+            </a:r>
+            <a:endParaRPr lang="de-CH" dirty="0"/>
+          </a:p>
+          <a:p>
+            <a:pPr>
+              <a:buFont typeface="Arial" panose="020B0604020202020204" pitchFamily="34" charset="0"/>
+              <a:buChar char="•"/>
+            </a:pPr>
+            <a:r>
+              <a:rPr lang="de-CH" dirty="0"/>
+              <a:t> Erste Schritte (angelehnt an Erfahrung mit </a:t>
+            </a:r>
+            <a:r>
+              <a:rPr lang="de-CH" dirty="0" err="1"/>
+              <a:t>Unity</a:t>
+            </a:r>
+            <a:r>
+              <a:rPr lang="de-CH" dirty="0"/>
+              <a:t>, Visual Studio)</a:t>
+            </a:r>
+          </a:p>
+          <a:p>
+            <a:pPr>
+              <a:buFont typeface="Arial" panose="020B0604020202020204" pitchFamily="34" charset="0"/>
+              <a:buChar char="•"/>
+            </a:pPr>
+            <a:r>
+              <a:rPr lang="de-CH" dirty="0"/>
+              <a:t> Youtube Tutorials für </a:t>
+            </a:r>
+            <a:r>
+              <a:rPr lang="de-CH" dirty="0" err="1"/>
+              <a:t>Xamarin</a:t>
+            </a:r>
+            <a:r>
+              <a:rPr lang="de-CH" dirty="0"/>
+              <a:t> Projekte</a:t>
+            </a:r>
+          </a:p>
+          <a:p>
+            <a:pPr>
+              <a:buFont typeface="Arial" panose="020B0604020202020204" pitchFamily="34" charset="0"/>
+              <a:buChar char="•"/>
+            </a:pPr>
+            <a:r>
+              <a:rPr lang="de-CH" dirty="0"/>
+              <a:t> Setup eines Android Emulators</a:t>
+            </a:r>
+          </a:p>
+          <a:p>
+            <a:pPr>
+              <a:buFont typeface="Arial" panose="020B0604020202020204" pitchFamily="34" charset="0"/>
+              <a:buChar char="•"/>
+            </a:pPr>
+            <a:r>
+              <a:rPr lang="de-CH" dirty="0"/>
+              <a:t> Testing erster GUI-Elemente und Funktionen (Emulator)</a:t>
+            </a:r>
+          </a:p>
+          <a:p>
+            <a:pPr>
+              <a:buFont typeface="Arial" panose="020B0604020202020204" pitchFamily="34" charset="0"/>
+              <a:buChar char="•"/>
+            </a:pPr>
+            <a:r>
+              <a:rPr lang="de-CH" dirty="0"/>
+              <a:t> Start Umsetzung des eigentlichen Projekts</a:t>
+            </a:r>
+          </a:p>
+        </p:txBody>
+      </p:sp>
+      <p:pic>
+        <p:nvPicPr>
+          <p:cNvPr id="14" name="Grafik 13"/>
+          <p:cNvPicPr>
+            <a:picLocks noChangeAspect="1"/>
+          </p:cNvPicPr>
+          <p:nvPr/>
+        </p:nvPicPr>
+        <p:blipFill>
+          <a:blip r:embed="rId3">
+            <a:extLst>
+              <a:ext uri="{28A0092B-C50C-407E-A947-70E740481C1C}">
+                <a14:useLocalDpi xmlns:a14="http://schemas.microsoft.com/office/drawing/2010/main" val="0"/>
+              </a:ext>
+            </a:extLst>
+          </a:blip>
+          <a:stretch>
+            <a:fillRect/>
+          </a:stretch>
+        </p:blipFill>
+        <p:spPr>
+          <a:xfrm>
+            <a:off x="1299902" y="5133259"/>
+            <a:ext cx="9653155" cy="999010"/>
+          </a:xfrm>
+          <a:prstGeom prst="rect">
+            <a:avLst/>
+          </a:prstGeom>
+          <a:ln>
+            <a:solidFill>
+              <a:schemeClr val="accent1"/>
+            </a:solidFill>
+          </a:ln>
+        </p:spPr>
+      </p:pic>
+    </p:spTree>
+    <p:extLst>
+      <p:ext uri="{BB962C8B-B14F-4D97-AF65-F5344CB8AC3E}">
+        <p14:creationId xmlns:p14="http://schemas.microsoft.com/office/powerpoint/2010/main" val="1338967068"/>
+      </p:ext>
+    </p:extLst>
+  </p:cSld>
+  <p:clrMapOvr>
+    <a:masterClrMapping/>
+  </p:clrMapOvr>
+</p:sld>
+</file>
+
+<file path=ppt/slides/slide9.xml><?xml version="1.0" encoding="utf-8"?>
+<p:sld xmlns:a="http://schemas.openxmlformats.org/drawingml/2006/main" xmlns:r="http://schemas.openxmlformats.org/officeDocument/2006/relationships" xmlns:p="http://schemas.openxmlformats.org/presentationml/2006/main">
+  <p:cSld>
+    <p:spTree>
+      <p:nvGrpSpPr>
+        <p:cNvPr id="1" name=""/>
+        <p:cNvGrpSpPr/>
+        <p:nvPr/>
+      </p:nvGrpSpPr>
+      <p:grpSpPr>
+        <a:xfrm>
+          <a:off x="0" y="0"/>
+          <a:ext cx="0" cy="0"/>
+          <a:chOff x="0" y="0"/>
+          <a:chExt cx="0" cy="0"/>
+        </a:xfrm>
+      </p:grpSpPr>
+      <p:sp>
+        <p:nvSpPr>
+          <p:cNvPr id="2" name="Titel 1"/>
+          <p:cNvSpPr>
+            <a:spLocks noGrp="1"/>
+          </p:cNvSpPr>
+          <p:nvPr>
+            <p:ph type="title"/>
+          </p:nvPr>
+        </p:nvSpPr>
+        <p:spPr/>
+        <p:txBody>
+          <a:bodyPr/>
+          <a:lstStyle/>
+          <a:p>
+            <a:r>
+              <a:rPr lang="de-CH" dirty="0"/>
+              <a:t>Stolpersteine (Frontend)</a:t>
+            </a:r>
+          </a:p>
+        </p:txBody>
+      </p:sp>
+      <p:sp>
+        <p:nvSpPr>
+          <p:cNvPr id="3" name="Inhaltsplatzhalter 2"/>
+          <p:cNvSpPr>
+            <a:spLocks noGrp="1"/>
+          </p:cNvSpPr>
+          <p:nvPr>
+            <p:ph idx="1"/>
+          </p:nvPr>
+        </p:nvSpPr>
+        <p:spPr/>
+        <p:txBody>
+          <a:bodyPr/>
+          <a:lstStyle/>
+          <a:p>
+            <a:pPr marL="0" indent="0">
+              <a:buNone/>
+            </a:pPr>
+            <a:r>
+              <a:rPr lang="de-CH" sz="2400" b="1" dirty="0"/>
+              <a:t>Layouts</a:t>
+            </a:r>
+          </a:p>
+          <a:p>
+            <a:pPr marL="0" indent="0">
+              <a:buNone/>
+            </a:pPr>
+            <a:r>
+              <a:rPr lang="de-CH" dirty="0"/>
+              <a:t>Wie kann ich Elemente da platzieren, wo ich sie haben will?</a:t>
+            </a:r>
+            <a:br>
+              <a:rPr lang="de-CH" dirty="0"/>
+            </a:br>
+            <a:endParaRPr lang="de-CH" dirty="0"/>
+          </a:p>
+          <a:p>
+            <a:pPr>
+              <a:buFont typeface="Arial" panose="020B0604020202020204" pitchFamily="34" charset="0"/>
+              <a:buChar char="•"/>
+            </a:pPr>
+            <a:r>
+              <a:rPr lang="de-CH" dirty="0"/>
+              <a:t> </a:t>
+            </a:r>
+            <a:r>
+              <a:rPr lang="de-CH" dirty="0" err="1"/>
+              <a:t>Xamarin</a:t>
+            </a:r>
+            <a:r>
+              <a:rPr lang="de-CH" dirty="0"/>
+              <a:t> arbeitet mit vorgefertigten Layouts für verschiedene Zwecke.</a:t>
+            </a:r>
+          </a:p>
+          <a:p>
+            <a:pPr>
+              <a:buFont typeface="Arial" panose="020B0604020202020204" pitchFamily="34" charset="0"/>
+              <a:buChar char="•"/>
+            </a:pPr>
+            <a:r>
+              <a:rPr lang="de-CH" dirty="0"/>
+              <a:t> Welches Layout soll für welchen Screen genommen werden?</a:t>
+            </a:r>
+          </a:p>
+        </p:txBody>
+      </p:sp>
+      <p:pic>
+        <p:nvPicPr>
+          <p:cNvPr id="4" name="Grafik 3"/>
+          <p:cNvPicPr>
+            <a:picLocks noChangeAspect="1"/>
+          </p:cNvPicPr>
+          <p:nvPr/>
+        </p:nvPicPr>
+        <p:blipFill>
+          <a:blip r:embed="rId3">
+            <a:extLst>
+              <a:ext uri="{28A0092B-C50C-407E-A947-70E740481C1C}">
+                <a14:useLocalDpi xmlns:a14="http://schemas.microsoft.com/office/drawing/2010/main" val="0"/>
+              </a:ext>
+            </a:extLst>
+          </a:blip>
+          <a:stretch>
+            <a:fillRect/>
+          </a:stretch>
+        </p:blipFill>
+        <p:spPr>
+          <a:xfrm>
+            <a:off x="1097280" y="4204284"/>
+            <a:ext cx="9663545" cy="1773184"/>
+          </a:xfrm>
+          <a:prstGeom prst="rect">
+            <a:avLst/>
+          </a:prstGeom>
+        </p:spPr>
+      </p:pic>
+    </p:spTree>
+    <p:extLst>
+      <p:ext uri="{BB962C8B-B14F-4D97-AF65-F5344CB8AC3E}">
+        <p14:creationId xmlns:p14="http://schemas.microsoft.com/office/powerpoint/2010/main" val="2492771315"/>
+      </p:ext>
+    </p:extLst>
+  </p:cSld>
+  <p:clrMapOvr>
+    <a:masterClrMapping/>
+  </p:clrMapOvr>
+</p:sld>
+</file>
+
 <file path=ppt/theme/theme1.xml><?xml version="1.0" encoding="utf-8"?>
+<a:theme xmlns:a="http://schemas.openxmlformats.org/drawingml/2006/main" name="Rückblick">
+  <a:themeElements>
+    <a:clrScheme name="Rückblick">
+      <a:dk1>
+        <a:srgbClr val="000000"/>
+      </a:dk1>
+      <a:lt1>
+        <a:sysClr val="window" lastClr="FFFFFF"/>
+      </a:lt1>
+      <a:dk2>
+        <a:srgbClr val="637052"/>
+      </a:dk2>
+      <a:lt2>
+        <a:srgbClr val="CCDDEA"/>
+      </a:lt2>
+      <a:accent1>
+        <a:srgbClr val="E48312"/>
+      </a:accent1>
+      <a:accent2>
+        <a:srgbClr val="BD582C"/>
+      </a:accent2>
+      <a:accent3>
+        <a:srgbClr val="865640"/>
+      </a:accent3>
+      <a:accent4>
+        <a:srgbClr val="9B8357"/>
+      </a:accent4>
+      <a:accent5>
+        <a:srgbClr val="C2BC80"/>
+      </a:accent5>
+      <a:accent6>
+        <a:srgbClr val="94A088"/>
+      </a:accent6>
+      <a:hlink>
+        <a:srgbClr val="2998E3"/>
+      </a:hlink>
+      <a:folHlink>
+        <a:srgbClr val="8C8C8C"/>
+      </a:folHlink>
+    </a:clrScheme>
+    <a:fontScheme name="Rückblick">
+      <a:majorFont>
+        <a:latin typeface="Calibri Light" panose="020F0302020204030204"/>
+        <a:ea typeface=""/>
+        <a:cs typeface=""/>
+        <a:font script="Jpan" typeface="ＭＳ Ｐゴシック"/>
+        <a:font script="Hang" typeface="맑은 고딕"/>
+        <a:font script="Hans" typeface="宋体"/>
+        <a:font script="Hant" typeface="新細明體"/>
+        <a:font script="Arab" typeface="Times New Roman"/>
+        <a:font script="Hebr" typeface="Times New Roman"/>
+        <a:font script="Thai" typeface="Angsana New"/>
+        <a:font script="Ethi" typeface="Nyala"/>
+        <a:font script="Beng" typeface="Vrinda"/>
+        <a:font script="Gujr" typeface="Shruti"/>
+        <a:font script="Khmr" typeface="MoolBoran"/>
+        <a:font script="Knda" typeface="Tunga"/>
+        <a:font script="Guru" typeface="Raavi"/>
+        <a:font script="Cans" typeface="Euphemia"/>
+        <a:font script="Cher" typeface="Plantagenet Cherokee"/>
+        <a:font script="Yiii" typeface="Microsoft Yi Baiti"/>
+        <a:font script="Tibt" typeface="Microsoft Himalaya"/>
+        <a:font script="Thaa" typeface="MV Boli"/>
+        <a:font script="Deva" typeface="Mangal"/>
+        <a:font script="Telu" typeface="Gautami"/>
+        <a:font script="Taml" typeface="Latha"/>
+        <a:font script="Syrc" typeface="Estrangelo Edessa"/>
+        <a:font script="Orya" typeface="Kalinga"/>
+        <a:font script="Mlym" typeface="Kartika"/>
+        <a:font script="Laoo" typeface="DokChampa"/>
+        <a:font script="Sinh" typeface="Iskoola Pota"/>
+        <a:font script="Mong" typeface="Mongolian Baiti"/>
+        <a:font script="Viet" typeface="Times New Roman"/>
+        <a:font script="Uigh" typeface="Microsoft Uighur"/>
+        <a:font script="Geor" typeface="Sylfaen"/>
+      </a:majorFont>
+      <a:minorFont>
+        <a:latin typeface="Calibri" panose="020F0502020204030204"/>
+        <a:ea typeface=""/>
+        <a:cs typeface=""/>
+        <a:font script="Jpan" typeface="ＭＳ Ｐゴシック"/>
+        <a:font script="Hang" typeface="맑은 고딕"/>
+        <a:font script="Hans" typeface="宋体"/>
+        <a:font script="Hant" typeface="新細明體"/>
+        <a:font script="Arab" typeface="Arial"/>
+        <a:font script="Hebr" typeface="Arial"/>
+        <a:font script="Thai" typeface="Cordia New"/>
+        <a:font script="Ethi" typeface="Nyala"/>
+        <a:font script="Beng" typeface="Vrinda"/>
+        <a:font script="Gujr" typeface="Shruti"/>
+        <a:font script="Khmr" typeface="DaunPenh"/>
+        <a:font script="Knda" typeface="Tunga"/>
+        <a:font script="Guru" typeface="Raavi"/>
+        <a:font script="Cans" typeface="Euphemia"/>
+        <a:font script="Cher" typeface="Plantagenet Cherokee"/>
+        <a:font script="Yiii" typeface="Microsoft Yi Baiti"/>
+        <a:font script="Tibt" typeface="Microsoft Himalaya"/>
+        <a:font script="Thaa" typeface="MV Boli"/>
+        <a:font script="Deva" typeface="Mangal"/>
+        <a:font script="Telu" typeface="Gautami"/>
+        <a:font script="Taml" typeface="Latha"/>
+        <a:font script="Syrc" typeface="Estrangelo Edessa"/>
+        <a:font script="Orya" typeface="Kalinga"/>
+        <a:font script="Mlym" typeface="Kartika"/>
+        <a:font script="Laoo" typeface="DokChampa"/>
+        <a:font script="Sinh" typeface="Iskoola Pota"/>
+        <a:font script="Mong" typeface="Mongolian Baiti"/>
+        <a:font script="Viet" typeface="Arial"/>
+        <a:font script="Uigh" typeface="Microsoft Uighur"/>
+        <a:font script="Geor" typeface="Sylfaen"/>
+      </a:minorFont>
+    </a:fontScheme>
+    <a:fmtScheme name="Rückblick">
+      <a:fillStyleLst>
+        <a:solidFill>
+          <a:schemeClr val="phClr"/>
+        </a:solidFill>
+        <a:gradFill rotWithShape="1">
+          <a:gsLst>
+            <a:gs pos="0">
+              <a:schemeClr val="phClr">
+                <a:tint val="65000"/>
+                <a:shade val="92000"/>
+                <a:satMod val="130000"/>
+              </a:schemeClr>
+            </a:gs>
+            <a:gs pos="45000">
+              <a:schemeClr val="phClr">
+                <a:tint val="60000"/>
+                <a:shade val="99000"/>
+                <a:satMod val="120000"/>
+              </a:schemeClr>
+            </a:gs>
+            <a:gs pos="100000">
+              <a:schemeClr val="phClr">
+                <a:tint val="55000"/>
+                <a:satMod val="140000"/>
+              </a:schemeClr>
+            </a:gs>
+          </a:gsLst>
+          <a:path path="circle">
+            <a:fillToRect l="100000" t="100000" r="100000" b="100000"/>
+          </a:path>
+        </a:gradFill>
+        <a:gradFill rotWithShape="1">
+          <a:gsLst>
+            <a:gs pos="0">
+              <a:schemeClr val="phClr">
+                <a:shade val="85000"/>
+                <a:satMod val="130000"/>
+              </a:schemeClr>
+            </a:gs>
+            <a:gs pos="34000">
+              <a:schemeClr val="phClr">
+                <a:shade val="87000"/>
+                <a:satMod val="125000"/>
+              </a:schemeClr>
+            </a:gs>
+            <a:gs pos="70000">
+              <a:schemeClr val="phClr">
+                <a:tint val="100000"/>
+                <a:shade val="90000"/>
+                <a:satMod val="130000"/>
+              </a:schemeClr>
+            </a:gs>
+            <a:gs pos="100000">
+              <a:schemeClr val="phClr">
+                <a:tint val="100000"/>
+                <a:shade val="100000"/>
+                <a:satMod val="110000"/>
+              </a:schemeClr>
+            </a:gs>
+          </a:gsLst>
+          <a:path path="circle">
+            <a:fillToRect l="100000" t="100000" r="100000" b="100000"/>
+          </a:path>
+        </a:gradFill>
+      </a:fillStyleLst>
+      <a:lnStyleLst>
+        <a:ln w="12700" cap="flat" cmpd="sng" algn="ctr">
+          <a:solidFill>
+            <a:schemeClr val="phClr"/>
+          </a:solidFill>
+          <a:prstDash val="solid"/>
+        </a:ln>
+        <a:ln w="15875" cap="flat" cmpd="sng" algn="ctr">
+          <a:solidFill>
+            <a:schemeClr val="phClr"/>
+          </a:solidFill>
+          <a:prstDash val="solid"/>
+        </a:ln>
+        <a:ln w="25400" cap="flat" cmpd="sng" algn="ctr">
+          <a:solidFill>
+            <a:schemeClr val="phClr"/>
+          </a:solidFill>
+          <a:prstDash val="solid"/>
+        </a:ln>
+      </a:lnStyleLst>
+      <a:effectStyleLst>
+        <a:effectStyle>
+          <a:effectLst/>
+        </a:effectStyle>
+        <a:effectStyle>
+          <a:effectLst>
+            <a:outerShdw blurRad="38100" dist="25400" dir="2700000" algn="br" rotWithShape="0">
+              <a:srgbClr val="000000">
+                <a:alpha val="60000"/>
+              </a:srgbClr>
+            </a:outerShdw>
+          </a:effectLst>
+        </a:effectStyle>
+        <a:effectStyle>
+          <a:effectLst>
+            <a:outerShdw blurRad="44450" dist="25400" dir="2700000" algn="br" rotWithShape="0">
+              <a:srgbClr val="000000">
+                <a:alpha val="60000"/>
+              </a:srgbClr>
+            </a:outerShdw>
+          </a:effectLst>
+          <a:scene3d>
+            <a:camera prst="orthographicFront">
+              <a:rot lat="0" lon="0" rev="0"/>
+            </a:camera>
+            <a:lightRig rig="threePt" dir="t">
+              <a:rot lat="0" lon="0" rev="19800000"/>
+            </a:lightRig>
+          </a:scene3d>
+          <a:sp3d prstMaterial="flat">
+            <a:bevelT w="25400" h="31750"/>
+          </a:sp3d>
+        </a:effectStyle>
+      </a:effectStyleLst>
+      <a:bgFillStyleLst>
+        <a:solidFill>
+          <a:schemeClr val="phClr"/>
+        </a:solidFill>
+        <a:solidFill>
+          <a:schemeClr val="phClr">
+            <a:tint val="90000"/>
+            <a:shade val="97000"/>
+            <a:satMod val="130000"/>
+          </a:schemeClr>
+        </a:solidFill>
+        <a:gradFill rotWithShape="1">
+          <a:gsLst>
+            <a:gs pos="0">
+              <a:schemeClr val="phClr">
+                <a:tint val="96000"/>
+                <a:shade val="99000"/>
+                <a:satMod val="140000"/>
+              </a:schemeClr>
+            </a:gs>
+            <a:gs pos="65000">
+              <a:schemeClr val="phClr">
+                <a:tint val="100000"/>
+                <a:shade val="80000"/>
+                <a:satMod val="130000"/>
+              </a:schemeClr>
+            </a:gs>
+            <a:gs pos="100000">
+              <a:schemeClr val="phClr">
+                <a:tint val="100000"/>
+                <a:shade val="48000"/>
+                <a:satMod val="120000"/>
+              </a:schemeClr>
+            </a:gs>
+          </a:gsLst>
+          <a:lin ang="16200000" scaled="0"/>
+        </a:gradFill>
+      </a:bgFillStyleLst>
+    </a:fmtScheme>
+  </a:themeElements>
+  <a:objectDefaults/>
+  <a:extraClrSchemeLst/>
+  <a:extLst>
+    <a:ext uri="{05A4C25C-085E-4340-85A3-A5531E510DB2}">
+      <thm15:themeFamily xmlns:thm15="http://schemas.microsoft.com/office/thememl/2012/main" name="Retrospect" id="{5F128B03-DCCA-4EEB-AB3B-CF2899314A46}" vid="{3F1AAB62-24C6-49D2-8E01-B56FAC9A3DCD}"/>
+    </a:ext>
+  </a:extLst>
+</a:theme>
+</file>
+
+<file path=ppt/theme/theme2.xml><?xml version="1.0" encoding="utf-8"?>
 <a:theme xmlns:a="http://schemas.openxmlformats.org/drawingml/2006/main" name="Office">
   <a:themeElements>
     <a:clrScheme name="Office">

--- a/Docs/Präsentation_Kochbuch.pptx
+++ b/Docs/Präsentation_Kochbuch.pptx
@@ -211,7 +211,7 @@
           <a:p>
             <a:fld id="{D4D9BF5D-8F6E-4990-B8DF-66E92D1AC67B}" type="datetimeFigureOut">
               <a:rPr lang="de-CH" smtClean="0"/>
-              <a:t>31.01.2017</a:t>
+              <a:t>01.02.2017</a:t>
             </a:fld>
             <a:endParaRPr lang="de-CH"/>
           </a:p>
@@ -1705,7 +1705,7 @@
           <a:p>
             <a:fld id="{6799DEA1-B85C-449D-9548-A6B79A35F35F}" type="datetimeFigureOut">
               <a:rPr lang="de-CH" smtClean="0"/>
-              <a:t>31.01.2017</a:t>
+              <a:t>01.02.2017</a:t>
             </a:fld>
             <a:endParaRPr lang="de-CH"/>
           </a:p>
@@ -1913,7 +1913,7 @@
           <a:p>
             <a:fld id="{6799DEA1-B85C-449D-9548-A6B79A35F35F}" type="datetimeFigureOut">
               <a:rPr lang="de-CH" smtClean="0"/>
-              <a:t>31.01.2017</a:t>
+              <a:t>01.02.2017</a:t>
             </a:fld>
             <a:endParaRPr lang="de-CH"/>
           </a:p>
@@ -2169,7 +2169,7 @@
           <a:p>
             <a:fld id="{6799DEA1-B85C-449D-9548-A6B79A35F35F}" type="datetimeFigureOut">
               <a:rPr lang="de-CH" smtClean="0"/>
-              <a:t>31.01.2017</a:t>
+              <a:t>01.02.2017</a:t>
             </a:fld>
             <a:endParaRPr lang="de-CH"/>
           </a:p>
@@ -2343,7 +2343,7 @@
           <a:p>
             <a:fld id="{6799DEA1-B85C-449D-9548-A6B79A35F35F}" type="datetimeFigureOut">
               <a:rPr lang="de-CH" smtClean="0"/>
-              <a:t>31.01.2017</a:t>
+              <a:t>01.02.2017</a:t>
             </a:fld>
             <a:endParaRPr lang="de-CH"/>
           </a:p>
@@ -2686,7 +2686,7 @@
           <a:p>
             <a:fld id="{6799DEA1-B85C-449D-9548-A6B79A35F35F}" type="datetimeFigureOut">
               <a:rPr lang="de-CH" smtClean="0"/>
-              <a:t>31.01.2017</a:t>
+              <a:t>01.02.2017</a:t>
             </a:fld>
             <a:endParaRPr lang="de-CH"/>
           </a:p>
@@ -2961,7 +2961,7 @@
           <a:p>
             <a:fld id="{6799DEA1-B85C-449D-9548-A6B79A35F35F}" type="datetimeFigureOut">
               <a:rPr lang="de-CH" smtClean="0"/>
-              <a:t>31.01.2017</a:t>
+              <a:t>01.02.2017</a:t>
             </a:fld>
             <a:endParaRPr lang="de-CH"/>
           </a:p>
@@ -3340,7 +3340,7 @@
           <a:p>
             <a:fld id="{6799DEA1-B85C-449D-9548-A6B79A35F35F}" type="datetimeFigureOut">
               <a:rPr lang="de-CH" smtClean="0"/>
-              <a:t>31.01.2017</a:t>
+              <a:t>01.02.2017</a:t>
             </a:fld>
             <a:endParaRPr lang="de-CH"/>
           </a:p>
@@ -3458,7 +3458,7 @@
           <a:p>
             <a:fld id="{6799DEA1-B85C-449D-9548-A6B79A35F35F}" type="datetimeFigureOut">
               <a:rPr lang="de-CH" smtClean="0"/>
-              <a:t>31.01.2017</a:t>
+              <a:t>01.02.2017</a:t>
             </a:fld>
             <a:endParaRPr lang="de-CH"/>
           </a:p>
@@ -3629,7 +3629,7 @@
           <a:p>
             <a:fld id="{6799DEA1-B85C-449D-9548-A6B79A35F35F}" type="datetimeFigureOut">
               <a:rPr lang="de-CH" smtClean="0"/>
-              <a:t>31.01.2017</a:t>
+              <a:t>01.02.2017</a:t>
             </a:fld>
             <a:endParaRPr lang="de-CH"/>
           </a:p>
@@ -3983,7 +3983,7 @@
           <a:p>
             <a:fld id="{6799DEA1-B85C-449D-9548-A6B79A35F35F}" type="datetimeFigureOut">
               <a:rPr lang="de-CH" smtClean="0"/>
-              <a:t>31.01.2017</a:t>
+              <a:t>01.02.2017</a:t>
             </a:fld>
             <a:endParaRPr lang="de-CH"/>
           </a:p>
@@ -4365,7 +4365,7 @@
           <a:p>
             <a:fld id="{6799DEA1-B85C-449D-9548-A6B79A35F35F}" type="datetimeFigureOut">
               <a:rPr lang="de-CH" smtClean="0"/>
-              <a:t>31.01.2017</a:t>
+              <a:t>01.02.2017</a:t>
             </a:fld>
             <a:endParaRPr lang="de-CH"/>
           </a:p>
@@ -4652,7 +4652,7 @@
           <a:p>
             <a:fld id="{6799DEA1-B85C-449D-9548-A6B79A35F35F}" type="datetimeFigureOut">
               <a:rPr lang="de-CH" smtClean="0"/>
-              <a:t>31.01.2017</a:t>
+              <a:t>01.02.2017</a:t>
             </a:fld>
             <a:endParaRPr lang="de-CH"/>
           </a:p>
@@ -5369,7 +5369,6 @@
               <a:rPr lang="de-CH" sz="1200" dirty="0"/>
               <a:t>https://developer.xamarin.com/guides/xamarin-forms/controls/layouts/</a:t>
             </a:r>
-            <a:endParaRPr lang="de-CH" sz="1200" dirty="0"/>
           </a:p>
           <a:p>
             <a:pPr>
@@ -5378,7 +5377,7 @@
             </a:pPr>
             <a:r>
               <a:rPr lang="de-CH" dirty="0"/>
-              <a:t> Meist Kombinationen aus diversen Layouts</a:t>
+              <a:t> Oft Kombinationen aus diversen Layouts</a:t>
             </a:r>
             <a:br>
               <a:rPr lang="de-CH" dirty="0"/>
@@ -5600,7 +5599,7 @@
             </a:pPr>
             <a:r>
               <a:rPr lang="de-CH" dirty="0"/>
-              <a:t>Wie stelle ich eine Verbindung vom .</a:t>
+              <a:t> Wie stelle ich eine Verbindung vom .</a:t>
             </a:r>
             <a:r>
               <a:rPr lang="de-CH" dirty="0" err="1"/>
@@ -6017,10 +6016,9 @@
               <a:t>no</a:t>
             </a:r>
             <a:r>
-              <a:rPr lang="de-CH"/>
+              <a:rPr lang="de-CH" dirty="0"/>
               <a:t> ????</a:t>
             </a:r>
-            <a:endParaRPr lang="de-CH" dirty="0"/>
           </a:p>
         </p:txBody>
       </p:sp>
@@ -6226,7 +6224,7 @@
         <p:spPr/>
         <p:txBody>
           <a:bodyPr>
-            <a:normAutofit lnSpcReduction="10000"/>
+            <a:normAutofit fontScale="92500" lnSpcReduction="20000"/>
           </a:bodyPr>
           <a:lstStyle/>
           <a:p>
@@ -6238,7 +6236,19 @@
           <a:p>
             <a:r>
               <a:rPr lang="de-CH" dirty="0"/>
-              <a:t>Ausgangslage (Roman)</a:t>
+              <a:t>Ausgangslage (</a:t>
+            </a:r>
+            <a:r>
+              <a:rPr lang="de-CH" sz="6500" b="1" dirty="0">
+                <a:solidFill>
+                  <a:srgbClr val="FF0000"/>
+                </a:solidFill>
+              </a:rPr>
+              <a:t>Roman</a:t>
+            </a:r>
+            <a:r>
+              <a:rPr lang="de-CH" dirty="0"/>
+              <a:t>)</a:t>
             </a:r>
           </a:p>
           <a:p>
@@ -6634,7 +6644,6 @@
               <a:rPr lang="de-CH" dirty="0"/>
               <a:t> IT Service Engineer FH (Felipe) – Junior Software Engineer Security</a:t>
             </a:r>
-            <a:endParaRPr lang="de-CH" dirty="0"/>
           </a:p>
           <a:p>
             <a:pPr>
@@ -6851,7 +6860,6 @@
               <a:rPr lang="de-CH" dirty="0"/>
               <a:t> Android Emulator</a:t>
             </a:r>
-            <a:endParaRPr lang="de-CH" dirty="0"/>
           </a:p>
           <a:p>
             <a:pPr>

--- a/Docs/Präsentation_Kochbuch.pptx
+++ b/Docs/Präsentation_Kochbuch.pptx
@@ -5,24 +5,27 @@
     <p:sldMasterId id="2147483660" r:id="rId1"/>
   </p:sldMasterIdLst>
   <p:notesMasterIdLst>
-    <p:notesMasterId r:id="rId17"/>
+    <p:notesMasterId r:id="rId20"/>
   </p:notesMasterIdLst>
   <p:sldIdLst>
     <p:sldId id="256" r:id="rId2"/>
     <p:sldId id="257" r:id="rId3"/>
     <p:sldId id="258" r:id="rId4"/>
-    <p:sldId id="259" r:id="rId5"/>
-    <p:sldId id="264" r:id="rId6"/>
-    <p:sldId id="265" r:id="rId7"/>
-    <p:sldId id="260" r:id="rId8"/>
-    <p:sldId id="261" r:id="rId9"/>
-    <p:sldId id="266" r:id="rId10"/>
-    <p:sldId id="268" r:id="rId11"/>
-    <p:sldId id="269" r:id="rId12"/>
-    <p:sldId id="270" r:id="rId13"/>
-    <p:sldId id="271" r:id="rId14"/>
-    <p:sldId id="272" r:id="rId15"/>
-    <p:sldId id="273" r:id="rId16"/>
+    <p:sldId id="275" r:id="rId5"/>
+    <p:sldId id="259" r:id="rId6"/>
+    <p:sldId id="264" r:id="rId7"/>
+    <p:sldId id="265" r:id="rId8"/>
+    <p:sldId id="274" r:id="rId9"/>
+    <p:sldId id="261" r:id="rId10"/>
+    <p:sldId id="266" r:id="rId11"/>
+    <p:sldId id="268" r:id="rId12"/>
+    <p:sldId id="269" r:id="rId13"/>
+    <p:sldId id="270" r:id="rId14"/>
+    <p:sldId id="276" r:id="rId15"/>
+    <p:sldId id="277" r:id="rId16"/>
+    <p:sldId id="271" r:id="rId17"/>
+    <p:sldId id="272" r:id="rId18"/>
+    <p:sldId id="273" r:id="rId19"/>
   </p:sldIdLst>
   <p:sldSz cx="12192000" cy="6858000"/>
   <p:notesSz cx="6858000" cy="9144000"/>
@@ -127,6 +130,18 @@
     </p:ext>
   </p:extLst>
 </p:presentation>
+</file>
+
+<file path=ppt/commentAuthors.xml><?xml version="1.0" encoding="utf-8"?>
+<p:cmAuthorLst xmlns:a="http://schemas.openxmlformats.org/drawingml/2006/main" xmlns:r="http://schemas.openxmlformats.org/officeDocument/2006/relationships" xmlns:p="http://schemas.openxmlformats.org/presentationml/2006/main">
+  <p:cmAuthor id="1" name="Felipe Blanco" initials="FB" lastIdx="1" clrIdx="0">
+    <p:extLst>
+      <p:ext uri="{19B8F6BF-5375-455C-9EA6-DF929625EA0E}">
+        <p15:presenceInfo xmlns:p15="http://schemas.microsoft.com/office/powerpoint/2012/main" userId="ffbefe31c07cabcb" providerId="Windows Live"/>
+      </p:ext>
+    </p:extLst>
+  </p:cmAuthor>
+</p:cmAuthorLst>
 </file>
 
 <file path=ppt/notesMasters/notesMaster1.xml><?xml version="1.0" encoding="utf-8"?>
@@ -523,7 +538,10 @@
           <a:bodyPr/>
           <a:lstStyle/>
           <a:p>
-            <a:endParaRPr lang="de-CH" dirty="0"/>
+            <a:r>
+              <a:rPr lang="de-CH" dirty="0"/>
+              <a:t>Folie nur zur Übersicht, daher ausgeblendet.</a:t>
+            </a:r>
           </a:p>
         </p:txBody>
       </p:sp>
@@ -544,7 +562,7 @@
           <a:p>
             <a:fld id="{C2E70478-8B1B-41E7-96C6-064E91E3539D}" type="slidenum">
               <a:rPr lang="de-CH" smtClean="0"/>
-              <a:t>4</a:t>
+              <a:t>2</a:t>
             </a:fld>
             <a:endParaRPr lang="de-CH"/>
           </a:p>
@@ -553,7 +571,7 @@
     </p:spTree>
     <p:extLst>
       <p:ext uri="{BB962C8B-B14F-4D97-AF65-F5344CB8AC3E}">
-        <p14:creationId xmlns:p14="http://schemas.microsoft.com/office/powerpoint/2010/main" val="3187987584"/>
+        <p14:creationId xmlns:p14="http://schemas.microsoft.com/office/powerpoint/2010/main" val="2273432426"/>
       </p:ext>
     </p:extLst>
   </p:cSld>
@@ -631,7 +649,7 @@
           <a:p>
             <a:fld id="{C2E70478-8B1B-41E7-96C6-064E91E3539D}" type="slidenum">
               <a:rPr lang="de-CH" smtClean="0"/>
-              <a:t>14</a:t>
+              <a:t>16</a:t>
             </a:fld>
             <a:endParaRPr lang="de-CH"/>
           </a:p>
@@ -640,7 +658,7 @@
     </p:spTree>
     <p:extLst>
       <p:ext uri="{BB962C8B-B14F-4D97-AF65-F5344CB8AC3E}">
-        <p14:creationId xmlns:p14="http://schemas.microsoft.com/office/powerpoint/2010/main" val="3249829210"/>
+        <p14:creationId xmlns:p14="http://schemas.microsoft.com/office/powerpoint/2010/main" val="790359931"/>
       </p:ext>
     </p:extLst>
   </p:cSld>
@@ -718,7 +736,94 @@
           <a:p>
             <a:fld id="{C2E70478-8B1B-41E7-96C6-064E91E3539D}" type="slidenum">
               <a:rPr lang="de-CH" smtClean="0"/>
-              <a:t>15</a:t>
+              <a:t>17</a:t>
+            </a:fld>
+            <a:endParaRPr lang="de-CH"/>
+          </a:p>
+        </p:txBody>
+      </p:sp>
+    </p:spTree>
+    <p:extLst>
+      <p:ext uri="{BB962C8B-B14F-4D97-AF65-F5344CB8AC3E}">
+        <p14:creationId xmlns:p14="http://schemas.microsoft.com/office/powerpoint/2010/main" val="3249829210"/>
+      </p:ext>
+    </p:extLst>
+  </p:cSld>
+  <p:clrMapOvr>
+    <a:masterClrMapping/>
+  </p:clrMapOvr>
+</p:notes>
+</file>
+
+<file path=ppt/notesSlides/notesSlide12.xml><?xml version="1.0" encoding="utf-8"?>
+<p:notes xmlns:a="http://schemas.openxmlformats.org/drawingml/2006/main" xmlns:r="http://schemas.openxmlformats.org/officeDocument/2006/relationships" xmlns:p="http://schemas.openxmlformats.org/presentationml/2006/main">
+  <p:cSld>
+    <p:spTree>
+      <p:nvGrpSpPr>
+        <p:cNvPr id="1" name=""/>
+        <p:cNvGrpSpPr/>
+        <p:nvPr/>
+      </p:nvGrpSpPr>
+      <p:grpSpPr>
+        <a:xfrm>
+          <a:off x="0" y="0"/>
+          <a:ext cx="0" cy="0"/>
+          <a:chOff x="0" y="0"/>
+          <a:chExt cx="0" cy="0"/>
+        </a:xfrm>
+      </p:grpSpPr>
+      <p:sp>
+        <p:nvSpPr>
+          <p:cNvPr id="2" name="Folienbildplatzhalter 1"/>
+          <p:cNvSpPr>
+            <a:spLocks noGrp="1" noRot="1" noChangeAspect="1"/>
+          </p:cNvSpPr>
+          <p:nvPr>
+            <p:ph type="sldImg"/>
+          </p:nvPr>
+        </p:nvSpPr>
+        <p:spPr/>
+      </p:sp>
+      <p:sp>
+        <p:nvSpPr>
+          <p:cNvPr id="3" name="Notizenplatzhalter 2"/>
+          <p:cNvSpPr>
+            <a:spLocks noGrp="1"/>
+          </p:cNvSpPr>
+          <p:nvPr>
+            <p:ph type="body" idx="1"/>
+          </p:nvPr>
+        </p:nvSpPr>
+        <p:spPr/>
+        <p:txBody>
+          <a:bodyPr/>
+          <a:lstStyle/>
+          <a:p>
+            <a:r>
+              <a:rPr lang="de-CH" dirty="0"/>
+              <a:t>Erste Schritte: GUI Elemente wie Layout, </a:t>
+            </a:r>
+          </a:p>
+        </p:txBody>
+      </p:sp>
+      <p:sp>
+        <p:nvSpPr>
+          <p:cNvPr id="4" name="Foliennummernplatzhalter 3"/>
+          <p:cNvSpPr>
+            <a:spLocks noGrp="1"/>
+          </p:cNvSpPr>
+          <p:nvPr>
+            <p:ph type="sldNum" sz="quarter" idx="10"/>
+          </p:nvPr>
+        </p:nvSpPr>
+        <p:spPr/>
+        <p:txBody>
+          <a:bodyPr/>
+          <a:lstStyle/>
+          <a:p>
+            <a:fld id="{C2E70478-8B1B-41E7-96C6-064E91E3539D}" type="slidenum">
+              <a:rPr lang="de-CH" smtClean="0"/>
+              <a:t>18</a:t>
             </a:fld>
             <a:endParaRPr lang="de-CH"/>
           </a:p>
@@ -783,23 +888,7 @@
           <a:p>
             <a:r>
               <a:rPr lang="de-CH" dirty="0"/>
-              <a:t>DB </a:t>
-            </a:r>
-            <a:r>
-              <a:rPr lang="de-CH" dirty="0" err="1"/>
-              <a:t>Know</a:t>
-            </a:r>
-            <a:r>
-              <a:rPr lang="de-CH" dirty="0"/>
-              <a:t> </a:t>
-            </a:r>
-            <a:r>
-              <a:rPr lang="de-CH" dirty="0" err="1"/>
-              <a:t>How</a:t>
-            </a:r>
-            <a:r>
-              <a:rPr lang="de-CH" dirty="0"/>
-              <a:t> auch erwähnen</a:t>
+              <a:t>Folie ganz weg und frei erzählen? Oder zumindest Stichworte.</a:t>
             </a:r>
           </a:p>
         </p:txBody>
@@ -830,7 +919,7 @@
     </p:spTree>
     <p:extLst>
       <p:ext uri="{BB962C8B-B14F-4D97-AF65-F5344CB8AC3E}">
-        <p14:creationId xmlns:p14="http://schemas.microsoft.com/office/powerpoint/2010/main" val="3150460737"/>
+        <p14:creationId xmlns:p14="http://schemas.microsoft.com/office/powerpoint/2010/main" val="3187987584"/>
       </p:ext>
     </p:extLst>
   </p:cSld>
@@ -886,37 +975,23 @@
           <a:p>
             <a:r>
               <a:rPr lang="de-CH" dirty="0"/>
-              <a:t>Verbindung DB (</a:t>
+              <a:t>DB </a:t>
             </a:r>
             <a:r>
               <a:rPr lang="de-CH" dirty="0" err="1"/>
-              <a:t>Win</a:t>
+              <a:t>Know</a:t>
             </a:r>
             <a:r>
               <a:rPr lang="de-CH" dirty="0"/>
-              <a:t> Server) mit einer mobile App. Einlesen und Wiedergeben von Daten auf </a:t>
+              <a:t> </a:t>
             </a:r>
             <a:r>
               <a:rPr lang="de-CH" dirty="0" err="1"/>
-              <a:t>Xamarin</a:t>
+              <a:t>How</a:t>
             </a:r>
             <a:r>
               <a:rPr lang="de-CH" dirty="0"/>
-              <a:t>.</a:t>
-            </a:r>
-          </a:p>
-          <a:p>
-            <a:r>
-              <a:rPr lang="de-CH" dirty="0"/>
-              <a:t>Warum </a:t>
-            </a:r>
-            <a:r>
-              <a:rPr lang="de-CH" dirty="0" err="1"/>
-              <a:t>Xamarim</a:t>
-            </a:r>
-            <a:r>
-              <a:rPr lang="de-CH" dirty="0"/>
-              <a:t>? -&gt; Android und C# unterstützt</a:t>
+              <a:t> auch erwähnen</a:t>
             </a:r>
           </a:p>
         </p:txBody>
@@ -947,7 +1022,7 @@
     </p:spTree>
     <p:extLst>
       <p:ext uri="{BB962C8B-B14F-4D97-AF65-F5344CB8AC3E}">
-        <p14:creationId xmlns:p14="http://schemas.microsoft.com/office/powerpoint/2010/main" val="1502907652"/>
+        <p14:creationId xmlns:p14="http://schemas.microsoft.com/office/powerpoint/2010/main" val="3150460737"/>
       </p:ext>
     </p:extLst>
   </p:cSld>
@@ -1003,7 +1078,37 @@
           <a:p>
             <a:r>
               <a:rPr lang="de-CH" dirty="0"/>
-              <a:t>Erste Schritte: GUI Elemente wie Layout, </a:t>
+              <a:t>Verbindung DB (</a:t>
+            </a:r>
+            <a:r>
+              <a:rPr lang="de-CH" dirty="0" err="1"/>
+              <a:t>Win</a:t>
+            </a:r>
+            <a:r>
+              <a:rPr lang="de-CH" dirty="0"/>
+              <a:t> Server) mit einer mobile App. Einlesen und Wiedergeben von Daten auf </a:t>
+            </a:r>
+            <a:r>
+              <a:rPr lang="de-CH" dirty="0" err="1"/>
+              <a:t>Xamarin</a:t>
+            </a:r>
+            <a:r>
+              <a:rPr lang="de-CH" dirty="0"/>
+              <a:t>.</a:t>
+            </a:r>
+          </a:p>
+          <a:p>
+            <a:r>
+              <a:rPr lang="de-CH" dirty="0"/>
+              <a:t>Warum </a:t>
+            </a:r>
+            <a:r>
+              <a:rPr lang="de-CH" dirty="0" err="1"/>
+              <a:t>Xamarim</a:t>
+            </a:r>
+            <a:r>
+              <a:rPr lang="de-CH" dirty="0"/>
+              <a:t>? -&gt; Android und C# unterstützt</a:t>
             </a:r>
           </a:p>
         </p:txBody>
@@ -1025,7 +1130,7 @@
           <a:p>
             <a:fld id="{C2E70478-8B1B-41E7-96C6-064E91E3539D}" type="slidenum">
               <a:rPr lang="de-CH" smtClean="0"/>
-              <a:t>8</a:t>
+              <a:t>7</a:t>
             </a:fld>
             <a:endParaRPr lang="de-CH"/>
           </a:p>
@@ -1034,7 +1139,7 @@
     </p:spTree>
     <p:extLst>
       <p:ext uri="{BB962C8B-B14F-4D97-AF65-F5344CB8AC3E}">
-        <p14:creationId xmlns:p14="http://schemas.microsoft.com/office/powerpoint/2010/main" val="3236046504"/>
+        <p14:creationId xmlns:p14="http://schemas.microsoft.com/office/powerpoint/2010/main" val="1502907652"/>
       </p:ext>
     </p:extLst>
   </p:cSld>
@@ -1121,7 +1226,7 @@
     </p:spTree>
     <p:extLst>
       <p:ext uri="{BB962C8B-B14F-4D97-AF65-F5344CB8AC3E}">
-        <p14:creationId xmlns:p14="http://schemas.microsoft.com/office/powerpoint/2010/main" val="3672304105"/>
+        <p14:creationId xmlns:p14="http://schemas.microsoft.com/office/powerpoint/2010/main" val="3236046504"/>
       </p:ext>
     </p:extLst>
   </p:cSld>
@@ -1208,7 +1313,7 @@
     </p:spTree>
     <p:extLst>
       <p:ext uri="{BB962C8B-B14F-4D97-AF65-F5344CB8AC3E}">
-        <p14:creationId xmlns:p14="http://schemas.microsoft.com/office/powerpoint/2010/main" val="757691452"/>
+        <p14:creationId xmlns:p14="http://schemas.microsoft.com/office/powerpoint/2010/main" val="3672304105"/>
       </p:ext>
     </p:extLst>
   </p:cSld>
@@ -1295,7 +1400,7 @@
     </p:spTree>
     <p:extLst>
       <p:ext uri="{BB962C8B-B14F-4D97-AF65-F5344CB8AC3E}">
-        <p14:creationId xmlns:p14="http://schemas.microsoft.com/office/powerpoint/2010/main" val="659691376"/>
+        <p14:creationId xmlns:p14="http://schemas.microsoft.com/office/powerpoint/2010/main" val="757691452"/>
       </p:ext>
     </p:extLst>
   </p:cSld>
@@ -1382,7 +1487,7 @@
     </p:spTree>
     <p:extLst>
       <p:ext uri="{BB962C8B-B14F-4D97-AF65-F5344CB8AC3E}">
-        <p14:creationId xmlns:p14="http://schemas.microsoft.com/office/powerpoint/2010/main" val="777957648"/>
+        <p14:creationId xmlns:p14="http://schemas.microsoft.com/office/powerpoint/2010/main" val="659691376"/>
       </p:ext>
     </p:extLst>
   </p:cSld>
@@ -1469,7 +1574,7 @@
     </p:spTree>
     <p:extLst>
       <p:ext uri="{BB962C8B-B14F-4D97-AF65-F5344CB8AC3E}">
-        <p14:creationId xmlns:p14="http://schemas.microsoft.com/office/powerpoint/2010/main" val="790359931"/>
+        <p14:creationId xmlns:p14="http://schemas.microsoft.com/office/powerpoint/2010/main" val="777957648"/>
       </p:ext>
     </p:extLst>
   </p:cSld>
@@ -5262,6 +5367,154 @@
           <a:chExt cx="0" cy="0"/>
         </a:xfrm>
       </p:grpSpPr>
+      <p:sp>
+        <p:nvSpPr>
+          <p:cNvPr id="2" name="Titel 1"/>
+          <p:cNvSpPr>
+            <a:spLocks noGrp="1"/>
+          </p:cNvSpPr>
+          <p:nvPr>
+            <p:ph type="title"/>
+          </p:nvPr>
+        </p:nvSpPr>
+        <p:spPr/>
+        <p:txBody>
+          <a:bodyPr/>
+          <a:lstStyle/>
+          <a:p>
+            <a:r>
+              <a:rPr lang="de-CH" dirty="0"/>
+              <a:t>Stolpersteine (Frontend)</a:t>
+            </a:r>
+          </a:p>
+        </p:txBody>
+      </p:sp>
+      <p:sp>
+        <p:nvSpPr>
+          <p:cNvPr id="3" name="Inhaltsplatzhalter 2"/>
+          <p:cNvSpPr>
+            <a:spLocks noGrp="1"/>
+          </p:cNvSpPr>
+          <p:nvPr>
+            <p:ph idx="1"/>
+          </p:nvPr>
+        </p:nvSpPr>
+        <p:spPr/>
+        <p:txBody>
+          <a:bodyPr/>
+          <a:lstStyle/>
+          <a:p>
+            <a:pPr marL="0" indent="0">
+              <a:buNone/>
+            </a:pPr>
+            <a:r>
+              <a:rPr lang="de-CH" sz="2400" b="1" dirty="0"/>
+              <a:t>Layouts</a:t>
+            </a:r>
+          </a:p>
+          <a:p>
+            <a:pPr marL="0" indent="0">
+              <a:buNone/>
+            </a:pPr>
+            <a:r>
+              <a:rPr lang="de-CH" sz="2400" dirty="0"/>
+              <a:t>Wie kann ich Elemente da platzieren, wo ich sie haben will?</a:t>
+            </a:r>
+            <a:br>
+              <a:rPr lang="de-CH" sz="2400" dirty="0"/>
+            </a:br>
+            <a:endParaRPr lang="de-CH" sz="2400" dirty="0"/>
+          </a:p>
+          <a:p>
+            <a:pPr>
+              <a:buFont typeface="Arial" panose="020B0604020202020204" pitchFamily="34" charset="0"/>
+              <a:buChar char="•"/>
+            </a:pPr>
+            <a:r>
+              <a:rPr lang="de-CH" sz="2400" dirty="0"/>
+              <a:t> </a:t>
+            </a:r>
+            <a:r>
+              <a:rPr lang="de-CH" sz="2400" dirty="0" err="1"/>
+              <a:t>Xamarin</a:t>
+            </a:r>
+            <a:r>
+              <a:rPr lang="de-CH" sz="2400" dirty="0"/>
+              <a:t> arbeitet mit vorgefertigten Layouts für verschiedene Zwecke.</a:t>
+            </a:r>
+          </a:p>
+          <a:p>
+            <a:pPr>
+              <a:buFont typeface="Arial" panose="020B0604020202020204" pitchFamily="34" charset="0"/>
+              <a:buChar char="•"/>
+            </a:pPr>
+            <a:r>
+              <a:rPr lang="de-CH" sz="2400" dirty="0"/>
+              <a:t> Welches Layout soll für welchen Screen genommen werden?</a:t>
+            </a:r>
+          </a:p>
+        </p:txBody>
+      </p:sp>
+      <p:pic>
+        <p:nvPicPr>
+          <p:cNvPr id="4" name="Grafik 3"/>
+          <p:cNvPicPr>
+            <a:picLocks noChangeAspect="1"/>
+          </p:cNvPicPr>
+          <p:nvPr/>
+        </p:nvPicPr>
+        <p:blipFill>
+          <a:blip r:embed="rId3">
+            <a:extLst>
+              <a:ext uri="{28A0092B-C50C-407E-A947-70E740481C1C}">
+                <a14:useLocalDpi xmlns:a14="http://schemas.microsoft.com/office/drawing/2010/main" val="0"/>
+              </a:ext>
+            </a:extLst>
+          </a:blip>
+          <a:stretch>
+            <a:fillRect/>
+          </a:stretch>
+        </p:blipFill>
+        <p:spPr>
+          <a:xfrm>
+            <a:off x="1097280" y="4204284"/>
+            <a:ext cx="9663545" cy="1773184"/>
+          </a:xfrm>
+          <a:prstGeom prst="rect">
+            <a:avLst/>
+          </a:prstGeom>
+        </p:spPr>
+      </p:pic>
+    </p:spTree>
+    <p:extLst>
+      <p:ext uri="{BB962C8B-B14F-4D97-AF65-F5344CB8AC3E}">
+        <p14:creationId xmlns:p14="http://schemas.microsoft.com/office/powerpoint/2010/main" val="2492771315"/>
+      </p:ext>
+    </p:extLst>
+  </p:cSld>
+  <p:clrMapOvr>
+    <a:masterClrMapping/>
+  </p:clrMapOvr>
+</p:sld>
+</file>
+
+<file path=ppt/slides/slide11.xml><?xml version="1.0" encoding="utf-8"?>
+<p:sld xmlns:a="http://schemas.openxmlformats.org/drawingml/2006/main" xmlns:r="http://schemas.openxmlformats.org/officeDocument/2006/relationships" xmlns:p="http://schemas.openxmlformats.org/presentationml/2006/main">
+  <p:cSld>
+    <p:spTree>
+      <p:nvGrpSpPr>
+        <p:cNvPr id="1" name=""/>
+        <p:cNvGrpSpPr/>
+        <p:nvPr/>
+      </p:nvGrpSpPr>
+      <p:grpSpPr>
+        <a:xfrm>
+          <a:off x="0" y="0"/>
+          <a:ext cx="0" cy="0"/>
+          <a:chOff x="0" y="0"/>
+          <a:chExt cx="0" cy="0"/>
+        </a:xfrm>
+      </p:grpSpPr>
       <p:pic>
         <p:nvPicPr>
           <p:cNvPr id="8" name="Grafik 7"/>
@@ -5351,11 +5604,11 @@
               <a:t> </a:t>
             </a:r>
             <a:r>
-              <a:rPr lang="de-CH" dirty="0" err="1"/>
+              <a:rPr lang="de-CH" sz="2400" dirty="0" err="1"/>
               <a:t>Xamarin</a:t>
             </a:r>
             <a:r>
-              <a:rPr lang="de-CH" dirty="0"/>
+              <a:rPr lang="de-CH" sz="2400" dirty="0"/>
               <a:t> Forum</a:t>
             </a:r>
             <a:br>
@@ -5377,14 +5630,25 @@
             </a:pPr>
             <a:r>
               <a:rPr lang="de-CH" dirty="0"/>
-              <a:t> Oft Kombinationen aus diversen Layouts</a:t>
+              <a:t> </a:t>
+            </a:r>
+            <a:r>
+              <a:rPr lang="de-CH" sz="2400" dirty="0"/>
+              <a:t>Oft Kombinationen aus diversen </a:t>
             </a:r>
             <a:br>
-              <a:rPr lang="de-CH" dirty="0"/>
+              <a:rPr lang="de-CH" sz="2400" dirty="0"/>
             </a:br>
             <a:r>
-              <a:rPr lang="de-CH" dirty="0"/>
-              <a:t> um ein gewünschtes Verhalten zu erzielen</a:t>
+              <a:rPr lang="de-CH" sz="2400" dirty="0"/>
+              <a:t>Layouts um ein gewünschtes </a:t>
+            </a:r>
+            <a:br>
+              <a:rPr lang="de-CH" sz="2400" dirty="0"/>
+            </a:br>
+            <a:r>
+              <a:rPr lang="de-CH" sz="2400" dirty="0"/>
+              <a:t>Verhalten zu erzielen.</a:t>
             </a:r>
           </a:p>
         </p:txBody>
@@ -5461,7 +5725,7 @@
 </p:sld>
 </file>
 
-<file path=ppt/slides/slide11.xml><?xml version="1.0" encoding="utf-8"?>
+<file path=ppt/slides/slide12.xml><?xml version="1.0" encoding="utf-8"?>
 <p:sld xmlns:a="http://schemas.openxmlformats.org/drawingml/2006/main" xmlns:r="http://schemas.openxmlformats.org/officeDocument/2006/relationships" xmlns:p="http://schemas.openxmlformats.org/presentationml/2006/main">
   <p:cSld>
     <p:spTree>
@@ -5665,7 +5929,7 @@
 </p:sld>
 </file>
 
-<file path=ppt/slides/slide12.xml><?xml version="1.0" encoding="utf-8"?>
+<file path=ppt/slides/slide13.xml><?xml version="1.0" encoding="utf-8"?>
 <p:sld xmlns:a="http://schemas.openxmlformats.org/drawingml/2006/main" xmlns:r="http://schemas.openxmlformats.org/officeDocument/2006/relationships" xmlns:p="http://schemas.openxmlformats.org/presentationml/2006/main">
   <p:cSld>
     <p:spTree>
@@ -5737,17 +6001,24 @@
               <a:buChar char="•"/>
             </a:pPr>
             <a:r>
-              <a:rPr lang="de-CH" dirty="0"/>
-              <a:t> Youtube Tutorials </a:t>
+              <a:rPr lang="de-CH" sz="2400" dirty="0"/>
+              <a:t> </a:t>
+            </a:r>
+            <a:r>
+              <a:rPr lang="de-CH" sz="2400" dirty="0" err="1"/>
+              <a:t>Youtube</a:t>
+            </a:r>
+            <a:r>
+              <a:rPr lang="de-CH" sz="2400" dirty="0"/>
+              <a:t> Tutorials </a:t>
             </a:r>
             <a:br>
-              <a:rPr lang="de-CH" dirty="0"/>
+              <a:rPr lang="de-CH" sz="2400" dirty="0"/>
             </a:br>
             <a:r>
-              <a:rPr lang="de-CH" dirty="0"/>
+              <a:rPr lang="de-CH" sz="2400" dirty="0"/>
               <a:t> (Button &amp; Event Handlers)</a:t>
             </a:r>
-            <a:endParaRPr lang="de-CH" sz="1200" dirty="0"/>
           </a:p>
           <a:p>
             <a:pPr>
@@ -5755,7 +6026,7 @@
               <a:buChar char="•"/>
             </a:pPr>
             <a:r>
-              <a:rPr lang="de-CH" dirty="0"/>
+              <a:rPr lang="de-CH" sz="2400" dirty="0"/>
               <a:t> Button muss immer erst im Layout gefunden und zugewiesen werden </a:t>
             </a:r>
             <a:br>
@@ -5772,14 +6043,14 @@
               <a:buChar char="•"/>
             </a:pPr>
             <a:r>
-              <a:rPr lang="de-CH" dirty="0"/>
+              <a:rPr lang="de-CH" sz="2400" dirty="0"/>
               <a:t> Extreme Vereinfachung von Funktionen durch Lambda-Expression &amp; </a:t>
             </a:r>
             <a:r>
-              <a:rPr lang="de-CH" dirty="0" err="1"/>
+              <a:rPr lang="de-CH" sz="2400" dirty="0" err="1"/>
               <a:t>Delegates</a:t>
             </a:r>
-            <a:endParaRPr lang="de-CH" dirty="0"/>
+            <a:endParaRPr lang="de-CH" sz="2400" dirty="0"/>
           </a:p>
         </p:txBody>
       </p:sp>
@@ -5805,7 +6076,7 @@
         </p:blipFill>
         <p:spPr>
           <a:xfrm>
-            <a:off x="1254745" y="3727850"/>
+            <a:off x="1254745" y="3857414"/>
             <a:ext cx="7016898" cy="259127"/>
           </a:xfrm>
           <a:prstGeom prst="rect">
@@ -5835,7 +6106,7 @@
         </p:blipFill>
         <p:spPr>
           <a:xfrm>
-            <a:off x="1254745" y="4791009"/>
+            <a:off x="1254745" y="4899384"/>
             <a:ext cx="5477243" cy="1078084"/>
           </a:xfrm>
           <a:prstGeom prst="rect">
@@ -5856,7 +6127,7 @@
 </p:sld>
 </file>
 
-<file path=ppt/slides/slide13.xml><?xml version="1.0" encoding="utf-8"?>
+<file path=ppt/slides/slide14.xml><?xml version="1.0" encoding="utf-8"?>
 <p:sld xmlns:a="http://schemas.openxmlformats.org/drawingml/2006/main" xmlns:r="http://schemas.openxmlformats.org/officeDocument/2006/relationships" xmlns:p="http://schemas.openxmlformats.org/presentationml/2006/main">
   <p:cSld>
     <p:spTree>
@@ -5875,7 +6146,7 @@
       </p:grpSpPr>
       <p:sp>
         <p:nvSpPr>
-          <p:cNvPr id="2" name="Titel 1"/>
+          <p:cNvPr id="3" name="Titel 2"/>
           <p:cNvSpPr>
             <a:spLocks noGrp="1"/>
           </p:cNvSpPr>
@@ -5890,14 +6161,14 @@
           <a:p>
             <a:r>
               <a:rPr lang="de-CH" dirty="0"/>
-              <a:t>Schwierigkeiten Allgemein</a:t>
-            </a:r>
-          </a:p>
-        </p:txBody>
-      </p:sp>
-      <p:sp>
-        <p:nvSpPr>
-          <p:cNvPr id="3" name="Inhaltsplatzhalter 2"/>
+              <a:t>Stolpersteine (Backend)</a:t>
+            </a:r>
+          </a:p>
+        </p:txBody>
+      </p:sp>
+      <p:sp>
+        <p:nvSpPr>
+          <p:cNvPr id="4" name="Inhaltsplatzhalter 3"/>
           <p:cNvSpPr>
             <a:spLocks noGrp="1"/>
           </p:cNvSpPr>
@@ -5908,45 +6179,997 @@
         <p:spPr/>
         <p:txBody>
           <a:bodyPr>
-            <a:normAutofit lnSpcReduction="10000"/>
+            <a:normAutofit/>
           </a:bodyPr>
           <a:lstStyle/>
-          <a:p>
-            <a:pPr marL="0" indent="0">
-              <a:buNone/>
-            </a:pPr>
-            <a:r>
-              <a:rPr lang="de-CH" sz="2400" b="1" dirty="0" err="1"/>
-              <a:t>Xamarin</a:t>
-            </a:r>
-            <a:endParaRPr lang="de-CH" sz="2400" b="1" dirty="0"/>
-          </a:p>
           <a:p>
             <a:pPr>
               <a:buFont typeface="Arial" panose="020B0604020202020204" pitchFamily="34" charset="0"/>
               <a:buChar char="•"/>
             </a:pPr>
             <a:r>
-              <a:rPr lang="de-CH" dirty="0"/>
-              <a:t> Sehr viele Abstürze (Wechsel zwischen GUI- &amp; Codeansicht)</a:t>
-            </a:r>
+              <a:rPr lang="de-CH" sz="2800" dirty="0"/>
+              <a:t> Gefahr von SQL-</a:t>
+            </a:r>
+            <a:r>
+              <a:rPr lang="de-CH" sz="2800" dirty="0" err="1"/>
+              <a:t>Injections</a:t>
+            </a:r>
+            <a:endParaRPr lang="de-CH" sz="2800" dirty="0"/>
           </a:p>
           <a:p>
             <a:pPr>
               <a:buFont typeface="Arial" panose="020B0604020202020204" pitchFamily="34" charset="0"/>
               <a:buChar char="•"/>
             </a:pPr>
+            <a:endParaRPr lang="de-CH" sz="2800" dirty="0"/>
+          </a:p>
+          <a:p>
+            <a:pPr marL="0" indent="0">
+              <a:buNone/>
+            </a:pPr>
+            <a:r>
+              <a:rPr lang="de-CH" sz="2800" dirty="0" err="1">
+                <a:solidFill>
+                  <a:schemeClr val="bg2">
+                    <a:lumMod val="50000"/>
+                  </a:schemeClr>
+                </a:solidFill>
+              </a:rPr>
+              <a:t>select</a:t>
+            </a:r>
+            <a:r>
+              <a:rPr lang="de-CH" sz="2800" dirty="0">
+                <a:solidFill>
+                  <a:schemeClr val="bg2">
+                    <a:lumMod val="50000"/>
+                  </a:schemeClr>
+                </a:solidFill>
+              </a:rPr>
+              <a:t> * </a:t>
+            </a:r>
+            <a:r>
+              <a:rPr lang="de-CH" sz="2800" dirty="0" err="1">
+                <a:solidFill>
+                  <a:schemeClr val="bg2">
+                    <a:lumMod val="50000"/>
+                  </a:schemeClr>
+                </a:solidFill>
+              </a:rPr>
+              <a:t>from</a:t>
+            </a:r>
+            <a:r>
+              <a:rPr lang="de-CH" sz="2800" dirty="0">
+                <a:solidFill>
+                  <a:schemeClr val="bg2">
+                    <a:lumMod val="50000"/>
+                  </a:schemeClr>
+                </a:solidFill>
+              </a:rPr>
+              <a:t>  Users </a:t>
+            </a:r>
+            <a:r>
+              <a:rPr lang="de-CH" sz="2800" dirty="0" err="1">
+                <a:solidFill>
+                  <a:schemeClr val="bg2">
+                    <a:lumMod val="50000"/>
+                  </a:schemeClr>
+                </a:solidFill>
+              </a:rPr>
+              <a:t>where</a:t>
+            </a:r>
+            <a:r>
+              <a:rPr lang="de-CH" sz="2800" dirty="0">
+                <a:solidFill>
+                  <a:schemeClr val="bg2">
+                    <a:lumMod val="50000"/>
+                  </a:schemeClr>
+                </a:solidFill>
+              </a:rPr>
+              <a:t> </a:t>
+            </a:r>
+            <a:r>
+              <a:rPr lang="de-CH" sz="2800" dirty="0" err="1">
+                <a:solidFill>
+                  <a:schemeClr val="bg2">
+                    <a:lumMod val="50000"/>
+                  </a:schemeClr>
+                </a:solidFill>
+              </a:rPr>
+              <a:t>user_id</a:t>
+            </a:r>
+            <a:r>
+              <a:rPr lang="de-CH" sz="2800" dirty="0">
+                <a:solidFill>
+                  <a:schemeClr val="bg2">
+                    <a:lumMod val="50000"/>
+                  </a:schemeClr>
+                </a:solidFill>
+              </a:rPr>
+              <a:t>=‘</a:t>
+            </a:r>
+            <a:r>
+              <a:rPr lang="de-CH" sz="2800" dirty="0"/>
+              <a:t>                         </a:t>
+            </a:r>
+            <a:r>
+              <a:rPr lang="de-CH" sz="2800" dirty="0">
+                <a:solidFill>
+                  <a:schemeClr val="bg2">
+                    <a:lumMod val="50000"/>
+                  </a:schemeClr>
+                </a:solidFill>
+              </a:rPr>
+              <a:t>‘</a:t>
+            </a:r>
+          </a:p>
+          <a:p>
+            <a:pPr marL="0" indent="0">
+              <a:buNone/>
+            </a:pPr>
+            <a:r>
+              <a:rPr lang="de-CH" sz="2800" dirty="0" err="1">
+                <a:solidFill>
+                  <a:schemeClr val="bg2">
+                    <a:lumMod val="50000"/>
+                  </a:schemeClr>
+                </a:solidFill>
+              </a:rPr>
+              <a:t>and</a:t>
+            </a:r>
+            <a:r>
+              <a:rPr lang="de-CH" sz="2800" dirty="0">
+                <a:solidFill>
+                  <a:schemeClr val="bg2">
+                    <a:lumMod val="50000"/>
+                  </a:schemeClr>
+                </a:solidFill>
+              </a:rPr>
+              <a:t> </a:t>
+            </a:r>
+            <a:r>
+              <a:rPr lang="de-CH" sz="2800" dirty="0" err="1">
+                <a:solidFill>
+                  <a:schemeClr val="bg2">
+                    <a:lumMod val="50000"/>
+                  </a:schemeClr>
+                </a:solidFill>
+              </a:rPr>
+              <a:t>password</a:t>
+            </a:r>
+            <a:r>
+              <a:rPr lang="de-CH" sz="2800" dirty="0">
+                <a:solidFill>
+                  <a:schemeClr val="bg2">
+                    <a:lumMod val="50000"/>
+                  </a:schemeClr>
+                </a:solidFill>
+              </a:rPr>
+              <a:t> = ‘</a:t>
+            </a:r>
+            <a:r>
+              <a:rPr lang="de-CH" sz="2800" dirty="0"/>
+              <a:t>        </a:t>
+            </a:r>
+            <a:r>
+              <a:rPr lang="de-CH" sz="2800" dirty="0">
+                <a:solidFill>
+                  <a:schemeClr val="bg2">
+                    <a:lumMod val="50000"/>
+                  </a:schemeClr>
+                </a:solidFill>
+              </a:rPr>
+              <a:t>‘</a:t>
+            </a:r>
+          </a:p>
+        </p:txBody>
+      </p:sp>
+      <p:sp>
+        <p:nvSpPr>
+          <p:cNvPr id="2" name="Textfeld 1"/>
+          <p:cNvSpPr txBox="1"/>
+          <p:nvPr/>
+        </p:nvSpPr>
+        <p:spPr>
+          <a:xfrm>
+            <a:off x="6338657" y="2920754"/>
+            <a:ext cx="2627790" cy="523220"/>
+          </a:xfrm>
+          <a:prstGeom prst="rect">
+            <a:avLst/>
+          </a:prstGeom>
+          <a:noFill/>
+        </p:spPr>
+        <p:txBody>
+          <a:bodyPr wrap="square" rtlCol="0">
+            <a:spAutoFit/>
+          </a:bodyPr>
+          <a:lstStyle/>
+          <a:p>
+            <a:r>
+              <a:rPr lang="de-CH" sz="2800" dirty="0">
+                <a:solidFill>
+                  <a:srgbClr val="FF0000"/>
+                </a:solidFill>
+              </a:rPr>
+              <a:t>’ OR 1 = 1; /*</a:t>
+            </a:r>
+          </a:p>
+        </p:txBody>
+      </p:sp>
+      <p:sp>
+        <p:nvSpPr>
+          <p:cNvPr id="5" name="Textfeld 4"/>
+          <p:cNvSpPr txBox="1"/>
+          <p:nvPr/>
+        </p:nvSpPr>
+        <p:spPr>
+          <a:xfrm>
+            <a:off x="3516446" y="3477303"/>
+            <a:ext cx="753714" cy="523220"/>
+          </a:xfrm>
+          <a:prstGeom prst="rect">
+            <a:avLst/>
+          </a:prstGeom>
+          <a:noFill/>
+        </p:spPr>
+        <p:txBody>
+          <a:bodyPr wrap="square" rtlCol="0">
+            <a:spAutoFit/>
+          </a:bodyPr>
+          <a:lstStyle/>
+          <a:p>
+            <a:r>
+              <a:rPr lang="de-CH" sz="2800" dirty="0">
+                <a:solidFill>
+                  <a:srgbClr val="FF0000"/>
+                </a:solidFill>
+              </a:rPr>
+              <a:t>*/--</a:t>
+            </a:r>
+          </a:p>
+        </p:txBody>
+      </p:sp>
+      <p:sp>
+        <p:nvSpPr>
+          <p:cNvPr id="6" name="Textfeld 5"/>
+          <p:cNvSpPr txBox="1"/>
+          <p:nvPr/>
+        </p:nvSpPr>
+        <p:spPr>
+          <a:xfrm>
+            <a:off x="1003177" y="2936024"/>
+            <a:ext cx="7639592" cy="1069524"/>
+          </a:xfrm>
+          <a:prstGeom prst="rect">
+            <a:avLst/>
+          </a:prstGeom>
+          <a:noFill/>
+        </p:spPr>
+        <p:txBody>
+          <a:bodyPr wrap="none" rtlCol="0">
+            <a:spAutoFit/>
+          </a:bodyPr>
+          <a:lstStyle/>
+          <a:p>
+            <a:r>
+              <a:rPr lang="de-CH" sz="2800" dirty="0" err="1">
+                <a:solidFill>
+                  <a:schemeClr val="bg2">
+                    <a:lumMod val="50000"/>
+                  </a:schemeClr>
+                </a:solidFill>
+              </a:rPr>
+              <a:t>select</a:t>
+            </a:r>
+            <a:r>
+              <a:rPr lang="de-CH" sz="2800" dirty="0">
+                <a:solidFill>
+                  <a:schemeClr val="bg2">
+                    <a:lumMod val="50000"/>
+                  </a:schemeClr>
+                </a:solidFill>
+              </a:rPr>
+              <a:t> * </a:t>
+            </a:r>
+            <a:r>
+              <a:rPr lang="de-CH" sz="2800" dirty="0" err="1">
+                <a:solidFill>
+                  <a:schemeClr val="bg2">
+                    <a:lumMod val="50000"/>
+                  </a:schemeClr>
+                </a:solidFill>
+              </a:rPr>
+              <a:t>from</a:t>
+            </a:r>
+            <a:r>
+              <a:rPr lang="de-CH" sz="2800" dirty="0">
+                <a:solidFill>
+                  <a:schemeClr val="bg2">
+                    <a:lumMod val="50000"/>
+                  </a:schemeClr>
+                </a:solidFill>
+              </a:rPr>
+              <a:t>  Users </a:t>
+            </a:r>
+            <a:r>
+              <a:rPr lang="de-CH" sz="2800" dirty="0" err="1">
+                <a:solidFill>
+                  <a:schemeClr val="bg2">
+                    <a:lumMod val="50000"/>
+                  </a:schemeClr>
+                </a:solidFill>
+              </a:rPr>
+              <a:t>where</a:t>
+            </a:r>
+            <a:r>
+              <a:rPr lang="de-CH" sz="2800" dirty="0">
+                <a:solidFill>
+                  <a:schemeClr val="bg2">
+                    <a:lumMod val="50000"/>
+                  </a:schemeClr>
+                </a:solidFill>
+              </a:rPr>
+              <a:t> </a:t>
+            </a:r>
+            <a:r>
+              <a:rPr lang="de-CH" sz="2800" dirty="0" err="1">
+                <a:solidFill>
+                  <a:schemeClr val="bg2">
+                    <a:lumMod val="50000"/>
+                  </a:schemeClr>
+                </a:solidFill>
+              </a:rPr>
+              <a:t>user_id</a:t>
+            </a:r>
+            <a:r>
+              <a:rPr lang="de-CH" sz="2800" dirty="0">
+                <a:solidFill>
+                  <a:schemeClr val="bg2">
+                    <a:lumMod val="50000"/>
+                  </a:schemeClr>
+                </a:solidFill>
+              </a:rPr>
+              <a:t>=‘ ’ OR 1 = 1; </a:t>
+            </a:r>
+            <a:r>
+              <a:rPr lang="de-CH" sz="2800" dirty="0">
+                <a:solidFill>
+                  <a:srgbClr val="007434"/>
+                </a:solidFill>
+              </a:rPr>
+              <a:t>/* ‘</a:t>
+            </a:r>
+          </a:p>
+          <a:p>
+            <a:pPr>
+              <a:spcBef>
+                <a:spcPts val="900"/>
+              </a:spcBef>
+            </a:pPr>
+            <a:r>
+              <a:rPr lang="de-CH" sz="2800" dirty="0" err="1">
+                <a:solidFill>
+                  <a:srgbClr val="007434"/>
+                </a:solidFill>
+              </a:rPr>
+              <a:t>and</a:t>
+            </a:r>
+            <a:r>
+              <a:rPr lang="de-CH" sz="2800" dirty="0">
+                <a:solidFill>
+                  <a:srgbClr val="007434"/>
+                </a:solidFill>
+              </a:rPr>
+              <a:t> </a:t>
+            </a:r>
+            <a:r>
+              <a:rPr lang="de-CH" sz="2800" dirty="0" err="1">
+                <a:solidFill>
+                  <a:srgbClr val="007434"/>
+                </a:solidFill>
+              </a:rPr>
+              <a:t>password</a:t>
+            </a:r>
+            <a:r>
+              <a:rPr lang="de-CH" sz="2800" dirty="0">
+                <a:solidFill>
+                  <a:srgbClr val="007434"/>
+                </a:solidFill>
+              </a:rPr>
+              <a:t> = ‘ */-- </a:t>
+            </a:r>
+            <a:r>
+              <a:rPr lang="de-CH" sz="2800" dirty="0">
+                <a:solidFill>
+                  <a:schemeClr val="bg2">
+                    <a:lumMod val="50000"/>
+                  </a:schemeClr>
+                </a:solidFill>
+              </a:rPr>
+              <a:t>’</a:t>
+            </a:r>
+          </a:p>
+        </p:txBody>
+      </p:sp>
+      <p:pic>
+        <p:nvPicPr>
+          <p:cNvPr id="8" name="Grafik 7"/>
+          <p:cNvPicPr>
+            <a:picLocks noChangeAspect="1"/>
+          </p:cNvPicPr>
+          <p:nvPr/>
+        </p:nvPicPr>
+        <p:blipFill>
+          <a:blip r:embed="rId2"/>
+          <a:stretch>
+            <a:fillRect/>
+          </a:stretch>
+        </p:blipFill>
+        <p:spPr>
+          <a:xfrm>
+            <a:off x="7219729" y="4534265"/>
+            <a:ext cx="3935951" cy="1250832"/>
+          </a:xfrm>
+          <a:prstGeom prst="rect">
+            <a:avLst/>
+          </a:prstGeom>
+        </p:spPr>
+      </p:pic>
+      <p:sp>
+        <p:nvSpPr>
+          <p:cNvPr id="9" name="Textfeld 8"/>
+          <p:cNvSpPr txBox="1"/>
+          <p:nvPr/>
+        </p:nvSpPr>
+        <p:spPr>
+          <a:xfrm>
+            <a:off x="8518481" y="4702974"/>
+            <a:ext cx="1401346" cy="369332"/>
+          </a:xfrm>
+          <a:prstGeom prst="rect">
+            <a:avLst/>
+          </a:prstGeom>
+          <a:noFill/>
+        </p:spPr>
+        <p:txBody>
+          <a:bodyPr wrap="none" rtlCol="0">
+            <a:spAutoFit/>
+          </a:bodyPr>
+          <a:lstStyle/>
+          <a:p>
+            <a:r>
+              <a:rPr lang="de-CH" dirty="0">
+                <a:solidFill>
+                  <a:srgbClr val="FF0000"/>
+                </a:solidFill>
+              </a:rPr>
+              <a:t>‘ OR 1 = 1; /*</a:t>
+            </a:r>
+          </a:p>
+        </p:txBody>
+      </p:sp>
+      <p:sp>
+        <p:nvSpPr>
+          <p:cNvPr id="10" name="Textfeld 9"/>
+          <p:cNvSpPr txBox="1"/>
+          <p:nvPr/>
+        </p:nvSpPr>
+        <p:spPr>
+          <a:xfrm>
+            <a:off x="8518481" y="5241015"/>
+            <a:ext cx="530915" cy="369332"/>
+          </a:xfrm>
+          <a:prstGeom prst="rect">
+            <a:avLst/>
+          </a:prstGeom>
+          <a:noFill/>
+        </p:spPr>
+        <p:txBody>
+          <a:bodyPr wrap="none" rtlCol="0">
+            <a:spAutoFit/>
+          </a:bodyPr>
+          <a:lstStyle/>
+          <a:p>
+            <a:r>
+              <a:rPr lang="de-CH" dirty="0">
+                <a:solidFill>
+                  <a:srgbClr val="FF0000"/>
+                </a:solidFill>
+              </a:rPr>
+              <a:t>*/--</a:t>
+            </a:r>
+          </a:p>
+        </p:txBody>
+      </p:sp>
+    </p:spTree>
+    <p:extLst>
+      <p:ext uri="{BB962C8B-B14F-4D97-AF65-F5344CB8AC3E}">
+        <p14:creationId xmlns:p14="http://schemas.microsoft.com/office/powerpoint/2010/main" val="859813648"/>
+      </p:ext>
+    </p:extLst>
+  </p:cSld>
+  <p:clrMapOvr>
+    <a:masterClrMapping/>
+  </p:clrMapOvr>
+  <p:timing>
+    <p:tnLst>
+      <p:par>
+        <p:cTn id="1" dur="indefinite" restart="never" nodeType="tmRoot">
+          <p:childTnLst>
+            <p:seq concurrent="1" nextAc="seek">
+              <p:cTn id="2" dur="indefinite" nodeType="mainSeq">
+                <p:childTnLst>
+                  <p:par>
+                    <p:cTn id="3" fill="hold">
+                      <p:stCondLst>
+                        <p:cond delay="indefinite"/>
+                      </p:stCondLst>
+                      <p:childTnLst>
+                        <p:par>
+                          <p:cTn id="4" fill="hold">
+                            <p:stCondLst>
+                              <p:cond delay="0"/>
+                            </p:stCondLst>
+                            <p:childTnLst>
+                              <p:par>
+                                <p:cTn id="5" presetID="2" presetClass="entr" presetSubtype="4" fill="hold" grpId="0" nodeType="clickEffect">
+                                  <p:stCondLst>
+                                    <p:cond delay="0"/>
+                                  </p:stCondLst>
+                                  <p:childTnLst>
+                                    <p:set>
+                                      <p:cBhvr>
+                                        <p:cTn id="6" dur="1" fill="hold">
+                                          <p:stCondLst>
+                                            <p:cond delay="0"/>
+                                          </p:stCondLst>
+                                        </p:cTn>
+                                        <p:tgtEl>
+                                          <p:spTgt spid="2"/>
+                                        </p:tgtEl>
+                                        <p:attrNameLst>
+                                          <p:attrName>style.visibility</p:attrName>
+                                        </p:attrNameLst>
+                                      </p:cBhvr>
+                                      <p:to>
+                                        <p:strVal val="visible"/>
+                                      </p:to>
+                                    </p:set>
+                                    <p:anim calcmode="lin" valueType="num">
+                                      <p:cBhvr additive="base">
+                                        <p:cTn id="7" dur="500" fill="hold"/>
+                                        <p:tgtEl>
+                                          <p:spTgt spid="2"/>
+                                        </p:tgtEl>
+                                        <p:attrNameLst>
+                                          <p:attrName>ppt_x</p:attrName>
+                                        </p:attrNameLst>
+                                      </p:cBhvr>
+                                      <p:tavLst>
+                                        <p:tav tm="0">
+                                          <p:val>
+                                            <p:strVal val="#ppt_x"/>
+                                          </p:val>
+                                        </p:tav>
+                                        <p:tav tm="100000">
+                                          <p:val>
+                                            <p:strVal val="#ppt_x"/>
+                                          </p:val>
+                                        </p:tav>
+                                      </p:tavLst>
+                                    </p:anim>
+                                    <p:anim calcmode="lin" valueType="num">
+                                      <p:cBhvr additive="base">
+                                        <p:cTn id="8" dur="500" fill="hold"/>
+                                        <p:tgtEl>
+                                          <p:spTgt spid="2"/>
+                                        </p:tgtEl>
+                                        <p:attrNameLst>
+                                          <p:attrName>ppt_y</p:attrName>
+                                        </p:attrNameLst>
+                                      </p:cBhvr>
+                                      <p:tavLst>
+                                        <p:tav tm="0">
+                                          <p:val>
+                                            <p:strVal val="1+#ppt_h/2"/>
+                                          </p:val>
+                                        </p:tav>
+                                        <p:tav tm="100000">
+                                          <p:val>
+                                            <p:strVal val="#ppt_y"/>
+                                          </p:val>
+                                        </p:tav>
+                                      </p:tavLst>
+                                    </p:anim>
+                                  </p:childTnLst>
+                                </p:cTn>
+                              </p:par>
+                              <p:par>
+                                <p:cTn id="9" presetID="1" presetClass="entr" presetSubtype="0" fill="hold" grpId="0" nodeType="withEffect">
+                                  <p:stCondLst>
+                                    <p:cond delay="0"/>
+                                  </p:stCondLst>
+                                  <p:childTnLst>
+                                    <p:set>
+                                      <p:cBhvr>
+                                        <p:cTn id="10" dur="1" fill="hold">
+                                          <p:stCondLst>
+                                            <p:cond delay="0"/>
+                                          </p:stCondLst>
+                                        </p:cTn>
+                                        <p:tgtEl>
+                                          <p:spTgt spid="10"/>
+                                        </p:tgtEl>
+                                        <p:attrNameLst>
+                                          <p:attrName>style.visibility</p:attrName>
+                                        </p:attrNameLst>
+                                      </p:cBhvr>
+                                      <p:to>
+                                        <p:strVal val="visible"/>
+                                      </p:to>
+                                    </p:set>
+                                  </p:childTnLst>
+                                </p:cTn>
+                              </p:par>
+                              <p:par>
+                                <p:cTn id="11" presetID="1" presetClass="entr" presetSubtype="0" fill="hold" grpId="0" nodeType="withEffect">
+                                  <p:stCondLst>
+                                    <p:cond delay="0"/>
+                                  </p:stCondLst>
+                                  <p:childTnLst>
+                                    <p:set>
+                                      <p:cBhvr>
+                                        <p:cTn id="12" dur="1" fill="hold">
+                                          <p:stCondLst>
+                                            <p:cond delay="0"/>
+                                          </p:stCondLst>
+                                        </p:cTn>
+                                        <p:tgtEl>
+                                          <p:spTgt spid="9"/>
+                                        </p:tgtEl>
+                                        <p:attrNameLst>
+                                          <p:attrName>style.visibility</p:attrName>
+                                        </p:attrNameLst>
+                                      </p:cBhvr>
+                                      <p:to>
+                                        <p:strVal val="visible"/>
+                                      </p:to>
+                                    </p:set>
+                                  </p:childTnLst>
+                                </p:cTn>
+                              </p:par>
+                              <p:par>
+                                <p:cTn id="13" presetID="2" presetClass="entr" presetSubtype="4" fill="hold" grpId="0" nodeType="withEffect">
+                                  <p:stCondLst>
+                                    <p:cond delay="0"/>
+                                  </p:stCondLst>
+                                  <p:childTnLst>
+                                    <p:set>
+                                      <p:cBhvr>
+                                        <p:cTn id="14" dur="1" fill="hold">
+                                          <p:stCondLst>
+                                            <p:cond delay="0"/>
+                                          </p:stCondLst>
+                                        </p:cTn>
+                                        <p:tgtEl>
+                                          <p:spTgt spid="5"/>
+                                        </p:tgtEl>
+                                        <p:attrNameLst>
+                                          <p:attrName>style.visibility</p:attrName>
+                                        </p:attrNameLst>
+                                      </p:cBhvr>
+                                      <p:to>
+                                        <p:strVal val="visible"/>
+                                      </p:to>
+                                    </p:set>
+                                    <p:anim calcmode="lin" valueType="num">
+                                      <p:cBhvr additive="base">
+                                        <p:cTn id="15" dur="500" fill="hold"/>
+                                        <p:tgtEl>
+                                          <p:spTgt spid="5"/>
+                                        </p:tgtEl>
+                                        <p:attrNameLst>
+                                          <p:attrName>ppt_x</p:attrName>
+                                        </p:attrNameLst>
+                                      </p:cBhvr>
+                                      <p:tavLst>
+                                        <p:tav tm="0">
+                                          <p:val>
+                                            <p:strVal val="#ppt_x"/>
+                                          </p:val>
+                                        </p:tav>
+                                        <p:tav tm="100000">
+                                          <p:val>
+                                            <p:strVal val="#ppt_x"/>
+                                          </p:val>
+                                        </p:tav>
+                                      </p:tavLst>
+                                    </p:anim>
+                                    <p:anim calcmode="lin" valueType="num">
+                                      <p:cBhvr additive="base">
+                                        <p:cTn id="16" dur="500" fill="hold"/>
+                                        <p:tgtEl>
+                                          <p:spTgt spid="5"/>
+                                        </p:tgtEl>
+                                        <p:attrNameLst>
+                                          <p:attrName>ppt_y</p:attrName>
+                                        </p:attrNameLst>
+                                      </p:cBhvr>
+                                      <p:tavLst>
+                                        <p:tav tm="0">
+                                          <p:val>
+                                            <p:strVal val="1+#ppt_h/2"/>
+                                          </p:val>
+                                        </p:tav>
+                                        <p:tav tm="100000">
+                                          <p:val>
+                                            <p:strVal val="#ppt_y"/>
+                                          </p:val>
+                                        </p:tav>
+                                      </p:tavLst>
+                                    </p:anim>
+                                  </p:childTnLst>
+                                </p:cTn>
+                              </p:par>
+                            </p:childTnLst>
+                          </p:cTn>
+                        </p:par>
+                      </p:childTnLst>
+                    </p:cTn>
+                  </p:par>
+                  <p:par>
+                    <p:cTn id="17" fill="hold">
+                      <p:stCondLst>
+                        <p:cond delay="indefinite"/>
+                      </p:stCondLst>
+                      <p:childTnLst>
+                        <p:par>
+                          <p:cTn id="18" fill="hold">
+                            <p:stCondLst>
+                              <p:cond delay="0"/>
+                            </p:stCondLst>
+                            <p:childTnLst>
+                              <p:par>
+                                <p:cTn id="19" presetID="1" presetClass="exit" presetSubtype="0" fill="hold" nodeType="clickEffect">
+                                  <p:stCondLst>
+                                    <p:cond delay="0"/>
+                                  </p:stCondLst>
+                                  <p:childTnLst>
+                                    <p:set>
+                                      <p:cBhvr>
+                                        <p:cTn id="20" dur="1" fill="hold">
+                                          <p:stCondLst>
+                                            <p:cond delay="0"/>
+                                          </p:stCondLst>
+                                        </p:cTn>
+                                        <p:tgtEl>
+                                          <p:spTgt spid="4">
+                                            <p:txEl>
+                                              <p:pRg st="2" end="2"/>
+                                            </p:txEl>
+                                          </p:spTgt>
+                                        </p:tgtEl>
+                                        <p:attrNameLst>
+                                          <p:attrName>style.visibility</p:attrName>
+                                        </p:attrNameLst>
+                                      </p:cBhvr>
+                                      <p:to>
+                                        <p:strVal val="hidden"/>
+                                      </p:to>
+                                    </p:set>
+                                  </p:childTnLst>
+                                </p:cTn>
+                              </p:par>
+                              <p:par>
+                                <p:cTn id="21" presetID="1" presetClass="exit" presetSubtype="0" fill="hold" nodeType="withEffect">
+                                  <p:stCondLst>
+                                    <p:cond delay="0"/>
+                                  </p:stCondLst>
+                                  <p:childTnLst>
+                                    <p:set>
+                                      <p:cBhvr>
+                                        <p:cTn id="22" dur="1" fill="hold">
+                                          <p:stCondLst>
+                                            <p:cond delay="0"/>
+                                          </p:stCondLst>
+                                        </p:cTn>
+                                        <p:tgtEl>
+                                          <p:spTgt spid="4">
+                                            <p:txEl>
+                                              <p:pRg st="3" end="3"/>
+                                            </p:txEl>
+                                          </p:spTgt>
+                                        </p:tgtEl>
+                                        <p:attrNameLst>
+                                          <p:attrName>style.visibility</p:attrName>
+                                        </p:attrNameLst>
+                                      </p:cBhvr>
+                                      <p:to>
+                                        <p:strVal val="hidden"/>
+                                      </p:to>
+                                    </p:set>
+                                  </p:childTnLst>
+                                </p:cTn>
+                              </p:par>
+                              <p:par>
+                                <p:cTn id="23" presetID="1" presetClass="entr" presetSubtype="0" fill="hold" grpId="0" nodeType="withEffect">
+                                  <p:stCondLst>
+                                    <p:cond delay="0"/>
+                                  </p:stCondLst>
+                                  <p:childTnLst>
+                                    <p:set>
+                                      <p:cBhvr>
+                                        <p:cTn id="24" dur="1" fill="hold">
+                                          <p:stCondLst>
+                                            <p:cond delay="0"/>
+                                          </p:stCondLst>
+                                        </p:cTn>
+                                        <p:tgtEl>
+                                          <p:spTgt spid="6"/>
+                                        </p:tgtEl>
+                                        <p:attrNameLst>
+                                          <p:attrName>style.visibility</p:attrName>
+                                        </p:attrNameLst>
+                                      </p:cBhvr>
+                                      <p:to>
+                                        <p:strVal val="visible"/>
+                                      </p:to>
+                                    </p:set>
+                                  </p:childTnLst>
+                                </p:cTn>
+                              </p:par>
+                              <p:par>
+                                <p:cTn id="25" presetID="1" presetClass="exit" presetSubtype="0" fill="hold" grpId="1" nodeType="withEffect">
+                                  <p:stCondLst>
+                                    <p:cond delay="0"/>
+                                  </p:stCondLst>
+                                  <p:childTnLst>
+                                    <p:set>
+                                      <p:cBhvr>
+                                        <p:cTn id="26" dur="1" fill="hold">
+                                          <p:stCondLst>
+                                            <p:cond delay="0"/>
+                                          </p:stCondLst>
+                                        </p:cTn>
+                                        <p:tgtEl>
+                                          <p:spTgt spid="2"/>
+                                        </p:tgtEl>
+                                        <p:attrNameLst>
+                                          <p:attrName>style.visibility</p:attrName>
+                                        </p:attrNameLst>
+                                      </p:cBhvr>
+                                      <p:to>
+                                        <p:strVal val="hidden"/>
+                                      </p:to>
+                                    </p:set>
+                                  </p:childTnLst>
+                                </p:cTn>
+                              </p:par>
+                              <p:par>
+                                <p:cTn id="27" presetID="1" presetClass="exit" presetSubtype="0" fill="hold" grpId="1" nodeType="withEffect">
+                                  <p:stCondLst>
+                                    <p:cond delay="0"/>
+                                  </p:stCondLst>
+                                  <p:childTnLst>
+                                    <p:set>
+                                      <p:cBhvr>
+                                        <p:cTn id="28" dur="1" fill="hold">
+                                          <p:stCondLst>
+                                            <p:cond delay="0"/>
+                                          </p:stCondLst>
+                                        </p:cTn>
+                                        <p:tgtEl>
+                                          <p:spTgt spid="5"/>
+                                        </p:tgtEl>
+                                        <p:attrNameLst>
+                                          <p:attrName>style.visibility</p:attrName>
+                                        </p:attrNameLst>
+                                      </p:cBhvr>
+                                      <p:to>
+                                        <p:strVal val="hidden"/>
+                                      </p:to>
+                                    </p:set>
+                                  </p:childTnLst>
+                                </p:cTn>
+                              </p:par>
+                            </p:childTnLst>
+                          </p:cTn>
+                        </p:par>
+                      </p:childTnLst>
+                    </p:cTn>
+                  </p:par>
+                </p:childTnLst>
+              </p:cTn>
+              <p:prevCondLst>
+                <p:cond evt="onPrev" delay="0">
+                  <p:tgtEl>
+                    <p:sldTgt/>
+                  </p:tgtEl>
+                </p:cond>
+              </p:prevCondLst>
+              <p:nextCondLst>
+                <p:cond evt="onNext" delay="0">
+                  <p:tgtEl>
+                    <p:sldTgt/>
+                  </p:tgtEl>
+                </p:cond>
+              </p:nextCondLst>
+            </p:seq>
+          </p:childTnLst>
+        </p:cTn>
+      </p:par>
+    </p:tnLst>
+    <p:bldLst>
+      <p:bldP spid="2" grpId="0"/>
+      <p:bldP spid="2" grpId="1"/>
+      <p:bldP spid="5" grpId="0"/>
+      <p:bldP spid="5" grpId="1"/>
+      <p:bldP spid="6" grpId="0"/>
+      <p:bldP spid="9" grpId="0"/>
+      <p:bldP spid="10" grpId="0"/>
+    </p:bldLst>
+  </p:timing>
+</p:sld>
+</file>
+
+<file path=ppt/slides/slide15.xml><?xml version="1.0" encoding="utf-8"?>
+<p:sld xmlns:a="http://schemas.openxmlformats.org/drawingml/2006/main" xmlns:r="http://schemas.openxmlformats.org/officeDocument/2006/relationships" xmlns:p="http://schemas.openxmlformats.org/presentationml/2006/main">
+  <p:cSld>
+    <p:spTree>
+      <p:nvGrpSpPr>
+        <p:cNvPr id="1" name=""/>
+        <p:cNvGrpSpPr/>
+        <p:nvPr/>
+      </p:nvGrpSpPr>
+      <p:grpSpPr>
+        <a:xfrm>
+          <a:off x="0" y="0"/>
+          <a:ext cx="0" cy="0"/>
+          <a:chOff x="0" y="0"/>
+          <a:chExt cx="0" cy="0"/>
+        </a:xfrm>
+      </p:grpSpPr>
+      <p:sp>
+        <p:nvSpPr>
+          <p:cNvPr id="2" name="Titel 1"/>
+          <p:cNvSpPr>
+            <a:spLocks noGrp="1"/>
+          </p:cNvSpPr>
+          <p:nvPr>
+            <p:ph type="title"/>
+          </p:nvPr>
+        </p:nvSpPr>
+        <p:spPr/>
+        <p:txBody>
+          <a:bodyPr/>
+          <a:lstStyle/>
+          <a:p>
             <a:r>
               <a:rPr lang="de-CH" dirty="0"/>
-              <a:t> Relativ junge Umgebung, daher noch wenig Backend Automation (stimmt das so </a:t>
-            </a:r>
-            <a:r>
-              <a:rPr lang="de-CH" dirty="0" err="1"/>
-              <a:t>pedro</a:t>
-            </a:r>
-            <a:r>
-              <a:rPr lang="de-CH" dirty="0"/>
-              <a:t>?)</a:t>
+              <a:t>Stolpersteine (Backend)</a:t>
+            </a:r>
+          </a:p>
+        </p:txBody>
+      </p:sp>
+      <p:sp>
+        <p:nvSpPr>
+          <p:cNvPr id="3" name="Inhaltsplatzhalter 2"/>
+          <p:cNvSpPr>
+            <a:spLocks noGrp="1"/>
+          </p:cNvSpPr>
+          <p:nvPr>
+            <p:ph idx="1"/>
+          </p:nvPr>
+        </p:nvSpPr>
+        <p:spPr/>
+        <p:txBody>
+          <a:bodyPr/>
+          <a:lstStyle/>
+          <a:p>
+            <a:r>
+              <a:rPr lang="de-CH" sz="2400" b="1" dirty="0"/>
+              <a:t>Lösung</a:t>
             </a:r>
           </a:p>
           <a:p>
@@ -5955,8 +7178,179 @@
               <a:buChar char="•"/>
             </a:pPr>
             <a:r>
+              <a:rPr lang="de-CH" sz="2800" dirty="0"/>
+              <a:t> </a:t>
+            </a:r>
+            <a:r>
+              <a:rPr lang="de-CH" sz="2800" dirty="0" err="1"/>
+              <a:t>Prepared</a:t>
+            </a:r>
+            <a:r>
+              <a:rPr lang="de-CH" sz="2800" dirty="0"/>
+              <a:t> Statements</a:t>
+            </a:r>
+          </a:p>
+          <a:p>
+            <a:pPr marL="0" indent="0">
+              <a:buNone/>
+            </a:pPr>
+            <a:endParaRPr lang="de-CH" sz="2800" dirty="0"/>
+          </a:p>
+        </p:txBody>
+      </p:sp>
+      <p:pic>
+        <p:nvPicPr>
+          <p:cNvPr id="4" name="Grafik 3"/>
+          <p:cNvPicPr>
+            <a:picLocks noChangeAspect="1"/>
+          </p:cNvPicPr>
+          <p:nvPr/>
+        </p:nvPicPr>
+        <p:blipFill rotWithShape="1">
+          <a:blip r:embed="rId2"/>
+          <a:srcRect t="3381"/>
+          <a:stretch/>
+        </p:blipFill>
+        <p:spPr>
+          <a:xfrm>
+            <a:off x="4633191" y="2499389"/>
+            <a:ext cx="6324600" cy="763846"/>
+          </a:xfrm>
+          <a:prstGeom prst="rect">
+            <a:avLst/>
+          </a:prstGeom>
+        </p:spPr>
+      </p:pic>
+      <p:pic>
+        <p:nvPicPr>
+          <p:cNvPr id="5" name="Grafik 4"/>
+          <p:cNvPicPr>
+            <a:picLocks noChangeAspect="1"/>
+          </p:cNvPicPr>
+          <p:nvPr/>
+        </p:nvPicPr>
+        <p:blipFill>
+          <a:blip r:embed="rId3"/>
+          <a:stretch>
+            <a:fillRect/>
+          </a:stretch>
+        </p:blipFill>
+        <p:spPr>
+          <a:xfrm>
+            <a:off x="3556001" y="3502895"/>
+            <a:ext cx="7401790" cy="2607062"/>
+          </a:xfrm>
+          <a:prstGeom prst="rect">
+            <a:avLst/>
+          </a:prstGeom>
+        </p:spPr>
+      </p:pic>
+    </p:spTree>
+    <p:extLst>
+      <p:ext uri="{BB962C8B-B14F-4D97-AF65-F5344CB8AC3E}">
+        <p14:creationId xmlns:p14="http://schemas.microsoft.com/office/powerpoint/2010/main" val="196856176"/>
+      </p:ext>
+    </p:extLst>
+  </p:cSld>
+  <p:clrMapOvr>
+    <a:masterClrMapping/>
+  </p:clrMapOvr>
+</p:sld>
+</file>
+
+<file path=ppt/slides/slide16.xml><?xml version="1.0" encoding="utf-8"?>
+<p:sld xmlns:a="http://schemas.openxmlformats.org/drawingml/2006/main" xmlns:r="http://schemas.openxmlformats.org/officeDocument/2006/relationships" xmlns:p="http://schemas.openxmlformats.org/presentationml/2006/main">
+  <p:cSld>
+    <p:spTree>
+      <p:nvGrpSpPr>
+        <p:cNvPr id="1" name=""/>
+        <p:cNvGrpSpPr/>
+        <p:nvPr/>
+      </p:nvGrpSpPr>
+      <p:grpSpPr>
+        <a:xfrm>
+          <a:off x="0" y="0"/>
+          <a:ext cx="0" cy="0"/>
+          <a:chOff x="0" y="0"/>
+          <a:chExt cx="0" cy="0"/>
+        </a:xfrm>
+      </p:grpSpPr>
+      <p:sp>
+        <p:nvSpPr>
+          <p:cNvPr id="2" name="Titel 1"/>
+          <p:cNvSpPr>
+            <a:spLocks noGrp="1"/>
+          </p:cNvSpPr>
+          <p:nvPr>
+            <p:ph type="title"/>
+          </p:nvPr>
+        </p:nvSpPr>
+        <p:spPr/>
+        <p:txBody>
+          <a:bodyPr/>
+          <a:lstStyle/>
+          <a:p>
+            <a:r>
               <a:rPr lang="de-CH" dirty="0"/>
-              <a:t> Es muss zwingend ein Emulator aufgesetzt werden, damit man überhaupt testen kann</a:t>
+              <a:t>Schwierigkeiten Allgemein</a:t>
+            </a:r>
+          </a:p>
+        </p:txBody>
+      </p:sp>
+      <p:sp>
+        <p:nvSpPr>
+          <p:cNvPr id="3" name="Inhaltsplatzhalter 2"/>
+          <p:cNvSpPr>
+            <a:spLocks noGrp="1"/>
+          </p:cNvSpPr>
+          <p:nvPr>
+            <p:ph idx="1"/>
+          </p:nvPr>
+        </p:nvSpPr>
+        <p:spPr/>
+        <p:txBody>
+          <a:bodyPr>
+            <a:normAutofit fontScale="92500" lnSpcReduction="20000"/>
+          </a:bodyPr>
+          <a:lstStyle/>
+          <a:p>
+            <a:pPr marL="0" indent="0">
+              <a:buNone/>
+            </a:pPr>
+            <a:r>
+              <a:rPr lang="de-CH" sz="2400" b="1" dirty="0" err="1"/>
+              <a:t>Xamarin</a:t>
+            </a:r>
+            <a:endParaRPr lang="de-CH" sz="2400" b="1" dirty="0"/>
+          </a:p>
+          <a:p>
+            <a:pPr>
+              <a:buFont typeface="Arial" panose="020B0604020202020204" pitchFamily="34" charset="0"/>
+              <a:buChar char="•"/>
+            </a:pPr>
+            <a:r>
+              <a:rPr lang="de-CH" sz="2600" dirty="0"/>
+              <a:t> Sehr viele Abstürze (Wechsel zwischen GUI- &amp; Codeansicht)</a:t>
+            </a:r>
+          </a:p>
+          <a:p>
+            <a:pPr>
+              <a:buFont typeface="Arial" panose="020B0604020202020204" pitchFamily="34" charset="0"/>
+              <a:buChar char="•"/>
+            </a:pPr>
+            <a:r>
+              <a:rPr lang="de-CH" sz="2600" dirty="0"/>
+              <a:t> Junge Umgebung, wenig Backend Automation </a:t>
+            </a:r>
+          </a:p>
+          <a:p>
+            <a:pPr>
+              <a:buFont typeface="Arial" panose="020B0604020202020204" pitchFamily="34" charset="0"/>
+              <a:buChar char="•"/>
+            </a:pPr>
+            <a:r>
+              <a:rPr lang="de-CH" sz="2600" dirty="0"/>
+              <a:t> Emulator zwingend um zu testen</a:t>
             </a:r>
           </a:p>
           <a:p>
@@ -5980,7 +7374,7 @@
               <a:buChar char="•"/>
             </a:pPr>
             <a:r>
-              <a:rPr lang="de-CH" dirty="0"/>
+              <a:rPr lang="de-CH" sz="2600" dirty="0"/>
               <a:t> Sehr mühsam aufzusetzen</a:t>
             </a:r>
           </a:p>
@@ -5990,15 +7384,15 @@
               <a:buChar char="•"/>
             </a:pPr>
             <a:r>
-              <a:rPr lang="de-CH" dirty="0"/>
+              <a:rPr lang="de-CH" sz="2600" dirty="0"/>
               <a:t> Kein Best Practice von </a:t>
             </a:r>
             <a:r>
-              <a:rPr lang="de-CH" dirty="0" err="1"/>
+              <a:rPr lang="de-CH" sz="2600" dirty="0" err="1"/>
               <a:t>Xamarin</a:t>
             </a:r>
             <a:r>
-              <a:rPr lang="de-CH" dirty="0"/>
+              <a:rPr lang="de-CH" sz="2600" dirty="0"/>
               <a:t> oder Hilfe fürs Aufsetzen</a:t>
             </a:r>
           </a:p>
@@ -6008,16 +7402,16 @@
               <a:buChar char="•"/>
             </a:pPr>
             <a:r>
-              <a:rPr lang="de-CH" dirty="0"/>
-              <a:t> ???? Was </a:t>
-            </a:r>
-            <a:r>
-              <a:rPr lang="de-CH" dirty="0" err="1"/>
-              <a:t>no</a:t>
-            </a:r>
-            <a:r>
-              <a:rPr lang="de-CH" dirty="0"/>
-              <a:t> ????</a:t>
+              <a:rPr lang="de-CH" sz="2600" dirty="0"/>
+              <a:t> Erhöhte </a:t>
+            </a:r>
+            <a:r>
+              <a:rPr lang="de-CH" sz="2600" dirty="0" err="1"/>
+              <a:t>Build</a:t>
+            </a:r>
+            <a:r>
+              <a:rPr lang="de-CH" sz="2600" dirty="0"/>
+              <a:t>-/Testdauer</a:t>
             </a:r>
           </a:p>
         </p:txBody>
@@ -6035,7 +7429,7 @@
 </p:sld>
 </file>
 
-<file path=ppt/slides/slide14.xml><?xml version="1.0" encoding="utf-8"?>
+<file path=ppt/slides/slide17.xml><?xml version="1.0" encoding="utf-8"?>
 <p:sld xmlns:a="http://schemas.openxmlformats.org/drawingml/2006/main" xmlns:r="http://schemas.openxmlformats.org/officeDocument/2006/relationships" xmlns:p="http://schemas.openxmlformats.org/presentationml/2006/main">
   <p:cSld>
     <p:spTree>
@@ -6095,7 +7489,7 @@
 </p:sld>
 </file>
 
-<file path=ppt/slides/slide15.xml><?xml version="1.0" encoding="utf-8"?>
+<file path=ppt/slides/slide18.xml><?xml version="1.0" encoding="utf-8"?>
 <p:sld xmlns:a="http://schemas.openxmlformats.org/drawingml/2006/main" xmlns:r="http://schemas.openxmlformats.org/officeDocument/2006/relationships" xmlns:p="http://schemas.openxmlformats.org/presentationml/2006/main">
   <p:cSld>
     <p:spTree>
@@ -6149,13 +7543,60 @@
           <a:bodyPr/>
           <a:lstStyle/>
           <a:p>
+            <a:pPr>
+              <a:buFont typeface="Arial" panose="020B0604020202020204" pitchFamily="34" charset="0"/>
+              <a:buChar char="•"/>
+            </a:pPr>
+            <a:r>
+              <a:rPr lang="de-CH" sz="2800" dirty="0"/>
+              <a:t> Zeitlichen Aufwand unterschätzt</a:t>
+            </a:r>
+          </a:p>
+          <a:p>
+            <a:pPr>
+              <a:buFont typeface="Arial" panose="020B0604020202020204" pitchFamily="34" charset="0"/>
+              <a:buChar char="•"/>
+            </a:pPr>
+            <a:r>
+              <a:rPr lang="de-CH" sz="2800" dirty="0"/>
+              <a:t> Produktevaluation vorgängig</a:t>
+            </a:r>
+          </a:p>
+          <a:p>
+            <a:pPr>
+              <a:buFont typeface="Arial" panose="020B0604020202020204" pitchFamily="34" charset="0"/>
+              <a:buChar char="•"/>
+            </a:pPr>
+            <a:r>
+              <a:rPr lang="de-CH" sz="2800" dirty="0"/>
+              <a:t> Fokussierung auf das Wesentliche</a:t>
+            </a:r>
+          </a:p>
+          <a:p>
+            <a:pPr>
+              <a:buFont typeface="Arial" panose="020B0604020202020204" pitchFamily="34" charset="0"/>
+              <a:buChar char="•"/>
+            </a:pPr>
+            <a:r>
+              <a:rPr lang="de-CH" sz="2800" dirty="0"/>
+              <a:t> Reichlich neue Erfahrungen</a:t>
+            </a:r>
+          </a:p>
+          <a:p>
+            <a:pPr>
+              <a:buFont typeface="Arial" panose="020B0604020202020204" pitchFamily="34" charset="0"/>
+              <a:buChar char="•"/>
+            </a:pPr>
+            <a:r>
+              <a:rPr lang="de-CH" sz="2800" dirty="0"/>
+              <a:t> Teamarbeit kann spassig sein</a:t>
+            </a:r>
+          </a:p>
+          <a:p>
             <a:pPr marL="0" indent="0">
               <a:buNone/>
             </a:pPr>
-            <a:r>
-              <a:rPr lang="de-CH" dirty="0"/>
-              <a:t>Text</a:t>
-            </a:r>
+            <a:endParaRPr lang="de-CH" dirty="0"/>
           </a:p>
         </p:txBody>
       </p:sp>
@@ -6173,7 +7614,7 @@
 </file>
 
 <file path=ppt/slides/slide2.xml><?xml version="1.0" encoding="utf-8"?>
-<p:sld xmlns:a="http://schemas.openxmlformats.org/drawingml/2006/main" xmlns:r="http://schemas.openxmlformats.org/officeDocument/2006/relationships" xmlns:p="http://schemas.openxmlformats.org/presentationml/2006/main">
+<p:sld xmlns:a="http://schemas.openxmlformats.org/drawingml/2006/main" xmlns:r="http://schemas.openxmlformats.org/officeDocument/2006/relationships" xmlns:p="http://schemas.openxmlformats.org/presentationml/2006/main" show="0">
   <p:cSld>
     <p:spTree>
       <p:nvGrpSpPr>
@@ -6224,13 +7665,13 @@
         <p:spPr/>
         <p:txBody>
           <a:bodyPr>
-            <a:normAutofit fontScale="92500" lnSpcReduction="20000"/>
+            <a:normAutofit fontScale="92500" lnSpcReduction="10000"/>
           </a:bodyPr>
           <a:lstStyle/>
           <a:p>
             <a:r>
               <a:rPr lang="de-CH" dirty="0"/>
-              <a:t>Vision (Pedro)</a:t>
+              <a:t>Vision (Felipe)</a:t>
             </a:r>
           </a:p>
           <a:p>
@@ -6239,7 +7680,7 @@
               <a:t>Ausgangslage (</a:t>
             </a:r>
             <a:r>
-              <a:rPr lang="de-CH" sz="6500" b="1" dirty="0">
+              <a:rPr lang="de-CH" sz="1700" b="1" dirty="0">
                 <a:solidFill>
                   <a:srgbClr val="FF0000"/>
                 </a:solidFill>
@@ -6254,7 +7695,7 @@
           <a:p>
             <a:r>
               <a:rPr lang="de-CH" dirty="0"/>
-              <a:t>Ziele (Pedro)</a:t>
+              <a:t>Ziele (Felipe)</a:t>
             </a:r>
           </a:p>
           <a:p>
@@ -6266,7 +7707,7 @@
           <a:p>
             <a:r>
               <a:rPr lang="de-CH" dirty="0"/>
-              <a:t>Stolpersteine (Roman &amp; Pedro)</a:t>
+              <a:t>Stolpersteine (Roman &amp; Felipe)</a:t>
             </a:r>
           </a:p>
           <a:p>
@@ -6298,7 +7739,7 @@
           <a:p>
             <a:r>
               <a:rPr lang="de-CH" dirty="0"/>
-              <a:t>Fazit (Pedro)</a:t>
+              <a:t>Fazit (Felipe)</a:t>
             </a:r>
           </a:p>
         </p:txBody>
@@ -6372,6 +7813,9 @@
           </a:bodyPr>
           <a:lstStyle/>
           <a:p>
+            <a:endParaRPr lang="de-CH" sz="3600" dirty="0"/>
+          </a:p>
+          <a:p>
             <a:r>
               <a:rPr lang="de-CH" sz="3600" dirty="0"/>
               <a:t>«</a:t>
@@ -6422,7 +7866,7 @@
             </a:r>
             <a:r>
               <a:rPr lang="de-CH" sz="3600" dirty="0"/>
-              <a:t>»</a:t>
+              <a:t>!»</a:t>
             </a:r>
             <a:br>
               <a:rPr lang="de-CH" sz="3600" dirty="0"/>
@@ -6482,76 +7926,632 @@
           <a:chExt cx="0" cy="0"/>
         </a:xfrm>
       </p:grpSpPr>
-      <p:sp>
-        <p:nvSpPr>
-          <p:cNvPr id="2" name="Titel 1"/>
-          <p:cNvSpPr>
-            <a:spLocks noGrp="1"/>
-          </p:cNvSpPr>
-          <p:nvPr>
-            <p:ph type="title"/>
-          </p:nvPr>
-        </p:nvSpPr>
-        <p:spPr/>
-        <p:txBody>
-          <a:bodyPr/>
-          <a:lstStyle/>
-          <a:p>
-            <a:r>
-              <a:rPr lang="de-CH" dirty="0"/>
-              <a:t>Ausgangslage</a:t>
-            </a:r>
-          </a:p>
-        </p:txBody>
-      </p:sp>
-      <p:sp>
-        <p:nvSpPr>
-          <p:cNvPr id="3" name="Inhaltsplatzhalter 2"/>
-          <p:cNvSpPr>
-            <a:spLocks noGrp="1"/>
-          </p:cNvSpPr>
-          <p:nvPr>
-            <p:ph idx="1"/>
-          </p:nvPr>
-        </p:nvSpPr>
-        <p:spPr/>
-        <p:txBody>
-          <a:bodyPr/>
-          <a:lstStyle/>
-          <a:p>
-            <a:r>
-              <a:rPr lang="de-CH" sz="2400" dirty="0"/>
-              <a:t>Im Rahmen des Moduls «Programmiersprachen – Fallbeispiel» entwickeln die Studierenden eine etwas komplexere Software, um den zuvor gelernten Stoff durch die Implementierung einer lauffähigen Applikation zu vertiefen. </a:t>
-            </a:r>
-            <a:br>
-              <a:rPr lang="de-CH" sz="2400" dirty="0"/>
-            </a:br>
-            <a:r>
-              <a:rPr lang="de-CH" sz="2400" dirty="0"/>
-              <a:t>Dabei wird die Komplexität der Applikation abgestimmt auf die individuellen Vorkenntnisse der Studierenden.</a:t>
-            </a:r>
-          </a:p>
-          <a:p>
-            <a:pPr marL="0" indent="0">
-              <a:buNone/>
-            </a:pPr>
-            <a:endParaRPr lang="de-CH" dirty="0"/>
-          </a:p>
-          <a:p>
-            <a:endParaRPr lang="de-CH" dirty="0"/>
-          </a:p>
-        </p:txBody>
-      </p:sp>
+      <p:graphicFrame>
+        <p:nvGraphicFramePr>
+          <p:cNvPr id="7" name="Objekt 6"/>
+          <p:cNvGraphicFramePr>
+            <a:graphicFrameLocks noChangeAspect="1"/>
+          </p:cNvGraphicFramePr>
+          <p:nvPr>
+            <p:extLst/>
+          </p:nvPr>
+        </p:nvGraphicFramePr>
+        <p:xfrm>
+          <a:off x="4778725" y="2034428"/>
+          <a:ext cx="2287913" cy="2281590"/>
+        </p:xfrm>
+        <a:graphic>
+          <a:graphicData uri="http://schemas.openxmlformats.org/presentationml/2006/ole">
+            <mc:AlternateContent xmlns:mc="http://schemas.openxmlformats.org/markup-compatibility/2006">
+              <mc:Choice xmlns:v="urn:schemas-microsoft-com:vml" Requires="v">
+                <p:oleObj spid="_x0000_s1131" name="Image" r:id="rId3" imgW="4596480" imgH="4583880" progId="Photoshop.Image.16">
+                  <p:embed/>
+                </p:oleObj>
+              </mc:Choice>
+              <mc:Fallback>
+                <p:oleObj name="Image" r:id="rId3" imgW="4596480" imgH="4583880" progId="Photoshop.Image.16">
+                  <p:embed/>
+                  <p:pic>
+                    <p:nvPicPr>
+                      <p:cNvPr id="7" name="Objekt 6"/>
+                      <p:cNvPicPr/>
+                      <p:nvPr/>
+                    </p:nvPicPr>
+                    <p:blipFill>
+                      <a:blip r:embed="rId4"/>
+                      <a:stretch>
+                        <a:fillRect/>
+                      </a:stretch>
+                    </p:blipFill>
+                    <p:spPr>
+                      <a:xfrm>
+                        <a:off x="4778725" y="2034428"/>
+                        <a:ext cx="2287913" cy="2281590"/>
+                      </a:xfrm>
+                      <a:prstGeom prst="rect">
+                        <a:avLst/>
+                      </a:prstGeom>
+                    </p:spPr>
+                  </p:pic>
+                </p:oleObj>
+              </mc:Fallback>
+            </mc:AlternateContent>
+          </a:graphicData>
+        </a:graphic>
+      </p:graphicFrame>
+      <p:grpSp>
+        <p:nvGrpSpPr>
+          <p:cNvPr id="18" name="Gruppieren 17"/>
+          <p:cNvGrpSpPr/>
+          <p:nvPr/>
+        </p:nvGrpSpPr>
+        <p:grpSpPr>
+          <a:xfrm>
+            <a:off x="8360054" y="3019518"/>
+            <a:ext cx="1802125" cy="2384375"/>
+            <a:chOff x="8360054" y="3019518"/>
+            <a:chExt cx="1802125" cy="2384375"/>
+          </a:xfrm>
+        </p:grpSpPr>
+        <p:graphicFrame>
+          <p:nvGraphicFramePr>
+            <p:cNvPr id="14" name="Objekt 13"/>
+            <p:cNvGraphicFramePr>
+              <a:graphicFrameLocks noChangeAspect="1"/>
+            </p:cNvGraphicFramePr>
+            <p:nvPr>
+              <p:extLst/>
+            </p:nvPr>
+          </p:nvGraphicFramePr>
+          <p:xfrm>
+            <a:off x="8360054" y="3019518"/>
+            <a:ext cx="1802125" cy="1776599"/>
+          </p:xfrm>
+          <a:graphic>
+            <a:graphicData uri="http://schemas.openxmlformats.org/presentationml/2006/ole">
+              <mc:AlternateContent xmlns:mc="http://schemas.openxmlformats.org/markup-compatibility/2006">
+                <mc:Choice xmlns:v="urn:schemas-microsoft-com:vml" Requires="v">
+                  <p:oleObj spid="_x0000_s1132" name="Image" r:id="rId5" imgW="4482360" imgH="4419000" progId="Photoshop.Image.16">
+                    <p:embed/>
+                  </p:oleObj>
+                </mc:Choice>
+                <mc:Fallback>
+                  <p:oleObj name="Image" r:id="rId5" imgW="4482360" imgH="4419000" progId="Photoshop.Image.16">
+                    <p:embed/>
+                    <p:pic>
+                      <p:nvPicPr>
+                        <p:cNvPr id="14" name="Objekt 13"/>
+                        <p:cNvPicPr/>
+                        <p:nvPr/>
+                      </p:nvPicPr>
+                      <p:blipFill>
+                        <a:blip r:embed="rId6"/>
+                        <a:stretch>
+                          <a:fillRect/>
+                        </a:stretch>
+                      </p:blipFill>
+                      <p:spPr>
+                        <a:xfrm>
+                          <a:off x="8360054" y="3019518"/>
+                          <a:ext cx="1802125" cy="1776599"/>
+                        </a:xfrm>
+                        <a:prstGeom prst="rect">
+                          <a:avLst/>
+                        </a:prstGeom>
+                      </p:spPr>
+                    </p:pic>
+                  </p:oleObj>
+                </mc:Fallback>
+              </mc:AlternateContent>
+            </a:graphicData>
+          </a:graphic>
+        </p:graphicFrame>
+        <p:sp>
+          <p:nvSpPr>
+            <p:cNvPr id="17" name="Textfeld 16"/>
+            <p:cNvSpPr txBox="1"/>
+            <p:nvPr/>
+          </p:nvSpPr>
+          <p:spPr>
+            <a:xfrm>
+              <a:off x="8665368" y="4880673"/>
+              <a:ext cx="1309654" cy="523220"/>
+            </a:xfrm>
+            <a:prstGeom prst="rect">
+              <a:avLst/>
+            </a:prstGeom>
+            <a:noFill/>
+          </p:spPr>
+          <p:txBody>
+            <a:bodyPr wrap="none" rtlCol="0">
+              <a:spAutoFit/>
+            </a:bodyPr>
+            <a:lstStyle/>
+            <a:p>
+              <a:r>
+                <a:rPr lang="de-CH" sz="2800" dirty="0"/>
+                <a:t>Zutaten</a:t>
+              </a:r>
+            </a:p>
+          </p:txBody>
+        </p:sp>
+      </p:grpSp>
+      <p:sp>
+        <p:nvSpPr>
+          <p:cNvPr id="19" name="Textfeld 18"/>
+          <p:cNvSpPr txBox="1"/>
+          <p:nvPr/>
+        </p:nvSpPr>
+        <p:spPr>
+          <a:xfrm>
+            <a:off x="2597314" y="6050756"/>
+            <a:ext cx="184731" cy="523220"/>
+          </a:xfrm>
+          <a:prstGeom prst="rect">
+            <a:avLst/>
+          </a:prstGeom>
+          <a:noFill/>
+        </p:spPr>
+        <p:txBody>
+          <a:bodyPr wrap="none" rtlCol="0">
+            <a:spAutoFit/>
+          </a:bodyPr>
+          <a:lstStyle/>
+          <a:p>
+            <a:endParaRPr lang="de-CH" sz="2800" dirty="0"/>
+          </a:p>
+        </p:txBody>
+      </p:sp>
+      <p:grpSp>
+        <p:nvGrpSpPr>
+          <p:cNvPr id="22" name="Gruppieren 21"/>
+          <p:cNvGrpSpPr/>
+          <p:nvPr/>
+        </p:nvGrpSpPr>
+        <p:grpSpPr>
+          <a:xfrm>
+            <a:off x="1301055" y="2034428"/>
+            <a:ext cx="1624997" cy="1738498"/>
+            <a:chOff x="1301055" y="2034428"/>
+            <a:chExt cx="1624997" cy="1738498"/>
+          </a:xfrm>
+        </p:grpSpPr>
+        <p:pic>
+          <p:nvPicPr>
+            <p:cNvPr id="1031" name="Picture 7" descr="https://image.freepik.com/free-icon/group-of-people-in-a-formation_318-44341.jpg"/>
+            <p:cNvPicPr>
+              <a:picLocks noChangeAspect="1" noChangeArrowheads="1"/>
+            </p:cNvPicPr>
+            <p:nvPr/>
+          </p:nvPicPr>
+          <p:blipFill>
+            <a:blip r:embed="rId7">
+              <a:extLst>
+                <a:ext uri="{28A0092B-C50C-407E-A947-70E740481C1C}">
+                  <a14:useLocalDpi xmlns:a14="http://schemas.microsoft.com/office/drawing/2010/main" val="0"/>
+                </a:ext>
+              </a:extLst>
+            </a:blip>
+            <a:srcRect/>
+            <a:stretch>
+              <a:fillRect/>
+            </a:stretch>
+          </p:blipFill>
+          <p:spPr bwMode="auto">
+            <a:xfrm>
+              <a:off x="1483098" y="2034428"/>
+              <a:ext cx="1215278" cy="1215278"/>
+            </a:xfrm>
+            <a:prstGeom prst="rect">
+              <a:avLst/>
+            </a:prstGeom>
+            <a:noFill/>
+            <a:extLst>
+              <a:ext uri="{909E8E84-426E-40DD-AFC4-6F175D3DCCD1}">
+                <a14:hiddenFill xmlns:a14="http://schemas.microsoft.com/office/drawing/2010/main">
+                  <a:solidFill>
+                    <a:srgbClr val="FFFFFF"/>
+                  </a:solidFill>
+                </a14:hiddenFill>
+              </a:ext>
+            </a:extLst>
+          </p:spPr>
+        </p:pic>
+        <p:sp>
+          <p:nvSpPr>
+            <p:cNvPr id="20" name="Rechteck 19"/>
+            <p:cNvSpPr/>
+            <p:nvPr/>
+          </p:nvSpPr>
+          <p:spPr>
+            <a:xfrm>
+              <a:off x="1301055" y="3249706"/>
+              <a:ext cx="1624997" cy="523220"/>
+            </a:xfrm>
+            <a:prstGeom prst="rect">
+              <a:avLst/>
+            </a:prstGeom>
+          </p:spPr>
+          <p:txBody>
+            <a:bodyPr wrap="none">
+              <a:spAutoFit/>
+            </a:bodyPr>
+            <a:lstStyle/>
+            <a:p>
+              <a:r>
+                <a:rPr lang="de-CH" sz="2800" dirty="0"/>
+                <a:t>Portionen</a:t>
+              </a:r>
+            </a:p>
+          </p:txBody>
+        </p:sp>
+      </p:grpSp>
+      <p:grpSp>
+        <p:nvGrpSpPr>
+          <p:cNvPr id="21" name="Gruppieren 20"/>
+          <p:cNvGrpSpPr/>
+          <p:nvPr/>
+        </p:nvGrpSpPr>
+        <p:grpSpPr>
+          <a:xfrm>
+            <a:off x="2597314" y="4384442"/>
+            <a:ext cx="1394478" cy="1927924"/>
+            <a:chOff x="2597314" y="4384442"/>
+            <a:chExt cx="1394478" cy="1927924"/>
+          </a:xfrm>
+        </p:grpSpPr>
+        <p:graphicFrame>
+          <p:nvGraphicFramePr>
+            <p:cNvPr id="12" name="Objekt 11"/>
+            <p:cNvGraphicFramePr>
+              <a:graphicFrameLocks noChangeAspect="1"/>
+            </p:cNvGraphicFramePr>
+            <p:nvPr>
+              <p:extLst/>
+            </p:nvPr>
+          </p:nvGraphicFramePr>
+          <p:xfrm>
+            <a:off x="2597314" y="4384442"/>
+            <a:ext cx="1394478" cy="1361795"/>
+          </p:xfrm>
+          <a:graphic>
+            <a:graphicData uri="http://schemas.openxmlformats.org/presentationml/2006/ole">
+              <mc:AlternateContent xmlns:mc="http://schemas.openxmlformats.org/markup-compatibility/2006">
+                <mc:Choice xmlns:v="urn:schemas-microsoft-com:vml" Requires="v">
+                  <p:oleObj spid="_x0000_s1133" name="Image" r:id="rId8" imgW="1625040" imgH="1587240" progId="Photoshop.Image.16">
+                    <p:embed/>
+                  </p:oleObj>
+                </mc:Choice>
+                <mc:Fallback>
+                  <p:oleObj name="Image" r:id="rId8" imgW="1625040" imgH="1587240" progId="Photoshop.Image.16">
+                    <p:embed/>
+                    <p:pic>
+                      <p:nvPicPr>
+                        <p:cNvPr id="12" name="Objekt 11"/>
+                        <p:cNvPicPr/>
+                        <p:nvPr/>
+                      </p:nvPicPr>
+                      <p:blipFill>
+                        <a:blip r:embed="rId9"/>
+                        <a:stretch>
+                          <a:fillRect/>
+                        </a:stretch>
+                      </p:blipFill>
+                      <p:spPr>
+                        <a:xfrm>
+                          <a:off x="2597314" y="4384442"/>
+                          <a:ext cx="1394478" cy="1361795"/>
+                        </a:xfrm>
+                        <a:prstGeom prst="rect">
+                          <a:avLst/>
+                        </a:prstGeom>
+                        <a:blipFill dpi="0" rotWithShape="1">
+                          <a:blip r:embed="rId10">
+                            <a:alphaModFix amt="0"/>
+                          </a:blip>
+                          <a:srcRect/>
+                          <a:stretch>
+                            <a:fillRect/>
+                          </a:stretch>
+                        </a:blipFill>
+                      </p:spPr>
+                    </p:pic>
+                  </p:oleObj>
+                </mc:Fallback>
+              </mc:AlternateContent>
+            </a:graphicData>
+          </a:graphic>
+        </p:graphicFrame>
+        <p:sp>
+          <p:nvSpPr>
+            <p:cNvPr id="25" name="Rechteck 24"/>
+            <p:cNvSpPr/>
+            <p:nvPr/>
+          </p:nvSpPr>
+          <p:spPr>
+            <a:xfrm>
+              <a:off x="2779027" y="5789146"/>
+              <a:ext cx="1031051" cy="523220"/>
+            </a:xfrm>
+            <a:prstGeom prst="rect">
+              <a:avLst/>
+            </a:prstGeom>
+          </p:spPr>
+          <p:txBody>
+            <a:bodyPr wrap="none">
+              <a:spAutoFit/>
+            </a:bodyPr>
+            <a:lstStyle/>
+            <a:p>
+              <a:r>
+                <a:rPr lang="de-CH" sz="2800" dirty="0" err="1"/>
+                <a:t>Timer</a:t>
+              </a:r>
+              <a:endParaRPr lang="de-CH" sz="2800" dirty="0"/>
+            </a:p>
+          </p:txBody>
+        </p:sp>
+      </p:grpSp>
+      <p:grpSp>
+        <p:nvGrpSpPr>
+          <p:cNvPr id="23" name="Gruppieren 22"/>
+          <p:cNvGrpSpPr/>
+          <p:nvPr/>
+        </p:nvGrpSpPr>
+        <p:grpSpPr>
+          <a:xfrm>
+            <a:off x="7486104" y="523736"/>
+            <a:ext cx="1775012" cy="2135397"/>
+            <a:chOff x="7486104" y="523736"/>
+            <a:chExt cx="1775012" cy="2135397"/>
+          </a:xfrm>
+        </p:grpSpPr>
+        <p:pic>
+          <p:nvPicPr>
+            <p:cNvPr id="15" name="Grafik 14"/>
+            <p:cNvPicPr>
+              <a:picLocks noChangeAspect="1"/>
+            </p:cNvPicPr>
+            <p:nvPr/>
+          </p:nvPicPr>
+          <p:blipFill>
+            <a:blip r:embed="rId11"/>
+            <a:stretch>
+              <a:fillRect/>
+            </a:stretch>
+          </p:blipFill>
+          <p:spPr>
+            <a:xfrm>
+              <a:off x="7486104" y="523736"/>
+              <a:ext cx="1775012" cy="1775012"/>
+            </a:xfrm>
+            <a:prstGeom prst="rect">
+              <a:avLst/>
+            </a:prstGeom>
+          </p:spPr>
+        </p:pic>
+        <p:sp>
+          <p:nvSpPr>
+            <p:cNvPr id="26" name="Rechteck 25"/>
+            <p:cNvSpPr/>
+            <p:nvPr/>
+          </p:nvSpPr>
+          <p:spPr>
+            <a:xfrm>
+              <a:off x="7963650" y="2135913"/>
+              <a:ext cx="1035861" cy="523220"/>
+            </a:xfrm>
+            <a:prstGeom prst="rect">
+              <a:avLst/>
+            </a:prstGeom>
+          </p:spPr>
+          <p:txBody>
+            <a:bodyPr wrap="none">
+              <a:spAutoFit/>
+            </a:bodyPr>
+            <a:lstStyle/>
+            <a:p>
+              <a:r>
+                <a:rPr lang="de-CH" sz="2800" dirty="0"/>
+                <a:t>Bilder</a:t>
+              </a:r>
+            </a:p>
+          </p:txBody>
+        </p:sp>
+      </p:grpSp>
     </p:spTree>
     <p:extLst>
       <p:ext uri="{BB962C8B-B14F-4D97-AF65-F5344CB8AC3E}">
-        <p14:creationId xmlns:p14="http://schemas.microsoft.com/office/powerpoint/2010/main" val="3345530213"/>
+        <p14:creationId xmlns:p14="http://schemas.microsoft.com/office/powerpoint/2010/main" val="3047863947"/>
       </p:ext>
     </p:extLst>
   </p:cSld>
   <p:clrMapOvr>
     <a:masterClrMapping/>
   </p:clrMapOvr>
+  <p:timing>
+    <p:tnLst>
+      <p:par>
+        <p:cTn id="1" dur="indefinite" restart="never" nodeType="tmRoot">
+          <p:childTnLst>
+            <p:seq concurrent="1" nextAc="seek">
+              <p:cTn id="2" dur="indefinite" nodeType="mainSeq">
+                <p:childTnLst>
+                  <p:par>
+                    <p:cTn id="3" fill="hold">
+                      <p:stCondLst>
+                        <p:cond delay="indefinite"/>
+                      </p:stCondLst>
+                      <p:childTnLst>
+                        <p:par>
+                          <p:cTn id="4" fill="hold">
+                            <p:stCondLst>
+                              <p:cond delay="0"/>
+                            </p:stCondLst>
+                            <p:childTnLst>
+                              <p:par>
+                                <p:cTn id="5" presetID="1" presetClass="entr" presetSubtype="0" fill="hold" nodeType="clickEffect">
+                                  <p:stCondLst>
+                                    <p:cond delay="0"/>
+                                  </p:stCondLst>
+                                  <p:childTnLst>
+                                    <p:set>
+                                      <p:cBhvr>
+                                        <p:cTn id="6" dur="1" fill="hold">
+                                          <p:stCondLst>
+                                            <p:cond delay="0"/>
+                                          </p:stCondLst>
+                                        </p:cTn>
+                                        <p:tgtEl>
+                                          <p:spTgt spid="18"/>
+                                        </p:tgtEl>
+                                        <p:attrNameLst>
+                                          <p:attrName>style.visibility</p:attrName>
+                                        </p:attrNameLst>
+                                      </p:cBhvr>
+                                      <p:to>
+                                        <p:strVal val="visible"/>
+                                      </p:to>
+                                    </p:set>
+                                  </p:childTnLst>
+                                </p:cTn>
+                              </p:par>
+                            </p:childTnLst>
+                          </p:cTn>
+                        </p:par>
+                        <p:par>
+                          <p:cTn id="7" fill="hold">
+                            <p:stCondLst>
+                              <p:cond delay="0"/>
+                            </p:stCondLst>
+                            <p:childTnLst>
+                              <p:par>
+                                <p:cTn id="8" presetID="1" presetClass="entr" presetSubtype="0" fill="hold" nodeType="afterEffect">
+                                  <p:stCondLst>
+                                    <p:cond delay="2250"/>
+                                  </p:stCondLst>
+                                  <p:childTnLst>
+                                    <p:set>
+                                      <p:cBhvr>
+                                        <p:cTn id="9" dur="1" fill="hold">
+                                          <p:stCondLst>
+                                            <p:cond delay="0"/>
+                                          </p:stCondLst>
+                                        </p:cTn>
+                                        <p:tgtEl>
+                                          <p:spTgt spid="21"/>
+                                        </p:tgtEl>
+                                        <p:attrNameLst>
+                                          <p:attrName>style.visibility</p:attrName>
+                                        </p:attrNameLst>
+                                      </p:cBhvr>
+                                      <p:to>
+                                        <p:strVal val="visible"/>
+                                      </p:to>
+                                    </p:set>
+                                  </p:childTnLst>
+                                </p:cTn>
+                              </p:par>
+                            </p:childTnLst>
+                          </p:cTn>
+                        </p:par>
+                        <p:par>
+                          <p:cTn id="10" fill="hold">
+                            <p:stCondLst>
+                              <p:cond delay="2250"/>
+                            </p:stCondLst>
+                            <p:childTnLst>
+                              <p:par>
+                                <p:cTn id="11" presetID="1" presetClass="entr" presetSubtype="0" fill="hold" nodeType="afterEffect">
+                                  <p:stCondLst>
+                                    <p:cond delay="2250"/>
+                                  </p:stCondLst>
+                                  <p:childTnLst>
+                                    <p:set>
+                                      <p:cBhvr>
+                                        <p:cTn id="12" dur="1" fill="hold">
+                                          <p:stCondLst>
+                                            <p:cond delay="0"/>
+                                          </p:stCondLst>
+                                        </p:cTn>
+                                        <p:tgtEl>
+                                          <p:spTgt spid="22"/>
+                                        </p:tgtEl>
+                                        <p:attrNameLst>
+                                          <p:attrName>style.visibility</p:attrName>
+                                        </p:attrNameLst>
+                                      </p:cBhvr>
+                                      <p:to>
+                                        <p:strVal val="visible"/>
+                                      </p:to>
+                                    </p:set>
+                                  </p:childTnLst>
+                                </p:cTn>
+                              </p:par>
+                            </p:childTnLst>
+                          </p:cTn>
+                        </p:par>
+                        <p:par>
+                          <p:cTn id="13" fill="hold">
+                            <p:stCondLst>
+                              <p:cond delay="4500"/>
+                            </p:stCondLst>
+                            <p:childTnLst>
+                              <p:par>
+                                <p:cTn id="14" presetID="1" presetClass="entr" presetSubtype="0" fill="hold" nodeType="afterEffect">
+                                  <p:stCondLst>
+                                    <p:cond delay="2250"/>
+                                  </p:stCondLst>
+                                  <p:childTnLst>
+                                    <p:set>
+                                      <p:cBhvr>
+                                        <p:cTn id="15" dur="1" fill="hold">
+                                          <p:stCondLst>
+                                            <p:cond delay="0"/>
+                                          </p:stCondLst>
+                                        </p:cTn>
+                                        <p:tgtEl>
+                                          <p:spTgt spid="23"/>
+                                        </p:tgtEl>
+                                        <p:attrNameLst>
+                                          <p:attrName>style.visibility</p:attrName>
+                                        </p:attrNameLst>
+                                      </p:cBhvr>
+                                      <p:to>
+                                        <p:strVal val="visible"/>
+                                      </p:to>
+                                    </p:set>
+                                  </p:childTnLst>
+                                </p:cTn>
+                              </p:par>
+                            </p:childTnLst>
+                          </p:cTn>
+                        </p:par>
+                      </p:childTnLst>
+                    </p:cTn>
+                  </p:par>
+                </p:childTnLst>
+              </p:cTn>
+              <p:prevCondLst>
+                <p:cond evt="onPrev" delay="0">
+                  <p:tgtEl>
+                    <p:sldTgt/>
+                  </p:tgtEl>
+                </p:cond>
+              </p:prevCondLst>
+              <p:nextCondLst>
+                <p:cond evt="onNext" delay="0">
+                  <p:tgtEl>
+                    <p:sldTgt/>
+                  </p:tgtEl>
+                </p:cond>
+              </p:nextCondLst>
+            </p:seq>
+          </p:childTnLst>
+        </p:cTn>
+      </p:par>
+    </p:tnLst>
+  </p:timing>
 </p:sld>
 </file>
 
@@ -6609,151 +8609,22 @@
           <a:bodyPr/>
           <a:lstStyle/>
           <a:p>
+            <a:r>
+              <a:rPr lang="de-CH" sz="2400" dirty="0"/>
+              <a:t>Im Rahmen des Moduls «Programmiersprachen – Fallbeispiel» entwickeln die Studierenden eine etwas komplexere Software, um den zuvor gelernten Stoff durch die Implementierung einer lauffähigen Applikation zu vertiefen. </a:t>
+            </a:r>
+            <a:br>
+              <a:rPr lang="de-CH" sz="2400" dirty="0"/>
+            </a:br>
+            <a:r>
+              <a:rPr lang="de-CH" sz="2400" dirty="0"/>
+              <a:t>Dabei wird die Komplexität der Applikation abgestimmt auf die individuellen Vorkenntnisse der Studierenden.</a:t>
+            </a:r>
+          </a:p>
+          <a:p>
             <a:pPr marL="0" indent="0">
               <a:buNone/>
             </a:pPr>
-            <a:r>
-              <a:rPr lang="de-CH" dirty="0"/>
-              <a:t>Was bringen wir mit:</a:t>
-            </a:r>
-          </a:p>
-          <a:p>
-            <a:pPr>
-              <a:buFont typeface="Arial" panose="020B0604020202020204" pitchFamily="34" charset="0"/>
-              <a:buChar char="•"/>
-            </a:pPr>
-            <a:r>
-              <a:rPr lang="de-CH" dirty="0"/>
-              <a:t> Informatiker EFZ (Roman) – Cloud </a:t>
-            </a:r>
-            <a:r>
-              <a:rPr lang="de-CH" dirty="0" err="1"/>
-              <a:t>Presales</a:t>
-            </a:r>
-            <a:r>
-              <a:rPr lang="de-CH" dirty="0"/>
-              <a:t> &amp; Project Support</a:t>
-            </a:r>
-          </a:p>
-          <a:p>
-            <a:pPr>
-              <a:buFont typeface="Arial" panose="020B0604020202020204" pitchFamily="34" charset="0"/>
-              <a:buChar char="•"/>
-            </a:pPr>
-            <a:r>
-              <a:rPr lang="de-CH" dirty="0"/>
-              <a:t> IT Service Engineer FH (Felipe) – Junior Software Engineer Security</a:t>
-            </a:r>
-          </a:p>
-          <a:p>
-            <a:pPr>
-              <a:buFont typeface="Arial" panose="020B0604020202020204" pitchFamily="34" charset="0"/>
-              <a:buChar char="•"/>
-            </a:pPr>
-            <a:r>
-              <a:rPr lang="de-CH" dirty="0"/>
-              <a:t> Kenntnisse auf </a:t>
-            </a:r>
-            <a:r>
-              <a:rPr lang="de-CH" dirty="0" err="1"/>
-              <a:t>Unity</a:t>
-            </a:r>
-            <a:r>
-              <a:rPr lang="de-CH" dirty="0"/>
-              <a:t> (Learning </a:t>
-            </a:r>
-            <a:r>
-              <a:rPr lang="de-CH" dirty="0" err="1"/>
-              <a:t>by</a:t>
-            </a:r>
-            <a:r>
-              <a:rPr lang="de-CH" dirty="0"/>
-              <a:t> </a:t>
-            </a:r>
-            <a:r>
-              <a:rPr lang="de-CH" dirty="0" err="1"/>
-              <a:t>youtubing</a:t>
-            </a:r>
-            <a:r>
-              <a:rPr lang="de-CH" dirty="0"/>
-              <a:t>) mit C#</a:t>
-            </a:r>
-          </a:p>
-          <a:p>
-            <a:pPr>
-              <a:buFont typeface="Arial" panose="020B0604020202020204" pitchFamily="34" charset="0"/>
-              <a:buChar char="•"/>
-            </a:pPr>
-            <a:r>
-              <a:rPr lang="de-CH" dirty="0"/>
-              <a:t> Und eine so entstandene selbst entworfene App «</a:t>
-            </a:r>
-            <a:r>
-              <a:rPr lang="de-CH" dirty="0" err="1"/>
-              <a:t>Squared</a:t>
-            </a:r>
-            <a:r>
-              <a:rPr lang="de-CH" dirty="0"/>
-              <a:t>»    </a:t>
-            </a:r>
-            <a:r>
-              <a:rPr lang="de-CH" dirty="0">
-                <a:solidFill>
-                  <a:schemeClr val="accent6">
-                    <a:lumMod val="20000"/>
-                    <a:lumOff val="80000"/>
-                  </a:schemeClr>
-                </a:solidFill>
-              </a:rPr>
-              <a:t>Bitte </a:t>
-            </a:r>
-            <a:r>
-              <a:rPr lang="de-CH" dirty="0" err="1">
-                <a:solidFill>
-                  <a:schemeClr val="accent6">
-                    <a:lumMod val="20000"/>
-                    <a:lumOff val="80000"/>
-                  </a:schemeClr>
-                </a:solidFill>
-              </a:rPr>
-              <a:t>alli</a:t>
-            </a:r>
-            <a:r>
-              <a:rPr lang="de-CH" dirty="0">
-                <a:solidFill>
-                  <a:schemeClr val="accent6">
-                    <a:lumMod val="20000"/>
-                    <a:lumOff val="80000"/>
-                  </a:schemeClr>
-                </a:solidFill>
-              </a:rPr>
-              <a:t> </a:t>
-            </a:r>
-            <a:r>
-              <a:rPr lang="de-CH" dirty="0" err="1">
-                <a:solidFill>
-                  <a:schemeClr val="accent6">
-                    <a:lumMod val="20000"/>
-                    <a:lumOff val="80000"/>
-                  </a:schemeClr>
-                </a:solidFill>
-              </a:rPr>
-              <a:t>abelade</a:t>
-            </a:r>
-            <a:r>
-              <a:rPr lang="de-CH" dirty="0">
-                <a:solidFill>
-                  <a:schemeClr val="accent6">
-                    <a:lumMod val="20000"/>
-                    <a:lumOff val="80000"/>
-                  </a:schemeClr>
-                </a:solidFill>
-              </a:rPr>
-              <a:t>!!</a:t>
-            </a:r>
-            <a:br>
-              <a:rPr lang="de-CH" dirty="0"/>
-            </a:br>
             <a:endParaRPr lang="de-CH" dirty="0"/>
           </a:p>
           <a:p>
@@ -6764,7 +8635,7 @@
     </p:spTree>
     <p:extLst>
       <p:ext uri="{BB962C8B-B14F-4D97-AF65-F5344CB8AC3E}">
-        <p14:creationId xmlns:p14="http://schemas.microsoft.com/office/powerpoint/2010/main" val="368165889"/>
+        <p14:creationId xmlns:p14="http://schemas.microsoft.com/office/powerpoint/2010/main" val="3345530213"/>
       </p:ext>
     </p:extLst>
   </p:cSld>
@@ -6832,8 +8703,8 @@
               <a:buNone/>
             </a:pPr>
             <a:r>
-              <a:rPr lang="de-CH" dirty="0"/>
-              <a:t>Was war neu für uns:</a:t>
+              <a:rPr lang="de-CH" sz="2400" dirty="0"/>
+              <a:t>Was bringen wir mit:</a:t>
             </a:r>
           </a:p>
           <a:p>
@@ -6846,10 +8717,17 @@
               <a:t> </a:t>
             </a:r>
             <a:r>
-              <a:rPr lang="de-CH" dirty="0" err="1"/>
-              <a:t>Xamarin</a:t>
-            </a:r>
-            <a:endParaRPr lang="de-CH" dirty="0"/>
+              <a:rPr lang="de-CH" sz="2400" dirty="0"/>
+              <a:t>Informatiker EFZ (Roman) – Cloud </a:t>
+            </a:r>
+            <a:r>
+              <a:rPr lang="de-CH" sz="2400" dirty="0" err="1"/>
+              <a:t>Presales</a:t>
+            </a:r>
+            <a:r>
+              <a:rPr lang="de-CH" sz="2400" dirty="0"/>
+              <a:t> &amp; Project Support</a:t>
+            </a:r>
           </a:p>
           <a:p>
             <a:pPr>
@@ -6857,8 +8735,8 @@
               <a:buChar char="•"/>
             </a:pPr>
             <a:r>
-              <a:rPr lang="de-CH" dirty="0"/>
-              <a:t> Android Emulator</a:t>
+              <a:rPr lang="de-CH" sz="2400" dirty="0"/>
+              <a:t> IT Service Engineer FH (Felipe) – Junior Software Engineer Security</a:t>
             </a:r>
           </a:p>
           <a:p>
@@ -6867,8 +8745,32 @@
               <a:buChar char="•"/>
             </a:pPr>
             <a:r>
-              <a:rPr lang="de-CH" dirty="0"/>
-              <a:t> Klarer Projektauftrag mit Abgabetermin (Applikationsentwicklung)</a:t>
+              <a:rPr lang="de-CH" sz="2400" dirty="0"/>
+              <a:t> Kenntnisse auf </a:t>
+            </a:r>
+            <a:r>
+              <a:rPr lang="de-CH" sz="2400" dirty="0" err="1"/>
+              <a:t>Unity</a:t>
+            </a:r>
+            <a:r>
+              <a:rPr lang="de-CH" sz="2400" dirty="0"/>
+              <a:t> (Learning </a:t>
+            </a:r>
+            <a:r>
+              <a:rPr lang="de-CH" sz="2400" dirty="0" err="1"/>
+              <a:t>by</a:t>
+            </a:r>
+            <a:r>
+              <a:rPr lang="de-CH" sz="2400" dirty="0"/>
+              <a:t> </a:t>
+            </a:r>
+            <a:r>
+              <a:rPr lang="de-CH" sz="2400" dirty="0" err="1"/>
+              <a:t>youtubing</a:t>
+            </a:r>
+            <a:r>
+              <a:rPr lang="de-CH" sz="2400" dirty="0"/>
+              <a:t>) mit C#</a:t>
             </a:r>
           </a:p>
           <a:p>
@@ -6877,18 +8779,71 @@
               <a:buChar char="•"/>
             </a:pPr>
             <a:r>
-              <a:rPr lang="de-CH" dirty="0"/>
-              <a:t> Zeitmanagement für einen definierten Auftrag</a:t>
-            </a:r>
-          </a:p>
-          <a:p>
-            <a:pPr>
-              <a:buFont typeface="Arial" panose="020B0604020202020204" pitchFamily="34" charset="0"/>
-              <a:buChar char="•"/>
-            </a:pPr>
-            <a:r>
-              <a:rPr lang="de-CH" dirty="0"/>
-              <a:t> Grössere und komplexere Programmstruktur</a:t>
+              <a:rPr lang="de-CH" sz="2400" dirty="0"/>
+              <a:t> Und eine so entstandene selbst entworfene App «</a:t>
+            </a:r>
+            <a:r>
+              <a:rPr lang="de-CH" sz="2400" dirty="0" err="1"/>
+              <a:t>Squared</a:t>
+            </a:r>
+            <a:r>
+              <a:rPr lang="de-CH" sz="2400" dirty="0"/>
+              <a:t>»    </a:t>
+            </a:r>
+            <a:r>
+              <a:rPr lang="de-CH" dirty="0">
+                <a:solidFill>
+                  <a:schemeClr val="accent6">
+                    <a:lumMod val="20000"/>
+                    <a:lumOff val="80000"/>
+                  </a:schemeClr>
+                </a:solidFill>
+              </a:rPr>
+              <a:t>Bitte </a:t>
+            </a:r>
+            <a:r>
+              <a:rPr lang="de-CH" dirty="0" err="1">
+                <a:solidFill>
+                  <a:schemeClr val="accent6">
+                    <a:lumMod val="20000"/>
+                    <a:lumOff val="80000"/>
+                  </a:schemeClr>
+                </a:solidFill>
+              </a:rPr>
+              <a:t>alli</a:t>
+            </a:r>
+            <a:r>
+              <a:rPr lang="de-CH" dirty="0">
+                <a:solidFill>
+                  <a:schemeClr val="accent6">
+                    <a:lumMod val="20000"/>
+                    <a:lumOff val="80000"/>
+                  </a:schemeClr>
+                </a:solidFill>
+              </a:rPr>
+              <a:t> </a:t>
+            </a:r>
+            <a:r>
+              <a:rPr lang="de-CH" dirty="0" err="1">
+                <a:solidFill>
+                  <a:schemeClr val="accent6">
+                    <a:lumMod val="20000"/>
+                    <a:lumOff val="80000"/>
+                  </a:schemeClr>
+                </a:solidFill>
+              </a:rPr>
+              <a:t>abelade</a:t>
+            </a:r>
+            <a:r>
+              <a:rPr lang="de-CH" dirty="0">
+                <a:solidFill>
+                  <a:schemeClr val="accent6">
+                    <a:lumMod val="20000"/>
+                    <a:lumOff val="80000"/>
+                  </a:schemeClr>
+                </a:solidFill>
+              </a:rPr>
+              <a:t>!!</a:t>
             </a:r>
             <a:br>
               <a:rPr lang="de-CH" dirty="0"/>
@@ -6900,40 +8855,10 @@
           </a:p>
         </p:txBody>
       </p:sp>
-      <p:pic>
-        <p:nvPicPr>
-          <p:cNvPr id="4" name="Grafik 3"/>
-          <p:cNvPicPr>
-            <a:picLocks noChangeAspect="1"/>
-          </p:cNvPicPr>
-          <p:nvPr/>
-        </p:nvPicPr>
-        <p:blipFill>
-          <a:blip r:embed="rId3">
-            <a:extLst>
-              <a:ext uri="{28A0092B-C50C-407E-A947-70E740481C1C}">
-                <a14:useLocalDpi xmlns:a14="http://schemas.microsoft.com/office/drawing/2010/main" val="0"/>
-              </a:ext>
-            </a:extLst>
-          </a:blip>
-          <a:stretch>
-            <a:fillRect/>
-          </a:stretch>
-        </p:blipFill>
-        <p:spPr>
-          <a:xfrm>
-            <a:off x="5943600" y="3382823"/>
-            <a:ext cx="5703757" cy="2392278"/>
-          </a:xfrm>
-          <a:prstGeom prst="rect">
-            <a:avLst/>
-          </a:prstGeom>
-        </p:spPr>
-      </p:pic>
     </p:spTree>
     <p:extLst>
       <p:ext uri="{BB962C8B-B14F-4D97-AF65-F5344CB8AC3E}">
-        <p14:creationId xmlns:p14="http://schemas.microsoft.com/office/powerpoint/2010/main" val="2386880328"/>
+        <p14:creationId xmlns:p14="http://schemas.microsoft.com/office/powerpoint/2010/main" val="368165889"/>
       </p:ext>
     </p:extLst>
   </p:cSld>
@@ -6977,7 +8902,7 @@
           <a:p>
             <a:r>
               <a:rPr lang="de-CH" dirty="0"/>
-              <a:t>Ziele</a:t>
+              <a:t>Ausgangslage</a:t>
             </a:r>
           </a:p>
         </p:txBody>
@@ -6997,14 +8922,112 @@
           <a:bodyPr/>
           <a:lstStyle/>
           <a:p>
+            <a:pPr marL="0" indent="0">
+              <a:buNone/>
+            </a:pPr>
+            <a:r>
+              <a:rPr lang="de-CH" sz="2400" dirty="0"/>
+              <a:t>Was war neu für uns:</a:t>
+            </a:r>
+          </a:p>
+          <a:p>
+            <a:pPr>
+              <a:buFont typeface="Arial" panose="020B0604020202020204" pitchFamily="34" charset="0"/>
+              <a:buChar char="•"/>
+            </a:pPr>
+            <a:r>
+              <a:rPr lang="de-CH" sz="2400" dirty="0"/>
+              <a:t> </a:t>
+            </a:r>
+            <a:r>
+              <a:rPr lang="de-CH" sz="2400" dirty="0" err="1"/>
+              <a:t>Xamarin</a:t>
+            </a:r>
+            <a:endParaRPr lang="de-CH" sz="2400" dirty="0"/>
+          </a:p>
+          <a:p>
+            <a:pPr>
+              <a:buFont typeface="Arial" panose="020B0604020202020204" pitchFamily="34" charset="0"/>
+              <a:buChar char="•"/>
+            </a:pPr>
+            <a:r>
+              <a:rPr lang="de-CH" sz="2400" dirty="0"/>
+              <a:t> Android Emulator</a:t>
+            </a:r>
+          </a:p>
+          <a:p>
+            <a:pPr>
+              <a:buFont typeface="Arial" panose="020B0604020202020204" pitchFamily="34" charset="0"/>
+              <a:buChar char="•"/>
+            </a:pPr>
+            <a:r>
+              <a:rPr lang="de-CH" sz="2400" dirty="0"/>
+              <a:t> Klarer Projektauftrag mit Abgabetermin (Applikationsentwicklung)</a:t>
+            </a:r>
+          </a:p>
+          <a:p>
+            <a:pPr>
+              <a:buFont typeface="Arial" panose="020B0604020202020204" pitchFamily="34" charset="0"/>
+              <a:buChar char="•"/>
+            </a:pPr>
+            <a:r>
+              <a:rPr lang="de-CH" sz="2400" dirty="0"/>
+              <a:t> Zeitmanagement für einen definierten Auftrag</a:t>
+            </a:r>
+          </a:p>
+          <a:p>
+            <a:pPr>
+              <a:buFont typeface="Arial" panose="020B0604020202020204" pitchFamily="34" charset="0"/>
+              <a:buChar char="•"/>
+            </a:pPr>
+            <a:r>
+              <a:rPr lang="de-CH" sz="2400" dirty="0"/>
+              <a:t> Grössere und komplexere Programmstruktur</a:t>
+            </a:r>
+            <a:br>
+              <a:rPr lang="de-CH" dirty="0"/>
+            </a:br>
             <a:endParaRPr lang="de-CH" dirty="0"/>
           </a:p>
-        </p:txBody>
-      </p:sp>
+          <a:p>
+            <a:endParaRPr lang="de-CH" dirty="0"/>
+          </a:p>
+        </p:txBody>
+      </p:sp>
+      <p:pic>
+        <p:nvPicPr>
+          <p:cNvPr id="4" name="Grafik 3"/>
+          <p:cNvPicPr>
+            <a:picLocks noChangeAspect="1"/>
+          </p:cNvPicPr>
+          <p:nvPr/>
+        </p:nvPicPr>
+        <p:blipFill>
+          <a:blip r:embed="rId3">
+            <a:extLst>
+              <a:ext uri="{28A0092B-C50C-407E-A947-70E740481C1C}">
+                <a14:useLocalDpi xmlns:a14="http://schemas.microsoft.com/office/drawing/2010/main" val="0"/>
+              </a:ext>
+            </a:extLst>
+          </a:blip>
+          <a:stretch>
+            <a:fillRect/>
+          </a:stretch>
+        </p:blipFill>
+        <p:spPr>
+          <a:xfrm>
+            <a:off x="5971309" y="4241805"/>
+            <a:ext cx="5703757" cy="2392278"/>
+          </a:xfrm>
+          <a:prstGeom prst="rect">
+            <a:avLst/>
+          </a:prstGeom>
+        </p:spPr>
+      </p:pic>
     </p:spTree>
     <p:extLst>
       <p:ext uri="{BB962C8B-B14F-4D97-AF65-F5344CB8AC3E}">
-        <p14:creationId xmlns:p14="http://schemas.microsoft.com/office/powerpoint/2010/main" val="2776798712"/>
+        <p14:creationId xmlns:p14="http://schemas.microsoft.com/office/powerpoint/2010/main" val="2386880328"/>
       </p:ext>
     </p:extLst>
   </p:cSld>
@@ -7048,165 +9071,270 @@
           <a:p>
             <a:r>
               <a:rPr lang="de-CH" dirty="0"/>
-              <a:t>Umsetzung</a:t>
-            </a:r>
-          </a:p>
-        </p:txBody>
-      </p:sp>
-      <p:sp>
-        <p:nvSpPr>
-          <p:cNvPr id="3" name="Inhaltsplatzhalter 2"/>
-          <p:cNvSpPr>
-            <a:spLocks noGrp="1"/>
-          </p:cNvSpPr>
-          <p:nvPr>
-            <p:ph idx="1"/>
-          </p:nvPr>
-        </p:nvSpPr>
-        <p:spPr/>
-        <p:txBody>
-          <a:bodyPr/>
-          <a:lstStyle/>
-          <a:p>
-            <a:pPr>
-              <a:buFont typeface="Arial" panose="020B0604020202020204" pitchFamily="34" charset="0"/>
-              <a:buChar char="•"/>
-            </a:pPr>
-            <a:r>
-              <a:rPr lang="de-CH" dirty="0"/>
-              <a:t> Installation </a:t>
-            </a:r>
-            <a:r>
-              <a:rPr lang="de-CH" dirty="0" err="1"/>
-              <a:t>Xamarin</a:t>
-            </a:r>
-            <a:r>
-              <a:rPr lang="de-CH" dirty="0"/>
-              <a:t> für Visual Studio</a:t>
-            </a:r>
-          </a:p>
-          <a:p>
-            <a:pPr>
-              <a:buFont typeface="Arial" panose="020B0604020202020204" pitchFamily="34" charset="0"/>
-              <a:buChar char="•"/>
-            </a:pPr>
-            <a:r>
-              <a:rPr lang="de-CH" dirty="0"/>
-              <a:t> Setup Git für </a:t>
-            </a:r>
-            <a:r>
-              <a:rPr lang="de-CH" dirty="0" err="1"/>
-              <a:t>Versionierung</a:t>
-            </a:r>
-            <a:endParaRPr lang="de-CH" dirty="0"/>
-          </a:p>
-          <a:p>
-            <a:pPr>
-              <a:buFont typeface="Arial" panose="020B0604020202020204" pitchFamily="34" charset="0"/>
-              <a:buChar char="•"/>
-            </a:pPr>
-            <a:r>
-              <a:rPr lang="de-CH" dirty="0"/>
-              <a:t> Erste Schritte (angelehnt an Erfahrung mit </a:t>
-            </a:r>
-            <a:r>
-              <a:rPr lang="de-CH" dirty="0" err="1"/>
-              <a:t>Unity</a:t>
-            </a:r>
-            <a:r>
-              <a:rPr lang="de-CH" dirty="0"/>
-              <a:t>, Visual Studio)</a:t>
-            </a:r>
-          </a:p>
-          <a:p>
-            <a:pPr>
-              <a:buFont typeface="Arial" panose="020B0604020202020204" pitchFamily="34" charset="0"/>
-              <a:buChar char="•"/>
-            </a:pPr>
-            <a:r>
-              <a:rPr lang="de-CH" dirty="0"/>
-              <a:t> Youtube Tutorials für </a:t>
-            </a:r>
-            <a:r>
-              <a:rPr lang="de-CH" dirty="0" err="1"/>
-              <a:t>Xamarin</a:t>
-            </a:r>
-            <a:r>
-              <a:rPr lang="de-CH" dirty="0"/>
-              <a:t> Projekte</a:t>
-            </a:r>
-          </a:p>
-          <a:p>
-            <a:pPr>
-              <a:buFont typeface="Arial" panose="020B0604020202020204" pitchFamily="34" charset="0"/>
-              <a:buChar char="•"/>
-            </a:pPr>
-            <a:r>
-              <a:rPr lang="de-CH" dirty="0"/>
-              <a:t> Setup eines Android Emulators</a:t>
-            </a:r>
-          </a:p>
-          <a:p>
-            <a:pPr>
-              <a:buFont typeface="Arial" panose="020B0604020202020204" pitchFamily="34" charset="0"/>
-              <a:buChar char="•"/>
-            </a:pPr>
-            <a:r>
-              <a:rPr lang="de-CH" dirty="0"/>
-              <a:t> Testing erster GUI-Elemente und Funktionen (Emulator)</a:t>
-            </a:r>
-          </a:p>
-          <a:p>
-            <a:pPr>
-              <a:buFont typeface="Arial" panose="020B0604020202020204" pitchFamily="34" charset="0"/>
-              <a:buChar char="•"/>
-            </a:pPr>
-            <a:r>
-              <a:rPr lang="de-CH" dirty="0"/>
-              <a:t> Start Umsetzung des eigentlichen Projekts</a:t>
-            </a:r>
-          </a:p>
-        </p:txBody>
-      </p:sp>
-      <p:pic>
-        <p:nvPicPr>
-          <p:cNvPr id="14" name="Grafik 13"/>
-          <p:cNvPicPr>
-            <a:picLocks noChangeAspect="1"/>
-          </p:cNvPicPr>
-          <p:nvPr/>
-        </p:nvPicPr>
-        <p:blipFill>
-          <a:blip r:embed="rId3">
-            <a:extLst>
-              <a:ext uri="{28A0092B-C50C-407E-A947-70E740481C1C}">
-                <a14:useLocalDpi xmlns:a14="http://schemas.microsoft.com/office/drawing/2010/main" val="0"/>
-              </a:ext>
-            </a:extLst>
-          </a:blip>
-          <a:stretch>
-            <a:fillRect/>
-          </a:stretch>
-        </p:blipFill>
-        <p:spPr>
-          <a:xfrm>
-            <a:off x="1299902" y="5133259"/>
-            <a:ext cx="9653155" cy="999010"/>
-          </a:xfrm>
-          <a:prstGeom prst="rect">
-            <a:avLst/>
-          </a:prstGeom>
-          <a:ln>
-            <a:solidFill>
-              <a:schemeClr val="accent1"/>
-            </a:solidFill>
-          </a:ln>
-        </p:spPr>
-      </p:pic>
+              <a:t>Ziele</a:t>
+            </a:r>
+          </a:p>
+        </p:txBody>
+      </p:sp>
+      <p:graphicFrame>
+        <p:nvGraphicFramePr>
+          <p:cNvPr id="3" name="Tabelle 2"/>
+          <p:cNvGraphicFramePr>
+            <a:graphicFrameLocks noGrp="1"/>
+          </p:cNvGraphicFramePr>
+          <p:nvPr>
+            <p:extLst/>
+          </p:nvPr>
+        </p:nvGraphicFramePr>
+        <p:xfrm>
+          <a:off x="988282" y="1873764"/>
+          <a:ext cx="10472790" cy="1828800"/>
+        </p:xfrm>
+        <a:graphic>
+          <a:graphicData uri="http://schemas.openxmlformats.org/drawingml/2006/table">
+            <a:tbl>
+              <a:tblPr firstRow="1" bandRow="1">
+                <a:tableStyleId>{5C22544A-7EE6-4342-B048-85BDC9FD1C3A}</a:tableStyleId>
+              </a:tblPr>
+              <a:tblGrid>
+                <a:gridCol w="10472790">
+                  <a:extLst>
+                    <a:ext uri="{9D8B030D-6E8A-4147-A177-3AD203B41FA5}">
+                      <a16:colId xmlns:a16="http://schemas.microsoft.com/office/drawing/2014/main" val="2657312004"/>
+                    </a:ext>
+                  </a:extLst>
+                </a:gridCol>
+              </a:tblGrid>
+              <a:tr h="370840">
+                <a:tc>
+                  <a:txBody>
+                    <a:bodyPr/>
+                    <a:lstStyle/>
+                    <a:p>
+                      <a:r>
+                        <a:rPr lang="de-CH" sz="2400" dirty="0"/>
+                        <a:t>Muss-Kriterien</a:t>
+                      </a:r>
+                    </a:p>
+                  </a:txBody>
+                  <a:tcPr/>
+                </a:tc>
+                <a:extLst>
+                  <a:ext uri="{0D108BD9-81ED-4DB2-BD59-A6C34878D82A}">
+                    <a16:rowId xmlns:a16="http://schemas.microsoft.com/office/drawing/2014/main" val="4199092553"/>
+                  </a:ext>
+                </a:extLst>
+              </a:tr>
+              <a:tr h="370840">
+                <a:tc>
+                  <a:txBody>
+                    <a:bodyPr/>
+                    <a:lstStyle/>
+                    <a:p>
+                      <a:r>
+                        <a:rPr lang="de-CH" sz="2400" dirty="0"/>
+                        <a:t>Erfassen von Rezepten (Admin Konsole)</a:t>
+                      </a:r>
+                    </a:p>
+                  </a:txBody>
+                  <a:tcPr/>
+                </a:tc>
+                <a:extLst>
+                  <a:ext uri="{0D108BD9-81ED-4DB2-BD59-A6C34878D82A}">
+                    <a16:rowId xmlns:a16="http://schemas.microsoft.com/office/drawing/2014/main" val="697053066"/>
+                  </a:ext>
+                </a:extLst>
+              </a:tr>
+              <a:tr h="370840">
+                <a:tc>
+                  <a:txBody>
+                    <a:bodyPr/>
+                    <a:lstStyle/>
+                    <a:p>
+                      <a:r>
+                        <a:rPr lang="de-CH" sz="2400" dirty="0"/>
+                        <a:t>Auflistung aller Rezepte (Android App)</a:t>
+                      </a:r>
+                    </a:p>
+                  </a:txBody>
+                  <a:tcPr/>
+                </a:tc>
+                <a:extLst>
+                  <a:ext uri="{0D108BD9-81ED-4DB2-BD59-A6C34878D82A}">
+                    <a16:rowId xmlns:a16="http://schemas.microsoft.com/office/drawing/2014/main" val="2352753554"/>
+                  </a:ext>
+                </a:extLst>
+              </a:tr>
+              <a:tr h="370840">
+                <a:tc>
+                  <a:txBody>
+                    <a:bodyPr/>
+                    <a:lstStyle/>
+                    <a:p>
+                      <a:r>
+                        <a:rPr lang="de-CH" sz="2400" dirty="0"/>
+                        <a:t>Anzeigen einzelner Rezepte</a:t>
+                      </a:r>
+                    </a:p>
+                  </a:txBody>
+                  <a:tcPr/>
+                </a:tc>
+                <a:extLst>
+                  <a:ext uri="{0D108BD9-81ED-4DB2-BD59-A6C34878D82A}">
+                    <a16:rowId xmlns:a16="http://schemas.microsoft.com/office/drawing/2014/main" val="3945051290"/>
+                  </a:ext>
+                </a:extLst>
+              </a:tr>
+            </a:tbl>
+          </a:graphicData>
+        </a:graphic>
+      </p:graphicFrame>
+      <p:graphicFrame>
+        <p:nvGraphicFramePr>
+          <p:cNvPr id="4" name="Tabelle 3"/>
+          <p:cNvGraphicFramePr>
+            <a:graphicFrameLocks noGrp="1"/>
+          </p:cNvGraphicFramePr>
+          <p:nvPr>
+            <p:extLst/>
+          </p:nvPr>
+        </p:nvGraphicFramePr>
+        <p:xfrm>
+          <a:off x="988282" y="3838968"/>
+          <a:ext cx="10472790" cy="2286000"/>
+        </p:xfrm>
+        <a:graphic>
+          <a:graphicData uri="http://schemas.openxmlformats.org/drawingml/2006/table">
+            <a:tbl>
+              <a:tblPr firstRow="1" bandRow="1">
+                <a:tableStyleId>{5C22544A-7EE6-4342-B048-85BDC9FD1C3A}</a:tableStyleId>
+              </a:tblPr>
+              <a:tblGrid>
+                <a:gridCol w="10472790">
+                  <a:extLst>
+                    <a:ext uri="{9D8B030D-6E8A-4147-A177-3AD203B41FA5}">
+                      <a16:colId xmlns:a16="http://schemas.microsoft.com/office/drawing/2014/main" val="2657312004"/>
+                    </a:ext>
+                  </a:extLst>
+                </a:gridCol>
+              </a:tblGrid>
+              <a:tr h="370840">
+                <a:tc>
+                  <a:txBody>
+                    <a:bodyPr/>
+                    <a:lstStyle/>
+                    <a:p>
+                      <a:r>
+                        <a:rPr lang="de-CH" sz="2400" dirty="0"/>
+                        <a:t>Kann-Kriterien</a:t>
+                      </a:r>
+                    </a:p>
+                  </a:txBody>
+                  <a:tcPr/>
+                </a:tc>
+                <a:extLst>
+                  <a:ext uri="{0D108BD9-81ED-4DB2-BD59-A6C34878D82A}">
+                    <a16:rowId xmlns:a16="http://schemas.microsoft.com/office/drawing/2014/main" val="4199092553"/>
+                  </a:ext>
+                </a:extLst>
+              </a:tr>
+              <a:tr h="370840">
+                <a:tc>
+                  <a:txBody>
+                    <a:bodyPr/>
+                    <a:lstStyle/>
+                    <a:p>
+                      <a:r>
+                        <a:rPr lang="de-CH" sz="2400" dirty="0" err="1"/>
+                        <a:t>Timer</a:t>
+                      </a:r>
+                      <a:r>
+                        <a:rPr lang="de-CH" sz="2400" dirty="0"/>
+                        <a:t> für einzelne Kochschritte</a:t>
+                      </a:r>
+                    </a:p>
+                  </a:txBody>
+                  <a:tcPr/>
+                </a:tc>
+                <a:extLst>
+                  <a:ext uri="{0D108BD9-81ED-4DB2-BD59-A6C34878D82A}">
+                    <a16:rowId xmlns:a16="http://schemas.microsoft.com/office/drawing/2014/main" val="697053066"/>
+                  </a:ext>
+                </a:extLst>
+              </a:tr>
+              <a:tr h="370840">
+                <a:tc>
+                  <a:txBody>
+                    <a:bodyPr/>
+                    <a:lstStyle/>
+                    <a:p>
+                      <a:r>
+                        <a:rPr lang="de-CH" sz="2400" dirty="0"/>
+                        <a:t>Rezepte mit Bildern versehen</a:t>
+                      </a:r>
+                    </a:p>
+                  </a:txBody>
+                  <a:tcPr/>
+                </a:tc>
+                <a:extLst>
+                  <a:ext uri="{0D108BD9-81ED-4DB2-BD59-A6C34878D82A}">
+                    <a16:rowId xmlns:a16="http://schemas.microsoft.com/office/drawing/2014/main" val="2352753554"/>
+                  </a:ext>
+                </a:extLst>
+              </a:tr>
+              <a:tr h="370840">
+                <a:tc>
+                  <a:txBody>
+                    <a:bodyPr/>
+                    <a:lstStyle/>
+                    <a:p>
+                      <a:r>
+                        <a:rPr lang="de-CH" sz="2400" dirty="0"/>
+                        <a:t>Berechnung der Zutatenmenge pro Portion</a:t>
+                      </a:r>
+                    </a:p>
+                  </a:txBody>
+                  <a:tcPr/>
+                </a:tc>
+                <a:extLst>
+                  <a:ext uri="{0D108BD9-81ED-4DB2-BD59-A6C34878D82A}">
+                    <a16:rowId xmlns:a16="http://schemas.microsoft.com/office/drawing/2014/main" val="3945051290"/>
+                  </a:ext>
+                </a:extLst>
+              </a:tr>
+              <a:tr h="370840">
+                <a:tc>
+                  <a:txBody>
+                    <a:bodyPr/>
+                    <a:lstStyle/>
+                    <a:p>
+                      <a:r>
+                        <a:rPr lang="de-CH" sz="2400" dirty="0"/>
+                        <a:t>Generieren einer </a:t>
+                      </a:r>
+                      <a:r>
+                        <a:rPr lang="de-CH" sz="2400" dirty="0" err="1"/>
+                        <a:t>Einkaufslite</a:t>
+                      </a:r>
+                      <a:endParaRPr lang="de-CH" sz="2400" dirty="0"/>
+                    </a:p>
+                  </a:txBody>
+                  <a:tcPr/>
+                </a:tc>
+                <a:extLst>
+                  <a:ext uri="{0D108BD9-81ED-4DB2-BD59-A6C34878D82A}">
+                    <a16:rowId xmlns:a16="http://schemas.microsoft.com/office/drawing/2014/main" val="1312524704"/>
+                  </a:ext>
+                </a:extLst>
+              </a:tr>
+            </a:tbl>
+          </a:graphicData>
+        </a:graphic>
+      </p:graphicFrame>
     </p:spTree>
     <p:extLst>
       <p:ext uri="{BB962C8B-B14F-4D97-AF65-F5344CB8AC3E}">
-        <p14:creationId xmlns:p14="http://schemas.microsoft.com/office/powerpoint/2010/main" val="1338967068"/>
+        <p14:creationId xmlns:p14="http://schemas.microsoft.com/office/powerpoint/2010/main" val="1336162615"/>
       </p:ext>
     </p:extLst>
   </p:cSld>
@@ -7250,7 +9378,7 @@
           <a:p>
             <a:r>
               <a:rPr lang="de-CH" dirty="0"/>
-              <a:t>Stolpersteine (Frontend)</a:t>
+              <a:t>Umsetzung</a:t>
             </a:r>
           </a:p>
         </p:txBody>
@@ -7265,48 +9393,33 @@
             <p:ph idx="1"/>
           </p:nvPr>
         </p:nvSpPr>
-        <p:spPr/>
-        <p:txBody>
-          <a:bodyPr/>
-          <a:lstStyle/>
-          <a:p>
-            <a:pPr marL="0" indent="0">
-              <a:buNone/>
-            </a:pPr>
-            <a:r>
-              <a:rPr lang="de-CH" sz="2400" b="1" dirty="0"/>
-              <a:t>Layouts</a:t>
-            </a:r>
-          </a:p>
-          <a:p>
-            <a:pPr marL="0" indent="0">
-              <a:buNone/>
-            </a:pPr>
-            <a:r>
-              <a:rPr lang="de-CH" dirty="0"/>
-              <a:t>Wie kann ich Elemente da platzieren, wo ich sie haben will?</a:t>
-            </a:r>
-            <a:br>
-              <a:rPr lang="de-CH" dirty="0"/>
-            </a:br>
-            <a:endParaRPr lang="de-CH" dirty="0"/>
-          </a:p>
+        <p:spPr>
+          <a:xfrm>
+            <a:off x="1097280" y="1766422"/>
+            <a:ext cx="10058400" cy="4023360"/>
+          </a:xfrm>
+        </p:spPr>
+        <p:txBody>
+          <a:bodyPr>
+            <a:normAutofit/>
+          </a:bodyPr>
+          <a:lstStyle/>
           <a:p>
             <a:pPr>
               <a:buFont typeface="Arial" panose="020B0604020202020204" pitchFamily="34" charset="0"/>
               <a:buChar char="•"/>
             </a:pPr>
             <a:r>
-              <a:rPr lang="de-CH" dirty="0"/>
-              <a:t> </a:t>
-            </a:r>
-            <a:r>
-              <a:rPr lang="de-CH" dirty="0" err="1"/>
+              <a:rPr lang="de-CH" sz="2300" dirty="0"/>
+              <a:t> Installation </a:t>
+            </a:r>
+            <a:r>
+              <a:rPr lang="de-CH" sz="2300" dirty="0" err="1"/>
               <a:t>Xamarin</a:t>
             </a:r>
             <a:r>
-              <a:rPr lang="de-CH" dirty="0"/>
-              <a:t> arbeitet mit vorgefertigten Layouts für verschiedene Zwecke.</a:t>
+              <a:rPr lang="de-CH" sz="2300" dirty="0"/>
+              <a:t> für Visual Studio</a:t>
             </a:r>
           </a:p>
           <a:p>
@@ -7315,15 +9428,86 @@
               <a:buChar char="•"/>
             </a:pPr>
             <a:r>
-              <a:rPr lang="de-CH" dirty="0"/>
-              <a:t> Welches Layout soll für welchen Screen genommen werden?</a:t>
+              <a:rPr lang="de-CH" sz="2300" dirty="0"/>
+              <a:t> Setup Git für </a:t>
+            </a:r>
+            <a:r>
+              <a:rPr lang="de-CH" sz="2300" dirty="0" err="1"/>
+              <a:t>Versionierung</a:t>
+            </a:r>
+            <a:endParaRPr lang="de-CH" sz="2300" dirty="0"/>
+          </a:p>
+          <a:p>
+            <a:pPr>
+              <a:buFont typeface="Arial" panose="020B0604020202020204" pitchFamily="34" charset="0"/>
+              <a:buChar char="•"/>
+            </a:pPr>
+            <a:r>
+              <a:rPr lang="de-CH" sz="2300" dirty="0"/>
+              <a:t> Erste Schritte (angelehnt an Erfahrung mit </a:t>
+            </a:r>
+            <a:r>
+              <a:rPr lang="de-CH" sz="2300" dirty="0" err="1"/>
+              <a:t>Unity</a:t>
+            </a:r>
+            <a:r>
+              <a:rPr lang="de-CH" sz="2300" dirty="0"/>
+              <a:t>, Visual Studio)</a:t>
+            </a:r>
+          </a:p>
+          <a:p>
+            <a:pPr>
+              <a:buFont typeface="Arial" panose="020B0604020202020204" pitchFamily="34" charset="0"/>
+              <a:buChar char="•"/>
+            </a:pPr>
+            <a:r>
+              <a:rPr lang="de-CH" sz="2300" dirty="0"/>
+              <a:t> Youtube Tutorials für </a:t>
+            </a:r>
+            <a:r>
+              <a:rPr lang="de-CH" sz="2300" dirty="0" err="1"/>
+              <a:t>Xamarin</a:t>
+            </a:r>
+            <a:r>
+              <a:rPr lang="de-CH" sz="2300" dirty="0"/>
+              <a:t> Projekte</a:t>
+            </a:r>
+          </a:p>
+          <a:p>
+            <a:pPr>
+              <a:buFont typeface="Arial" panose="020B0604020202020204" pitchFamily="34" charset="0"/>
+              <a:buChar char="•"/>
+            </a:pPr>
+            <a:r>
+              <a:rPr lang="de-CH" sz="2300" dirty="0"/>
+              <a:t> Setup eines Android Emulators</a:t>
+            </a:r>
+          </a:p>
+          <a:p>
+            <a:pPr>
+              <a:buFont typeface="Arial" panose="020B0604020202020204" pitchFamily="34" charset="0"/>
+              <a:buChar char="•"/>
+            </a:pPr>
+            <a:r>
+              <a:rPr lang="de-CH" sz="2300" dirty="0"/>
+              <a:t> Testing erster GUI-Elemente und Funktionen (Emulator)</a:t>
+            </a:r>
+          </a:p>
+          <a:p>
+            <a:pPr>
+              <a:buFont typeface="Arial" panose="020B0604020202020204" pitchFamily="34" charset="0"/>
+              <a:buChar char="•"/>
+            </a:pPr>
+            <a:r>
+              <a:rPr lang="de-CH" sz="2300" dirty="0"/>
+              <a:t> Start Umsetzung des eigentlichen Projekts</a:t>
             </a:r>
           </a:p>
         </p:txBody>
       </p:sp>
       <p:pic>
         <p:nvPicPr>
-          <p:cNvPr id="4" name="Grafik 3"/>
+          <p:cNvPr id="14" name="Grafik 13"/>
           <p:cNvPicPr>
             <a:picLocks noChangeAspect="1"/>
           </p:cNvPicPr>
@@ -7343,18 +9527,23 @@
         </p:blipFill>
         <p:spPr>
           <a:xfrm>
-            <a:off x="1097280" y="4204284"/>
-            <a:ext cx="9663545" cy="1773184"/>
+            <a:off x="1299902" y="5234861"/>
+            <a:ext cx="9653155" cy="999010"/>
           </a:xfrm>
           <a:prstGeom prst="rect">
             <a:avLst/>
           </a:prstGeom>
+          <a:ln>
+            <a:solidFill>
+              <a:schemeClr val="accent1"/>
+            </a:solidFill>
+          </a:ln>
         </p:spPr>
       </p:pic>
     </p:spTree>
     <p:extLst>
       <p:ext uri="{BB962C8B-B14F-4D97-AF65-F5344CB8AC3E}">
-        <p14:creationId xmlns:p14="http://schemas.microsoft.com/office/powerpoint/2010/main" val="2492771315"/>
+        <p14:creationId xmlns:p14="http://schemas.microsoft.com/office/powerpoint/2010/main" val="1338967068"/>
       </p:ext>
     </p:extLst>
   </p:cSld>

--- a/Docs/Präsentation_Kochbuch.pptx
+++ b/Docs/Präsentation_Kochbuch.pptx
@@ -5,27 +5,26 @@
     <p:sldMasterId id="2147483660" r:id="rId1"/>
   </p:sldMasterIdLst>
   <p:notesMasterIdLst>
-    <p:notesMasterId r:id="rId20"/>
+    <p:notesMasterId r:id="rId19"/>
   </p:notesMasterIdLst>
   <p:sldIdLst>
     <p:sldId id="256" r:id="rId2"/>
     <p:sldId id="257" r:id="rId3"/>
     <p:sldId id="258" r:id="rId4"/>
     <p:sldId id="275" r:id="rId5"/>
-    <p:sldId id="259" r:id="rId6"/>
-    <p:sldId id="264" r:id="rId7"/>
-    <p:sldId id="265" r:id="rId8"/>
-    <p:sldId id="274" r:id="rId9"/>
-    <p:sldId id="261" r:id="rId10"/>
-    <p:sldId id="266" r:id="rId11"/>
-    <p:sldId id="268" r:id="rId12"/>
-    <p:sldId id="269" r:id="rId13"/>
-    <p:sldId id="270" r:id="rId14"/>
-    <p:sldId id="276" r:id="rId15"/>
-    <p:sldId id="277" r:id="rId16"/>
-    <p:sldId id="271" r:id="rId17"/>
-    <p:sldId id="272" r:id="rId18"/>
-    <p:sldId id="273" r:id="rId19"/>
+    <p:sldId id="264" r:id="rId6"/>
+    <p:sldId id="265" r:id="rId7"/>
+    <p:sldId id="274" r:id="rId8"/>
+    <p:sldId id="261" r:id="rId9"/>
+    <p:sldId id="266" r:id="rId10"/>
+    <p:sldId id="268" r:id="rId11"/>
+    <p:sldId id="269" r:id="rId12"/>
+    <p:sldId id="270" r:id="rId13"/>
+    <p:sldId id="276" r:id="rId14"/>
+    <p:sldId id="277" r:id="rId15"/>
+    <p:sldId id="271" r:id="rId16"/>
+    <p:sldId id="272" r:id="rId17"/>
+    <p:sldId id="273" r:id="rId18"/>
   </p:sldIdLst>
   <p:sldSz cx="12192000" cy="6858000"/>
   <p:notesSz cx="6858000" cy="9144000"/>
@@ -226,7 +225,7 @@
           <a:p>
             <a:fld id="{D4D9BF5D-8F6E-4990-B8DF-66E92D1AC67B}" type="datetimeFigureOut">
               <a:rPr lang="de-CH" smtClean="0"/>
-              <a:t>01.02.2017</a:t>
+              <a:t>02.02.2017</a:t>
             </a:fld>
             <a:endParaRPr lang="de-CH"/>
           </a:p>
@@ -658,7 +657,7 @@
     </p:spTree>
     <p:extLst>
       <p:ext uri="{BB962C8B-B14F-4D97-AF65-F5344CB8AC3E}">
-        <p14:creationId xmlns:p14="http://schemas.microsoft.com/office/powerpoint/2010/main" val="790359931"/>
+        <p14:creationId xmlns:p14="http://schemas.microsoft.com/office/powerpoint/2010/main" val="3249829210"/>
       </p:ext>
     </p:extLst>
   </p:cSld>
@@ -737,93 +736,6 @@
             <a:fld id="{C2E70478-8B1B-41E7-96C6-064E91E3539D}" type="slidenum">
               <a:rPr lang="de-CH" smtClean="0"/>
               <a:t>17</a:t>
-            </a:fld>
-            <a:endParaRPr lang="de-CH"/>
-          </a:p>
-        </p:txBody>
-      </p:sp>
-    </p:spTree>
-    <p:extLst>
-      <p:ext uri="{BB962C8B-B14F-4D97-AF65-F5344CB8AC3E}">
-        <p14:creationId xmlns:p14="http://schemas.microsoft.com/office/powerpoint/2010/main" val="3249829210"/>
-      </p:ext>
-    </p:extLst>
-  </p:cSld>
-  <p:clrMapOvr>
-    <a:masterClrMapping/>
-  </p:clrMapOvr>
-</p:notes>
-</file>
-
-<file path=ppt/notesSlides/notesSlide12.xml><?xml version="1.0" encoding="utf-8"?>
-<p:notes xmlns:a="http://schemas.openxmlformats.org/drawingml/2006/main" xmlns:r="http://schemas.openxmlformats.org/officeDocument/2006/relationships" xmlns:p="http://schemas.openxmlformats.org/presentationml/2006/main">
-  <p:cSld>
-    <p:spTree>
-      <p:nvGrpSpPr>
-        <p:cNvPr id="1" name=""/>
-        <p:cNvGrpSpPr/>
-        <p:nvPr/>
-      </p:nvGrpSpPr>
-      <p:grpSpPr>
-        <a:xfrm>
-          <a:off x="0" y="0"/>
-          <a:ext cx="0" cy="0"/>
-          <a:chOff x="0" y="0"/>
-          <a:chExt cx="0" cy="0"/>
-        </a:xfrm>
-      </p:grpSpPr>
-      <p:sp>
-        <p:nvSpPr>
-          <p:cNvPr id="2" name="Folienbildplatzhalter 1"/>
-          <p:cNvSpPr>
-            <a:spLocks noGrp="1" noRot="1" noChangeAspect="1"/>
-          </p:cNvSpPr>
-          <p:nvPr>
-            <p:ph type="sldImg"/>
-          </p:nvPr>
-        </p:nvSpPr>
-        <p:spPr/>
-      </p:sp>
-      <p:sp>
-        <p:nvSpPr>
-          <p:cNvPr id="3" name="Notizenplatzhalter 2"/>
-          <p:cNvSpPr>
-            <a:spLocks noGrp="1"/>
-          </p:cNvSpPr>
-          <p:nvPr>
-            <p:ph type="body" idx="1"/>
-          </p:nvPr>
-        </p:nvSpPr>
-        <p:spPr/>
-        <p:txBody>
-          <a:bodyPr/>
-          <a:lstStyle/>
-          <a:p>
-            <a:r>
-              <a:rPr lang="de-CH" dirty="0"/>
-              <a:t>Erste Schritte: GUI Elemente wie Layout, </a:t>
-            </a:r>
-          </a:p>
-        </p:txBody>
-      </p:sp>
-      <p:sp>
-        <p:nvSpPr>
-          <p:cNvPr id="4" name="Foliennummernplatzhalter 3"/>
-          <p:cNvSpPr>
-            <a:spLocks noGrp="1"/>
-          </p:cNvSpPr>
-          <p:nvPr>
-            <p:ph type="sldNum" sz="quarter" idx="10"/>
-          </p:nvPr>
-        </p:nvSpPr>
-        <p:spPr/>
-        <p:txBody>
-          <a:bodyPr/>
-          <a:lstStyle/>
-          <a:p>
-            <a:fld id="{C2E70478-8B1B-41E7-96C6-064E91E3539D}" type="slidenum">
-              <a:rPr lang="de-CH" smtClean="0"/>
-              <a:t>18</a:t>
             </a:fld>
             <a:endParaRPr lang="de-CH"/>
           </a:p>
@@ -888,7 +800,23 @@
           <a:p>
             <a:r>
               <a:rPr lang="de-CH" dirty="0"/>
-              <a:t>Folie ganz weg und frei erzählen? Oder zumindest Stichworte.</a:t>
+              <a:t>DB </a:t>
+            </a:r>
+            <a:r>
+              <a:rPr lang="de-CH" dirty="0" err="1"/>
+              <a:t>Know</a:t>
+            </a:r>
+            <a:r>
+              <a:rPr lang="de-CH" dirty="0"/>
+              <a:t> </a:t>
+            </a:r>
+            <a:r>
+              <a:rPr lang="de-CH" dirty="0" err="1"/>
+              <a:t>How</a:t>
+            </a:r>
+            <a:r>
+              <a:rPr lang="de-CH" dirty="0"/>
+              <a:t> auch erwähnen</a:t>
             </a:r>
           </a:p>
         </p:txBody>
@@ -919,7 +847,7 @@
     </p:spTree>
     <p:extLst>
       <p:ext uri="{BB962C8B-B14F-4D97-AF65-F5344CB8AC3E}">
-        <p14:creationId xmlns:p14="http://schemas.microsoft.com/office/powerpoint/2010/main" val="3187987584"/>
+        <p14:creationId xmlns:p14="http://schemas.microsoft.com/office/powerpoint/2010/main" val="3150460737"/>
       </p:ext>
     </p:extLst>
   </p:cSld>
@@ -975,23 +903,37 @@
           <a:p>
             <a:r>
               <a:rPr lang="de-CH" dirty="0"/>
-              <a:t>DB </a:t>
+              <a:t>Verbindung DB (</a:t>
             </a:r>
             <a:r>
               <a:rPr lang="de-CH" dirty="0" err="1"/>
-              <a:t>Know</a:t>
+              <a:t>Win</a:t>
             </a:r>
             <a:r>
               <a:rPr lang="de-CH" dirty="0"/>
-              <a:t> </a:t>
+              <a:t> Server) mit einer mobile App. Einlesen und Wiedergeben von Daten auf </a:t>
             </a:r>
             <a:r>
               <a:rPr lang="de-CH" dirty="0" err="1"/>
-              <a:t>How</a:t>
+              <a:t>Xamarin</a:t>
             </a:r>
             <a:r>
               <a:rPr lang="de-CH" dirty="0"/>
-              <a:t> auch erwähnen</a:t>
+              <a:t>.</a:t>
+            </a:r>
+          </a:p>
+          <a:p>
+            <a:r>
+              <a:rPr lang="de-CH" dirty="0"/>
+              <a:t>Warum </a:t>
+            </a:r>
+            <a:r>
+              <a:rPr lang="de-CH" dirty="0" err="1"/>
+              <a:t>Xamarim</a:t>
+            </a:r>
+            <a:r>
+              <a:rPr lang="de-CH" dirty="0"/>
+              <a:t>? -&gt; Android und C# unterstützt</a:t>
             </a:r>
           </a:p>
         </p:txBody>
@@ -1022,7 +964,7 @@
     </p:spTree>
     <p:extLst>
       <p:ext uri="{BB962C8B-B14F-4D97-AF65-F5344CB8AC3E}">
-        <p14:creationId xmlns:p14="http://schemas.microsoft.com/office/powerpoint/2010/main" val="3150460737"/>
+        <p14:creationId xmlns:p14="http://schemas.microsoft.com/office/powerpoint/2010/main" val="1502907652"/>
       </p:ext>
     </p:extLst>
   </p:cSld>
@@ -1078,37 +1020,7 @@
           <a:p>
             <a:r>
               <a:rPr lang="de-CH" dirty="0"/>
-              <a:t>Verbindung DB (</a:t>
-            </a:r>
-            <a:r>
-              <a:rPr lang="de-CH" dirty="0" err="1"/>
-              <a:t>Win</a:t>
-            </a:r>
-            <a:r>
-              <a:rPr lang="de-CH" dirty="0"/>
-              <a:t> Server) mit einer mobile App. Einlesen und Wiedergeben von Daten auf </a:t>
-            </a:r>
-            <a:r>
-              <a:rPr lang="de-CH" dirty="0" err="1"/>
-              <a:t>Xamarin</a:t>
-            </a:r>
-            <a:r>
-              <a:rPr lang="de-CH" dirty="0"/>
-              <a:t>.</a:t>
-            </a:r>
-          </a:p>
-          <a:p>
-            <a:r>
-              <a:rPr lang="de-CH" dirty="0"/>
-              <a:t>Warum </a:t>
-            </a:r>
-            <a:r>
-              <a:rPr lang="de-CH" dirty="0" err="1"/>
-              <a:t>Xamarim</a:t>
-            </a:r>
-            <a:r>
-              <a:rPr lang="de-CH" dirty="0"/>
-              <a:t>? -&gt; Android und C# unterstützt</a:t>
+              <a:t>Erste Schritte: GUI Elemente wie Layout, </a:t>
             </a:r>
           </a:p>
         </p:txBody>
@@ -1130,7 +1042,7 @@
           <a:p>
             <a:fld id="{C2E70478-8B1B-41E7-96C6-064E91E3539D}" type="slidenum">
               <a:rPr lang="de-CH" smtClean="0"/>
-              <a:t>7</a:t>
+              <a:t>8</a:t>
             </a:fld>
             <a:endParaRPr lang="de-CH"/>
           </a:p>
@@ -1139,7 +1051,7 @@
     </p:spTree>
     <p:extLst>
       <p:ext uri="{BB962C8B-B14F-4D97-AF65-F5344CB8AC3E}">
-        <p14:creationId xmlns:p14="http://schemas.microsoft.com/office/powerpoint/2010/main" val="1502907652"/>
+        <p14:creationId xmlns:p14="http://schemas.microsoft.com/office/powerpoint/2010/main" val="3236046504"/>
       </p:ext>
     </p:extLst>
   </p:cSld>
@@ -1226,7 +1138,7 @@
     </p:spTree>
     <p:extLst>
       <p:ext uri="{BB962C8B-B14F-4D97-AF65-F5344CB8AC3E}">
-        <p14:creationId xmlns:p14="http://schemas.microsoft.com/office/powerpoint/2010/main" val="3236046504"/>
+        <p14:creationId xmlns:p14="http://schemas.microsoft.com/office/powerpoint/2010/main" val="3672304105"/>
       </p:ext>
     </p:extLst>
   </p:cSld>
@@ -1313,7 +1225,7 @@
     </p:spTree>
     <p:extLst>
       <p:ext uri="{BB962C8B-B14F-4D97-AF65-F5344CB8AC3E}">
-        <p14:creationId xmlns:p14="http://schemas.microsoft.com/office/powerpoint/2010/main" val="3672304105"/>
+        <p14:creationId xmlns:p14="http://schemas.microsoft.com/office/powerpoint/2010/main" val="757691452"/>
       </p:ext>
     </p:extLst>
   </p:cSld>
@@ -1367,10 +1279,59 @@
           <a:bodyPr/>
           <a:lstStyle/>
           <a:p>
+            <a:pPr marL="0" marR="0" lvl="0" indent="0" algn="l" defTabSz="914400" rtl="0" eaLnBrk="1" fontAlgn="auto" latinLnBrk="0" hangingPunct="1">
+              <a:lnSpc>
+                <a:spcPct val="100000"/>
+              </a:lnSpc>
+              <a:spcBef>
+                <a:spcPts val="0"/>
+              </a:spcBef>
+              <a:spcAft>
+                <a:spcPts val="0"/>
+              </a:spcAft>
+              <a:buClrTx/>
+              <a:buSzTx/>
+              <a:buFontTx/>
+              <a:buNone/>
+              <a:tabLst/>
+              <a:defRPr/>
+            </a:pPr>
             <a:r>
               <a:rPr lang="de-CH" dirty="0"/>
-              <a:t>Erste Schritte: GUI Elemente wie Layout, </a:t>
-            </a:r>
+              <a:t>Wird ein GUI Element auf einem Layout platziert, wird automatisch Code im AXML-File für das </a:t>
+            </a:r>
+            <a:br>
+              <a:rPr lang="de-CH" dirty="0"/>
+            </a:br>
+            <a:r>
+              <a:rPr lang="de-CH" dirty="0"/>
+              <a:t> Element generiert. Will man jedoch ein GUI Element ansprechen, wird das in einem .</a:t>
+            </a:r>
+            <a:r>
+              <a:rPr lang="de-CH" dirty="0" err="1"/>
+              <a:t>cs</a:t>
+            </a:r>
+            <a:r>
+              <a:rPr lang="de-CH" dirty="0"/>
+              <a:t>-File </a:t>
+            </a:r>
+            <a:br>
+              <a:rPr lang="de-CH" dirty="0"/>
+            </a:br>
+            <a:r>
+              <a:rPr lang="de-CH" dirty="0"/>
+              <a:t> definiert. Das entsprechende Element muss dann erst gefunden und zugewiesen werden.</a:t>
+            </a:r>
+            <a:br>
+              <a:rPr lang="de-CH" dirty="0"/>
+            </a:br>
+            <a:r>
+              <a:rPr lang="de-CH" dirty="0"/>
+              <a:t> Erst anschliessend kann eine Funktion mitgegeben werden.</a:t>
+            </a:r>
+          </a:p>
+          <a:p>
+            <a:endParaRPr lang="de-CH" dirty="0"/>
           </a:p>
         </p:txBody>
       </p:sp>
@@ -1400,7 +1361,7 @@
     </p:spTree>
     <p:extLst>
       <p:ext uri="{BB962C8B-B14F-4D97-AF65-F5344CB8AC3E}">
-        <p14:creationId xmlns:p14="http://schemas.microsoft.com/office/powerpoint/2010/main" val="757691452"/>
+        <p14:creationId xmlns:p14="http://schemas.microsoft.com/office/powerpoint/2010/main" val="659691376"/>
       </p:ext>
     </p:extLst>
   </p:cSld>
@@ -1487,7 +1448,7 @@
     </p:spTree>
     <p:extLst>
       <p:ext uri="{BB962C8B-B14F-4D97-AF65-F5344CB8AC3E}">
-        <p14:creationId xmlns:p14="http://schemas.microsoft.com/office/powerpoint/2010/main" val="659691376"/>
+        <p14:creationId xmlns:p14="http://schemas.microsoft.com/office/powerpoint/2010/main" val="777957648"/>
       </p:ext>
     </p:extLst>
   </p:cSld>
@@ -1565,7 +1526,7 @@
           <a:p>
             <a:fld id="{C2E70478-8B1B-41E7-96C6-064E91E3539D}" type="slidenum">
               <a:rPr lang="de-CH" smtClean="0"/>
-              <a:t>13</a:t>
+              <a:t>15</a:t>
             </a:fld>
             <a:endParaRPr lang="de-CH"/>
           </a:p>
@@ -1574,7 +1535,7 @@
     </p:spTree>
     <p:extLst>
       <p:ext uri="{BB962C8B-B14F-4D97-AF65-F5344CB8AC3E}">
-        <p14:creationId xmlns:p14="http://schemas.microsoft.com/office/powerpoint/2010/main" val="777957648"/>
+        <p14:creationId xmlns:p14="http://schemas.microsoft.com/office/powerpoint/2010/main" val="790359931"/>
       </p:ext>
     </p:extLst>
   </p:cSld>
@@ -1810,7 +1771,7 @@
           <a:p>
             <a:fld id="{6799DEA1-B85C-449D-9548-A6B79A35F35F}" type="datetimeFigureOut">
               <a:rPr lang="de-CH" smtClean="0"/>
-              <a:t>01.02.2017</a:t>
+              <a:t>02.02.2017</a:t>
             </a:fld>
             <a:endParaRPr lang="de-CH"/>
           </a:p>
@@ -2018,7 +1979,7 @@
           <a:p>
             <a:fld id="{6799DEA1-B85C-449D-9548-A6B79A35F35F}" type="datetimeFigureOut">
               <a:rPr lang="de-CH" smtClean="0"/>
-              <a:t>01.02.2017</a:t>
+              <a:t>02.02.2017</a:t>
             </a:fld>
             <a:endParaRPr lang="de-CH"/>
           </a:p>
@@ -2274,7 +2235,7 @@
           <a:p>
             <a:fld id="{6799DEA1-B85C-449D-9548-A6B79A35F35F}" type="datetimeFigureOut">
               <a:rPr lang="de-CH" smtClean="0"/>
-              <a:t>01.02.2017</a:t>
+              <a:t>02.02.2017</a:t>
             </a:fld>
             <a:endParaRPr lang="de-CH"/>
           </a:p>
@@ -2448,7 +2409,7 @@
           <a:p>
             <a:fld id="{6799DEA1-B85C-449D-9548-A6B79A35F35F}" type="datetimeFigureOut">
               <a:rPr lang="de-CH" smtClean="0"/>
-              <a:t>01.02.2017</a:t>
+              <a:t>02.02.2017</a:t>
             </a:fld>
             <a:endParaRPr lang="de-CH"/>
           </a:p>
@@ -2791,7 +2752,7 @@
           <a:p>
             <a:fld id="{6799DEA1-B85C-449D-9548-A6B79A35F35F}" type="datetimeFigureOut">
               <a:rPr lang="de-CH" smtClean="0"/>
-              <a:t>01.02.2017</a:t>
+              <a:t>02.02.2017</a:t>
             </a:fld>
             <a:endParaRPr lang="de-CH"/>
           </a:p>
@@ -3066,7 +3027,7 @@
           <a:p>
             <a:fld id="{6799DEA1-B85C-449D-9548-A6B79A35F35F}" type="datetimeFigureOut">
               <a:rPr lang="de-CH" smtClean="0"/>
-              <a:t>01.02.2017</a:t>
+              <a:t>02.02.2017</a:t>
             </a:fld>
             <a:endParaRPr lang="de-CH"/>
           </a:p>
@@ -3445,7 +3406,7 @@
           <a:p>
             <a:fld id="{6799DEA1-B85C-449D-9548-A6B79A35F35F}" type="datetimeFigureOut">
               <a:rPr lang="de-CH" smtClean="0"/>
-              <a:t>01.02.2017</a:t>
+              <a:t>02.02.2017</a:t>
             </a:fld>
             <a:endParaRPr lang="de-CH"/>
           </a:p>
@@ -3563,7 +3524,7 @@
           <a:p>
             <a:fld id="{6799DEA1-B85C-449D-9548-A6B79A35F35F}" type="datetimeFigureOut">
               <a:rPr lang="de-CH" smtClean="0"/>
-              <a:t>01.02.2017</a:t>
+              <a:t>02.02.2017</a:t>
             </a:fld>
             <a:endParaRPr lang="de-CH"/>
           </a:p>
@@ -3734,7 +3695,7 @@
           <a:p>
             <a:fld id="{6799DEA1-B85C-449D-9548-A6B79A35F35F}" type="datetimeFigureOut">
               <a:rPr lang="de-CH" smtClean="0"/>
-              <a:t>01.02.2017</a:t>
+              <a:t>02.02.2017</a:t>
             </a:fld>
             <a:endParaRPr lang="de-CH"/>
           </a:p>
@@ -4088,7 +4049,7 @@
           <a:p>
             <a:fld id="{6799DEA1-B85C-449D-9548-A6B79A35F35F}" type="datetimeFigureOut">
               <a:rPr lang="de-CH" smtClean="0"/>
-              <a:t>01.02.2017</a:t>
+              <a:t>02.02.2017</a:t>
             </a:fld>
             <a:endParaRPr lang="de-CH"/>
           </a:p>
@@ -4470,7 +4431,7 @@
           <a:p>
             <a:fld id="{6799DEA1-B85C-449D-9548-A6B79A35F35F}" type="datetimeFigureOut">
               <a:rPr lang="de-CH" smtClean="0"/>
-              <a:t>01.02.2017</a:t>
+              <a:t>02.02.2017</a:t>
             </a:fld>
             <a:endParaRPr lang="de-CH"/>
           </a:p>
@@ -4757,7 +4718,7 @@
           <a:p>
             <a:fld id="{6799DEA1-B85C-449D-9548-A6B79A35F35F}" type="datetimeFigureOut">
               <a:rPr lang="de-CH" smtClean="0"/>
-              <a:t>01.02.2017</a:t>
+              <a:t>02.02.2017</a:t>
             </a:fld>
             <a:endParaRPr lang="de-CH"/>
           </a:p>
@@ -5367,154 +5328,6 @@
           <a:chExt cx="0" cy="0"/>
         </a:xfrm>
       </p:grpSpPr>
-      <p:sp>
-        <p:nvSpPr>
-          <p:cNvPr id="2" name="Titel 1"/>
-          <p:cNvSpPr>
-            <a:spLocks noGrp="1"/>
-          </p:cNvSpPr>
-          <p:nvPr>
-            <p:ph type="title"/>
-          </p:nvPr>
-        </p:nvSpPr>
-        <p:spPr/>
-        <p:txBody>
-          <a:bodyPr/>
-          <a:lstStyle/>
-          <a:p>
-            <a:r>
-              <a:rPr lang="de-CH" dirty="0"/>
-              <a:t>Stolpersteine (Frontend)</a:t>
-            </a:r>
-          </a:p>
-        </p:txBody>
-      </p:sp>
-      <p:sp>
-        <p:nvSpPr>
-          <p:cNvPr id="3" name="Inhaltsplatzhalter 2"/>
-          <p:cNvSpPr>
-            <a:spLocks noGrp="1"/>
-          </p:cNvSpPr>
-          <p:nvPr>
-            <p:ph idx="1"/>
-          </p:nvPr>
-        </p:nvSpPr>
-        <p:spPr/>
-        <p:txBody>
-          <a:bodyPr/>
-          <a:lstStyle/>
-          <a:p>
-            <a:pPr marL="0" indent="0">
-              <a:buNone/>
-            </a:pPr>
-            <a:r>
-              <a:rPr lang="de-CH" sz="2400" b="1" dirty="0"/>
-              <a:t>Layouts</a:t>
-            </a:r>
-          </a:p>
-          <a:p>
-            <a:pPr marL="0" indent="0">
-              <a:buNone/>
-            </a:pPr>
-            <a:r>
-              <a:rPr lang="de-CH" sz="2400" dirty="0"/>
-              <a:t>Wie kann ich Elemente da platzieren, wo ich sie haben will?</a:t>
-            </a:r>
-            <a:br>
-              <a:rPr lang="de-CH" sz="2400" dirty="0"/>
-            </a:br>
-            <a:endParaRPr lang="de-CH" sz="2400" dirty="0"/>
-          </a:p>
-          <a:p>
-            <a:pPr>
-              <a:buFont typeface="Arial" panose="020B0604020202020204" pitchFamily="34" charset="0"/>
-              <a:buChar char="•"/>
-            </a:pPr>
-            <a:r>
-              <a:rPr lang="de-CH" sz="2400" dirty="0"/>
-              <a:t> </a:t>
-            </a:r>
-            <a:r>
-              <a:rPr lang="de-CH" sz="2400" dirty="0" err="1"/>
-              <a:t>Xamarin</a:t>
-            </a:r>
-            <a:r>
-              <a:rPr lang="de-CH" sz="2400" dirty="0"/>
-              <a:t> arbeitet mit vorgefertigten Layouts für verschiedene Zwecke.</a:t>
-            </a:r>
-          </a:p>
-          <a:p>
-            <a:pPr>
-              <a:buFont typeface="Arial" panose="020B0604020202020204" pitchFamily="34" charset="0"/>
-              <a:buChar char="•"/>
-            </a:pPr>
-            <a:r>
-              <a:rPr lang="de-CH" sz="2400" dirty="0"/>
-              <a:t> Welches Layout soll für welchen Screen genommen werden?</a:t>
-            </a:r>
-          </a:p>
-        </p:txBody>
-      </p:sp>
-      <p:pic>
-        <p:nvPicPr>
-          <p:cNvPr id="4" name="Grafik 3"/>
-          <p:cNvPicPr>
-            <a:picLocks noChangeAspect="1"/>
-          </p:cNvPicPr>
-          <p:nvPr/>
-        </p:nvPicPr>
-        <p:blipFill>
-          <a:blip r:embed="rId3">
-            <a:extLst>
-              <a:ext uri="{28A0092B-C50C-407E-A947-70E740481C1C}">
-                <a14:useLocalDpi xmlns:a14="http://schemas.microsoft.com/office/drawing/2010/main" val="0"/>
-              </a:ext>
-            </a:extLst>
-          </a:blip>
-          <a:stretch>
-            <a:fillRect/>
-          </a:stretch>
-        </p:blipFill>
-        <p:spPr>
-          <a:xfrm>
-            <a:off x="1097280" y="4204284"/>
-            <a:ext cx="9663545" cy="1773184"/>
-          </a:xfrm>
-          <a:prstGeom prst="rect">
-            <a:avLst/>
-          </a:prstGeom>
-        </p:spPr>
-      </p:pic>
-    </p:spTree>
-    <p:extLst>
-      <p:ext uri="{BB962C8B-B14F-4D97-AF65-F5344CB8AC3E}">
-        <p14:creationId xmlns:p14="http://schemas.microsoft.com/office/powerpoint/2010/main" val="2492771315"/>
-      </p:ext>
-    </p:extLst>
-  </p:cSld>
-  <p:clrMapOvr>
-    <a:masterClrMapping/>
-  </p:clrMapOvr>
-</p:sld>
-</file>
-
-<file path=ppt/slides/slide11.xml><?xml version="1.0" encoding="utf-8"?>
-<p:sld xmlns:a="http://schemas.openxmlformats.org/drawingml/2006/main" xmlns:r="http://schemas.openxmlformats.org/officeDocument/2006/relationships" xmlns:p="http://schemas.openxmlformats.org/presentationml/2006/main">
-  <p:cSld>
-    <p:spTree>
-      <p:nvGrpSpPr>
-        <p:cNvPr id="1" name=""/>
-        <p:cNvGrpSpPr/>
-        <p:nvPr/>
-      </p:nvGrpSpPr>
-      <p:grpSpPr>
-        <a:xfrm>
-          <a:off x="0" y="0"/>
-          <a:ext cx="0" cy="0"/>
-          <a:chOff x="0" y="0"/>
-          <a:chExt cx="0" cy="0"/>
-        </a:xfrm>
-      </p:grpSpPr>
       <p:pic>
         <p:nvPicPr>
           <p:cNvPr id="8" name="Grafik 7"/>
@@ -5629,26 +5442,15 @@
               <a:buChar char="•"/>
             </a:pPr>
             <a:r>
-              <a:rPr lang="de-CH" dirty="0"/>
-              <a:t> </a:t>
-            </a:r>
-            <a:r>
               <a:rPr lang="de-CH" sz="2400" dirty="0"/>
-              <a:t>Oft Kombinationen aus diversen </a:t>
+              <a:t>Kombinationen aus diversen </a:t>
             </a:r>
             <a:br>
               <a:rPr lang="de-CH" sz="2400" dirty="0"/>
             </a:br>
             <a:r>
               <a:rPr lang="de-CH" sz="2400" dirty="0"/>
-              <a:t>Layouts um ein gewünschtes </a:t>
-            </a:r>
-            <a:br>
-              <a:rPr lang="de-CH" sz="2400" dirty="0"/>
-            </a:br>
-            <a:r>
-              <a:rPr lang="de-CH" sz="2400" dirty="0"/>
-              <a:t>Verhalten zu erzielen.</a:t>
+              <a:t>Layouts sind möglich</a:t>
             </a:r>
           </a:p>
         </p:txBody>
@@ -5725,7 +5527,7 @@
 </p:sld>
 </file>
 
-<file path=ppt/slides/slide12.xml><?xml version="1.0" encoding="utf-8"?>
+<file path=ppt/slides/slide11.xml><?xml version="1.0" encoding="utf-8"?>
 <p:sld xmlns:a="http://schemas.openxmlformats.org/drawingml/2006/main" xmlns:r="http://schemas.openxmlformats.org/officeDocument/2006/relationships" xmlns:p="http://schemas.openxmlformats.org/presentationml/2006/main">
   <p:cSld>
     <p:spTree>
@@ -5794,13 +5596,13 @@
               <a:buNone/>
             </a:pPr>
             <a:r>
-              <a:rPr lang="de-CH" dirty="0"/>
+              <a:rPr lang="de-CH" sz="2400" dirty="0"/>
               <a:t>Wie gebe ich einem Button eine gewünschte Funktionalität?</a:t>
             </a:r>
             <a:br>
-              <a:rPr lang="de-CH" dirty="0"/>
+              <a:rPr lang="de-CH" sz="2400" dirty="0"/>
             </a:br>
-            <a:endParaRPr lang="de-CH" dirty="0"/>
+            <a:endParaRPr lang="de-CH" sz="2400" dirty="0"/>
           </a:p>
           <a:p>
             <a:pPr>
@@ -5808,52 +5610,16 @@
               <a:buChar char="•"/>
             </a:pPr>
             <a:r>
-              <a:rPr lang="de-CH" dirty="0"/>
+              <a:rPr lang="de-CH" sz="2400" dirty="0"/>
               <a:t> </a:t>
             </a:r>
             <a:r>
-              <a:rPr lang="de-CH" dirty="0" err="1"/>
+              <a:rPr lang="de-CH" sz="2400" dirty="0" err="1"/>
               <a:t>Xamarin</a:t>
             </a:r>
             <a:r>
-              <a:rPr lang="de-CH" dirty="0"/>
+              <a:rPr lang="de-CH" sz="2400" dirty="0"/>
               <a:t> nimmt dem Entwickler einen Teil der Arbeit durch Automation ab.</a:t>
-            </a:r>
-            <a:br>
-              <a:rPr lang="de-CH" dirty="0"/>
-            </a:br>
-            <a:r>
-              <a:rPr lang="de-CH" dirty="0"/>
-              <a:t> Wird ein GUI Element auf einem Layout platziert, wird automatisch Code im AXML-File für das </a:t>
-            </a:r>
-            <a:br>
-              <a:rPr lang="de-CH" dirty="0"/>
-            </a:br>
-            <a:r>
-              <a:rPr lang="de-CH" dirty="0"/>
-              <a:t> Element generiert. Will man jedoch ein GUI Element ansprechen, wird das in einem .</a:t>
-            </a:r>
-            <a:r>
-              <a:rPr lang="de-CH" dirty="0" err="1"/>
-              <a:t>cs</a:t>
-            </a:r>
-            <a:r>
-              <a:rPr lang="de-CH" dirty="0"/>
-              <a:t>-File </a:t>
-            </a:r>
-            <a:br>
-              <a:rPr lang="de-CH" dirty="0"/>
-            </a:br>
-            <a:r>
-              <a:rPr lang="de-CH" dirty="0"/>
-              <a:t> definiert. Das entsprechende Element muss dann erst gefunden und zugewiesen werden.</a:t>
-            </a:r>
-            <a:br>
-              <a:rPr lang="de-CH" dirty="0"/>
-            </a:br>
-            <a:r>
-              <a:rPr lang="de-CH" dirty="0"/>
-              <a:t> Erst anschliessend kann eine Funktion mitgegeben werden.</a:t>
             </a:r>
           </a:p>
           <a:p>
@@ -5862,15 +5628,15 @@
               <a:buChar char="•"/>
             </a:pPr>
             <a:r>
-              <a:rPr lang="de-CH" dirty="0"/>
-              <a:t> Wie stelle ich eine Verbindung vom .</a:t>
-            </a:r>
-            <a:r>
-              <a:rPr lang="de-CH" dirty="0" err="1"/>
-              <a:t>cs</a:t>
-            </a:r>
-            <a:r>
-              <a:rPr lang="de-CH" dirty="0"/>
+              <a:rPr lang="de-CH" sz="2400" dirty="0"/>
+              <a:t> Wie stelle ich eine Verbindung vom </a:t>
+            </a:r>
+            <a:r>
+              <a:rPr lang="de-CH" sz="2400" dirty="0" err="1"/>
+              <a:t>Activity.cs</a:t>
+            </a:r>
+            <a:r>
+              <a:rPr lang="de-CH" sz="2400" dirty="0"/>
               <a:t>-File zum GUI Element her?</a:t>
             </a:r>
           </a:p>
@@ -5880,7 +5646,7 @@
               <a:buChar char="•"/>
             </a:pPr>
             <a:r>
-              <a:rPr lang="de-CH" dirty="0"/>
+              <a:rPr lang="de-CH" sz="2400" dirty="0"/>
               <a:t> Wie weise ich dem GUI Element eine bestimmte Funktion zu?</a:t>
             </a:r>
           </a:p>
@@ -5908,7 +5674,7 @@
         </p:blipFill>
         <p:spPr>
           <a:xfrm>
-            <a:off x="8599689" y="4420922"/>
+            <a:off x="9079215" y="4249832"/>
             <a:ext cx="2076465" cy="1619262"/>
           </a:xfrm>
           <a:prstGeom prst="rect">
@@ -5929,7 +5695,7 @@
 </p:sld>
 </file>
 
-<file path=ppt/slides/slide13.xml><?xml version="1.0" encoding="utf-8"?>
+<file path=ppt/slides/slide12.xml><?xml version="1.0" encoding="utf-8"?>
 <p:sld xmlns:a="http://schemas.openxmlformats.org/drawingml/2006/main" xmlns:r="http://schemas.openxmlformats.org/officeDocument/2006/relationships" xmlns:p="http://schemas.openxmlformats.org/presentationml/2006/main">
   <p:cSld>
     <p:spTree>
@@ -6127,7 +5893,7 @@
 </p:sld>
 </file>
 
-<file path=ppt/slides/slide14.xml><?xml version="1.0" encoding="utf-8"?>
+<file path=ppt/slides/slide13.xml><?xml version="1.0" encoding="utf-8"?>
 <p:sld xmlns:a="http://schemas.openxmlformats.org/drawingml/2006/main" xmlns:r="http://schemas.openxmlformats.org/officeDocument/2006/relationships" xmlns:p="http://schemas.openxmlformats.org/presentationml/2006/main">
   <p:cSld>
     <p:spTree>
@@ -7113,7 +6879,7 @@
 </p:sld>
 </file>
 
-<file path=ppt/slides/slide15.xml><?xml version="1.0" encoding="utf-8"?>
+<file path=ppt/slides/slide14.xml><?xml version="1.0" encoding="utf-8"?>
 <p:sld xmlns:a="http://schemas.openxmlformats.org/drawingml/2006/main" xmlns:r="http://schemas.openxmlformats.org/officeDocument/2006/relationships" xmlns:p="http://schemas.openxmlformats.org/presentationml/2006/main">
   <p:cSld>
     <p:spTree>
@@ -7258,7 +7024,7 @@
 </p:sld>
 </file>
 
-<file path=ppt/slides/slide16.xml><?xml version="1.0" encoding="utf-8"?>
+<file path=ppt/slides/slide15.xml><?xml version="1.0" encoding="utf-8"?>
 <p:sld xmlns:a="http://schemas.openxmlformats.org/drawingml/2006/main" xmlns:r="http://schemas.openxmlformats.org/officeDocument/2006/relationships" xmlns:p="http://schemas.openxmlformats.org/presentationml/2006/main">
   <p:cSld>
     <p:spTree>
@@ -7429,7 +7195,7 @@
 </p:sld>
 </file>
 
-<file path=ppt/slides/slide17.xml><?xml version="1.0" encoding="utf-8"?>
+<file path=ppt/slides/slide16.xml><?xml version="1.0" encoding="utf-8"?>
 <p:sld xmlns:a="http://schemas.openxmlformats.org/drawingml/2006/main" xmlns:r="http://schemas.openxmlformats.org/officeDocument/2006/relationships" xmlns:p="http://schemas.openxmlformats.org/presentationml/2006/main">
   <p:cSld>
     <p:spTree>
@@ -7489,7 +7255,7 @@
 </p:sld>
 </file>
 
-<file path=ppt/slides/slide18.xml><?xml version="1.0" encoding="utf-8"?>
+<file path=ppt/slides/slide17.xml><?xml version="1.0" encoding="utf-8"?>
 <p:sld xmlns:a="http://schemas.openxmlformats.org/drawingml/2006/main" xmlns:r="http://schemas.openxmlformats.org/officeDocument/2006/relationships" xmlns:p="http://schemas.openxmlformats.org/presentationml/2006/main">
   <p:cSld>
     <p:spTree>
@@ -7680,16 +7446,8 @@
               <a:t>Ausgangslage (</a:t>
             </a:r>
             <a:r>
-              <a:rPr lang="de-CH" sz="1700" b="1" dirty="0">
-                <a:solidFill>
-                  <a:srgbClr val="FF0000"/>
-                </a:solidFill>
-              </a:rPr>
-              <a:t>Roman</a:t>
-            </a:r>
-            <a:r>
-              <a:rPr lang="de-CH" dirty="0"/>
-              <a:t>)</a:t>
+              <a:rPr lang="de-CH" sz="2100" dirty="0"/>
+              <a:t>Roman)</a:t>
             </a:r>
           </a:p>
           <a:p>
@@ -7944,7 +7702,7 @@
           <a:graphicData uri="http://schemas.openxmlformats.org/presentationml/2006/ole">
             <mc:AlternateContent xmlns:mc="http://schemas.openxmlformats.org/markup-compatibility/2006">
               <mc:Choice xmlns:v="urn:schemas-microsoft-com:vml" Requires="v">
-                <p:oleObj spid="_x0000_s1131" name="Image" r:id="rId3" imgW="4596480" imgH="4583880" progId="Photoshop.Image.16">
+                <p:oleObj spid="_x0000_s1155" name="Image" r:id="rId3" imgW="4596480" imgH="4583880" progId="Photoshop.Image.16">
                   <p:embed/>
                 </p:oleObj>
               </mc:Choice>
@@ -8011,7 +7769,7 @@
             <a:graphicData uri="http://schemas.openxmlformats.org/presentationml/2006/ole">
               <mc:AlternateContent xmlns:mc="http://schemas.openxmlformats.org/markup-compatibility/2006">
                 <mc:Choice xmlns:v="urn:schemas-microsoft-com:vml" Requires="v">
-                  <p:oleObj spid="_x0000_s1132" name="Image" r:id="rId5" imgW="4482360" imgH="4419000" progId="Photoshop.Image.16">
+                  <p:oleObj spid="_x0000_s1156" name="Image" r:id="rId5" imgW="4482360" imgH="4419000" progId="Photoshop.Image.16">
                     <p:embed/>
                   </p:oleObj>
                 </mc:Choice>
@@ -8218,7 +7976,7 @@
             <a:graphicData uri="http://schemas.openxmlformats.org/presentationml/2006/ole">
               <mc:AlternateContent xmlns:mc="http://schemas.openxmlformats.org/markup-compatibility/2006">
                 <mc:Choice xmlns:v="urn:schemas-microsoft-com:vml" Requires="v">
-                  <p:oleObj spid="_x0000_s1133" name="Image" r:id="rId8" imgW="1625040" imgH="1587240" progId="Photoshop.Image.16">
+                  <p:oleObj spid="_x0000_s1157" name="Image" r:id="rId8" imgW="1625040" imgH="1587240" progId="Photoshop.Image.16">
                     <p:embed/>
                   </p:oleObj>
                 </mc:Choice>
@@ -8609,22 +8367,155 @@
           <a:bodyPr/>
           <a:lstStyle/>
           <a:p>
-            <a:r>
-              <a:rPr lang="de-CH" sz="2400" dirty="0"/>
-              <a:t>Im Rahmen des Moduls «Programmiersprachen – Fallbeispiel» entwickeln die Studierenden eine etwas komplexere Software, um den zuvor gelernten Stoff durch die Implementierung einer lauffähigen Applikation zu vertiefen. </a:t>
-            </a:r>
-            <a:br>
-              <a:rPr lang="de-CH" sz="2400" dirty="0"/>
-            </a:br>
-            <a:r>
-              <a:rPr lang="de-CH" sz="2400" dirty="0"/>
-              <a:t>Dabei wird die Komplexität der Applikation abgestimmt auf die individuellen Vorkenntnisse der Studierenden.</a:t>
-            </a:r>
-          </a:p>
-          <a:p>
             <a:pPr marL="0" indent="0">
               <a:buNone/>
             </a:pPr>
+            <a:r>
+              <a:rPr lang="de-CH" sz="2400" dirty="0"/>
+              <a:t>Was bringen wir mit:</a:t>
+            </a:r>
+          </a:p>
+          <a:p>
+            <a:pPr>
+              <a:buFont typeface="Arial" panose="020B0604020202020204" pitchFamily="34" charset="0"/>
+              <a:buChar char="•"/>
+            </a:pPr>
+            <a:r>
+              <a:rPr lang="de-CH" dirty="0"/>
+              <a:t> </a:t>
+            </a:r>
+            <a:r>
+              <a:rPr lang="de-CH" sz="2400" dirty="0"/>
+              <a:t>Informatiker EFZ (Roman) – Cloud </a:t>
+            </a:r>
+            <a:r>
+              <a:rPr lang="de-CH" sz="2400" dirty="0" err="1"/>
+              <a:t>Presales</a:t>
+            </a:r>
+            <a:r>
+              <a:rPr lang="de-CH" sz="2400" dirty="0"/>
+              <a:t> &amp; Project Support</a:t>
+            </a:r>
+          </a:p>
+          <a:p>
+            <a:pPr>
+              <a:buFont typeface="Arial" panose="020B0604020202020204" pitchFamily="34" charset="0"/>
+              <a:buChar char="•"/>
+            </a:pPr>
+            <a:r>
+              <a:rPr lang="de-CH" sz="2400" dirty="0"/>
+              <a:t> IT Service Engineer HF (Felipe) – Junior Software Engineer Security</a:t>
+            </a:r>
+          </a:p>
+          <a:p>
+            <a:pPr>
+              <a:buFont typeface="Arial" panose="020B0604020202020204" pitchFamily="34" charset="0"/>
+              <a:buChar char="•"/>
+            </a:pPr>
+            <a:r>
+              <a:rPr lang="de-CH" sz="2400" dirty="0"/>
+              <a:t> Kenntnisse auf </a:t>
+            </a:r>
+            <a:r>
+              <a:rPr lang="de-CH" sz="2400" dirty="0" err="1"/>
+              <a:t>Unity</a:t>
+            </a:r>
+            <a:r>
+              <a:rPr lang="de-CH" sz="2400" dirty="0"/>
+              <a:t> (Learning </a:t>
+            </a:r>
+            <a:r>
+              <a:rPr lang="de-CH" sz="2400" dirty="0" err="1"/>
+              <a:t>by</a:t>
+            </a:r>
+            <a:r>
+              <a:rPr lang="de-CH" sz="2400" dirty="0"/>
+              <a:t> </a:t>
+            </a:r>
+            <a:r>
+              <a:rPr lang="de-CH" sz="2400" dirty="0" err="1"/>
+              <a:t>youtubing</a:t>
+            </a:r>
+            <a:r>
+              <a:rPr lang="de-CH" sz="2400" dirty="0"/>
+              <a:t>) mit C#</a:t>
+            </a:r>
+          </a:p>
+          <a:p>
+            <a:pPr>
+              <a:buFont typeface="Arial" panose="020B0604020202020204" pitchFamily="34" charset="0"/>
+              <a:buChar char="•"/>
+            </a:pPr>
+            <a:r>
+              <a:rPr lang="de-CH" sz="2400" dirty="0"/>
+              <a:t> Und eine so entstandene selbst entworfene App «</a:t>
+            </a:r>
+            <a:r>
+              <a:rPr lang="de-CH" sz="2400" dirty="0" err="1"/>
+              <a:t>Squared</a:t>
+            </a:r>
+            <a:r>
+              <a:rPr lang="de-CH" sz="2400" dirty="0"/>
+              <a:t>»    </a:t>
+            </a:r>
+            <a:r>
+              <a:rPr lang="de-CH" dirty="0">
+                <a:solidFill>
+                  <a:schemeClr val="accent6">
+                    <a:lumMod val="20000"/>
+                    <a:lumOff val="80000"/>
+                  </a:schemeClr>
+                </a:solidFill>
+              </a:rPr>
+              <a:t>Bitte </a:t>
+            </a:r>
+            <a:r>
+              <a:rPr lang="de-CH" dirty="0" err="1">
+                <a:solidFill>
+                  <a:schemeClr val="accent6">
+                    <a:lumMod val="20000"/>
+                    <a:lumOff val="80000"/>
+                  </a:schemeClr>
+                </a:solidFill>
+              </a:rPr>
+              <a:t>alli</a:t>
+            </a:r>
+            <a:r>
+              <a:rPr lang="de-CH" dirty="0">
+                <a:solidFill>
+                  <a:schemeClr val="accent6">
+                    <a:lumMod val="20000"/>
+                    <a:lumOff val="80000"/>
+                  </a:schemeClr>
+                </a:solidFill>
+              </a:rPr>
+              <a:t> </a:t>
+            </a:r>
+            <a:r>
+              <a:rPr lang="de-CH" dirty="0" err="1">
+                <a:solidFill>
+                  <a:schemeClr val="accent6">
+                    <a:lumMod val="20000"/>
+                    <a:lumOff val="80000"/>
+                  </a:schemeClr>
+                </a:solidFill>
+              </a:rPr>
+              <a:t>abelade</a:t>
+            </a:r>
+            <a:r>
+              <a:rPr lang="de-CH" dirty="0">
+                <a:solidFill>
+                  <a:schemeClr val="accent6">
+                    <a:lumMod val="20000"/>
+                    <a:lumOff val="80000"/>
+                  </a:schemeClr>
+                </a:solidFill>
+              </a:rPr>
+              <a:t>!!</a:t>
+            </a:r>
+            <a:br>
+              <a:rPr lang="de-CH" dirty="0"/>
+            </a:br>
             <a:endParaRPr lang="de-CH" dirty="0"/>
           </a:p>
           <a:p>
@@ -8635,7 +8526,7 @@
     </p:spTree>
     <p:extLst>
       <p:ext uri="{BB962C8B-B14F-4D97-AF65-F5344CB8AC3E}">
-        <p14:creationId xmlns:p14="http://schemas.microsoft.com/office/powerpoint/2010/main" val="3345530213"/>
+        <p14:creationId xmlns:p14="http://schemas.microsoft.com/office/powerpoint/2010/main" val="368165889"/>
       </p:ext>
     </p:extLst>
   </p:cSld>
@@ -8704,7 +8595,7 @@
             </a:pPr>
             <a:r>
               <a:rPr lang="de-CH" sz="2400" dirty="0"/>
-              <a:t>Was bringen wir mit:</a:t>
+              <a:t>Was war neu für uns:</a:t>
             </a:r>
           </a:p>
           <a:p>
@@ -8713,21 +8604,14 @@
               <a:buChar char="•"/>
             </a:pPr>
             <a:r>
-              <a:rPr lang="de-CH" dirty="0"/>
+              <a:rPr lang="de-CH" sz="2400" dirty="0"/>
               <a:t> </a:t>
             </a:r>
             <a:r>
-              <a:rPr lang="de-CH" sz="2400" dirty="0"/>
-              <a:t>Informatiker EFZ (Roman) – Cloud </a:t>
-            </a:r>
-            <a:r>
               <a:rPr lang="de-CH" sz="2400" dirty="0" err="1"/>
-              <a:t>Presales</a:t>
-            </a:r>
-            <a:r>
-              <a:rPr lang="de-CH" sz="2400" dirty="0"/>
-              <a:t> &amp; Project Support</a:t>
-            </a:r>
+              <a:t>Xamarin</a:t>
+            </a:r>
+            <a:endParaRPr lang="de-CH" sz="2400" dirty="0"/>
           </a:p>
           <a:p>
             <a:pPr>
@@ -8736,7 +8620,7 @@
             </a:pPr>
             <a:r>
               <a:rPr lang="de-CH" sz="2400" dirty="0"/>
-              <a:t> IT Service Engineer FH (Felipe) – Junior Software Engineer Security</a:t>
+              <a:t> Android Emulator</a:t>
             </a:r>
           </a:p>
           <a:p>
@@ -8746,31 +8630,7 @@
             </a:pPr>
             <a:r>
               <a:rPr lang="de-CH" sz="2400" dirty="0"/>
-              <a:t> Kenntnisse auf </a:t>
-            </a:r>
-            <a:r>
-              <a:rPr lang="de-CH" sz="2400" dirty="0" err="1"/>
-              <a:t>Unity</a:t>
-            </a:r>
-            <a:r>
-              <a:rPr lang="de-CH" sz="2400" dirty="0"/>
-              <a:t> (Learning </a:t>
-            </a:r>
-            <a:r>
-              <a:rPr lang="de-CH" sz="2400" dirty="0" err="1"/>
-              <a:t>by</a:t>
-            </a:r>
-            <a:r>
-              <a:rPr lang="de-CH" sz="2400" dirty="0"/>
-              <a:t> </a:t>
-            </a:r>
-            <a:r>
-              <a:rPr lang="de-CH" sz="2400" dirty="0" err="1"/>
-              <a:t>youtubing</a:t>
-            </a:r>
-            <a:r>
-              <a:rPr lang="de-CH" sz="2400" dirty="0"/>
-              <a:t>) mit C#</a:t>
+              <a:t> Programm Architektur von Grund auf</a:t>
             </a:r>
           </a:p>
           <a:p>
@@ -8780,154 +8640,7 @@
             </a:pPr>
             <a:r>
               <a:rPr lang="de-CH" sz="2400" dirty="0"/>
-              <a:t> Und eine so entstandene selbst entworfene App «</a:t>
-            </a:r>
-            <a:r>
-              <a:rPr lang="de-CH" sz="2400" dirty="0" err="1"/>
-              <a:t>Squared</a:t>
-            </a:r>
-            <a:r>
-              <a:rPr lang="de-CH" sz="2400" dirty="0"/>
-              <a:t>»    </a:t>
-            </a:r>
-            <a:r>
-              <a:rPr lang="de-CH" dirty="0">
-                <a:solidFill>
-                  <a:schemeClr val="accent6">
-                    <a:lumMod val="20000"/>
-                    <a:lumOff val="80000"/>
-                  </a:schemeClr>
-                </a:solidFill>
-              </a:rPr>
-              <a:t>Bitte </a:t>
-            </a:r>
-            <a:r>
-              <a:rPr lang="de-CH" dirty="0" err="1">
-                <a:solidFill>
-                  <a:schemeClr val="accent6">
-                    <a:lumMod val="20000"/>
-                    <a:lumOff val="80000"/>
-                  </a:schemeClr>
-                </a:solidFill>
-              </a:rPr>
-              <a:t>alli</a:t>
-            </a:r>
-            <a:r>
-              <a:rPr lang="de-CH" dirty="0">
-                <a:solidFill>
-                  <a:schemeClr val="accent6">
-                    <a:lumMod val="20000"/>
-                    <a:lumOff val="80000"/>
-                  </a:schemeClr>
-                </a:solidFill>
-              </a:rPr>
-              <a:t> </a:t>
-            </a:r>
-            <a:r>
-              <a:rPr lang="de-CH" dirty="0" err="1">
-                <a:solidFill>
-                  <a:schemeClr val="accent6">
-                    <a:lumMod val="20000"/>
-                    <a:lumOff val="80000"/>
-                  </a:schemeClr>
-                </a:solidFill>
-              </a:rPr>
-              <a:t>abelade</a:t>
-            </a:r>
-            <a:r>
-              <a:rPr lang="de-CH" dirty="0">
-                <a:solidFill>
-                  <a:schemeClr val="accent6">
-                    <a:lumMod val="20000"/>
-                    <a:lumOff val="80000"/>
-                  </a:schemeClr>
-                </a:solidFill>
-              </a:rPr>
-              <a:t>!!</a:t>
-            </a:r>
-            <a:br>
-              <a:rPr lang="de-CH" dirty="0"/>
-            </a:br>
-            <a:endParaRPr lang="de-CH" dirty="0"/>
-          </a:p>
-          <a:p>
-            <a:endParaRPr lang="de-CH" dirty="0"/>
-          </a:p>
-        </p:txBody>
-      </p:sp>
-    </p:spTree>
-    <p:extLst>
-      <p:ext uri="{BB962C8B-B14F-4D97-AF65-F5344CB8AC3E}">
-        <p14:creationId xmlns:p14="http://schemas.microsoft.com/office/powerpoint/2010/main" val="368165889"/>
-      </p:ext>
-    </p:extLst>
-  </p:cSld>
-  <p:clrMapOvr>
-    <a:masterClrMapping/>
-  </p:clrMapOvr>
-</p:sld>
-</file>
-
-<file path=ppt/slides/slide7.xml><?xml version="1.0" encoding="utf-8"?>
-<p:sld xmlns:a="http://schemas.openxmlformats.org/drawingml/2006/main" xmlns:r="http://schemas.openxmlformats.org/officeDocument/2006/relationships" xmlns:p="http://schemas.openxmlformats.org/presentationml/2006/main">
-  <p:cSld>
-    <p:spTree>
-      <p:nvGrpSpPr>
-        <p:cNvPr id="1" name=""/>
-        <p:cNvGrpSpPr/>
-        <p:nvPr/>
-      </p:nvGrpSpPr>
-      <p:grpSpPr>
-        <a:xfrm>
-          <a:off x="0" y="0"/>
-          <a:ext cx="0" cy="0"/>
-          <a:chOff x="0" y="0"/>
-          <a:chExt cx="0" cy="0"/>
-        </a:xfrm>
-      </p:grpSpPr>
-      <p:sp>
-        <p:nvSpPr>
-          <p:cNvPr id="2" name="Titel 1"/>
-          <p:cNvSpPr>
-            <a:spLocks noGrp="1"/>
-          </p:cNvSpPr>
-          <p:nvPr>
-            <p:ph type="title"/>
-          </p:nvPr>
-        </p:nvSpPr>
-        <p:spPr/>
-        <p:txBody>
-          <a:bodyPr/>
-          <a:lstStyle/>
-          <a:p>
-            <a:r>
-              <a:rPr lang="de-CH" dirty="0"/>
-              <a:t>Ausgangslage</a:t>
-            </a:r>
-          </a:p>
-        </p:txBody>
-      </p:sp>
-      <p:sp>
-        <p:nvSpPr>
-          <p:cNvPr id="3" name="Inhaltsplatzhalter 2"/>
-          <p:cNvSpPr>
-            <a:spLocks noGrp="1"/>
-          </p:cNvSpPr>
-          <p:nvPr>
-            <p:ph idx="1"/>
-          </p:nvPr>
-        </p:nvSpPr>
-        <p:spPr/>
-        <p:txBody>
-          <a:bodyPr/>
-          <a:lstStyle/>
-          <a:p>
-            <a:pPr marL="0" indent="0">
-              <a:buNone/>
-            </a:pPr>
-            <a:r>
-              <a:rPr lang="de-CH" sz="2400" dirty="0"/>
-              <a:t>Was war neu für uns:</a:t>
+              <a:t> Grössere und komplexere Programmstruktur</a:t>
             </a:r>
           </a:p>
           <a:p>
@@ -8937,52 +8650,7 @@
             </a:pPr>
             <a:r>
               <a:rPr lang="de-CH" sz="2400" dirty="0"/>
-              <a:t> </a:t>
-            </a:r>
-            <a:r>
-              <a:rPr lang="de-CH" sz="2400" dirty="0" err="1"/>
-              <a:t>Xamarin</a:t>
-            </a:r>
-            <a:endParaRPr lang="de-CH" sz="2400" dirty="0"/>
-          </a:p>
-          <a:p>
-            <a:pPr>
-              <a:buFont typeface="Arial" panose="020B0604020202020204" pitchFamily="34" charset="0"/>
-              <a:buChar char="•"/>
-            </a:pPr>
-            <a:r>
-              <a:rPr lang="de-CH" sz="2400" dirty="0"/>
-              <a:t> Android Emulator</a:t>
-            </a:r>
-          </a:p>
-          <a:p>
-            <a:pPr>
-              <a:buFont typeface="Arial" panose="020B0604020202020204" pitchFamily="34" charset="0"/>
-              <a:buChar char="•"/>
-            </a:pPr>
-            <a:r>
-              <a:rPr lang="de-CH" sz="2400" dirty="0"/>
-              <a:t> Klarer Projektauftrag mit Abgabetermin (Applikationsentwicklung)</a:t>
-            </a:r>
-          </a:p>
-          <a:p>
-            <a:pPr>
-              <a:buFont typeface="Arial" panose="020B0604020202020204" pitchFamily="34" charset="0"/>
-              <a:buChar char="•"/>
-            </a:pPr>
-            <a:r>
-              <a:rPr lang="de-CH" sz="2400" dirty="0"/>
-              <a:t> Zeitmanagement für einen definierten Auftrag</a:t>
-            </a:r>
-          </a:p>
-          <a:p>
-            <a:pPr>
-              <a:buFont typeface="Arial" panose="020B0604020202020204" pitchFamily="34" charset="0"/>
-              <a:buChar char="•"/>
-            </a:pPr>
-            <a:r>
-              <a:rPr lang="de-CH" sz="2400" dirty="0"/>
-              <a:t> Grössere und komplexere Programmstruktur</a:t>
+              <a:t> Zeitmanagement</a:t>
             </a:r>
             <a:br>
               <a:rPr lang="de-CH" dirty="0"/>
@@ -9037,7 +8705,7 @@
 </p:sld>
 </file>
 
-<file path=ppt/slides/slide8.xml><?xml version="1.0" encoding="utf-8"?>
+<file path=ppt/slides/slide7.xml><?xml version="1.0" encoding="utf-8"?>
 <p:sld xmlns:a="http://schemas.openxmlformats.org/drawingml/2006/main" xmlns:r="http://schemas.openxmlformats.org/officeDocument/2006/relationships" xmlns:p="http://schemas.openxmlformats.org/presentationml/2006/main">
   <p:cSld>
     <p:spTree>
@@ -9344,7 +9012,7 @@
 </p:sld>
 </file>
 
-<file path=ppt/slides/slide9.xml><?xml version="1.0" encoding="utf-8"?>
+<file path=ppt/slides/slide8.xml><?xml version="1.0" encoding="utf-8"?>
 <p:sld xmlns:a="http://schemas.openxmlformats.org/drawingml/2006/main" xmlns:r="http://schemas.openxmlformats.org/officeDocument/2006/relationships" xmlns:p="http://schemas.openxmlformats.org/presentationml/2006/main">
   <p:cSld>
     <p:spTree>
@@ -9544,6 +9212,154 @@
     <p:extLst>
       <p:ext uri="{BB962C8B-B14F-4D97-AF65-F5344CB8AC3E}">
         <p14:creationId xmlns:p14="http://schemas.microsoft.com/office/powerpoint/2010/main" val="1338967068"/>
+      </p:ext>
+    </p:extLst>
+  </p:cSld>
+  <p:clrMapOvr>
+    <a:masterClrMapping/>
+  </p:clrMapOvr>
+</p:sld>
+</file>
+
+<file path=ppt/slides/slide9.xml><?xml version="1.0" encoding="utf-8"?>
+<p:sld xmlns:a="http://schemas.openxmlformats.org/drawingml/2006/main" xmlns:r="http://schemas.openxmlformats.org/officeDocument/2006/relationships" xmlns:p="http://schemas.openxmlformats.org/presentationml/2006/main">
+  <p:cSld>
+    <p:spTree>
+      <p:nvGrpSpPr>
+        <p:cNvPr id="1" name=""/>
+        <p:cNvGrpSpPr/>
+        <p:nvPr/>
+      </p:nvGrpSpPr>
+      <p:grpSpPr>
+        <a:xfrm>
+          <a:off x="0" y="0"/>
+          <a:ext cx="0" cy="0"/>
+          <a:chOff x="0" y="0"/>
+          <a:chExt cx="0" cy="0"/>
+        </a:xfrm>
+      </p:grpSpPr>
+      <p:sp>
+        <p:nvSpPr>
+          <p:cNvPr id="2" name="Titel 1"/>
+          <p:cNvSpPr>
+            <a:spLocks noGrp="1"/>
+          </p:cNvSpPr>
+          <p:nvPr>
+            <p:ph type="title"/>
+          </p:nvPr>
+        </p:nvSpPr>
+        <p:spPr/>
+        <p:txBody>
+          <a:bodyPr/>
+          <a:lstStyle/>
+          <a:p>
+            <a:r>
+              <a:rPr lang="de-CH" dirty="0"/>
+              <a:t>Stolpersteine (Frontend)</a:t>
+            </a:r>
+          </a:p>
+        </p:txBody>
+      </p:sp>
+      <p:sp>
+        <p:nvSpPr>
+          <p:cNvPr id="3" name="Inhaltsplatzhalter 2"/>
+          <p:cNvSpPr>
+            <a:spLocks noGrp="1"/>
+          </p:cNvSpPr>
+          <p:nvPr>
+            <p:ph idx="1"/>
+          </p:nvPr>
+        </p:nvSpPr>
+        <p:spPr/>
+        <p:txBody>
+          <a:bodyPr/>
+          <a:lstStyle/>
+          <a:p>
+            <a:pPr marL="0" indent="0">
+              <a:buNone/>
+            </a:pPr>
+            <a:r>
+              <a:rPr lang="de-CH" sz="2400" b="1" dirty="0"/>
+              <a:t>Layouts</a:t>
+            </a:r>
+          </a:p>
+          <a:p>
+            <a:pPr marL="0" indent="0">
+              <a:buNone/>
+            </a:pPr>
+            <a:r>
+              <a:rPr lang="de-CH" sz="2400" dirty="0"/>
+              <a:t>Wie kann ich Elemente da platzieren, wo ich sie haben will?</a:t>
+            </a:r>
+            <a:br>
+              <a:rPr lang="de-CH" sz="2400" dirty="0"/>
+            </a:br>
+            <a:endParaRPr lang="de-CH" sz="2400" dirty="0"/>
+          </a:p>
+          <a:p>
+            <a:pPr>
+              <a:buFont typeface="Arial" panose="020B0604020202020204" pitchFamily="34" charset="0"/>
+              <a:buChar char="•"/>
+            </a:pPr>
+            <a:r>
+              <a:rPr lang="de-CH" sz="2400" dirty="0"/>
+              <a:t> </a:t>
+            </a:r>
+            <a:r>
+              <a:rPr lang="de-CH" sz="2400" dirty="0" err="1"/>
+              <a:t>Xamarin</a:t>
+            </a:r>
+            <a:r>
+              <a:rPr lang="de-CH" sz="2400" dirty="0"/>
+              <a:t> arbeitet mit vorgefertigten Layouts für verschiedene Zwecke.</a:t>
+            </a:r>
+          </a:p>
+          <a:p>
+            <a:pPr>
+              <a:buFont typeface="Arial" panose="020B0604020202020204" pitchFamily="34" charset="0"/>
+              <a:buChar char="•"/>
+            </a:pPr>
+            <a:r>
+              <a:rPr lang="de-CH" sz="2400" dirty="0"/>
+              <a:t> Welches Layout soll für welchen Screen genommen werden?</a:t>
+            </a:r>
+          </a:p>
+        </p:txBody>
+      </p:sp>
+      <p:pic>
+        <p:nvPicPr>
+          <p:cNvPr id="4" name="Grafik 3"/>
+          <p:cNvPicPr>
+            <a:picLocks noChangeAspect="1"/>
+          </p:cNvPicPr>
+          <p:nvPr/>
+        </p:nvPicPr>
+        <p:blipFill>
+          <a:blip r:embed="rId3">
+            <a:extLst>
+              <a:ext uri="{28A0092B-C50C-407E-A947-70E740481C1C}">
+                <a14:useLocalDpi xmlns:a14="http://schemas.microsoft.com/office/drawing/2010/main" val="0"/>
+              </a:ext>
+            </a:extLst>
+          </a:blip>
+          <a:stretch>
+            <a:fillRect/>
+          </a:stretch>
+        </p:blipFill>
+        <p:spPr>
+          <a:xfrm>
+            <a:off x="1097280" y="4204284"/>
+            <a:ext cx="9663545" cy="1773184"/>
+          </a:xfrm>
+          <a:prstGeom prst="rect">
+            <a:avLst/>
+          </a:prstGeom>
+        </p:spPr>
+      </p:pic>
+    </p:spTree>
+    <p:extLst>
+      <p:ext uri="{BB962C8B-B14F-4D97-AF65-F5344CB8AC3E}">
+        <p14:creationId xmlns:p14="http://schemas.microsoft.com/office/powerpoint/2010/main" val="2492771315"/>
       </p:ext>
     </p:extLst>
   </p:cSld>

--- a/Docs/Präsentation_Kochbuch.pptx
+++ b/Docs/Präsentation_Kochbuch.pptx
@@ -7654,6 +7654,41 @@
           </a:p>
         </p:txBody>
       </p:sp>
+      <p:pic>
+        <p:nvPicPr>
+          <p:cNvPr id="4" name="FFXV Thats it! Ive come up with a new recipe! (mp3cut.net)">
+            <a:hlinkClick r:id="" action="ppaction://media"/>
+          </p:cNvPr>
+          <p:cNvPicPr>
+            <a:picLocks noChangeAspect="1"/>
+          </p:cNvPicPr>
+          <p:nvPr>
+            <a:audioFile r:link="rId2"/>
+            <p:extLst>
+              <p:ext uri="{DAA4B4D4-6D71-4841-9C94-3DE7FCFB9230}">
+                <p14:media xmlns:p14="http://schemas.microsoft.com/office/powerpoint/2010/main" r:embed="rId1">
+                  <p14:fade in="1000"/>
+                </p14:media>
+              </p:ext>
+            </p:extLst>
+          </p:nvPr>
+        </p:nvPicPr>
+        <p:blipFill>
+          <a:blip r:embed="rId4"/>
+          <a:stretch>
+            <a:fillRect/>
+          </a:stretch>
+        </p:blipFill>
+        <p:spPr>
+          <a:xfrm>
+            <a:off x="5892800" y="3225800"/>
+            <a:ext cx="406400" cy="406400"/>
+          </a:xfrm>
+          <a:prstGeom prst="rect">
+            <a:avLst/>
+          </a:prstGeom>
+        </p:spPr>
+      </p:pic>
     </p:spTree>
     <p:extLst>
       <p:ext uri="{BB962C8B-B14F-4D97-AF65-F5344CB8AC3E}">
@@ -7664,6 +7699,93 @@
   <p:clrMapOvr>
     <a:masterClrMapping/>
   </p:clrMapOvr>
+  <p:timing>
+    <p:tnLst>
+      <p:par>
+        <p:cTn id="1" dur="indefinite" restart="never" nodeType="tmRoot">
+          <p:childTnLst>
+            <p:seq concurrent="1" nextAc="seek">
+              <p:cTn id="2" dur="indefinite" nodeType="mainSeq">
+                <p:childTnLst>
+                  <p:par>
+                    <p:cTn id="3" fill="hold">
+                      <p:stCondLst>
+                        <p:cond delay="indefinite"/>
+                        <p:cond evt="onBegin" delay="0">
+                          <p:tn val="2"/>
+                        </p:cond>
+                      </p:stCondLst>
+                      <p:childTnLst>
+                        <p:par>
+                          <p:cTn id="4" fill="hold">
+                            <p:stCondLst>
+                              <p:cond delay="0"/>
+                            </p:stCondLst>
+                            <p:childTnLst>
+                              <p:par>
+                                <p:cTn id="5" presetID="1" presetClass="mediacall" presetSubtype="0" fill="hold" nodeType="afterEffect">
+                                  <p:stCondLst>
+                                    <p:cond delay="0"/>
+                                  </p:stCondLst>
+                                  <p:childTnLst>
+                                    <p:cmd type="call" cmd="playFrom(0.0)">
+                                      <p:cBhvr>
+                                        <p:cTn id="6" dur="3657" fill="hold"/>
+                                        <p:tgtEl>
+                                          <p:spTgt spid="4"/>
+                                        </p:tgtEl>
+                                      </p:cBhvr>
+                                    </p:cmd>
+                                  </p:childTnLst>
+                                </p:cTn>
+                              </p:par>
+                            </p:childTnLst>
+                          </p:cTn>
+                        </p:par>
+                      </p:childTnLst>
+                    </p:cTn>
+                  </p:par>
+                </p:childTnLst>
+              </p:cTn>
+              <p:prevCondLst>
+                <p:cond evt="onPrev" delay="0">
+                  <p:tgtEl>
+                    <p:sldTgt/>
+                  </p:tgtEl>
+                </p:cond>
+              </p:prevCondLst>
+              <p:nextCondLst>
+                <p:cond evt="onNext" delay="0">
+                  <p:tgtEl>
+                    <p:sldTgt/>
+                  </p:tgtEl>
+                </p:cond>
+              </p:nextCondLst>
+            </p:seq>
+            <p:audio>
+              <p:cMediaNode vol="80000" showWhenStopped="0">
+                <p:cTn id="7" fill="hold" display="0">
+                  <p:stCondLst>
+                    <p:cond delay="indefinite"/>
+                  </p:stCondLst>
+                  <p:endCondLst>
+                    <p:cond evt="onStopAudio" delay="0">
+                      <p:tgtEl>
+                        <p:sldTgt/>
+                      </p:tgtEl>
+                    </p:cond>
+                  </p:endCondLst>
+                </p:cTn>
+                <p:tgtEl>
+                  <p:spTgt spid="4"/>
+                </p:tgtEl>
+              </p:cMediaNode>
+            </p:audio>
+          </p:childTnLst>
+        </p:cTn>
+      </p:par>
+    </p:tnLst>
+  </p:timing>
 </p:sld>
 </file>
 
@@ -7702,7 +7824,7 @@
           <a:graphicData uri="http://schemas.openxmlformats.org/presentationml/2006/ole">
             <mc:AlternateContent xmlns:mc="http://schemas.openxmlformats.org/markup-compatibility/2006">
               <mc:Choice xmlns:v="urn:schemas-microsoft-com:vml" Requires="v">
-                <p:oleObj spid="_x0000_s1155" name="Image" r:id="rId3" imgW="4596480" imgH="4583880" progId="Photoshop.Image.16">
+                <p:oleObj spid="_x0000_s1161" name="Image" r:id="rId3" imgW="4596480" imgH="4583880" progId="Photoshop.Image.16">
                   <p:embed/>
                 </p:oleObj>
               </mc:Choice>
@@ -7769,7 +7891,7 @@
             <a:graphicData uri="http://schemas.openxmlformats.org/presentationml/2006/ole">
               <mc:AlternateContent xmlns:mc="http://schemas.openxmlformats.org/markup-compatibility/2006">
                 <mc:Choice xmlns:v="urn:schemas-microsoft-com:vml" Requires="v">
-                  <p:oleObj spid="_x0000_s1156" name="Image" r:id="rId5" imgW="4482360" imgH="4419000" progId="Photoshop.Image.16">
+                  <p:oleObj spid="_x0000_s1162" name="Image" r:id="rId5" imgW="4482360" imgH="4419000" progId="Photoshop.Image.16">
                     <p:embed/>
                   </p:oleObj>
                 </mc:Choice>
@@ -7976,7 +8098,7 @@
             <a:graphicData uri="http://schemas.openxmlformats.org/presentationml/2006/ole">
               <mc:AlternateContent xmlns:mc="http://schemas.openxmlformats.org/markup-compatibility/2006">
                 <mc:Choice xmlns:v="urn:schemas-microsoft-com:vml" Requires="v">
-                  <p:oleObj spid="_x0000_s1157" name="Image" r:id="rId8" imgW="1625040" imgH="1587240" progId="Photoshop.Image.16">
+                  <p:oleObj spid="_x0000_s1163" name="Image" r:id="rId8" imgW="1625040" imgH="1587240" progId="Photoshop.Image.16">
                     <p:embed/>
                   </p:oleObj>
                 </mc:Choice>
